--- a/Zusammenfassung Master Thesis.pptx
+++ b/Zusammenfassung Master Thesis.pptx
@@ -18,6 +18,7 @@
     <p:sldId id="265" r:id="rId12"/>
     <p:sldId id="267" r:id="rId13"/>
     <p:sldId id="268" r:id="rId14"/>
+    <p:sldId id="269" r:id="rId15"/>
   </p:sldIdLst>
   <p:sldSz cx="12192000" cy="6858000"/>
   <p:notesSz cx="6858000" cy="9144000"/>
@@ -116,6 +117,11 @@
       </a:defRPr>
     </a:lvl9pPr>
   </p:defaultTextStyle>
+  <p:extLst>
+    <p:ext uri="{EFAFB233-063F-42B5-8137-9DF3F51BA10A}">
+      <p15:sldGuideLst xmlns:p15="http://schemas.microsoft.com/office/powerpoint/2012/main"/>
+    </p:ext>
+  </p:extLst>
 </p:presentation>
 </file>
 
@@ -266,7 +272,7 @@
           <a:p>
             <a:fld id="{194A8157-88D4-4147-BBC0-E7903179BFDF}" type="datetimeFigureOut">
               <a:rPr lang="de-DE" smtClean="0"/>
-              <a:t>15.04.2025</a:t>
+              <a:t>16.04.2025</a:t>
             </a:fld>
             <a:endParaRPr lang="de-DE"/>
           </a:p>
@@ -464,7 +470,7 @@
           <a:p>
             <a:fld id="{194A8157-88D4-4147-BBC0-E7903179BFDF}" type="datetimeFigureOut">
               <a:rPr lang="de-DE" smtClean="0"/>
-              <a:t>15.04.2025</a:t>
+              <a:t>16.04.2025</a:t>
             </a:fld>
             <a:endParaRPr lang="de-DE"/>
           </a:p>
@@ -672,7 +678,7 @@
           <a:p>
             <a:fld id="{194A8157-88D4-4147-BBC0-E7903179BFDF}" type="datetimeFigureOut">
               <a:rPr lang="de-DE" smtClean="0"/>
-              <a:t>15.04.2025</a:t>
+              <a:t>16.04.2025</a:t>
             </a:fld>
             <a:endParaRPr lang="de-DE"/>
           </a:p>
@@ -870,7 +876,7 @@
           <a:p>
             <a:fld id="{194A8157-88D4-4147-BBC0-E7903179BFDF}" type="datetimeFigureOut">
               <a:rPr lang="de-DE" smtClean="0"/>
-              <a:t>15.04.2025</a:t>
+              <a:t>16.04.2025</a:t>
             </a:fld>
             <a:endParaRPr lang="de-DE"/>
           </a:p>
@@ -1145,7 +1151,7 @@
           <a:p>
             <a:fld id="{194A8157-88D4-4147-BBC0-E7903179BFDF}" type="datetimeFigureOut">
               <a:rPr lang="de-DE" smtClean="0"/>
-              <a:t>15.04.2025</a:t>
+              <a:t>16.04.2025</a:t>
             </a:fld>
             <a:endParaRPr lang="de-DE"/>
           </a:p>
@@ -1410,7 +1416,7 @@
           <a:p>
             <a:fld id="{194A8157-88D4-4147-BBC0-E7903179BFDF}" type="datetimeFigureOut">
               <a:rPr lang="de-DE" smtClean="0"/>
-              <a:t>15.04.2025</a:t>
+              <a:t>16.04.2025</a:t>
             </a:fld>
             <a:endParaRPr lang="de-DE"/>
           </a:p>
@@ -1822,7 +1828,7 @@
           <a:p>
             <a:fld id="{194A8157-88D4-4147-BBC0-E7903179BFDF}" type="datetimeFigureOut">
               <a:rPr lang="de-DE" smtClean="0"/>
-              <a:t>15.04.2025</a:t>
+              <a:t>16.04.2025</a:t>
             </a:fld>
             <a:endParaRPr lang="de-DE"/>
           </a:p>
@@ -1963,7 +1969,7 @@
           <a:p>
             <a:fld id="{194A8157-88D4-4147-BBC0-E7903179BFDF}" type="datetimeFigureOut">
               <a:rPr lang="de-DE" smtClean="0"/>
-              <a:t>15.04.2025</a:t>
+              <a:t>16.04.2025</a:t>
             </a:fld>
             <a:endParaRPr lang="de-DE"/>
           </a:p>
@@ -2076,7 +2082,7 @@
           <a:p>
             <a:fld id="{194A8157-88D4-4147-BBC0-E7903179BFDF}" type="datetimeFigureOut">
               <a:rPr lang="de-DE" smtClean="0"/>
-              <a:t>15.04.2025</a:t>
+              <a:t>16.04.2025</a:t>
             </a:fld>
             <a:endParaRPr lang="de-DE"/>
           </a:p>
@@ -2387,7 +2393,7 @@
           <a:p>
             <a:fld id="{194A8157-88D4-4147-BBC0-E7903179BFDF}" type="datetimeFigureOut">
               <a:rPr lang="de-DE" smtClean="0"/>
-              <a:t>15.04.2025</a:t>
+              <a:t>16.04.2025</a:t>
             </a:fld>
             <a:endParaRPr lang="de-DE"/>
           </a:p>
@@ -2675,7 +2681,7 @@
           <a:p>
             <a:fld id="{194A8157-88D4-4147-BBC0-E7903179BFDF}" type="datetimeFigureOut">
               <a:rPr lang="de-DE" smtClean="0"/>
-              <a:t>15.04.2025</a:t>
+              <a:t>16.04.2025</a:t>
             </a:fld>
             <a:endParaRPr lang="de-DE"/>
           </a:p>
@@ -2916,7 +2922,7 @@
           <a:p>
             <a:fld id="{194A8157-88D4-4147-BBC0-E7903179BFDF}" type="datetimeFigureOut">
               <a:rPr lang="de-DE" smtClean="0"/>
-              <a:t>15.04.2025</a:t>
+              <a:t>16.04.2025</a:t>
             </a:fld>
             <a:endParaRPr lang="de-DE"/>
           </a:p>
@@ -5287,204 +5293,9 @@
             <a:off x="643278" y="2573756"/>
             <a:ext cx="3255095" cy="18288"/>
           </a:xfrm>
-          <a:custGeom>
+          <a:prstGeom prst="rect">
             <a:avLst/>
-            <a:gdLst>
-              <a:gd name="connsiteX0" fmla="*/ 0 w 3255095"/>
-              <a:gd name="connsiteY0" fmla="*/ 0 h 18288"/>
-              <a:gd name="connsiteX1" fmla="*/ 618468 w 3255095"/>
-              <a:gd name="connsiteY1" fmla="*/ 0 h 18288"/>
-              <a:gd name="connsiteX2" fmla="*/ 1269487 w 3255095"/>
-              <a:gd name="connsiteY2" fmla="*/ 0 h 18288"/>
-              <a:gd name="connsiteX3" fmla="*/ 1953057 w 3255095"/>
-              <a:gd name="connsiteY3" fmla="*/ 0 h 18288"/>
-              <a:gd name="connsiteX4" fmla="*/ 2636627 w 3255095"/>
-              <a:gd name="connsiteY4" fmla="*/ 0 h 18288"/>
-              <a:gd name="connsiteX5" fmla="*/ 3255095 w 3255095"/>
-              <a:gd name="connsiteY5" fmla="*/ 0 h 18288"/>
-              <a:gd name="connsiteX6" fmla="*/ 3255095 w 3255095"/>
-              <a:gd name="connsiteY6" fmla="*/ 18288 h 18288"/>
-              <a:gd name="connsiteX7" fmla="*/ 2538974 w 3255095"/>
-              <a:gd name="connsiteY7" fmla="*/ 18288 h 18288"/>
-              <a:gd name="connsiteX8" fmla="*/ 1822853 w 3255095"/>
-              <a:gd name="connsiteY8" fmla="*/ 18288 h 18288"/>
-              <a:gd name="connsiteX9" fmla="*/ 1171834 w 3255095"/>
-              <a:gd name="connsiteY9" fmla="*/ 18288 h 18288"/>
-              <a:gd name="connsiteX10" fmla="*/ 0 w 3255095"/>
-              <a:gd name="connsiteY10" fmla="*/ 18288 h 18288"/>
-              <a:gd name="connsiteX11" fmla="*/ 0 w 3255095"/>
-              <a:gd name="connsiteY11" fmla="*/ 0 h 18288"/>
-            </a:gdLst>
-            <a:ahLst/>
-            <a:cxnLst>
-              <a:cxn ang="0">
-                <a:pos x="connsiteX0" y="connsiteY0"/>
-              </a:cxn>
-              <a:cxn ang="0">
-                <a:pos x="connsiteX1" y="connsiteY1"/>
-              </a:cxn>
-              <a:cxn ang="0">
-                <a:pos x="connsiteX2" y="connsiteY2"/>
-              </a:cxn>
-              <a:cxn ang="0">
-                <a:pos x="connsiteX3" y="connsiteY3"/>
-              </a:cxn>
-              <a:cxn ang="0">
-                <a:pos x="connsiteX4" y="connsiteY4"/>
-              </a:cxn>
-              <a:cxn ang="0">
-                <a:pos x="connsiteX5" y="connsiteY5"/>
-              </a:cxn>
-              <a:cxn ang="0">
-                <a:pos x="connsiteX6" y="connsiteY6"/>
-              </a:cxn>
-              <a:cxn ang="0">
-                <a:pos x="connsiteX7" y="connsiteY7"/>
-              </a:cxn>
-              <a:cxn ang="0">
-                <a:pos x="connsiteX8" y="connsiteY8"/>
-              </a:cxn>
-              <a:cxn ang="0">
-                <a:pos x="connsiteX9" y="connsiteY9"/>
-              </a:cxn>
-              <a:cxn ang="0">
-                <a:pos x="connsiteX10" y="connsiteY10"/>
-              </a:cxn>
-              <a:cxn ang="0">
-                <a:pos x="connsiteX11" y="connsiteY11"/>
-              </a:cxn>
-            </a:cxnLst>
-            <a:rect l="l" t="t" r="r" b="b"/>
-            <a:pathLst>
-              <a:path w="3255095" h="18288" fill="none" extrusionOk="0">
-                <a:moveTo>
-                  <a:pt x="0" y="0"/>
-                </a:moveTo>
-                <a:cubicBezTo>
-                  <a:pt x="240201" y="-22123"/>
-                  <a:pt x="462021" y="-19623"/>
-                  <a:pt x="618468" y="0"/>
-                </a:cubicBezTo>
-                <a:cubicBezTo>
-                  <a:pt x="774915" y="19623"/>
-                  <a:pt x="974734" y="2035"/>
-                  <a:pt x="1269487" y="0"/>
-                </a:cubicBezTo>
-                <a:cubicBezTo>
-                  <a:pt x="1564240" y="-2035"/>
-                  <a:pt x="1733579" y="10639"/>
-                  <a:pt x="1953057" y="0"/>
-                </a:cubicBezTo>
-                <a:cubicBezTo>
-                  <a:pt x="2172535" y="-10639"/>
-                  <a:pt x="2453962" y="14018"/>
-                  <a:pt x="2636627" y="0"/>
-                </a:cubicBezTo>
-                <a:cubicBezTo>
-                  <a:pt x="2819292" y="-14018"/>
-                  <a:pt x="3121375" y="5399"/>
-                  <a:pt x="3255095" y="0"/>
-                </a:cubicBezTo>
-                <a:cubicBezTo>
-                  <a:pt x="3254386" y="8157"/>
-                  <a:pt x="3254682" y="12125"/>
-                  <a:pt x="3255095" y="18288"/>
-                </a:cubicBezTo>
-                <a:cubicBezTo>
-                  <a:pt x="3088545" y="23203"/>
-                  <a:pt x="2687475" y="7419"/>
-                  <a:pt x="2538974" y="18288"/>
-                </a:cubicBezTo>
-                <a:cubicBezTo>
-                  <a:pt x="2390473" y="29157"/>
-                  <a:pt x="2137381" y="-8959"/>
-                  <a:pt x="1822853" y="18288"/>
-                </a:cubicBezTo>
-                <a:cubicBezTo>
-                  <a:pt x="1508325" y="45535"/>
-                  <a:pt x="1466437" y="20385"/>
-                  <a:pt x="1171834" y="18288"/>
-                </a:cubicBezTo>
-                <a:cubicBezTo>
-                  <a:pt x="877231" y="16191"/>
-                  <a:pt x="561097" y="37643"/>
-                  <a:pt x="0" y="18288"/>
-                </a:cubicBezTo>
-                <a:cubicBezTo>
-                  <a:pt x="-46" y="12483"/>
-                  <a:pt x="-203" y="6491"/>
-                  <a:pt x="0" y="0"/>
-                </a:cubicBezTo>
-                <a:close/>
-              </a:path>
-              <a:path w="3255095" h="18288" stroke="0" extrusionOk="0">
-                <a:moveTo>
-                  <a:pt x="0" y="0"/>
-                </a:moveTo>
-                <a:cubicBezTo>
-                  <a:pt x="291965" y="19429"/>
-                  <a:pt x="363155" y="8568"/>
-                  <a:pt x="618468" y="0"/>
-                </a:cubicBezTo>
-                <a:cubicBezTo>
-                  <a:pt x="873781" y="-8568"/>
-                  <a:pt x="904459" y="-19505"/>
-                  <a:pt x="1171834" y="0"/>
-                </a:cubicBezTo>
-                <a:cubicBezTo>
-                  <a:pt x="1439209" y="19505"/>
-                  <a:pt x="1744369" y="9790"/>
-                  <a:pt x="1887955" y="0"/>
-                </a:cubicBezTo>
-                <a:cubicBezTo>
-                  <a:pt x="2031541" y="-9790"/>
-                  <a:pt x="2346378" y="21240"/>
-                  <a:pt x="2506423" y="0"/>
-                </a:cubicBezTo>
-                <a:cubicBezTo>
-                  <a:pt x="2666468" y="-21240"/>
-                  <a:pt x="2990257" y="30414"/>
-                  <a:pt x="3255095" y="0"/>
-                </a:cubicBezTo>
-                <a:cubicBezTo>
-                  <a:pt x="3254831" y="4493"/>
-                  <a:pt x="3255479" y="9472"/>
-                  <a:pt x="3255095" y="18288"/>
-                </a:cubicBezTo>
-                <a:cubicBezTo>
-                  <a:pt x="3120743" y="16690"/>
-                  <a:pt x="2759628" y="42462"/>
-                  <a:pt x="2604076" y="18288"/>
-                </a:cubicBezTo>
-                <a:cubicBezTo>
-                  <a:pt x="2448524" y="-5886"/>
-                  <a:pt x="2184336" y="19599"/>
-                  <a:pt x="1887955" y="18288"/>
-                </a:cubicBezTo>
-                <a:cubicBezTo>
-                  <a:pt x="1591574" y="16977"/>
-                  <a:pt x="1548845" y="6870"/>
-                  <a:pt x="1334589" y="18288"/>
-                </a:cubicBezTo>
-                <a:cubicBezTo>
-                  <a:pt x="1120333" y="29706"/>
-                  <a:pt x="996014" y="9662"/>
-                  <a:pt x="683570" y="18288"/>
-                </a:cubicBezTo>
-                <a:cubicBezTo>
-                  <a:pt x="371126" y="26914"/>
-                  <a:pt x="198687" y="16167"/>
-                  <a:pt x="0" y="18288"/>
-                </a:cubicBezTo>
-                <a:cubicBezTo>
-                  <a:pt x="843" y="9577"/>
-                  <a:pt x="371" y="6900"/>
-                  <a:pt x="0" y="0"/>
-                </a:cubicBezTo>
-                <a:close/>
-              </a:path>
-            </a:pathLst>
-          </a:custGeom>
+          </a:prstGeom>
           <a:solidFill>
             <a:schemeClr val="accent2"/>
           </a:solidFill>
@@ -5496,9 +5307,204 @@
             <a:extLst>
               <a:ext uri="{C807C97D-BFC1-408E-A445-0C87EB9F89A2}">
                 <ask:lineSketchStyleProps xmlns:ask="http://schemas.microsoft.com/office/drawing/2018/sketchyshapes" sd="1219033472">
-                  <a:prstGeom prst="rect">
+                  <a:custGeom>
                     <a:avLst/>
-                  </a:prstGeom>
+                    <a:gdLst>
+                      <a:gd name="connsiteX0" fmla="*/ 0 w 3255095"/>
+                      <a:gd name="connsiteY0" fmla="*/ 0 h 18288"/>
+                      <a:gd name="connsiteX1" fmla="*/ 618468 w 3255095"/>
+                      <a:gd name="connsiteY1" fmla="*/ 0 h 18288"/>
+                      <a:gd name="connsiteX2" fmla="*/ 1269487 w 3255095"/>
+                      <a:gd name="connsiteY2" fmla="*/ 0 h 18288"/>
+                      <a:gd name="connsiteX3" fmla="*/ 1953057 w 3255095"/>
+                      <a:gd name="connsiteY3" fmla="*/ 0 h 18288"/>
+                      <a:gd name="connsiteX4" fmla="*/ 2636627 w 3255095"/>
+                      <a:gd name="connsiteY4" fmla="*/ 0 h 18288"/>
+                      <a:gd name="connsiteX5" fmla="*/ 3255095 w 3255095"/>
+                      <a:gd name="connsiteY5" fmla="*/ 0 h 18288"/>
+                      <a:gd name="connsiteX6" fmla="*/ 3255095 w 3255095"/>
+                      <a:gd name="connsiteY6" fmla="*/ 18288 h 18288"/>
+                      <a:gd name="connsiteX7" fmla="*/ 2538974 w 3255095"/>
+                      <a:gd name="connsiteY7" fmla="*/ 18288 h 18288"/>
+                      <a:gd name="connsiteX8" fmla="*/ 1822853 w 3255095"/>
+                      <a:gd name="connsiteY8" fmla="*/ 18288 h 18288"/>
+                      <a:gd name="connsiteX9" fmla="*/ 1171834 w 3255095"/>
+                      <a:gd name="connsiteY9" fmla="*/ 18288 h 18288"/>
+                      <a:gd name="connsiteX10" fmla="*/ 0 w 3255095"/>
+                      <a:gd name="connsiteY10" fmla="*/ 18288 h 18288"/>
+                      <a:gd name="connsiteX11" fmla="*/ 0 w 3255095"/>
+                      <a:gd name="connsiteY11" fmla="*/ 0 h 18288"/>
+                    </a:gdLst>
+                    <a:ahLst/>
+                    <a:cxnLst>
+                      <a:cxn ang="0">
+                        <a:pos x="connsiteX0" y="connsiteY0"/>
+                      </a:cxn>
+                      <a:cxn ang="0">
+                        <a:pos x="connsiteX1" y="connsiteY1"/>
+                      </a:cxn>
+                      <a:cxn ang="0">
+                        <a:pos x="connsiteX2" y="connsiteY2"/>
+                      </a:cxn>
+                      <a:cxn ang="0">
+                        <a:pos x="connsiteX3" y="connsiteY3"/>
+                      </a:cxn>
+                      <a:cxn ang="0">
+                        <a:pos x="connsiteX4" y="connsiteY4"/>
+                      </a:cxn>
+                      <a:cxn ang="0">
+                        <a:pos x="connsiteX5" y="connsiteY5"/>
+                      </a:cxn>
+                      <a:cxn ang="0">
+                        <a:pos x="connsiteX6" y="connsiteY6"/>
+                      </a:cxn>
+                      <a:cxn ang="0">
+                        <a:pos x="connsiteX7" y="connsiteY7"/>
+                      </a:cxn>
+                      <a:cxn ang="0">
+                        <a:pos x="connsiteX8" y="connsiteY8"/>
+                      </a:cxn>
+                      <a:cxn ang="0">
+                        <a:pos x="connsiteX9" y="connsiteY9"/>
+                      </a:cxn>
+                      <a:cxn ang="0">
+                        <a:pos x="connsiteX10" y="connsiteY10"/>
+                      </a:cxn>
+                      <a:cxn ang="0">
+                        <a:pos x="connsiteX11" y="connsiteY11"/>
+                      </a:cxn>
+                    </a:cxnLst>
+                    <a:rect l="l" t="t" r="r" b="b"/>
+                    <a:pathLst>
+                      <a:path w="3255095" h="18288" fill="none" extrusionOk="0">
+                        <a:moveTo>
+                          <a:pt x="0" y="0"/>
+                        </a:moveTo>
+                        <a:cubicBezTo>
+                          <a:pt x="240201" y="-22123"/>
+                          <a:pt x="462021" y="-19623"/>
+                          <a:pt x="618468" y="0"/>
+                        </a:cubicBezTo>
+                        <a:cubicBezTo>
+                          <a:pt x="774915" y="19623"/>
+                          <a:pt x="974734" y="2035"/>
+                          <a:pt x="1269487" y="0"/>
+                        </a:cubicBezTo>
+                        <a:cubicBezTo>
+                          <a:pt x="1564240" y="-2035"/>
+                          <a:pt x="1733579" y="10639"/>
+                          <a:pt x="1953057" y="0"/>
+                        </a:cubicBezTo>
+                        <a:cubicBezTo>
+                          <a:pt x="2172535" y="-10639"/>
+                          <a:pt x="2453962" y="14018"/>
+                          <a:pt x="2636627" y="0"/>
+                        </a:cubicBezTo>
+                        <a:cubicBezTo>
+                          <a:pt x="2819292" y="-14018"/>
+                          <a:pt x="3121375" y="5399"/>
+                          <a:pt x="3255095" y="0"/>
+                        </a:cubicBezTo>
+                        <a:cubicBezTo>
+                          <a:pt x="3254386" y="8157"/>
+                          <a:pt x="3254682" y="12125"/>
+                          <a:pt x="3255095" y="18288"/>
+                        </a:cubicBezTo>
+                        <a:cubicBezTo>
+                          <a:pt x="3088545" y="23203"/>
+                          <a:pt x="2687475" y="7419"/>
+                          <a:pt x="2538974" y="18288"/>
+                        </a:cubicBezTo>
+                        <a:cubicBezTo>
+                          <a:pt x="2390473" y="29157"/>
+                          <a:pt x="2137381" y="-8959"/>
+                          <a:pt x="1822853" y="18288"/>
+                        </a:cubicBezTo>
+                        <a:cubicBezTo>
+                          <a:pt x="1508325" y="45535"/>
+                          <a:pt x="1466437" y="20385"/>
+                          <a:pt x="1171834" y="18288"/>
+                        </a:cubicBezTo>
+                        <a:cubicBezTo>
+                          <a:pt x="877231" y="16191"/>
+                          <a:pt x="561097" y="37643"/>
+                          <a:pt x="0" y="18288"/>
+                        </a:cubicBezTo>
+                        <a:cubicBezTo>
+                          <a:pt x="-46" y="12483"/>
+                          <a:pt x="-203" y="6491"/>
+                          <a:pt x="0" y="0"/>
+                        </a:cubicBezTo>
+                        <a:close/>
+                      </a:path>
+                      <a:path w="3255095" h="18288" stroke="0" extrusionOk="0">
+                        <a:moveTo>
+                          <a:pt x="0" y="0"/>
+                        </a:moveTo>
+                        <a:cubicBezTo>
+                          <a:pt x="291965" y="19429"/>
+                          <a:pt x="363155" y="8568"/>
+                          <a:pt x="618468" y="0"/>
+                        </a:cubicBezTo>
+                        <a:cubicBezTo>
+                          <a:pt x="873781" y="-8568"/>
+                          <a:pt x="904459" y="-19505"/>
+                          <a:pt x="1171834" y="0"/>
+                        </a:cubicBezTo>
+                        <a:cubicBezTo>
+                          <a:pt x="1439209" y="19505"/>
+                          <a:pt x="1744369" y="9790"/>
+                          <a:pt x="1887955" y="0"/>
+                        </a:cubicBezTo>
+                        <a:cubicBezTo>
+                          <a:pt x="2031541" y="-9790"/>
+                          <a:pt x="2346378" y="21240"/>
+                          <a:pt x="2506423" y="0"/>
+                        </a:cubicBezTo>
+                        <a:cubicBezTo>
+                          <a:pt x="2666468" y="-21240"/>
+                          <a:pt x="2990257" y="30414"/>
+                          <a:pt x="3255095" y="0"/>
+                        </a:cubicBezTo>
+                        <a:cubicBezTo>
+                          <a:pt x="3254831" y="4493"/>
+                          <a:pt x="3255479" y="9472"/>
+                          <a:pt x="3255095" y="18288"/>
+                        </a:cubicBezTo>
+                        <a:cubicBezTo>
+                          <a:pt x="3120743" y="16690"/>
+                          <a:pt x="2759628" y="42462"/>
+                          <a:pt x="2604076" y="18288"/>
+                        </a:cubicBezTo>
+                        <a:cubicBezTo>
+                          <a:pt x="2448524" y="-5886"/>
+                          <a:pt x="2184336" y="19599"/>
+                          <a:pt x="1887955" y="18288"/>
+                        </a:cubicBezTo>
+                        <a:cubicBezTo>
+                          <a:pt x="1591574" y="16977"/>
+                          <a:pt x="1548845" y="6870"/>
+                          <a:pt x="1334589" y="18288"/>
+                        </a:cubicBezTo>
+                        <a:cubicBezTo>
+                          <a:pt x="1120333" y="29706"/>
+                          <a:pt x="996014" y="9662"/>
+                          <a:pt x="683570" y="18288"/>
+                        </a:cubicBezTo>
+                        <a:cubicBezTo>
+                          <a:pt x="371126" y="26914"/>
+                          <a:pt x="198687" y="16167"/>
+                          <a:pt x="0" y="18288"/>
+                        </a:cubicBezTo>
+                        <a:cubicBezTo>
+                          <a:pt x="843" y="9577"/>
+                          <a:pt x="371" y="6900"/>
+                          <a:pt x="0" y="0"/>
+                        </a:cubicBezTo>
+                        <a:close/>
+                      </a:path>
+                    </a:pathLst>
+                  </a:custGeom>
                   <ask:type>
                     <ask:lineSketchFreehand/>
                   </ask:type>
@@ -5834,17 +5840,2005 @@
           <a:p>
             <a:r>
               <a:rPr lang="de-DE" dirty="0"/>
-              <a:t>Weitere Ansätze siehe Email</a:t>
+              <a:t>OCEL Data </a:t>
+            </a:r>
+            <a:r>
+              <a:rPr lang="de-DE" dirty="0" err="1"/>
+              <a:t>Structure</a:t>
+            </a:r>
+            <a:r>
+              <a:rPr lang="de-DE" dirty="0"/>
+              <a:t> (wie besprochen)</a:t>
             </a:r>
           </a:p>
         </p:txBody>
       </p:sp>
+      <p:graphicFrame>
+        <p:nvGraphicFramePr>
+          <p:cNvPr id="10" name="Tabelle 9">
+            <a:extLst>
+              <a:ext uri="{FF2B5EF4-FFF2-40B4-BE49-F238E27FC236}">
+                <a16:creationId xmlns:a16="http://schemas.microsoft.com/office/drawing/2014/main" id="{60FC937C-91B7-76E0-34DD-4FEF60FA5A9D}"/>
+              </a:ext>
+            </a:extLst>
+          </p:cNvPr>
+          <p:cNvGraphicFramePr>
+            <a:graphicFrameLocks noGrp="1"/>
+          </p:cNvGraphicFramePr>
+          <p:nvPr/>
+        </p:nvGraphicFramePr>
+        <p:xfrm>
+          <a:off x="2714893" y="1574763"/>
+          <a:ext cx="6762213" cy="4853062"/>
+        </p:xfrm>
+        <a:graphic>
+          <a:graphicData uri="http://schemas.openxmlformats.org/drawingml/2006/table">
+            <a:tbl>
+              <a:tblPr/>
+              <a:tblGrid>
+                <a:gridCol w="2254071">
+                  <a:extLst>
+                    <a:ext uri="{9D8B030D-6E8A-4147-A177-3AD203B41FA5}">
+                      <a16:colId xmlns:a16="http://schemas.microsoft.com/office/drawing/2014/main" val="3851051335"/>
+                    </a:ext>
+                  </a:extLst>
+                </a:gridCol>
+                <a:gridCol w="2254071">
+                  <a:extLst>
+                    <a:ext uri="{9D8B030D-6E8A-4147-A177-3AD203B41FA5}">
+                      <a16:colId xmlns:a16="http://schemas.microsoft.com/office/drawing/2014/main" val="25078875"/>
+                    </a:ext>
+                  </a:extLst>
+                </a:gridCol>
+                <a:gridCol w="2254071">
+                  <a:extLst>
+                    <a:ext uri="{9D8B030D-6E8A-4147-A177-3AD203B41FA5}">
+                      <a16:colId xmlns:a16="http://schemas.microsoft.com/office/drawing/2014/main" val="522814201"/>
+                    </a:ext>
+                  </a:extLst>
+                </a:gridCol>
+              </a:tblGrid>
+              <a:tr h="235207">
+                <a:tc>
+                  <a:txBody>
+                    <a:bodyPr/>
+                    <a:lstStyle/>
+                    <a:p>
+                      <a:r>
+                        <a:rPr lang="de-DE" sz="1200" b="1">
+                          <a:effectLst/>
+                          <a:latin typeface="Google Sans Text"/>
+                        </a:rPr>
+                        <a:t>Column Name</a:t>
+                      </a:r>
+                      <a:endParaRPr lang="de-DE" sz="1200">
+                        <a:effectLst/>
+                        <a:latin typeface="Google Sans Text"/>
+                      </a:endParaRPr>
+                    </a:p>
+                  </a:txBody>
+                  <a:tcPr marL="58802" marR="58802" marT="29401" marB="29401" anchor="ctr">
+                    <a:lnL w="9525" cap="flat" cmpd="sng" algn="ctr">
+                      <a:solidFill>
+                        <a:schemeClr val="bg1"/>
+                      </a:solidFill>
+                      <a:prstDash val="solid"/>
+                      <a:round/>
+                      <a:headEnd type="none" w="med" len="med"/>
+                      <a:tailEnd type="none" w="med" len="med"/>
+                    </a:lnL>
+                    <a:lnR w="9525" cap="flat" cmpd="sng" algn="ctr">
+                      <a:solidFill>
+                        <a:schemeClr val="bg1"/>
+                      </a:solidFill>
+                      <a:prstDash val="solid"/>
+                      <a:round/>
+                      <a:headEnd type="none" w="med" len="med"/>
+                      <a:tailEnd type="none" w="med" len="med"/>
+                    </a:lnR>
+                    <a:lnT w="9525" cap="flat" cmpd="sng" algn="ctr">
+                      <a:solidFill>
+                        <a:schemeClr val="bg1"/>
+                      </a:solidFill>
+                      <a:prstDash val="solid"/>
+                      <a:round/>
+                      <a:headEnd type="none" w="med" len="med"/>
+                      <a:tailEnd type="none" w="med" len="med"/>
+                    </a:lnT>
+                    <a:lnB w="9525" cap="flat" cmpd="sng" algn="ctr">
+                      <a:solidFill>
+                        <a:schemeClr val="bg1"/>
+                      </a:solidFill>
+                      <a:prstDash val="solid"/>
+                      <a:round/>
+                      <a:headEnd type="none" w="med" len="med"/>
+                      <a:tailEnd type="none" w="med" len="med"/>
+                    </a:lnB>
+                    <a:noFill/>
+                  </a:tcPr>
+                </a:tc>
+                <a:tc>
+                  <a:txBody>
+                    <a:bodyPr/>
+                    <a:lstStyle/>
+                    <a:p>
+                      <a:r>
+                        <a:rPr lang="de-DE" sz="1200" b="1">
+                          <a:effectLst/>
+                          <a:latin typeface="Google Sans Text"/>
+                        </a:rPr>
+                        <a:t>Data Type</a:t>
+                      </a:r>
+                      <a:endParaRPr lang="de-DE" sz="1200">
+                        <a:effectLst/>
+                        <a:latin typeface="Google Sans Text"/>
+                      </a:endParaRPr>
+                    </a:p>
+                  </a:txBody>
+                  <a:tcPr marL="58802" marR="58802" marT="29401" marB="29401" anchor="ctr">
+                    <a:lnL w="9525" cap="flat" cmpd="sng" algn="ctr">
+                      <a:solidFill>
+                        <a:schemeClr val="bg1"/>
+                      </a:solidFill>
+                      <a:prstDash val="solid"/>
+                      <a:round/>
+                      <a:headEnd type="none" w="med" len="med"/>
+                      <a:tailEnd type="none" w="med" len="med"/>
+                    </a:lnL>
+                    <a:lnR w="9525" cap="flat" cmpd="sng" algn="ctr">
+                      <a:solidFill>
+                        <a:schemeClr val="bg1"/>
+                      </a:solidFill>
+                      <a:prstDash val="solid"/>
+                      <a:round/>
+                      <a:headEnd type="none" w="med" len="med"/>
+                      <a:tailEnd type="none" w="med" len="med"/>
+                    </a:lnR>
+                    <a:lnT w="9525" cap="flat" cmpd="sng" algn="ctr">
+                      <a:solidFill>
+                        <a:schemeClr val="bg1"/>
+                      </a:solidFill>
+                      <a:prstDash val="solid"/>
+                      <a:round/>
+                      <a:headEnd type="none" w="med" len="med"/>
+                      <a:tailEnd type="none" w="med" len="med"/>
+                    </a:lnT>
+                    <a:lnB w="9525" cap="flat" cmpd="sng" algn="ctr">
+                      <a:solidFill>
+                        <a:schemeClr val="bg1"/>
+                      </a:solidFill>
+                      <a:prstDash val="solid"/>
+                      <a:round/>
+                      <a:headEnd type="none" w="med" len="med"/>
+                      <a:tailEnd type="none" w="med" len="med"/>
+                    </a:lnB>
+                    <a:noFill/>
+                  </a:tcPr>
+                </a:tc>
+                <a:tc>
+                  <a:txBody>
+                    <a:bodyPr/>
+                    <a:lstStyle/>
+                    <a:p>
+                      <a:r>
+                        <a:rPr lang="de-DE" sz="1200" b="1">
+                          <a:effectLst/>
+                          <a:latin typeface="Google Sans Text"/>
+                        </a:rPr>
+                        <a:t>Description</a:t>
+                      </a:r>
+                      <a:endParaRPr lang="de-DE" sz="1200">
+                        <a:effectLst/>
+                        <a:latin typeface="Google Sans Text"/>
+                      </a:endParaRPr>
+                    </a:p>
+                  </a:txBody>
+                  <a:tcPr marL="58802" marR="58802" marT="29401" marB="29401" anchor="ctr">
+                    <a:lnL w="9525" cap="flat" cmpd="sng" algn="ctr">
+                      <a:solidFill>
+                        <a:schemeClr val="bg1"/>
+                      </a:solidFill>
+                      <a:prstDash val="solid"/>
+                      <a:round/>
+                      <a:headEnd type="none" w="med" len="med"/>
+                      <a:tailEnd type="none" w="med" len="med"/>
+                    </a:lnL>
+                    <a:lnR w="9525" cap="flat" cmpd="sng" algn="ctr">
+                      <a:solidFill>
+                        <a:schemeClr val="bg1"/>
+                      </a:solidFill>
+                      <a:prstDash val="solid"/>
+                      <a:round/>
+                      <a:headEnd type="none" w="med" len="med"/>
+                      <a:tailEnd type="none" w="med" len="med"/>
+                    </a:lnR>
+                    <a:lnT w="9525" cap="flat" cmpd="sng" algn="ctr">
+                      <a:solidFill>
+                        <a:schemeClr val="bg1"/>
+                      </a:solidFill>
+                      <a:prstDash val="solid"/>
+                      <a:round/>
+                      <a:headEnd type="none" w="med" len="med"/>
+                      <a:tailEnd type="none" w="med" len="med"/>
+                    </a:lnT>
+                    <a:lnB w="9525" cap="flat" cmpd="sng" algn="ctr">
+                      <a:solidFill>
+                        <a:schemeClr val="bg1"/>
+                      </a:solidFill>
+                      <a:prstDash val="solid"/>
+                      <a:round/>
+                      <a:headEnd type="none" w="med" len="med"/>
+                      <a:tailEnd type="none" w="med" len="med"/>
+                    </a:lnB>
+                    <a:noFill/>
+                  </a:tcPr>
+                </a:tc>
+                <a:extLst>
+                  <a:ext uri="{0D108BD9-81ED-4DB2-BD59-A6C34878D82A}">
+                    <a16:rowId xmlns:a16="http://schemas.microsoft.com/office/drawing/2014/main" val="357900894"/>
+                  </a:ext>
+                </a:extLst>
+              </a:tr>
+              <a:tr h="411613">
+                <a:tc>
+                  <a:txBody>
+                    <a:bodyPr/>
+                    <a:lstStyle/>
+                    <a:p>
+                      <a:pPr algn="l"/>
+                      <a:r>
+                        <a:rPr lang="de-DE" sz="1200">
+                          <a:effectLst/>
+                          <a:latin typeface="Google Sans Text"/>
+                        </a:rPr>
+                        <a:t>process_execution_id</a:t>
+                      </a:r>
+                    </a:p>
+                  </a:txBody>
+                  <a:tcPr marL="58802" marR="58802" marT="29401" marB="29401" anchor="ctr">
+                    <a:lnL w="9525" cap="flat" cmpd="sng" algn="ctr">
+                      <a:solidFill>
+                        <a:schemeClr val="bg1"/>
+                      </a:solidFill>
+                      <a:prstDash val="solid"/>
+                      <a:round/>
+                      <a:headEnd type="none" w="med" len="med"/>
+                      <a:tailEnd type="none" w="med" len="med"/>
+                    </a:lnL>
+                    <a:lnR w="9525" cap="flat" cmpd="sng" algn="ctr">
+                      <a:solidFill>
+                        <a:schemeClr val="bg1"/>
+                      </a:solidFill>
+                      <a:prstDash val="solid"/>
+                      <a:round/>
+                      <a:headEnd type="none" w="med" len="med"/>
+                      <a:tailEnd type="none" w="med" len="med"/>
+                    </a:lnR>
+                    <a:lnT w="9525" cap="flat" cmpd="sng" algn="ctr">
+                      <a:solidFill>
+                        <a:schemeClr val="bg1"/>
+                      </a:solidFill>
+                      <a:prstDash val="solid"/>
+                      <a:round/>
+                      <a:headEnd type="none" w="med" len="med"/>
+                      <a:tailEnd type="none" w="med" len="med"/>
+                    </a:lnT>
+                    <a:lnB w="9525" cap="flat" cmpd="sng" algn="ctr">
+                      <a:solidFill>
+                        <a:schemeClr val="bg1"/>
+                      </a:solidFill>
+                      <a:prstDash val="solid"/>
+                      <a:round/>
+                      <a:headEnd type="none" w="med" len="med"/>
+                      <a:tailEnd type="none" w="med" len="med"/>
+                    </a:lnB>
+                    <a:noFill/>
+                  </a:tcPr>
+                </a:tc>
+                <a:tc>
+                  <a:txBody>
+                    <a:bodyPr/>
+                    <a:lstStyle/>
+                    <a:p>
+                      <a:pPr algn="l"/>
+                      <a:r>
+                        <a:rPr lang="de-DE" sz="1200">
+                          <a:effectLst/>
+                          <a:latin typeface="Google Sans Text"/>
+                        </a:rPr>
+                        <a:t>int</a:t>
+                      </a:r>
+                    </a:p>
+                  </a:txBody>
+                  <a:tcPr marL="58802" marR="58802" marT="29401" marB="29401" anchor="ctr">
+                    <a:lnL w="9525" cap="flat" cmpd="sng" algn="ctr">
+                      <a:solidFill>
+                        <a:schemeClr val="bg1"/>
+                      </a:solidFill>
+                      <a:prstDash val="solid"/>
+                      <a:round/>
+                      <a:headEnd type="none" w="med" len="med"/>
+                      <a:tailEnd type="none" w="med" len="med"/>
+                    </a:lnL>
+                    <a:lnR w="9525" cap="flat" cmpd="sng" algn="ctr">
+                      <a:solidFill>
+                        <a:schemeClr val="bg1"/>
+                      </a:solidFill>
+                      <a:prstDash val="solid"/>
+                      <a:round/>
+                      <a:headEnd type="none" w="med" len="med"/>
+                      <a:tailEnd type="none" w="med" len="med"/>
+                    </a:lnR>
+                    <a:lnT w="9525" cap="flat" cmpd="sng" algn="ctr">
+                      <a:solidFill>
+                        <a:schemeClr val="bg1"/>
+                      </a:solidFill>
+                      <a:prstDash val="solid"/>
+                      <a:round/>
+                      <a:headEnd type="none" w="med" len="med"/>
+                      <a:tailEnd type="none" w="med" len="med"/>
+                    </a:lnT>
+                    <a:lnB w="9525" cap="flat" cmpd="sng" algn="ctr">
+                      <a:solidFill>
+                        <a:schemeClr val="bg1"/>
+                      </a:solidFill>
+                      <a:prstDash val="solid"/>
+                      <a:round/>
+                      <a:headEnd type="none" w="med" len="med"/>
+                      <a:tailEnd type="none" w="med" len="med"/>
+                    </a:lnB>
+                    <a:noFill/>
+                  </a:tcPr>
+                </a:tc>
+                <a:tc>
+                  <a:txBody>
+                    <a:bodyPr/>
+                    <a:lstStyle/>
+                    <a:p>
+                      <a:pPr algn="l"/>
+                      <a:r>
+                        <a:rPr lang="en-US" sz="1200">
+                          <a:effectLst/>
+                          <a:latin typeface="Google Sans Text"/>
+                        </a:rPr>
+                        <a:t>Unique identifier for the specific process recorded.</a:t>
+                      </a:r>
+                    </a:p>
+                  </a:txBody>
+                  <a:tcPr marL="58802" marR="58802" marT="29401" marB="29401" anchor="ctr">
+                    <a:lnL w="9525" cap="flat" cmpd="sng" algn="ctr">
+                      <a:solidFill>
+                        <a:schemeClr val="bg1"/>
+                      </a:solidFill>
+                      <a:prstDash val="solid"/>
+                      <a:round/>
+                      <a:headEnd type="none" w="med" len="med"/>
+                      <a:tailEnd type="none" w="med" len="med"/>
+                    </a:lnL>
+                    <a:lnR w="9525" cap="flat" cmpd="sng" algn="ctr">
+                      <a:solidFill>
+                        <a:schemeClr val="bg1"/>
+                      </a:solidFill>
+                      <a:prstDash val="solid"/>
+                      <a:round/>
+                      <a:headEnd type="none" w="med" len="med"/>
+                      <a:tailEnd type="none" w="med" len="med"/>
+                    </a:lnR>
+                    <a:lnT w="9525" cap="flat" cmpd="sng" algn="ctr">
+                      <a:solidFill>
+                        <a:schemeClr val="bg1"/>
+                      </a:solidFill>
+                      <a:prstDash val="solid"/>
+                      <a:round/>
+                      <a:headEnd type="none" w="med" len="med"/>
+                      <a:tailEnd type="none" w="med" len="med"/>
+                    </a:lnT>
+                    <a:lnB w="9525" cap="flat" cmpd="sng" algn="ctr">
+                      <a:solidFill>
+                        <a:schemeClr val="bg1"/>
+                      </a:solidFill>
+                      <a:prstDash val="solid"/>
+                      <a:round/>
+                      <a:headEnd type="none" w="med" len="med"/>
+                      <a:tailEnd type="none" w="med" len="med"/>
+                    </a:lnB>
+                    <a:noFill/>
+                  </a:tcPr>
+                </a:tc>
+                <a:extLst>
+                  <a:ext uri="{0D108BD9-81ED-4DB2-BD59-A6C34878D82A}">
+                    <a16:rowId xmlns:a16="http://schemas.microsoft.com/office/drawing/2014/main" val="562029194"/>
+                  </a:ext>
+                </a:extLst>
+              </a:tr>
+              <a:tr h="411613">
+                <a:tc>
+                  <a:txBody>
+                    <a:bodyPr/>
+                    <a:lstStyle/>
+                    <a:p>
+                      <a:pPr algn="l"/>
+                      <a:r>
+                        <a:rPr lang="de-DE" sz="1200">
+                          <a:effectLst/>
+                          <a:latin typeface="Google Sans Text"/>
+                        </a:rPr>
+                        <a:t>order_id</a:t>
+                      </a:r>
+                    </a:p>
+                  </a:txBody>
+                  <a:tcPr marL="58802" marR="58802" marT="29401" marB="29401" anchor="ctr">
+                    <a:lnL w="9525" cap="flat" cmpd="sng" algn="ctr">
+                      <a:solidFill>
+                        <a:schemeClr val="bg1"/>
+                      </a:solidFill>
+                      <a:prstDash val="solid"/>
+                      <a:round/>
+                      <a:headEnd type="none" w="med" len="med"/>
+                      <a:tailEnd type="none" w="med" len="med"/>
+                    </a:lnL>
+                    <a:lnR w="9525" cap="flat" cmpd="sng" algn="ctr">
+                      <a:solidFill>
+                        <a:schemeClr val="bg1"/>
+                      </a:solidFill>
+                      <a:prstDash val="solid"/>
+                      <a:round/>
+                      <a:headEnd type="none" w="med" len="med"/>
+                      <a:tailEnd type="none" w="med" len="med"/>
+                    </a:lnR>
+                    <a:lnT w="9525" cap="flat" cmpd="sng" algn="ctr">
+                      <a:solidFill>
+                        <a:schemeClr val="bg1"/>
+                      </a:solidFill>
+                      <a:prstDash val="solid"/>
+                      <a:round/>
+                      <a:headEnd type="none" w="med" len="med"/>
+                      <a:tailEnd type="none" w="med" len="med"/>
+                    </a:lnT>
+                    <a:lnB w="9525" cap="flat" cmpd="sng" algn="ctr">
+                      <a:solidFill>
+                        <a:schemeClr val="bg1"/>
+                      </a:solidFill>
+                      <a:prstDash val="solid"/>
+                      <a:round/>
+                      <a:headEnd type="none" w="med" len="med"/>
+                      <a:tailEnd type="none" w="med" len="med"/>
+                    </a:lnB>
+                    <a:noFill/>
+                  </a:tcPr>
+                </a:tc>
+                <a:tc>
+                  <a:txBody>
+                    <a:bodyPr/>
+                    <a:lstStyle/>
+                    <a:p>
+                      <a:pPr algn="l"/>
+                      <a:r>
+                        <a:rPr lang="de-DE" sz="1200">
+                          <a:effectLst/>
+                          <a:latin typeface="Google Sans Text"/>
+                        </a:rPr>
+                        <a:t>Index (int/str)</a:t>
+                      </a:r>
+                    </a:p>
+                  </a:txBody>
+                  <a:tcPr marL="58802" marR="58802" marT="29401" marB="29401" anchor="ctr">
+                    <a:lnL w="9525" cap="flat" cmpd="sng" algn="ctr">
+                      <a:solidFill>
+                        <a:schemeClr val="bg1"/>
+                      </a:solidFill>
+                      <a:prstDash val="solid"/>
+                      <a:round/>
+                      <a:headEnd type="none" w="med" len="med"/>
+                      <a:tailEnd type="none" w="med" len="med"/>
+                    </a:lnL>
+                    <a:lnR w="9525" cap="flat" cmpd="sng" algn="ctr">
+                      <a:solidFill>
+                        <a:schemeClr val="bg1"/>
+                      </a:solidFill>
+                      <a:prstDash val="solid"/>
+                      <a:round/>
+                      <a:headEnd type="none" w="med" len="med"/>
+                      <a:tailEnd type="none" w="med" len="med"/>
+                    </a:lnR>
+                    <a:lnT w="9525" cap="flat" cmpd="sng" algn="ctr">
+                      <a:solidFill>
+                        <a:schemeClr val="bg1"/>
+                      </a:solidFill>
+                      <a:prstDash val="solid"/>
+                      <a:round/>
+                      <a:headEnd type="none" w="med" len="med"/>
+                      <a:tailEnd type="none" w="med" len="med"/>
+                    </a:lnT>
+                    <a:lnB w="9525" cap="flat" cmpd="sng" algn="ctr">
+                      <a:solidFill>
+                        <a:schemeClr val="bg1"/>
+                      </a:solidFill>
+                      <a:prstDash val="solid"/>
+                      <a:round/>
+                      <a:headEnd type="none" w="med" len="med"/>
+                      <a:tailEnd type="none" w="med" len="med"/>
+                    </a:lnB>
+                    <a:noFill/>
+                  </a:tcPr>
+                </a:tc>
+                <a:tc>
+                  <a:txBody>
+                    <a:bodyPr/>
+                    <a:lstStyle/>
+                    <a:p>
+                      <a:pPr algn="l"/>
+                      <a:r>
+                        <a:rPr lang="en-US" sz="1200">
+                          <a:effectLst/>
+                          <a:latin typeface="Google Sans Text"/>
+                        </a:rPr>
+                        <a:t>Identifier for the overall manufacturing order.</a:t>
+                      </a:r>
+                    </a:p>
+                  </a:txBody>
+                  <a:tcPr marL="58802" marR="58802" marT="29401" marB="29401" anchor="ctr">
+                    <a:lnL w="9525" cap="flat" cmpd="sng" algn="ctr">
+                      <a:solidFill>
+                        <a:schemeClr val="bg1"/>
+                      </a:solidFill>
+                      <a:prstDash val="solid"/>
+                      <a:round/>
+                      <a:headEnd type="none" w="med" len="med"/>
+                      <a:tailEnd type="none" w="med" len="med"/>
+                    </a:lnL>
+                    <a:lnR w="9525" cap="flat" cmpd="sng" algn="ctr">
+                      <a:solidFill>
+                        <a:schemeClr val="bg1"/>
+                      </a:solidFill>
+                      <a:prstDash val="solid"/>
+                      <a:round/>
+                      <a:headEnd type="none" w="med" len="med"/>
+                      <a:tailEnd type="none" w="med" len="med"/>
+                    </a:lnR>
+                    <a:lnT w="9525" cap="flat" cmpd="sng" algn="ctr">
+                      <a:solidFill>
+                        <a:schemeClr val="bg1"/>
+                      </a:solidFill>
+                      <a:prstDash val="solid"/>
+                      <a:round/>
+                      <a:headEnd type="none" w="med" len="med"/>
+                      <a:tailEnd type="none" w="med" len="med"/>
+                    </a:lnT>
+                    <a:lnB w="9525" cap="flat" cmpd="sng" algn="ctr">
+                      <a:solidFill>
+                        <a:schemeClr val="bg1"/>
+                      </a:solidFill>
+                      <a:prstDash val="solid"/>
+                      <a:round/>
+                      <a:headEnd type="none" w="med" len="med"/>
+                      <a:tailEnd type="none" w="med" len="med"/>
+                    </a:lnB>
+                    <a:noFill/>
+                  </a:tcPr>
+                </a:tc>
+                <a:extLst>
+                  <a:ext uri="{0D108BD9-81ED-4DB2-BD59-A6C34878D82A}">
+                    <a16:rowId xmlns:a16="http://schemas.microsoft.com/office/drawing/2014/main" val="1388916359"/>
+                  </a:ext>
+                </a:extLst>
+              </a:tr>
+              <a:tr h="411613">
+                <a:tc>
+                  <a:txBody>
+                    <a:bodyPr/>
+                    <a:lstStyle/>
+                    <a:p>
+                      <a:pPr algn="l"/>
+                      <a:r>
+                        <a:rPr lang="de-DE" sz="1200">
+                          <a:effectLst/>
+                          <a:latin typeface="Google Sans Text"/>
+                        </a:rPr>
+                        <a:t>start_time</a:t>
+                      </a:r>
+                    </a:p>
+                  </a:txBody>
+                  <a:tcPr marL="58802" marR="58802" marT="29401" marB="29401" anchor="ctr">
+                    <a:lnL w="9525" cap="flat" cmpd="sng" algn="ctr">
+                      <a:solidFill>
+                        <a:schemeClr val="bg1"/>
+                      </a:solidFill>
+                      <a:prstDash val="solid"/>
+                      <a:round/>
+                      <a:headEnd type="none" w="med" len="med"/>
+                      <a:tailEnd type="none" w="med" len="med"/>
+                    </a:lnL>
+                    <a:lnR w="9525" cap="flat" cmpd="sng" algn="ctr">
+                      <a:solidFill>
+                        <a:schemeClr val="bg1"/>
+                      </a:solidFill>
+                      <a:prstDash val="solid"/>
+                      <a:round/>
+                      <a:headEnd type="none" w="med" len="med"/>
+                      <a:tailEnd type="none" w="med" len="med"/>
+                    </a:lnR>
+                    <a:lnT w="9525" cap="flat" cmpd="sng" algn="ctr">
+                      <a:solidFill>
+                        <a:schemeClr val="bg1"/>
+                      </a:solidFill>
+                      <a:prstDash val="solid"/>
+                      <a:round/>
+                      <a:headEnd type="none" w="med" len="med"/>
+                      <a:tailEnd type="none" w="med" len="med"/>
+                    </a:lnT>
+                    <a:lnB w="9525" cap="flat" cmpd="sng" algn="ctr">
+                      <a:solidFill>
+                        <a:schemeClr val="bg1"/>
+                      </a:solidFill>
+                      <a:prstDash val="solid"/>
+                      <a:round/>
+                      <a:headEnd type="none" w="med" len="med"/>
+                      <a:tailEnd type="none" w="med" len="med"/>
+                    </a:lnB>
+                    <a:noFill/>
+                  </a:tcPr>
+                </a:tc>
+                <a:tc>
+                  <a:txBody>
+                    <a:bodyPr/>
+                    <a:lstStyle/>
+                    <a:p>
+                      <a:pPr algn="l"/>
+                      <a:r>
+                        <a:rPr lang="de-DE" sz="1200">
+                          <a:effectLst/>
+                          <a:latin typeface="Google Sans Text"/>
+                        </a:rPr>
+                        <a:t>Timestamp [UTC]</a:t>
+                      </a:r>
+                    </a:p>
+                  </a:txBody>
+                  <a:tcPr marL="58802" marR="58802" marT="29401" marB="29401" anchor="ctr">
+                    <a:lnL w="9525" cap="flat" cmpd="sng" algn="ctr">
+                      <a:solidFill>
+                        <a:schemeClr val="bg1"/>
+                      </a:solidFill>
+                      <a:prstDash val="solid"/>
+                      <a:round/>
+                      <a:headEnd type="none" w="med" len="med"/>
+                      <a:tailEnd type="none" w="med" len="med"/>
+                    </a:lnL>
+                    <a:lnR w="9525" cap="flat" cmpd="sng" algn="ctr">
+                      <a:solidFill>
+                        <a:schemeClr val="bg1"/>
+                      </a:solidFill>
+                      <a:prstDash val="solid"/>
+                      <a:round/>
+                      <a:headEnd type="none" w="med" len="med"/>
+                      <a:tailEnd type="none" w="med" len="med"/>
+                    </a:lnR>
+                    <a:lnT w="9525" cap="flat" cmpd="sng" algn="ctr">
+                      <a:solidFill>
+                        <a:schemeClr val="bg1"/>
+                      </a:solidFill>
+                      <a:prstDash val="solid"/>
+                      <a:round/>
+                      <a:headEnd type="none" w="med" len="med"/>
+                      <a:tailEnd type="none" w="med" len="med"/>
+                    </a:lnT>
+                    <a:lnB w="9525" cap="flat" cmpd="sng" algn="ctr">
+                      <a:solidFill>
+                        <a:schemeClr val="bg1"/>
+                      </a:solidFill>
+                      <a:prstDash val="solid"/>
+                      <a:round/>
+                      <a:headEnd type="none" w="med" len="med"/>
+                      <a:tailEnd type="none" w="med" len="med"/>
+                    </a:lnB>
+                    <a:noFill/>
+                  </a:tcPr>
+                </a:tc>
+                <a:tc>
+                  <a:txBody>
+                    <a:bodyPr/>
+                    <a:lstStyle/>
+                    <a:p>
+                      <a:pPr algn="l"/>
+                      <a:r>
+                        <a:rPr lang="en-US" sz="1200">
+                          <a:effectLst/>
+                          <a:latin typeface="Google Sans Text"/>
+                        </a:rPr>
+                        <a:t>Precise start timestamp of the event (UTC).</a:t>
+                      </a:r>
+                    </a:p>
+                  </a:txBody>
+                  <a:tcPr marL="58802" marR="58802" marT="29401" marB="29401" anchor="ctr">
+                    <a:lnL w="9525" cap="flat" cmpd="sng" algn="ctr">
+                      <a:solidFill>
+                        <a:schemeClr val="bg1"/>
+                      </a:solidFill>
+                      <a:prstDash val="solid"/>
+                      <a:round/>
+                      <a:headEnd type="none" w="med" len="med"/>
+                      <a:tailEnd type="none" w="med" len="med"/>
+                    </a:lnL>
+                    <a:lnR w="9525" cap="flat" cmpd="sng" algn="ctr">
+                      <a:solidFill>
+                        <a:schemeClr val="bg1"/>
+                      </a:solidFill>
+                      <a:prstDash val="solid"/>
+                      <a:round/>
+                      <a:headEnd type="none" w="med" len="med"/>
+                      <a:tailEnd type="none" w="med" len="med"/>
+                    </a:lnR>
+                    <a:lnT w="9525" cap="flat" cmpd="sng" algn="ctr">
+                      <a:solidFill>
+                        <a:schemeClr val="bg1"/>
+                      </a:solidFill>
+                      <a:prstDash val="solid"/>
+                      <a:round/>
+                      <a:headEnd type="none" w="med" len="med"/>
+                      <a:tailEnd type="none" w="med" len="med"/>
+                    </a:lnT>
+                    <a:lnB w="9525" cap="flat" cmpd="sng" algn="ctr">
+                      <a:solidFill>
+                        <a:schemeClr val="bg1"/>
+                      </a:solidFill>
+                      <a:prstDash val="solid"/>
+                      <a:round/>
+                      <a:headEnd type="none" w="med" len="med"/>
+                      <a:tailEnd type="none" w="med" len="med"/>
+                    </a:lnB>
+                    <a:noFill/>
+                  </a:tcPr>
+                </a:tc>
+                <a:extLst>
+                  <a:ext uri="{0D108BD9-81ED-4DB2-BD59-A6C34878D82A}">
+                    <a16:rowId xmlns:a16="http://schemas.microsoft.com/office/drawing/2014/main" val="2822258136"/>
+                  </a:ext>
+                </a:extLst>
+              </a:tr>
+              <a:tr h="411613">
+                <a:tc>
+                  <a:txBody>
+                    <a:bodyPr/>
+                    <a:lstStyle/>
+                    <a:p>
+                      <a:pPr algn="l"/>
+                      <a:r>
+                        <a:rPr lang="de-DE" sz="1200">
+                          <a:effectLst/>
+                          <a:latin typeface="Google Sans Text"/>
+                        </a:rPr>
+                        <a:t>end_time</a:t>
+                      </a:r>
+                    </a:p>
+                  </a:txBody>
+                  <a:tcPr marL="58802" marR="58802" marT="29401" marB="29401" anchor="ctr">
+                    <a:lnL w="9525" cap="flat" cmpd="sng" algn="ctr">
+                      <a:solidFill>
+                        <a:schemeClr val="bg1"/>
+                      </a:solidFill>
+                      <a:prstDash val="solid"/>
+                      <a:round/>
+                      <a:headEnd type="none" w="med" len="med"/>
+                      <a:tailEnd type="none" w="med" len="med"/>
+                    </a:lnL>
+                    <a:lnR w="9525" cap="flat" cmpd="sng" algn="ctr">
+                      <a:solidFill>
+                        <a:schemeClr val="bg1"/>
+                      </a:solidFill>
+                      <a:prstDash val="solid"/>
+                      <a:round/>
+                      <a:headEnd type="none" w="med" len="med"/>
+                      <a:tailEnd type="none" w="med" len="med"/>
+                    </a:lnR>
+                    <a:lnT w="9525" cap="flat" cmpd="sng" algn="ctr">
+                      <a:solidFill>
+                        <a:schemeClr val="bg1"/>
+                      </a:solidFill>
+                      <a:prstDash val="solid"/>
+                      <a:round/>
+                      <a:headEnd type="none" w="med" len="med"/>
+                      <a:tailEnd type="none" w="med" len="med"/>
+                    </a:lnT>
+                    <a:lnB w="9525" cap="flat" cmpd="sng" algn="ctr">
+                      <a:solidFill>
+                        <a:schemeClr val="bg1"/>
+                      </a:solidFill>
+                      <a:prstDash val="solid"/>
+                      <a:round/>
+                      <a:headEnd type="none" w="med" len="med"/>
+                      <a:tailEnd type="none" w="med" len="med"/>
+                    </a:lnB>
+                    <a:noFill/>
+                  </a:tcPr>
+                </a:tc>
+                <a:tc>
+                  <a:txBody>
+                    <a:bodyPr/>
+                    <a:lstStyle/>
+                    <a:p>
+                      <a:pPr algn="l"/>
+                      <a:r>
+                        <a:rPr lang="de-DE" sz="1200">
+                          <a:effectLst/>
+                          <a:latin typeface="Google Sans Text"/>
+                        </a:rPr>
+                        <a:t>Timestamp [UTC]</a:t>
+                      </a:r>
+                    </a:p>
+                  </a:txBody>
+                  <a:tcPr marL="58802" marR="58802" marT="29401" marB="29401" anchor="ctr">
+                    <a:lnL w="9525" cap="flat" cmpd="sng" algn="ctr">
+                      <a:solidFill>
+                        <a:schemeClr val="bg1"/>
+                      </a:solidFill>
+                      <a:prstDash val="solid"/>
+                      <a:round/>
+                      <a:headEnd type="none" w="med" len="med"/>
+                      <a:tailEnd type="none" w="med" len="med"/>
+                    </a:lnL>
+                    <a:lnR w="9525" cap="flat" cmpd="sng" algn="ctr">
+                      <a:solidFill>
+                        <a:schemeClr val="bg1"/>
+                      </a:solidFill>
+                      <a:prstDash val="solid"/>
+                      <a:round/>
+                      <a:headEnd type="none" w="med" len="med"/>
+                      <a:tailEnd type="none" w="med" len="med"/>
+                    </a:lnR>
+                    <a:lnT w="9525" cap="flat" cmpd="sng" algn="ctr">
+                      <a:solidFill>
+                        <a:schemeClr val="bg1"/>
+                      </a:solidFill>
+                      <a:prstDash val="solid"/>
+                      <a:round/>
+                      <a:headEnd type="none" w="med" len="med"/>
+                      <a:tailEnd type="none" w="med" len="med"/>
+                    </a:lnT>
+                    <a:lnB w="9525" cap="flat" cmpd="sng" algn="ctr">
+                      <a:solidFill>
+                        <a:schemeClr val="bg1"/>
+                      </a:solidFill>
+                      <a:prstDash val="solid"/>
+                      <a:round/>
+                      <a:headEnd type="none" w="med" len="med"/>
+                      <a:tailEnd type="none" w="med" len="med"/>
+                    </a:lnB>
+                    <a:noFill/>
+                  </a:tcPr>
+                </a:tc>
+                <a:tc>
+                  <a:txBody>
+                    <a:bodyPr/>
+                    <a:lstStyle/>
+                    <a:p>
+                      <a:pPr algn="l"/>
+                      <a:r>
+                        <a:rPr lang="en-US" sz="1200">
+                          <a:effectLst/>
+                          <a:latin typeface="Google Sans Text"/>
+                        </a:rPr>
+                        <a:t>Precise end timestamp of the event (UTC).</a:t>
+                      </a:r>
+                    </a:p>
+                  </a:txBody>
+                  <a:tcPr marL="58802" marR="58802" marT="29401" marB="29401" anchor="ctr">
+                    <a:lnL w="9525" cap="flat" cmpd="sng" algn="ctr">
+                      <a:solidFill>
+                        <a:schemeClr val="bg1"/>
+                      </a:solidFill>
+                      <a:prstDash val="solid"/>
+                      <a:round/>
+                      <a:headEnd type="none" w="med" len="med"/>
+                      <a:tailEnd type="none" w="med" len="med"/>
+                    </a:lnL>
+                    <a:lnR w="9525" cap="flat" cmpd="sng" algn="ctr">
+                      <a:solidFill>
+                        <a:schemeClr val="bg1"/>
+                      </a:solidFill>
+                      <a:prstDash val="solid"/>
+                      <a:round/>
+                      <a:headEnd type="none" w="med" len="med"/>
+                      <a:tailEnd type="none" w="med" len="med"/>
+                    </a:lnR>
+                    <a:lnT w="9525" cap="flat" cmpd="sng" algn="ctr">
+                      <a:solidFill>
+                        <a:schemeClr val="bg1"/>
+                      </a:solidFill>
+                      <a:prstDash val="solid"/>
+                      <a:round/>
+                      <a:headEnd type="none" w="med" len="med"/>
+                      <a:tailEnd type="none" w="med" len="med"/>
+                    </a:lnT>
+                    <a:lnB w="9525" cap="flat" cmpd="sng" algn="ctr">
+                      <a:solidFill>
+                        <a:schemeClr val="bg1"/>
+                      </a:solidFill>
+                      <a:prstDash val="solid"/>
+                      <a:round/>
+                      <a:headEnd type="none" w="med" len="med"/>
+                      <a:tailEnd type="none" w="med" len="med"/>
+                    </a:lnB>
+                    <a:noFill/>
+                  </a:tcPr>
+                </a:tc>
+                <a:extLst>
+                  <a:ext uri="{0D108BD9-81ED-4DB2-BD59-A6C34878D82A}">
+                    <a16:rowId xmlns:a16="http://schemas.microsoft.com/office/drawing/2014/main" val="1957617440"/>
+                  </a:ext>
+                </a:extLst>
+              </a:tr>
+              <a:tr h="411613">
+                <a:tc>
+                  <a:txBody>
+                    <a:bodyPr/>
+                    <a:lstStyle/>
+                    <a:p>
+                      <a:pPr algn="l"/>
+                      <a:r>
+                        <a:rPr lang="de-DE" sz="1200">
+                          <a:effectLst/>
+                          <a:latin typeface="Google Sans Text"/>
+                        </a:rPr>
+                        <a:t>duration</a:t>
+                      </a:r>
+                    </a:p>
+                  </a:txBody>
+                  <a:tcPr marL="58802" marR="58802" marT="29401" marB="29401" anchor="ctr">
+                    <a:lnL w="9525" cap="flat" cmpd="sng" algn="ctr">
+                      <a:solidFill>
+                        <a:schemeClr val="bg1"/>
+                      </a:solidFill>
+                      <a:prstDash val="solid"/>
+                      <a:round/>
+                      <a:headEnd type="none" w="med" len="med"/>
+                      <a:tailEnd type="none" w="med" len="med"/>
+                    </a:lnL>
+                    <a:lnR w="9525" cap="flat" cmpd="sng" algn="ctr">
+                      <a:solidFill>
+                        <a:schemeClr val="bg1"/>
+                      </a:solidFill>
+                      <a:prstDash val="solid"/>
+                      <a:round/>
+                      <a:headEnd type="none" w="med" len="med"/>
+                      <a:tailEnd type="none" w="med" len="med"/>
+                    </a:lnR>
+                    <a:lnT w="9525" cap="flat" cmpd="sng" algn="ctr">
+                      <a:solidFill>
+                        <a:schemeClr val="bg1"/>
+                      </a:solidFill>
+                      <a:prstDash val="solid"/>
+                      <a:round/>
+                      <a:headEnd type="none" w="med" len="med"/>
+                      <a:tailEnd type="none" w="med" len="med"/>
+                    </a:lnT>
+                    <a:lnB w="9525" cap="flat" cmpd="sng" algn="ctr">
+                      <a:solidFill>
+                        <a:schemeClr val="bg1"/>
+                      </a:solidFill>
+                      <a:prstDash val="solid"/>
+                      <a:round/>
+                      <a:headEnd type="none" w="med" len="med"/>
+                      <a:tailEnd type="none" w="med" len="med"/>
+                    </a:lnB>
+                    <a:noFill/>
+                  </a:tcPr>
+                </a:tc>
+                <a:tc>
+                  <a:txBody>
+                    <a:bodyPr/>
+                    <a:lstStyle/>
+                    <a:p>
+                      <a:pPr algn="l"/>
+                      <a:r>
+                        <a:rPr lang="de-DE" sz="1200">
+                          <a:effectLst/>
+                          <a:latin typeface="Google Sans Text"/>
+                        </a:rPr>
+                        <a:t>float (seconds)</a:t>
+                      </a:r>
+                    </a:p>
+                  </a:txBody>
+                  <a:tcPr marL="58802" marR="58802" marT="29401" marB="29401" anchor="ctr">
+                    <a:lnL w="9525" cap="flat" cmpd="sng" algn="ctr">
+                      <a:solidFill>
+                        <a:schemeClr val="bg1"/>
+                      </a:solidFill>
+                      <a:prstDash val="solid"/>
+                      <a:round/>
+                      <a:headEnd type="none" w="med" len="med"/>
+                      <a:tailEnd type="none" w="med" len="med"/>
+                    </a:lnL>
+                    <a:lnR w="9525" cap="flat" cmpd="sng" algn="ctr">
+                      <a:solidFill>
+                        <a:schemeClr val="bg1"/>
+                      </a:solidFill>
+                      <a:prstDash val="solid"/>
+                      <a:round/>
+                      <a:headEnd type="none" w="med" len="med"/>
+                      <a:tailEnd type="none" w="med" len="med"/>
+                    </a:lnR>
+                    <a:lnT w="9525" cap="flat" cmpd="sng" algn="ctr">
+                      <a:solidFill>
+                        <a:schemeClr val="bg1"/>
+                      </a:solidFill>
+                      <a:prstDash val="solid"/>
+                      <a:round/>
+                      <a:headEnd type="none" w="med" len="med"/>
+                      <a:tailEnd type="none" w="med" len="med"/>
+                    </a:lnT>
+                    <a:lnB w="9525" cap="flat" cmpd="sng" algn="ctr">
+                      <a:solidFill>
+                        <a:schemeClr val="bg1"/>
+                      </a:solidFill>
+                      <a:prstDash val="solid"/>
+                      <a:round/>
+                      <a:headEnd type="none" w="med" len="med"/>
+                      <a:tailEnd type="none" w="med" len="med"/>
+                    </a:lnB>
+                    <a:noFill/>
+                  </a:tcPr>
+                </a:tc>
+                <a:tc>
+                  <a:txBody>
+                    <a:bodyPr/>
+                    <a:lstStyle/>
+                    <a:p>
+                      <a:pPr algn="l"/>
+                      <a:r>
+                        <a:rPr lang="en-US" sz="1200">
+                          <a:effectLst/>
+                          <a:latin typeface="Google Sans Text"/>
+                        </a:rPr>
+                        <a:t>Calculated event duration (end_time - start_time) in seconds.</a:t>
+                      </a:r>
+                    </a:p>
+                  </a:txBody>
+                  <a:tcPr marL="58802" marR="58802" marT="29401" marB="29401" anchor="ctr">
+                    <a:lnL w="9525" cap="flat" cmpd="sng" algn="ctr">
+                      <a:solidFill>
+                        <a:schemeClr val="bg1"/>
+                      </a:solidFill>
+                      <a:prstDash val="solid"/>
+                      <a:round/>
+                      <a:headEnd type="none" w="med" len="med"/>
+                      <a:tailEnd type="none" w="med" len="med"/>
+                    </a:lnL>
+                    <a:lnR w="9525" cap="flat" cmpd="sng" algn="ctr">
+                      <a:solidFill>
+                        <a:schemeClr val="bg1"/>
+                      </a:solidFill>
+                      <a:prstDash val="solid"/>
+                      <a:round/>
+                      <a:headEnd type="none" w="med" len="med"/>
+                      <a:tailEnd type="none" w="med" len="med"/>
+                    </a:lnR>
+                    <a:lnT w="9525" cap="flat" cmpd="sng" algn="ctr">
+                      <a:solidFill>
+                        <a:schemeClr val="bg1"/>
+                      </a:solidFill>
+                      <a:prstDash val="solid"/>
+                      <a:round/>
+                      <a:headEnd type="none" w="med" len="med"/>
+                      <a:tailEnd type="none" w="med" len="med"/>
+                    </a:lnT>
+                    <a:lnB w="9525" cap="flat" cmpd="sng" algn="ctr">
+                      <a:solidFill>
+                        <a:schemeClr val="bg1"/>
+                      </a:solidFill>
+                      <a:prstDash val="solid"/>
+                      <a:round/>
+                      <a:headEnd type="none" w="med" len="med"/>
+                      <a:tailEnd type="none" w="med" len="med"/>
+                    </a:lnB>
+                    <a:noFill/>
+                  </a:tcPr>
+                </a:tc>
+                <a:extLst>
+                  <a:ext uri="{0D108BD9-81ED-4DB2-BD59-A6C34878D82A}">
+                    <a16:rowId xmlns:a16="http://schemas.microsoft.com/office/drawing/2014/main" val="1038714796"/>
+                  </a:ext>
+                </a:extLst>
+              </a:tr>
+              <a:tr h="411613">
+                <a:tc>
+                  <a:txBody>
+                    <a:bodyPr/>
+                    <a:lstStyle/>
+                    <a:p>
+                      <a:pPr algn="l"/>
+                      <a:r>
+                        <a:rPr lang="de-DE" sz="1200">
+                          <a:effectLst/>
+                          <a:latin typeface="Google Sans Text"/>
+                        </a:rPr>
+                        <a:t>part_id</a:t>
+                      </a:r>
+                    </a:p>
+                  </a:txBody>
+                  <a:tcPr marL="58802" marR="58802" marT="29401" marB="29401" anchor="ctr">
+                    <a:lnL w="9525" cap="flat" cmpd="sng" algn="ctr">
+                      <a:solidFill>
+                        <a:schemeClr val="bg1"/>
+                      </a:solidFill>
+                      <a:prstDash val="solid"/>
+                      <a:round/>
+                      <a:headEnd type="none" w="med" len="med"/>
+                      <a:tailEnd type="none" w="med" len="med"/>
+                    </a:lnL>
+                    <a:lnR w="9525" cap="flat" cmpd="sng" algn="ctr">
+                      <a:solidFill>
+                        <a:schemeClr val="bg1"/>
+                      </a:solidFill>
+                      <a:prstDash val="solid"/>
+                      <a:round/>
+                      <a:headEnd type="none" w="med" len="med"/>
+                      <a:tailEnd type="none" w="med" len="med"/>
+                    </a:lnR>
+                    <a:lnT w="9525" cap="flat" cmpd="sng" algn="ctr">
+                      <a:solidFill>
+                        <a:schemeClr val="bg1"/>
+                      </a:solidFill>
+                      <a:prstDash val="solid"/>
+                      <a:round/>
+                      <a:headEnd type="none" w="med" len="med"/>
+                      <a:tailEnd type="none" w="med" len="med"/>
+                    </a:lnT>
+                    <a:lnB w="9525" cap="flat" cmpd="sng" algn="ctr">
+                      <a:solidFill>
+                        <a:schemeClr val="bg1"/>
+                      </a:solidFill>
+                      <a:prstDash val="solid"/>
+                      <a:round/>
+                      <a:headEnd type="none" w="med" len="med"/>
+                      <a:tailEnd type="none" w="med" len="med"/>
+                    </a:lnB>
+                    <a:noFill/>
+                  </a:tcPr>
+                </a:tc>
+                <a:tc>
+                  <a:txBody>
+                    <a:bodyPr/>
+                    <a:lstStyle/>
+                    <a:p>
+                      <a:pPr algn="l"/>
+                      <a:r>
+                        <a:rPr lang="de-DE" sz="1200">
+                          <a:effectLst/>
+                          <a:latin typeface="Google Sans Text"/>
+                        </a:rPr>
+                        <a:t>int</a:t>
+                      </a:r>
+                    </a:p>
+                  </a:txBody>
+                  <a:tcPr marL="58802" marR="58802" marT="29401" marB="29401" anchor="ctr">
+                    <a:lnL w="9525" cap="flat" cmpd="sng" algn="ctr">
+                      <a:solidFill>
+                        <a:schemeClr val="bg1"/>
+                      </a:solidFill>
+                      <a:prstDash val="solid"/>
+                      <a:round/>
+                      <a:headEnd type="none" w="med" len="med"/>
+                      <a:tailEnd type="none" w="med" len="med"/>
+                    </a:lnL>
+                    <a:lnR w="9525" cap="flat" cmpd="sng" algn="ctr">
+                      <a:solidFill>
+                        <a:schemeClr val="bg1"/>
+                      </a:solidFill>
+                      <a:prstDash val="solid"/>
+                      <a:round/>
+                      <a:headEnd type="none" w="med" len="med"/>
+                      <a:tailEnd type="none" w="med" len="med"/>
+                    </a:lnR>
+                    <a:lnT w="9525" cap="flat" cmpd="sng" algn="ctr">
+                      <a:solidFill>
+                        <a:schemeClr val="bg1"/>
+                      </a:solidFill>
+                      <a:prstDash val="solid"/>
+                      <a:round/>
+                      <a:headEnd type="none" w="med" len="med"/>
+                      <a:tailEnd type="none" w="med" len="med"/>
+                    </a:lnT>
+                    <a:lnB w="9525" cap="flat" cmpd="sng" algn="ctr">
+                      <a:solidFill>
+                        <a:schemeClr val="bg1"/>
+                      </a:solidFill>
+                      <a:prstDash val="solid"/>
+                      <a:round/>
+                      <a:headEnd type="none" w="med" len="med"/>
+                      <a:tailEnd type="none" w="med" len="med"/>
+                    </a:lnB>
+                    <a:noFill/>
+                  </a:tcPr>
+                </a:tc>
+                <a:tc>
+                  <a:txBody>
+                    <a:bodyPr/>
+                    <a:lstStyle/>
+                    <a:p>
+                      <a:pPr algn="l"/>
+                      <a:r>
+                        <a:rPr lang="en-US" sz="1200">
+                          <a:effectLst/>
+                          <a:latin typeface="Google Sans Text"/>
+                        </a:rPr>
+                        <a:t>Identifier for the specific part/component being processed.</a:t>
+                      </a:r>
+                    </a:p>
+                  </a:txBody>
+                  <a:tcPr marL="58802" marR="58802" marT="29401" marB="29401" anchor="ctr">
+                    <a:lnL w="9525" cap="flat" cmpd="sng" algn="ctr">
+                      <a:solidFill>
+                        <a:schemeClr val="bg1"/>
+                      </a:solidFill>
+                      <a:prstDash val="solid"/>
+                      <a:round/>
+                      <a:headEnd type="none" w="med" len="med"/>
+                      <a:tailEnd type="none" w="med" len="med"/>
+                    </a:lnL>
+                    <a:lnR w="9525" cap="flat" cmpd="sng" algn="ctr">
+                      <a:solidFill>
+                        <a:schemeClr val="bg1"/>
+                      </a:solidFill>
+                      <a:prstDash val="solid"/>
+                      <a:round/>
+                      <a:headEnd type="none" w="med" len="med"/>
+                      <a:tailEnd type="none" w="med" len="med"/>
+                    </a:lnR>
+                    <a:lnT w="9525" cap="flat" cmpd="sng" algn="ctr">
+                      <a:solidFill>
+                        <a:schemeClr val="bg1"/>
+                      </a:solidFill>
+                      <a:prstDash val="solid"/>
+                      <a:round/>
+                      <a:headEnd type="none" w="med" len="med"/>
+                      <a:tailEnd type="none" w="med" len="med"/>
+                    </a:lnT>
+                    <a:lnB w="9525" cap="flat" cmpd="sng" algn="ctr">
+                      <a:solidFill>
+                        <a:schemeClr val="bg1"/>
+                      </a:solidFill>
+                      <a:prstDash val="solid"/>
+                      <a:round/>
+                      <a:headEnd type="none" w="med" len="med"/>
+                      <a:tailEnd type="none" w="med" len="med"/>
+                    </a:lnB>
+                    <a:noFill/>
+                  </a:tcPr>
+                </a:tc>
+                <a:extLst>
+                  <a:ext uri="{0D108BD9-81ED-4DB2-BD59-A6C34878D82A}">
+                    <a16:rowId xmlns:a16="http://schemas.microsoft.com/office/drawing/2014/main" val="3768578336"/>
+                  </a:ext>
+                </a:extLst>
+              </a:tr>
+              <a:tr h="411613">
+                <a:tc>
+                  <a:txBody>
+                    <a:bodyPr/>
+                    <a:lstStyle/>
+                    <a:p>
+                      <a:pPr algn="l"/>
+                      <a:r>
+                        <a:rPr lang="de-DE" sz="1200">
+                          <a:effectLst/>
+                          <a:latin typeface="Google Sans Text"/>
+                        </a:rPr>
+                        <a:t>resource_id</a:t>
+                      </a:r>
+                    </a:p>
+                  </a:txBody>
+                  <a:tcPr marL="58802" marR="58802" marT="29401" marB="29401" anchor="ctr">
+                    <a:lnL w="9525" cap="flat" cmpd="sng" algn="ctr">
+                      <a:solidFill>
+                        <a:schemeClr val="bg1"/>
+                      </a:solidFill>
+                      <a:prstDash val="solid"/>
+                      <a:round/>
+                      <a:headEnd type="none" w="med" len="med"/>
+                      <a:tailEnd type="none" w="med" len="med"/>
+                    </a:lnL>
+                    <a:lnR w="9525" cap="flat" cmpd="sng" algn="ctr">
+                      <a:solidFill>
+                        <a:schemeClr val="bg1"/>
+                      </a:solidFill>
+                      <a:prstDash val="solid"/>
+                      <a:round/>
+                      <a:headEnd type="none" w="med" len="med"/>
+                      <a:tailEnd type="none" w="med" len="med"/>
+                    </a:lnR>
+                    <a:lnT w="9525" cap="flat" cmpd="sng" algn="ctr">
+                      <a:solidFill>
+                        <a:schemeClr val="bg1"/>
+                      </a:solidFill>
+                      <a:prstDash val="solid"/>
+                      <a:round/>
+                      <a:headEnd type="none" w="med" len="med"/>
+                      <a:tailEnd type="none" w="med" len="med"/>
+                    </a:lnT>
+                    <a:lnB w="9525" cap="flat" cmpd="sng" algn="ctr">
+                      <a:solidFill>
+                        <a:schemeClr val="bg1"/>
+                      </a:solidFill>
+                      <a:prstDash val="solid"/>
+                      <a:round/>
+                      <a:headEnd type="none" w="med" len="med"/>
+                      <a:tailEnd type="none" w="med" len="med"/>
+                    </a:lnB>
+                    <a:noFill/>
+                  </a:tcPr>
+                </a:tc>
+                <a:tc>
+                  <a:txBody>
+                    <a:bodyPr/>
+                    <a:lstStyle/>
+                    <a:p>
+                      <a:pPr algn="l"/>
+                      <a:r>
+                        <a:rPr lang="de-DE" sz="1200">
+                          <a:effectLst/>
+                          <a:latin typeface="Google Sans Text"/>
+                        </a:rPr>
+                        <a:t>int</a:t>
+                      </a:r>
+                    </a:p>
+                  </a:txBody>
+                  <a:tcPr marL="58802" marR="58802" marT="29401" marB="29401" anchor="ctr">
+                    <a:lnL w="9525" cap="flat" cmpd="sng" algn="ctr">
+                      <a:solidFill>
+                        <a:schemeClr val="bg1"/>
+                      </a:solidFill>
+                      <a:prstDash val="solid"/>
+                      <a:round/>
+                      <a:headEnd type="none" w="med" len="med"/>
+                      <a:tailEnd type="none" w="med" len="med"/>
+                    </a:lnL>
+                    <a:lnR w="9525" cap="flat" cmpd="sng" algn="ctr">
+                      <a:solidFill>
+                        <a:schemeClr val="bg1"/>
+                      </a:solidFill>
+                      <a:prstDash val="solid"/>
+                      <a:round/>
+                      <a:headEnd type="none" w="med" len="med"/>
+                      <a:tailEnd type="none" w="med" len="med"/>
+                    </a:lnR>
+                    <a:lnT w="9525" cap="flat" cmpd="sng" algn="ctr">
+                      <a:solidFill>
+                        <a:schemeClr val="bg1"/>
+                      </a:solidFill>
+                      <a:prstDash val="solid"/>
+                      <a:round/>
+                      <a:headEnd type="none" w="med" len="med"/>
+                      <a:tailEnd type="none" w="med" len="med"/>
+                    </a:lnT>
+                    <a:lnB w="9525" cap="flat" cmpd="sng" algn="ctr">
+                      <a:solidFill>
+                        <a:schemeClr val="bg1"/>
+                      </a:solidFill>
+                      <a:prstDash val="solid"/>
+                      <a:round/>
+                      <a:headEnd type="none" w="med" len="med"/>
+                      <a:tailEnd type="none" w="med" len="med"/>
+                    </a:lnB>
+                    <a:noFill/>
+                  </a:tcPr>
+                </a:tc>
+                <a:tc>
+                  <a:txBody>
+                    <a:bodyPr/>
+                    <a:lstStyle/>
+                    <a:p>
+                      <a:pPr algn="l"/>
+                      <a:r>
+                        <a:rPr lang="en-US" sz="1200">
+                          <a:effectLst/>
+                          <a:latin typeface="Google Sans Text"/>
+                        </a:rPr>
+                        <a:t>Identifier for the machine, station, or resource involved.</a:t>
+                      </a:r>
+                    </a:p>
+                  </a:txBody>
+                  <a:tcPr marL="58802" marR="58802" marT="29401" marB="29401" anchor="ctr">
+                    <a:lnL w="9525" cap="flat" cmpd="sng" algn="ctr">
+                      <a:solidFill>
+                        <a:schemeClr val="bg1"/>
+                      </a:solidFill>
+                      <a:prstDash val="solid"/>
+                      <a:round/>
+                      <a:headEnd type="none" w="med" len="med"/>
+                      <a:tailEnd type="none" w="med" len="med"/>
+                    </a:lnL>
+                    <a:lnR w="9525" cap="flat" cmpd="sng" algn="ctr">
+                      <a:solidFill>
+                        <a:schemeClr val="bg1"/>
+                      </a:solidFill>
+                      <a:prstDash val="solid"/>
+                      <a:round/>
+                      <a:headEnd type="none" w="med" len="med"/>
+                      <a:tailEnd type="none" w="med" len="med"/>
+                    </a:lnR>
+                    <a:lnT w="9525" cap="flat" cmpd="sng" algn="ctr">
+                      <a:solidFill>
+                        <a:schemeClr val="bg1"/>
+                      </a:solidFill>
+                      <a:prstDash val="solid"/>
+                      <a:round/>
+                      <a:headEnd type="none" w="med" len="med"/>
+                      <a:tailEnd type="none" w="med" len="med"/>
+                    </a:lnT>
+                    <a:lnB w="9525" cap="flat" cmpd="sng" algn="ctr">
+                      <a:solidFill>
+                        <a:schemeClr val="bg1"/>
+                      </a:solidFill>
+                      <a:prstDash val="solid"/>
+                      <a:round/>
+                      <a:headEnd type="none" w="med" len="med"/>
+                      <a:tailEnd type="none" w="med" len="med"/>
+                    </a:lnB>
+                    <a:noFill/>
+                  </a:tcPr>
+                </a:tc>
+                <a:extLst>
+                  <a:ext uri="{0D108BD9-81ED-4DB2-BD59-A6C34878D82A}">
+                    <a16:rowId xmlns:a16="http://schemas.microsoft.com/office/drawing/2014/main" val="3892044184"/>
+                  </a:ext>
+                </a:extLst>
+              </a:tr>
+              <a:tr h="411613">
+                <a:tc>
+                  <a:txBody>
+                    <a:bodyPr/>
+                    <a:lstStyle/>
+                    <a:p>
+                      <a:pPr algn="l"/>
+                      <a:r>
+                        <a:rPr lang="de-DE" sz="1200">
+                          <a:effectLst/>
+                          <a:latin typeface="Google Sans Text"/>
+                        </a:rPr>
+                        <a:t>process_id</a:t>
+                      </a:r>
+                    </a:p>
+                  </a:txBody>
+                  <a:tcPr marL="58802" marR="58802" marT="29401" marB="29401" anchor="ctr">
+                    <a:lnL w="9525" cap="flat" cmpd="sng" algn="ctr">
+                      <a:solidFill>
+                        <a:schemeClr val="bg1"/>
+                      </a:solidFill>
+                      <a:prstDash val="solid"/>
+                      <a:round/>
+                      <a:headEnd type="none" w="med" len="med"/>
+                      <a:tailEnd type="none" w="med" len="med"/>
+                    </a:lnL>
+                    <a:lnR w="9525" cap="flat" cmpd="sng" algn="ctr">
+                      <a:solidFill>
+                        <a:schemeClr val="bg1"/>
+                      </a:solidFill>
+                      <a:prstDash val="solid"/>
+                      <a:round/>
+                      <a:headEnd type="none" w="med" len="med"/>
+                      <a:tailEnd type="none" w="med" len="med"/>
+                    </a:lnR>
+                    <a:lnT w="9525" cap="flat" cmpd="sng" algn="ctr">
+                      <a:solidFill>
+                        <a:schemeClr val="bg1"/>
+                      </a:solidFill>
+                      <a:prstDash val="solid"/>
+                      <a:round/>
+                      <a:headEnd type="none" w="med" len="med"/>
+                      <a:tailEnd type="none" w="med" len="med"/>
+                    </a:lnT>
+                    <a:lnB w="9525" cap="flat" cmpd="sng" algn="ctr">
+                      <a:solidFill>
+                        <a:schemeClr val="bg1"/>
+                      </a:solidFill>
+                      <a:prstDash val="solid"/>
+                      <a:round/>
+                      <a:headEnd type="none" w="med" len="med"/>
+                      <a:tailEnd type="none" w="med" len="med"/>
+                    </a:lnB>
+                    <a:noFill/>
+                  </a:tcPr>
+                </a:tc>
+                <a:tc>
+                  <a:txBody>
+                    <a:bodyPr/>
+                    <a:lstStyle/>
+                    <a:p>
+                      <a:pPr algn="l"/>
+                      <a:r>
+                        <a:rPr lang="de-DE" sz="1200">
+                          <a:effectLst/>
+                          <a:latin typeface="Google Sans Text"/>
+                        </a:rPr>
+                        <a:t>int</a:t>
+                      </a:r>
+                    </a:p>
+                  </a:txBody>
+                  <a:tcPr marL="58802" marR="58802" marT="29401" marB="29401" anchor="ctr">
+                    <a:lnL w="9525" cap="flat" cmpd="sng" algn="ctr">
+                      <a:solidFill>
+                        <a:schemeClr val="bg1"/>
+                      </a:solidFill>
+                      <a:prstDash val="solid"/>
+                      <a:round/>
+                      <a:headEnd type="none" w="med" len="med"/>
+                      <a:tailEnd type="none" w="med" len="med"/>
+                    </a:lnL>
+                    <a:lnR w="9525" cap="flat" cmpd="sng" algn="ctr">
+                      <a:solidFill>
+                        <a:schemeClr val="bg1"/>
+                      </a:solidFill>
+                      <a:prstDash val="solid"/>
+                      <a:round/>
+                      <a:headEnd type="none" w="med" len="med"/>
+                      <a:tailEnd type="none" w="med" len="med"/>
+                    </a:lnR>
+                    <a:lnT w="9525" cap="flat" cmpd="sng" algn="ctr">
+                      <a:solidFill>
+                        <a:schemeClr val="bg1"/>
+                      </a:solidFill>
+                      <a:prstDash val="solid"/>
+                      <a:round/>
+                      <a:headEnd type="none" w="med" len="med"/>
+                      <a:tailEnd type="none" w="med" len="med"/>
+                    </a:lnT>
+                    <a:lnB w="9525" cap="flat" cmpd="sng" algn="ctr">
+                      <a:solidFill>
+                        <a:schemeClr val="bg1"/>
+                      </a:solidFill>
+                      <a:prstDash val="solid"/>
+                      <a:round/>
+                      <a:headEnd type="none" w="med" len="med"/>
+                      <a:tailEnd type="none" w="med" len="med"/>
+                    </a:lnB>
+                    <a:noFill/>
+                  </a:tcPr>
+                </a:tc>
+                <a:tc>
+                  <a:txBody>
+                    <a:bodyPr/>
+                    <a:lstStyle/>
+                    <a:p>
+                      <a:pPr algn="l"/>
+                      <a:r>
+                        <a:rPr lang="en-US" sz="1200">
+                          <a:effectLst/>
+                          <a:latin typeface="Google Sans Text"/>
+                        </a:rPr>
+                        <a:t>Identifier indicating the type of process step or operation.</a:t>
+                      </a:r>
+                    </a:p>
+                  </a:txBody>
+                  <a:tcPr marL="58802" marR="58802" marT="29401" marB="29401" anchor="ctr">
+                    <a:lnL w="9525" cap="flat" cmpd="sng" algn="ctr">
+                      <a:solidFill>
+                        <a:schemeClr val="bg1"/>
+                      </a:solidFill>
+                      <a:prstDash val="solid"/>
+                      <a:round/>
+                      <a:headEnd type="none" w="med" len="med"/>
+                      <a:tailEnd type="none" w="med" len="med"/>
+                    </a:lnL>
+                    <a:lnR w="9525" cap="flat" cmpd="sng" algn="ctr">
+                      <a:solidFill>
+                        <a:schemeClr val="bg1"/>
+                      </a:solidFill>
+                      <a:prstDash val="solid"/>
+                      <a:round/>
+                      <a:headEnd type="none" w="med" len="med"/>
+                      <a:tailEnd type="none" w="med" len="med"/>
+                    </a:lnR>
+                    <a:lnT w="9525" cap="flat" cmpd="sng" algn="ctr">
+                      <a:solidFill>
+                        <a:schemeClr val="bg1"/>
+                      </a:solidFill>
+                      <a:prstDash val="solid"/>
+                      <a:round/>
+                      <a:headEnd type="none" w="med" len="med"/>
+                      <a:tailEnd type="none" w="med" len="med"/>
+                    </a:lnT>
+                    <a:lnB w="9525" cap="flat" cmpd="sng" algn="ctr">
+                      <a:solidFill>
+                        <a:schemeClr val="bg1"/>
+                      </a:solidFill>
+                      <a:prstDash val="solid"/>
+                      <a:round/>
+                      <a:headEnd type="none" w="med" len="med"/>
+                      <a:tailEnd type="none" w="med" len="med"/>
+                    </a:lnB>
+                    <a:noFill/>
+                  </a:tcPr>
+                </a:tc>
+                <a:extLst>
+                  <a:ext uri="{0D108BD9-81ED-4DB2-BD59-A6C34878D82A}">
+                    <a16:rowId xmlns:a16="http://schemas.microsoft.com/office/drawing/2014/main" val="4289498439"/>
+                  </a:ext>
+                </a:extLst>
+              </a:tr>
+              <a:tr h="411613">
+                <a:tc>
+                  <a:txBody>
+                    <a:bodyPr/>
+                    <a:lstStyle/>
+                    <a:p>
+                      <a:pPr algn="l"/>
+                      <a:r>
+                        <a:rPr lang="de-DE" sz="1200">
+                          <a:effectLst/>
+                          <a:latin typeface="Google Sans Text"/>
+                        </a:rPr>
+                        <a:t>type</a:t>
+                      </a:r>
+                    </a:p>
+                  </a:txBody>
+                  <a:tcPr marL="58802" marR="58802" marT="29401" marB="29401" anchor="ctr">
+                    <a:lnL w="9525" cap="flat" cmpd="sng" algn="ctr">
+                      <a:solidFill>
+                        <a:schemeClr val="bg1"/>
+                      </a:solidFill>
+                      <a:prstDash val="solid"/>
+                      <a:round/>
+                      <a:headEnd type="none" w="med" len="med"/>
+                      <a:tailEnd type="none" w="med" len="med"/>
+                    </a:lnL>
+                    <a:lnR w="9525" cap="flat" cmpd="sng" algn="ctr">
+                      <a:solidFill>
+                        <a:schemeClr val="bg1"/>
+                      </a:solidFill>
+                      <a:prstDash val="solid"/>
+                      <a:round/>
+                      <a:headEnd type="none" w="med" len="med"/>
+                      <a:tailEnd type="none" w="med" len="med"/>
+                    </a:lnR>
+                    <a:lnT w="9525" cap="flat" cmpd="sng" algn="ctr">
+                      <a:solidFill>
+                        <a:schemeClr val="bg1"/>
+                      </a:solidFill>
+                      <a:prstDash val="solid"/>
+                      <a:round/>
+                      <a:headEnd type="none" w="med" len="med"/>
+                      <a:tailEnd type="none" w="med" len="med"/>
+                    </a:lnT>
+                    <a:lnB w="9525" cap="flat" cmpd="sng" algn="ctr">
+                      <a:solidFill>
+                        <a:schemeClr val="bg1"/>
+                      </a:solidFill>
+                      <a:prstDash val="solid"/>
+                      <a:round/>
+                      <a:headEnd type="none" w="med" len="med"/>
+                      <a:tailEnd type="none" w="med" len="med"/>
+                    </a:lnB>
+                    <a:noFill/>
+                  </a:tcPr>
+                </a:tc>
+                <a:tc>
+                  <a:txBody>
+                    <a:bodyPr/>
+                    <a:lstStyle/>
+                    <a:p>
+                      <a:pPr algn="l"/>
+                      <a:r>
+                        <a:rPr lang="de-DE" sz="1200">
+                          <a:effectLst/>
+                          <a:latin typeface="Google Sans Text"/>
+                        </a:rPr>
+                        <a:t>str</a:t>
+                      </a:r>
+                    </a:p>
+                  </a:txBody>
+                  <a:tcPr marL="58802" marR="58802" marT="29401" marB="29401" anchor="ctr">
+                    <a:lnL w="9525" cap="flat" cmpd="sng" algn="ctr">
+                      <a:solidFill>
+                        <a:schemeClr val="bg1"/>
+                      </a:solidFill>
+                      <a:prstDash val="solid"/>
+                      <a:round/>
+                      <a:headEnd type="none" w="med" len="med"/>
+                      <a:tailEnd type="none" w="med" len="med"/>
+                    </a:lnL>
+                    <a:lnR w="9525" cap="flat" cmpd="sng" algn="ctr">
+                      <a:solidFill>
+                        <a:schemeClr val="bg1"/>
+                      </a:solidFill>
+                      <a:prstDash val="solid"/>
+                      <a:round/>
+                      <a:headEnd type="none" w="med" len="med"/>
+                      <a:tailEnd type="none" w="med" len="med"/>
+                    </a:lnR>
+                    <a:lnT w="9525" cap="flat" cmpd="sng" algn="ctr">
+                      <a:solidFill>
+                        <a:schemeClr val="bg1"/>
+                      </a:solidFill>
+                      <a:prstDash val="solid"/>
+                      <a:round/>
+                      <a:headEnd type="none" w="med" len="med"/>
+                      <a:tailEnd type="none" w="med" len="med"/>
+                    </a:lnT>
+                    <a:lnB w="9525" cap="flat" cmpd="sng" algn="ctr">
+                      <a:solidFill>
+                        <a:schemeClr val="bg1"/>
+                      </a:solidFill>
+                      <a:prstDash val="solid"/>
+                      <a:round/>
+                      <a:headEnd type="none" w="med" len="med"/>
+                      <a:tailEnd type="none" w="med" len="med"/>
+                    </a:lnB>
+                    <a:noFill/>
+                  </a:tcPr>
+                </a:tc>
+                <a:tc>
+                  <a:txBody>
+                    <a:bodyPr/>
+                    <a:lstStyle/>
+                    <a:p>
+                      <a:pPr algn="l"/>
+                      <a:r>
+                        <a:rPr lang="en-US" sz="1200">
+                          <a:effectLst/>
+                          <a:latin typeface="Google Sans Text"/>
+                        </a:rPr>
+                        <a:t>Textual description or category classifying the event type.</a:t>
+                      </a:r>
+                    </a:p>
+                  </a:txBody>
+                  <a:tcPr marL="58802" marR="58802" marT="29401" marB="29401" anchor="ctr">
+                    <a:lnL w="9525" cap="flat" cmpd="sng" algn="ctr">
+                      <a:solidFill>
+                        <a:schemeClr val="bg1"/>
+                      </a:solidFill>
+                      <a:prstDash val="solid"/>
+                      <a:round/>
+                      <a:headEnd type="none" w="med" len="med"/>
+                      <a:tailEnd type="none" w="med" len="med"/>
+                    </a:lnL>
+                    <a:lnR w="9525" cap="flat" cmpd="sng" algn="ctr">
+                      <a:solidFill>
+                        <a:schemeClr val="bg1"/>
+                      </a:solidFill>
+                      <a:prstDash val="solid"/>
+                      <a:round/>
+                      <a:headEnd type="none" w="med" len="med"/>
+                      <a:tailEnd type="none" w="med" len="med"/>
+                    </a:lnR>
+                    <a:lnT w="9525" cap="flat" cmpd="sng" algn="ctr">
+                      <a:solidFill>
+                        <a:schemeClr val="bg1"/>
+                      </a:solidFill>
+                      <a:prstDash val="solid"/>
+                      <a:round/>
+                      <a:headEnd type="none" w="med" len="med"/>
+                      <a:tailEnd type="none" w="med" len="med"/>
+                    </a:lnT>
+                    <a:lnB w="9525" cap="flat" cmpd="sng" algn="ctr">
+                      <a:solidFill>
+                        <a:schemeClr val="bg1"/>
+                      </a:solidFill>
+                      <a:prstDash val="solid"/>
+                      <a:round/>
+                      <a:headEnd type="none" w="med" len="med"/>
+                      <a:tailEnd type="none" w="med" len="med"/>
+                    </a:lnB>
+                    <a:noFill/>
+                  </a:tcPr>
+                </a:tc>
+                <a:extLst>
+                  <a:ext uri="{0D108BD9-81ED-4DB2-BD59-A6C34878D82A}">
+                    <a16:rowId xmlns:a16="http://schemas.microsoft.com/office/drawing/2014/main" val="2038825225"/>
+                  </a:ext>
+                </a:extLst>
+              </a:tr>
+              <a:tr h="411613">
+                <a:tc>
+                  <a:txBody>
+                    <a:bodyPr/>
+                    <a:lstStyle/>
+                    <a:p>
+                      <a:pPr algn="l"/>
+                      <a:r>
+                        <a:rPr lang="de-DE" sz="1200">
+                          <a:effectLst/>
+                          <a:latin typeface="Google Sans Text"/>
+                        </a:rPr>
+                        <a:t>is_valid</a:t>
+                      </a:r>
+                    </a:p>
+                  </a:txBody>
+                  <a:tcPr marL="58802" marR="58802" marT="29401" marB="29401" anchor="ctr">
+                    <a:lnL w="9525" cap="flat" cmpd="sng" algn="ctr">
+                      <a:solidFill>
+                        <a:schemeClr val="bg1"/>
+                      </a:solidFill>
+                      <a:prstDash val="solid"/>
+                      <a:round/>
+                      <a:headEnd type="none" w="med" len="med"/>
+                      <a:tailEnd type="none" w="med" len="med"/>
+                    </a:lnL>
+                    <a:lnR w="9525" cap="flat" cmpd="sng" algn="ctr">
+                      <a:solidFill>
+                        <a:schemeClr val="bg1"/>
+                      </a:solidFill>
+                      <a:prstDash val="solid"/>
+                      <a:round/>
+                      <a:headEnd type="none" w="med" len="med"/>
+                      <a:tailEnd type="none" w="med" len="med"/>
+                    </a:lnR>
+                    <a:lnT w="9525" cap="flat" cmpd="sng" algn="ctr">
+                      <a:solidFill>
+                        <a:schemeClr val="bg1"/>
+                      </a:solidFill>
+                      <a:prstDash val="solid"/>
+                      <a:round/>
+                      <a:headEnd type="none" w="med" len="med"/>
+                      <a:tailEnd type="none" w="med" len="med"/>
+                    </a:lnT>
+                    <a:lnB w="9525" cap="flat" cmpd="sng" algn="ctr">
+                      <a:solidFill>
+                        <a:schemeClr val="bg1"/>
+                      </a:solidFill>
+                      <a:prstDash val="solid"/>
+                      <a:round/>
+                      <a:headEnd type="none" w="med" len="med"/>
+                      <a:tailEnd type="none" w="med" len="med"/>
+                    </a:lnB>
+                    <a:noFill/>
+                  </a:tcPr>
+                </a:tc>
+                <a:tc>
+                  <a:txBody>
+                    <a:bodyPr/>
+                    <a:lstStyle/>
+                    <a:p>
+                      <a:pPr algn="l"/>
+                      <a:r>
+                        <a:rPr lang="de-DE" sz="1200">
+                          <a:effectLst/>
+                          <a:latin typeface="Google Sans Text"/>
+                        </a:rPr>
+                        <a:t>bool</a:t>
+                      </a:r>
+                    </a:p>
+                  </a:txBody>
+                  <a:tcPr marL="58802" marR="58802" marT="29401" marB="29401" anchor="ctr">
+                    <a:lnL w="9525" cap="flat" cmpd="sng" algn="ctr">
+                      <a:solidFill>
+                        <a:schemeClr val="bg1"/>
+                      </a:solidFill>
+                      <a:prstDash val="solid"/>
+                      <a:round/>
+                      <a:headEnd type="none" w="med" len="med"/>
+                      <a:tailEnd type="none" w="med" len="med"/>
+                    </a:lnL>
+                    <a:lnR w="9525" cap="flat" cmpd="sng" algn="ctr">
+                      <a:solidFill>
+                        <a:schemeClr val="bg1"/>
+                      </a:solidFill>
+                      <a:prstDash val="solid"/>
+                      <a:round/>
+                      <a:headEnd type="none" w="med" len="med"/>
+                      <a:tailEnd type="none" w="med" len="med"/>
+                    </a:lnR>
+                    <a:lnT w="9525" cap="flat" cmpd="sng" algn="ctr">
+                      <a:solidFill>
+                        <a:schemeClr val="bg1"/>
+                      </a:solidFill>
+                      <a:prstDash val="solid"/>
+                      <a:round/>
+                      <a:headEnd type="none" w="med" len="med"/>
+                      <a:tailEnd type="none" w="med" len="med"/>
+                    </a:lnT>
+                    <a:lnB w="9525" cap="flat" cmpd="sng" algn="ctr">
+                      <a:solidFill>
+                        <a:schemeClr val="bg1"/>
+                      </a:solidFill>
+                      <a:prstDash val="solid"/>
+                      <a:round/>
+                      <a:headEnd type="none" w="med" len="med"/>
+                      <a:tailEnd type="none" w="med" len="med"/>
+                    </a:lnB>
+                    <a:noFill/>
+                  </a:tcPr>
+                </a:tc>
+                <a:tc>
+                  <a:txBody>
+                    <a:bodyPr/>
+                    <a:lstStyle/>
+                    <a:p>
+                      <a:pPr algn="l"/>
+                      <a:r>
+                        <a:rPr lang="en-US" sz="1200" dirty="0">
+                          <a:effectLst/>
+                          <a:latin typeface="Google Sans Text"/>
+                        </a:rPr>
+                        <a:t>Boolean flag indicating if the event/sequence is considered valid.</a:t>
+                      </a:r>
+                    </a:p>
+                  </a:txBody>
+                  <a:tcPr marL="58802" marR="58802" marT="29401" marB="29401" anchor="ctr">
+                    <a:lnL w="9525" cap="flat" cmpd="sng" algn="ctr">
+                      <a:solidFill>
+                        <a:schemeClr val="bg1"/>
+                      </a:solidFill>
+                      <a:prstDash val="solid"/>
+                      <a:round/>
+                      <a:headEnd type="none" w="med" len="med"/>
+                      <a:tailEnd type="none" w="med" len="med"/>
+                    </a:lnL>
+                    <a:lnR w="9525" cap="flat" cmpd="sng" algn="ctr">
+                      <a:solidFill>
+                        <a:schemeClr val="bg1"/>
+                      </a:solidFill>
+                      <a:prstDash val="solid"/>
+                      <a:round/>
+                      <a:headEnd type="none" w="med" len="med"/>
+                      <a:tailEnd type="none" w="med" len="med"/>
+                    </a:lnR>
+                    <a:lnT w="9525" cap="flat" cmpd="sng" algn="ctr">
+                      <a:solidFill>
+                        <a:schemeClr val="bg1"/>
+                      </a:solidFill>
+                      <a:prstDash val="solid"/>
+                      <a:round/>
+                      <a:headEnd type="none" w="med" len="med"/>
+                      <a:tailEnd type="none" w="med" len="med"/>
+                    </a:lnT>
+                    <a:lnB w="9525" cap="flat" cmpd="sng" algn="ctr">
+                      <a:solidFill>
+                        <a:schemeClr val="bg1"/>
+                      </a:solidFill>
+                      <a:prstDash val="solid"/>
+                      <a:round/>
+                      <a:headEnd type="none" w="med" len="med"/>
+                      <a:tailEnd type="none" w="med" len="med"/>
+                    </a:lnB>
+                    <a:noFill/>
+                  </a:tcPr>
+                </a:tc>
+                <a:extLst>
+                  <a:ext uri="{0D108BD9-81ED-4DB2-BD59-A6C34878D82A}">
+                    <a16:rowId xmlns:a16="http://schemas.microsoft.com/office/drawing/2014/main" val="2415259210"/>
+                  </a:ext>
+                </a:extLst>
+              </a:tr>
+            </a:tbl>
+          </a:graphicData>
+        </a:graphic>
+      </p:graphicFrame>
+    </p:spTree>
+    <p:extLst>
+      <p:ext uri="{BB962C8B-B14F-4D97-AF65-F5344CB8AC3E}">
+        <p14:creationId xmlns:p14="http://schemas.microsoft.com/office/powerpoint/2010/main" val="3474840712"/>
+      </p:ext>
+    </p:extLst>
+  </p:cSld>
+  <p:clrMapOvr>
+    <a:masterClrMapping/>
+  </p:clrMapOvr>
+</p:sld>
+</file>
+
+<file path=ppt/slides/slide14.xml><?xml version="1.0" encoding="utf-8"?>
+<p:sld xmlns:a="http://schemas.openxmlformats.org/drawingml/2006/main" xmlns:r="http://schemas.openxmlformats.org/officeDocument/2006/relationships" xmlns:p="http://schemas.openxmlformats.org/presentationml/2006/main">
+  <p:cSld>
+    <p:spTree>
+      <p:nvGrpSpPr>
+        <p:cNvPr id="1" name=""/>
+        <p:cNvGrpSpPr/>
+        <p:nvPr/>
+      </p:nvGrpSpPr>
+      <p:grpSpPr>
+        <a:xfrm>
+          <a:off x="0" y="0"/>
+          <a:ext cx="0" cy="0"/>
+          <a:chOff x="0" y="0"/>
+          <a:chExt cx="0" cy="0"/>
+        </a:xfrm>
+      </p:grpSpPr>
       <p:sp>
         <p:nvSpPr>
-          <p:cNvPr id="3" name="Inhaltsplatzhalter 2">
+          <p:cNvPr id="2" name="Titel 1">
             <a:extLst>
               <a:ext uri="{FF2B5EF4-FFF2-40B4-BE49-F238E27FC236}">
-                <a16:creationId xmlns:a16="http://schemas.microsoft.com/office/drawing/2014/main" id="{E0F17EAA-AECA-5B62-7603-67011A52F6C1}"/>
+                <a16:creationId xmlns:a16="http://schemas.microsoft.com/office/drawing/2014/main" id="{E5D02B6D-23DF-29DF-6212-2451D0505570}"/>
               </a:ext>
             </a:extLst>
           </p:cNvPr>
@@ -5852,7 +7846,7 @@
             <a:spLocks noGrp="1"/>
           </p:cNvSpPr>
           <p:nvPr>
-            <p:ph idx="1"/>
+            <p:ph type="title"/>
           </p:nvPr>
         </p:nvSpPr>
         <p:spPr/>
@@ -5861,43 +7855,3859 @@
           <a:lstStyle/>
           <a:p>
             <a:r>
+              <a:rPr lang="de-DE" dirty="0"/>
+              <a:t>Alle </a:t>
+            </a:r>
+            <a:r>
               <a:rPr lang="de-DE" dirty="0" err="1"/>
-              <a:t>Contribution</a:t>
+              <a:t>engineered</a:t>
             </a:r>
             <a:r>
               <a:rPr lang="de-DE" dirty="0"/>
-              <a:t> und Impact: </a:t>
-            </a:r>
-            <a:r>
-              <a:rPr lang="en-US" dirty="0"/>
-              <a:t>A scalable, objective, statistically-grounded method for validating SBDTs component-wise.   </a:t>
-            </a:r>
-          </a:p>
-          <a:p>
-            <a:r>
-              <a:rPr lang="en-US" dirty="0"/>
-              <a:t>Limits: Single Case Study, Focus on Validation, High efforts for data pipeline, Twin </a:t>
-            </a:r>
-            <a:r>
-              <a:rPr lang="en-US" dirty="0" err="1"/>
-              <a:t>createion</a:t>
-            </a:r>
-            <a:r>
-              <a:rPr lang="en-US" dirty="0"/>
-              <a:t>, UQ only </a:t>
-            </a:r>
-            <a:r>
-              <a:rPr lang="en-US"/>
-              <a:t>with p-values =&gt; Choose MCD or BNN</a:t>
-            </a:r>
-            <a:endParaRPr lang="de-DE" dirty="0"/>
+              <a:t> Features (wie besprochen)</a:t>
+            </a:r>
+          </a:p>
+        </p:txBody>
+      </p:sp>
+      <p:sp>
+        <p:nvSpPr>
+          <p:cNvPr id="6" name="Rectangle 3">
+            <a:extLst>
+              <a:ext uri="{FF2B5EF4-FFF2-40B4-BE49-F238E27FC236}">
+                <a16:creationId xmlns:a16="http://schemas.microsoft.com/office/drawing/2014/main" id="{7DAB90B6-6FC8-3045-7459-E779E117A133}"/>
+              </a:ext>
+            </a:extLst>
+          </p:cNvPr>
+          <p:cNvSpPr>
+            <a:spLocks noChangeArrowheads="1"/>
+          </p:cNvSpPr>
+          <p:nvPr/>
+        </p:nvSpPr>
+        <p:spPr bwMode="auto">
+          <a:xfrm>
+            <a:off x="757381" y="1253999"/>
+            <a:ext cx="10596419" cy="5601533"/>
+          </a:xfrm>
+          <a:prstGeom prst="rect">
+            <a:avLst/>
+          </a:prstGeom>
+          <a:noFill/>
+          <a:ln>
+            <a:noFill/>
+          </a:ln>
+          <a:effectLst/>
+          <a:extLst>
+            <a:ext uri="{909E8E84-426E-40DD-AFC4-6F175D3DCCD1}">
+              <a14:hiddenFill xmlns:a14="http://schemas.microsoft.com/office/drawing/2010/main">
+                <a:solidFill>
+                  <a:schemeClr val="accent1"/>
+                </a:solidFill>
+              </a14:hiddenFill>
+            </a:ext>
+            <a:ext uri="{91240B29-F687-4F45-9708-019B960494DF}">
+              <a14:hiddenLine xmlns:a14="http://schemas.microsoft.com/office/drawing/2010/main" w="9525">
+                <a:solidFill>
+                  <a:schemeClr val="tx1"/>
+                </a:solidFill>
+                <a:miter lim="800000"/>
+                <a:headEnd/>
+                <a:tailEnd/>
+              </a14:hiddenLine>
+            </a:ext>
+            <a:ext uri="{AF507438-7753-43E0-B8FC-AC1667EBCBE1}">
+              <a14:hiddenEffects xmlns:a14="http://schemas.microsoft.com/office/drawing/2010/main">
+                <a:effectLst>
+                  <a:outerShdw dist="35921" dir="2700000" algn="ctr" rotWithShape="0">
+                    <a:schemeClr val="bg2"/>
+                  </a:outerShdw>
+                </a:effectLst>
+              </a14:hiddenEffects>
+            </a:ext>
+          </a:extLst>
+        </p:spPr>
+        <p:txBody>
+          <a:bodyPr vert="horz" wrap="square" lIns="91440" tIns="0" rIns="91440" bIns="45720" numCol="1" anchor="ctr" anchorCtr="0" compatLnSpc="1">
+            <a:prstTxWarp prst="textNoShape">
+              <a:avLst/>
+            </a:prstTxWarp>
+            <a:spAutoFit/>
+          </a:bodyPr>
+          <a:lstStyle/>
+          <a:p>
+            <a:pPr marL="0" marR="0" lvl="0" indent="0" algn="l" defTabSz="914400" rtl="0" eaLnBrk="0" fontAlgn="base" latinLnBrk="0" hangingPunct="0">
+              <a:lnSpc>
+                <a:spcPct val="100000"/>
+              </a:lnSpc>
+              <a:spcBef>
+                <a:spcPct val="0"/>
+              </a:spcBef>
+              <a:spcAft>
+                <a:spcPct val="0"/>
+              </a:spcAft>
+              <a:buClrTx/>
+              <a:buSzTx/>
+              <a:buFontTx/>
+              <a:buNone/>
+              <a:tabLst/>
+            </a:pPr>
+            <a:endParaRPr kumimoji="0" lang="de-DE" altLang="de-DE" sz="1200" b="1" i="0" u="none" strike="noStrike" cap="none" normalizeH="0" baseline="0" dirty="0">
+              <a:ln>
+                <a:noFill/>
+              </a:ln>
+              <a:solidFill>
+                <a:schemeClr val="tx1"/>
+              </a:solidFill>
+              <a:effectLst/>
+              <a:latin typeface="Google Sans Text"/>
+            </a:endParaRPr>
+          </a:p>
+          <a:p>
+            <a:pPr marL="0" marR="0" lvl="0" indent="0" algn="l" defTabSz="914400" rtl="0" eaLnBrk="0" fontAlgn="base" latinLnBrk="0" hangingPunct="0">
+              <a:lnSpc>
+                <a:spcPct val="100000"/>
+              </a:lnSpc>
+              <a:spcBef>
+                <a:spcPct val="0"/>
+              </a:spcBef>
+              <a:spcAft>
+                <a:spcPct val="0"/>
+              </a:spcAft>
+              <a:buClrTx/>
+              <a:buSzTx/>
+              <a:buFontTx/>
+              <a:buNone/>
+              <a:tabLst/>
+            </a:pPr>
+            <a:r>
+              <a:rPr kumimoji="0" lang="de-DE" altLang="de-DE" sz="1200" b="1" i="0" u="none" strike="noStrike" cap="none" normalizeH="0" baseline="0" dirty="0">
+                <a:ln>
+                  <a:noFill/>
+                </a:ln>
+                <a:solidFill>
+                  <a:schemeClr val="tx1"/>
+                </a:solidFill>
+                <a:effectLst/>
+                <a:latin typeface="Google Sans Text"/>
+              </a:rPr>
+              <a:t>Key Performance </a:t>
+            </a:r>
+            <a:r>
+              <a:rPr kumimoji="0" lang="de-DE" altLang="de-DE" sz="1200" b="1" i="0" u="none" strike="noStrike" cap="none" normalizeH="0" baseline="0" dirty="0" err="1">
+                <a:ln>
+                  <a:noFill/>
+                </a:ln>
+                <a:solidFill>
+                  <a:schemeClr val="tx1"/>
+                </a:solidFill>
+                <a:effectLst/>
+                <a:latin typeface="Google Sans Text"/>
+              </a:rPr>
+              <a:t>Indicators</a:t>
+            </a:r>
+            <a:r>
+              <a:rPr kumimoji="0" lang="de-DE" altLang="de-DE" sz="1200" b="1" i="0" u="none" strike="noStrike" cap="none" normalizeH="0" baseline="0" dirty="0">
+                <a:ln>
+                  <a:noFill/>
+                </a:ln>
+                <a:solidFill>
+                  <a:schemeClr val="tx1"/>
+                </a:solidFill>
+                <a:effectLst/>
+                <a:latin typeface="Google Sans Text"/>
+              </a:rPr>
+              <a:t> (KPIs)</a:t>
+            </a:r>
+            <a:endParaRPr kumimoji="0" lang="de-DE" altLang="de-DE" sz="1200" b="0" i="0" u="none" strike="noStrike" cap="none" normalizeH="0" baseline="0" dirty="0">
+              <a:ln>
+                <a:noFill/>
+              </a:ln>
+              <a:solidFill>
+                <a:schemeClr val="tx1"/>
+              </a:solidFill>
+              <a:effectLst/>
+              <a:latin typeface="Google Sans Text"/>
+            </a:endParaRPr>
+          </a:p>
+          <a:p>
+            <a:pPr marL="0" marR="0" lvl="0" indent="0" algn="l" defTabSz="914400" rtl="0" eaLnBrk="0" fontAlgn="base" latinLnBrk="0" hangingPunct="0">
+              <a:lnSpc>
+                <a:spcPct val="100000"/>
+              </a:lnSpc>
+              <a:spcBef>
+                <a:spcPct val="0"/>
+              </a:spcBef>
+              <a:spcAft>
+                <a:spcPct val="0"/>
+              </a:spcAft>
+              <a:buClrTx/>
+              <a:buSzTx/>
+              <a:buFontTx/>
+              <a:buChar char="•"/>
+              <a:tabLst/>
+            </a:pPr>
+            <a:r>
+              <a:rPr kumimoji="0" lang="de-DE" altLang="de-DE" sz="1200" b="1" i="0" u="none" strike="noStrike" cap="none" normalizeH="0" baseline="0" dirty="0" err="1">
+                <a:ln>
+                  <a:noFill/>
+                </a:ln>
+                <a:solidFill>
+                  <a:schemeClr val="tx1"/>
+                </a:solidFill>
+                <a:effectLst/>
+                <a:latin typeface="Google Sans Text"/>
+              </a:rPr>
+              <a:t>Added</a:t>
+            </a:r>
+            <a:r>
+              <a:rPr kumimoji="0" lang="de-DE" altLang="de-DE" sz="1200" b="1" i="0" u="none" strike="noStrike" cap="none" normalizeH="0" baseline="0" dirty="0">
+                <a:ln>
+                  <a:noFill/>
+                </a:ln>
+                <a:solidFill>
+                  <a:schemeClr val="tx1"/>
+                </a:solidFill>
+                <a:effectLst/>
+                <a:latin typeface="Google Sans Text"/>
+              </a:rPr>
+              <a:t> </a:t>
+            </a:r>
+            <a:r>
+              <a:rPr kumimoji="0" lang="de-DE" altLang="de-DE" sz="1200" b="1" i="0" u="none" strike="noStrike" cap="none" normalizeH="0" baseline="0" dirty="0" err="1">
+                <a:ln>
+                  <a:noFill/>
+                </a:ln>
+                <a:solidFill>
+                  <a:schemeClr val="tx1"/>
+                </a:solidFill>
+                <a:effectLst/>
+                <a:latin typeface="Google Sans Text"/>
+              </a:rPr>
+              <a:t>for</a:t>
+            </a:r>
+            <a:r>
+              <a:rPr kumimoji="0" lang="de-DE" altLang="de-DE" sz="1200" b="1" i="0" u="none" strike="noStrike" cap="none" normalizeH="0" baseline="0" dirty="0">
+                <a:ln>
+                  <a:noFill/>
+                </a:ln>
+                <a:solidFill>
+                  <a:schemeClr val="tx1"/>
+                </a:solidFill>
+                <a:effectLst/>
+                <a:latin typeface="Google Sans Text"/>
+              </a:rPr>
+              <a:t> VVUQ (</a:t>
+            </a:r>
+            <a:r>
+              <a:rPr kumimoji="0" lang="de-DE" altLang="de-DE" sz="1200" b="1" i="0" u="none" strike="noStrike" cap="none" normalizeH="0" baseline="0" dirty="0" err="1">
+                <a:ln>
+                  <a:noFill/>
+                </a:ln>
+                <a:solidFill>
+                  <a:schemeClr val="tx1"/>
+                </a:solidFill>
+                <a:effectLst/>
+                <a:latin typeface="Google Sans Text"/>
+              </a:rPr>
+              <a:t>Verification</a:t>
+            </a:r>
+            <a:r>
+              <a:rPr kumimoji="0" lang="de-DE" altLang="de-DE" sz="1200" b="1" i="0" u="none" strike="noStrike" cap="none" normalizeH="0" baseline="0" dirty="0">
+                <a:ln>
+                  <a:noFill/>
+                </a:ln>
+                <a:solidFill>
+                  <a:schemeClr val="tx1"/>
+                </a:solidFill>
+                <a:effectLst/>
+                <a:latin typeface="Google Sans Text"/>
+              </a:rPr>
+              <a:t>, Validation, </a:t>
+            </a:r>
+            <a:r>
+              <a:rPr kumimoji="0" lang="de-DE" altLang="de-DE" sz="1200" b="1" i="0" u="none" strike="noStrike" cap="none" normalizeH="0" baseline="0" dirty="0" err="1">
+                <a:ln>
+                  <a:noFill/>
+                </a:ln>
+                <a:solidFill>
+                  <a:schemeClr val="tx1"/>
+                </a:solidFill>
+                <a:effectLst/>
+                <a:latin typeface="Google Sans Text"/>
+              </a:rPr>
+              <a:t>Uncertainty</a:t>
+            </a:r>
+            <a:r>
+              <a:rPr kumimoji="0" lang="de-DE" altLang="de-DE" sz="1200" b="1" i="0" u="none" strike="noStrike" cap="none" normalizeH="0" baseline="0" dirty="0">
+                <a:ln>
+                  <a:noFill/>
+                </a:ln>
+                <a:solidFill>
+                  <a:schemeClr val="tx1"/>
+                </a:solidFill>
+                <a:effectLst/>
+                <a:latin typeface="Google Sans Text"/>
+              </a:rPr>
+              <a:t> </a:t>
+            </a:r>
+            <a:r>
+              <a:rPr kumimoji="0" lang="de-DE" altLang="de-DE" sz="1200" b="1" i="0" u="none" strike="noStrike" cap="none" normalizeH="0" baseline="0" dirty="0" err="1">
+                <a:ln>
+                  <a:noFill/>
+                </a:ln>
+                <a:solidFill>
+                  <a:schemeClr val="tx1"/>
+                </a:solidFill>
+                <a:effectLst/>
+                <a:latin typeface="Google Sans Text"/>
+              </a:rPr>
+              <a:t>Quantification</a:t>
+            </a:r>
+            <a:r>
+              <a:rPr kumimoji="0" lang="de-DE" altLang="de-DE" sz="1200" b="1" i="0" u="none" strike="noStrike" cap="none" normalizeH="0" baseline="0" dirty="0">
+                <a:ln>
+                  <a:noFill/>
+                </a:ln>
+                <a:solidFill>
+                  <a:schemeClr val="tx1"/>
+                </a:solidFill>
+                <a:effectLst/>
+                <a:latin typeface="Google Sans Text"/>
+              </a:rPr>
+              <a:t>):</a:t>
+            </a:r>
+            <a:r>
+              <a:rPr kumimoji="0" lang="de-DE" altLang="de-DE" sz="1200" b="0" i="0" u="none" strike="noStrike" cap="none" normalizeH="0" baseline="0" dirty="0">
+                <a:ln>
+                  <a:noFill/>
+                </a:ln>
+                <a:solidFill>
+                  <a:schemeClr val="tx1"/>
+                </a:solidFill>
+                <a:effectLst/>
+                <a:latin typeface="Google Sans Text"/>
+              </a:rPr>
+              <a:t> </a:t>
+            </a:r>
+          </a:p>
+          <a:p>
+            <a:pPr marL="457200" marR="0" lvl="1" indent="0" algn="l" defTabSz="914400" rtl="0" eaLnBrk="0" fontAlgn="base" latinLnBrk="0" hangingPunct="0">
+              <a:lnSpc>
+                <a:spcPct val="100000"/>
+              </a:lnSpc>
+              <a:spcBef>
+                <a:spcPct val="0"/>
+              </a:spcBef>
+              <a:spcAft>
+                <a:spcPct val="0"/>
+              </a:spcAft>
+              <a:buClrTx/>
+              <a:buSzTx/>
+              <a:buFontTx/>
+              <a:buChar char="•"/>
+              <a:tabLst/>
+            </a:pPr>
+            <a:r>
+              <a:rPr kumimoji="0" lang="de-DE" altLang="de-DE" sz="1200" b="0" i="0" u="none" strike="noStrike" cap="none" normalizeH="0" baseline="0" dirty="0" err="1">
+                <a:ln>
+                  <a:noFill/>
+                </a:ln>
+                <a:solidFill>
+                  <a:schemeClr val="tx1"/>
+                </a:solidFill>
+                <a:effectLst/>
+                <a:latin typeface="Google Sans Text"/>
+              </a:rPr>
+              <a:t>Throughput</a:t>
+            </a:r>
+            <a:r>
+              <a:rPr kumimoji="0" lang="de-DE" altLang="de-DE" sz="1200" b="0" i="0" u="none" strike="noStrike" cap="none" normalizeH="0" baseline="0" dirty="0">
+                <a:ln>
+                  <a:noFill/>
+                </a:ln>
+                <a:solidFill>
+                  <a:schemeClr val="tx1"/>
+                </a:solidFill>
+                <a:effectLst/>
+                <a:latin typeface="Google Sans Text"/>
+              </a:rPr>
+              <a:t> </a:t>
+            </a:r>
+          </a:p>
+          <a:p>
+            <a:pPr marL="457200" marR="0" lvl="1" indent="0" algn="l" defTabSz="914400" rtl="0" eaLnBrk="0" fontAlgn="base" latinLnBrk="0" hangingPunct="0">
+              <a:lnSpc>
+                <a:spcPct val="100000"/>
+              </a:lnSpc>
+              <a:spcBef>
+                <a:spcPct val="0"/>
+              </a:spcBef>
+              <a:spcAft>
+                <a:spcPct val="0"/>
+              </a:spcAft>
+              <a:buClrTx/>
+              <a:buSzTx/>
+              <a:buFontTx/>
+              <a:buChar char="•"/>
+              <a:tabLst/>
+            </a:pPr>
+            <a:r>
+              <a:rPr kumimoji="0" lang="de-DE" altLang="de-DE" sz="1200" b="0" i="0" u="none" strike="noStrike" cap="none" normalizeH="0" baseline="0" dirty="0">
+                <a:ln>
+                  <a:noFill/>
+                </a:ln>
+                <a:solidFill>
+                  <a:schemeClr val="tx1"/>
+                </a:solidFill>
+                <a:effectLst/>
+                <a:latin typeface="Google Sans Text"/>
+              </a:rPr>
+              <a:t>Setup Time </a:t>
+            </a:r>
+          </a:p>
+          <a:p>
+            <a:pPr marL="457200" marR="0" lvl="1" indent="0" algn="l" defTabSz="914400" rtl="0" eaLnBrk="0" fontAlgn="base" latinLnBrk="0" hangingPunct="0">
+              <a:lnSpc>
+                <a:spcPct val="100000"/>
+              </a:lnSpc>
+              <a:spcBef>
+                <a:spcPct val="0"/>
+              </a:spcBef>
+              <a:spcAft>
+                <a:spcPct val="0"/>
+              </a:spcAft>
+              <a:buClrTx/>
+              <a:buSzTx/>
+              <a:buFontTx/>
+              <a:buChar char="•"/>
+              <a:tabLst/>
+            </a:pPr>
+            <a:r>
+              <a:rPr kumimoji="0" lang="de-DE" altLang="de-DE" sz="1200" b="0" i="0" u="none" strike="noStrike" cap="none" normalizeH="0" baseline="0" dirty="0">
+                <a:ln>
+                  <a:noFill/>
+                </a:ln>
+                <a:solidFill>
+                  <a:schemeClr val="tx1"/>
+                </a:solidFill>
+                <a:effectLst/>
+                <a:latin typeface="Google Sans Text"/>
+              </a:rPr>
+              <a:t>Lead Time </a:t>
+            </a:r>
+          </a:p>
+          <a:p>
+            <a:pPr marL="457200" marR="0" lvl="1" indent="0" algn="l" defTabSz="914400" rtl="0" eaLnBrk="0" fontAlgn="base" latinLnBrk="0" hangingPunct="0">
+              <a:lnSpc>
+                <a:spcPct val="100000"/>
+              </a:lnSpc>
+              <a:spcBef>
+                <a:spcPct val="0"/>
+              </a:spcBef>
+              <a:spcAft>
+                <a:spcPct val="0"/>
+              </a:spcAft>
+              <a:buClrTx/>
+              <a:buSzTx/>
+              <a:buFontTx/>
+              <a:buChar char="•"/>
+              <a:tabLst/>
+            </a:pPr>
+            <a:r>
+              <a:rPr kumimoji="0" lang="de-DE" altLang="de-DE" sz="1200" b="0" i="0" u="none" strike="noStrike" cap="none" normalizeH="0" baseline="0" dirty="0">
+                <a:ln>
+                  <a:noFill/>
+                </a:ln>
+                <a:solidFill>
+                  <a:schemeClr val="tx1"/>
+                </a:solidFill>
+                <a:effectLst/>
+                <a:latin typeface="Google Sans Text"/>
+              </a:rPr>
+              <a:t>Cycle Time </a:t>
+            </a:r>
+          </a:p>
+          <a:p>
+            <a:pPr marL="0" marR="0" lvl="0" indent="0" algn="l" defTabSz="914400" rtl="0" eaLnBrk="0" fontAlgn="base" latinLnBrk="0" hangingPunct="0">
+              <a:lnSpc>
+                <a:spcPct val="100000"/>
+              </a:lnSpc>
+              <a:spcBef>
+                <a:spcPct val="0"/>
+              </a:spcBef>
+              <a:spcAft>
+                <a:spcPct val="0"/>
+              </a:spcAft>
+              <a:buClrTx/>
+              <a:buSzTx/>
+              <a:buFontTx/>
+              <a:buChar char="•"/>
+              <a:tabLst/>
+            </a:pPr>
+            <a:r>
+              <a:rPr kumimoji="0" lang="de-DE" altLang="de-DE" sz="1200" b="1" i="0" u="none" strike="noStrike" cap="none" normalizeH="0" baseline="0" dirty="0">
+                <a:ln>
+                  <a:noFill/>
+                </a:ln>
+                <a:solidFill>
+                  <a:schemeClr val="tx1"/>
+                </a:solidFill>
+                <a:effectLst/>
+                <a:latin typeface="Google Sans Text"/>
+              </a:rPr>
+              <a:t>Purpose:</a:t>
+            </a:r>
+            <a:r>
+              <a:rPr kumimoji="0" lang="de-DE" altLang="de-DE" sz="1200" b="0" i="0" u="none" strike="noStrike" cap="none" normalizeH="0" baseline="0" dirty="0">
+                <a:ln>
+                  <a:noFill/>
+                </a:ln>
+                <a:solidFill>
+                  <a:schemeClr val="tx1"/>
+                </a:solidFill>
+                <a:effectLst/>
+                <a:latin typeface="Google Sans Text"/>
+              </a:rPr>
+              <a:t> </a:t>
+            </a:r>
+          </a:p>
+          <a:p>
+            <a:pPr marL="457200" marR="0" lvl="1" indent="0" algn="l" defTabSz="914400" rtl="0" eaLnBrk="0" fontAlgn="base" latinLnBrk="0" hangingPunct="0">
+              <a:lnSpc>
+                <a:spcPct val="100000"/>
+              </a:lnSpc>
+              <a:spcBef>
+                <a:spcPct val="0"/>
+              </a:spcBef>
+              <a:spcAft>
+                <a:spcPct val="0"/>
+              </a:spcAft>
+              <a:buClrTx/>
+              <a:buSzTx/>
+              <a:buFontTx/>
+              <a:buChar char="•"/>
+              <a:tabLst/>
+            </a:pPr>
+            <a:r>
+              <a:rPr kumimoji="0" lang="de-DE" altLang="de-DE" sz="1200" b="0" i="0" u="none" strike="noStrike" cap="none" normalizeH="0" baseline="0" dirty="0">
+                <a:ln>
+                  <a:noFill/>
+                </a:ln>
+                <a:solidFill>
+                  <a:schemeClr val="tx1"/>
+                </a:solidFill>
+                <a:effectLst/>
+                <a:latin typeface="Google Sans Text"/>
+              </a:rPr>
+              <a:t>Assist PPC (</a:t>
+            </a:r>
+            <a:r>
+              <a:rPr kumimoji="0" lang="de-DE" altLang="de-DE" sz="1200" b="0" i="0" u="none" strike="noStrike" cap="none" normalizeH="0" baseline="0" dirty="0" err="1">
+                <a:ln>
+                  <a:noFill/>
+                </a:ln>
+                <a:solidFill>
+                  <a:schemeClr val="tx1"/>
+                </a:solidFill>
+                <a:effectLst/>
+                <a:latin typeface="Google Sans Text"/>
+              </a:rPr>
+              <a:t>Production</a:t>
+            </a:r>
+            <a:r>
+              <a:rPr kumimoji="0" lang="de-DE" altLang="de-DE" sz="1200" b="0" i="0" u="none" strike="noStrike" cap="none" normalizeH="0" baseline="0" dirty="0">
+                <a:ln>
+                  <a:noFill/>
+                </a:ln>
+                <a:solidFill>
+                  <a:schemeClr val="tx1"/>
+                </a:solidFill>
+                <a:effectLst/>
+                <a:latin typeface="Google Sans Text"/>
+              </a:rPr>
+              <a:t> </a:t>
+            </a:r>
+            <a:r>
+              <a:rPr kumimoji="0" lang="de-DE" altLang="de-DE" sz="1200" b="0" i="0" u="none" strike="noStrike" cap="none" normalizeH="0" baseline="0" dirty="0" err="1">
+                <a:ln>
+                  <a:noFill/>
+                </a:ln>
+                <a:solidFill>
+                  <a:schemeClr val="tx1"/>
+                </a:solidFill>
+                <a:effectLst/>
+                <a:latin typeface="Google Sans Text"/>
+              </a:rPr>
+              <a:t>Planning</a:t>
+            </a:r>
+            <a:r>
+              <a:rPr kumimoji="0" lang="de-DE" altLang="de-DE" sz="1200" b="0" i="0" u="none" strike="noStrike" cap="none" normalizeH="0" baseline="0" dirty="0">
+                <a:ln>
+                  <a:noFill/>
+                </a:ln>
+                <a:solidFill>
+                  <a:schemeClr val="tx1"/>
+                </a:solidFill>
+                <a:effectLst/>
+                <a:latin typeface="Google Sans Text"/>
+              </a:rPr>
+              <a:t> &amp; Control) VVUQ (</a:t>
+            </a:r>
+            <a:r>
+              <a:rPr kumimoji="0" lang="de-DE" altLang="de-DE" sz="1200" b="0" i="0" u="none" strike="noStrike" cap="none" normalizeH="0" baseline="0" dirty="0" err="1">
+                <a:ln>
+                  <a:noFill/>
+                </a:ln>
+                <a:solidFill>
+                  <a:schemeClr val="tx1"/>
+                </a:solidFill>
+                <a:effectLst/>
+                <a:latin typeface="Google Sans Text"/>
+              </a:rPr>
+              <a:t>Ref</a:t>
+            </a:r>
+            <a:r>
+              <a:rPr kumimoji="0" lang="de-DE" altLang="de-DE" sz="1200" b="0" i="0" u="none" strike="noStrike" cap="none" normalizeH="0" baseline="0" dirty="0">
+                <a:ln>
+                  <a:noFill/>
+                </a:ln>
+                <a:solidFill>
+                  <a:schemeClr val="tx1"/>
+                </a:solidFill>
+                <a:effectLst/>
+                <a:latin typeface="Google Sans Text"/>
+              </a:rPr>
+              <a:t>: </a:t>
+            </a:r>
+            <a:r>
+              <a:rPr kumimoji="0" lang="de-DE" altLang="de-DE" sz="1200" b="0" i="0" u="none" strike="noStrike" cap="none" normalizeH="0" baseline="0" dirty="0" err="1">
+                <a:ln>
+                  <a:noFill/>
+                </a:ln>
+                <a:solidFill>
+                  <a:schemeClr val="tx1"/>
+                </a:solidFill>
+                <a:effectLst/>
+                <a:latin typeface="Google Sans Text"/>
+              </a:rPr>
+              <a:t>Subsection</a:t>
+            </a:r>
+            <a:r>
+              <a:rPr kumimoji="0" lang="de-DE" altLang="de-DE" sz="1200" b="0" i="0" u="none" strike="noStrike" cap="none" normalizeH="0" baseline="0" dirty="0">
+                <a:ln>
+                  <a:noFill/>
+                </a:ln>
+                <a:solidFill>
+                  <a:schemeClr val="tx1"/>
+                </a:solidFill>
+                <a:effectLst/>
+                <a:latin typeface="Google Sans Text"/>
+              </a:rPr>
+              <a:t> 2.1.4). </a:t>
+            </a:r>
+          </a:p>
+          <a:p>
+            <a:pPr marL="457200" marR="0" lvl="1" indent="0" algn="l" defTabSz="914400" rtl="0" eaLnBrk="0" fontAlgn="base" latinLnBrk="0" hangingPunct="0">
+              <a:lnSpc>
+                <a:spcPct val="100000"/>
+              </a:lnSpc>
+              <a:spcBef>
+                <a:spcPct val="0"/>
+              </a:spcBef>
+              <a:spcAft>
+                <a:spcPct val="0"/>
+              </a:spcAft>
+              <a:buClrTx/>
+              <a:buSzTx/>
+              <a:buFontTx/>
+              <a:buChar char="•"/>
+              <a:tabLst/>
+            </a:pPr>
+            <a:r>
+              <a:rPr kumimoji="0" lang="de-DE" altLang="de-DE" sz="1200" b="0" i="0" u="none" strike="noStrike" cap="none" normalizeH="0" baseline="0" dirty="0" err="1">
+                <a:ln>
+                  <a:noFill/>
+                </a:ln>
+                <a:solidFill>
+                  <a:schemeClr val="tx1"/>
+                </a:solidFill>
+                <a:effectLst/>
+                <a:latin typeface="Google Sans Text"/>
+              </a:rPr>
+              <a:t>Enable</a:t>
+            </a:r>
+            <a:r>
+              <a:rPr kumimoji="0" lang="de-DE" altLang="de-DE" sz="1200" b="0" i="0" u="none" strike="noStrike" cap="none" normalizeH="0" baseline="0" dirty="0">
+                <a:ln>
+                  <a:noFill/>
+                </a:ln>
+                <a:solidFill>
+                  <a:schemeClr val="tx1"/>
+                </a:solidFill>
+                <a:effectLst/>
+                <a:latin typeface="Google Sans Text"/>
+              </a:rPr>
+              <a:t> </a:t>
+            </a:r>
+            <a:r>
+              <a:rPr kumimoji="0" lang="de-DE" altLang="de-DE" sz="1200" b="0" i="0" u="none" strike="noStrike" cap="none" normalizeH="0" baseline="0" dirty="0" err="1">
+                <a:ln>
+                  <a:noFill/>
+                </a:ln>
+                <a:solidFill>
+                  <a:schemeClr val="tx1"/>
+                </a:solidFill>
+                <a:effectLst/>
+                <a:latin typeface="Google Sans Text"/>
+              </a:rPr>
+              <a:t>integration</a:t>
+            </a:r>
+            <a:r>
+              <a:rPr kumimoji="0" lang="de-DE" altLang="de-DE" sz="1200" b="0" i="0" u="none" strike="noStrike" cap="none" normalizeH="0" baseline="0" dirty="0">
+                <a:ln>
+                  <a:noFill/>
+                </a:ln>
+                <a:solidFill>
+                  <a:schemeClr val="tx1"/>
+                </a:solidFill>
+                <a:effectLst/>
+                <a:latin typeface="Google Sans Text"/>
+              </a:rPr>
+              <a:t> </a:t>
+            </a:r>
+            <a:r>
+              <a:rPr kumimoji="0" lang="de-DE" altLang="de-DE" sz="1200" b="0" i="0" u="none" strike="noStrike" cap="none" normalizeH="0" baseline="0" dirty="0" err="1">
+                <a:ln>
+                  <a:noFill/>
+                </a:ln>
+                <a:solidFill>
+                  <a:schemeClr val="tx1"/>
+                </a:solidFill>
+                <a:effectLst/>
+                <a:latin typeface="Google Sans Text"/>
+              </a:rPr>
+              <a:t>to</a:t>
+            </a:r>
+            <a:r>
+              <a:rPr kumimoji="0" lang="de-DE" altLang="de-DE" sz="1200" b="0" i="0" u="none" strike="noStrike" cap="none" normalizeH="0" baseline="0" dirty="0">
+                <a:ln>
+                  <a:noFill/>
+                </a:ln>
+                <a:solidFill>
+                  <a:schemeClr val="tx1"/>
+                </a:solidFill>
+                <a:effectLst/>
+                <a:latin typeface="Google Sans Text"/>
+              </a:rPr>
+              <a:t> </a:t>
+            </a:r>
+            <a:r>
+              <a:rPr kumimoji="0" lang="de-DE" altLang="de-DE" sz="1200" b="0" i="0" u="none" strike="noStrike" cap="none" normalizeH="0" baseline="0" dirty="0" err="1">
+                <a:ln>
+                  <a:noFill/>
+                </a:ln>
+                <a:solidFill>
+                  <a:schemeClr val="tx1"/>
+                </a:solidFill>
+                <a:effectLst/>
+                <a:latin typeface="Google Sans Text"/>
+              </a:rPr>
+              <a:t>validate</a:t>
+            </a:r>
+            <a:r>
+              <a:rPr kumimoji="0" lang="de-DE" altLang="de-DE" sz="1200" b="0" i="0" u="none" strike="noStrike" cap="none" normalizeH="0" baseline="0" dirty="0">
+                <a:ln>
+                  <a:noFill/>
+                </a:ln>
+                <a:solidFill>
+                  <a:schemeClr val="tx1"/>
+                </a:solidFill>
+                <a:effectLst/>
+                <a:latin typeface="Google Sans Text"/>
+              </a:rPr>
+              <a:t> Time Model </a:t>
+            </a:r>
+            <a:r>
+              <a:rPr kumimoji="0" lang="de-DE" altLang="de-DE" sz="1200" b="0" i="0" u="none" strike="noStrike" cap="none" normalizeH="0" baseline="0" dirty="0" err="1">
+                <a:ln>
+                  <a:noFill/>
+                </a:ln>
+                <a:solidFill>
+                  <a:schemeClr val="tx1"/>
+                </a:solidFill>
+                <a:effectLst/>
+                <a:latin typeface="Google Sans Text"/>
+              </a:rPr>
+              <a:t>learning</a:t>
+            </a:r>
+            <a:r>
+              <a:rPr kumimoji="0" lang="de-DE" altLang="de-DE" sz="1200" b="0" i="0" u="none" strike="noStrike" cap="none" normalizeH="0" baseline="0" dirty="0">
+                <a:ln>
+                  <a:noFill/>
+                </a:ln>
+                <a:solidFill>
+                  <a:schemeClr val="tx1"/>
+                </a:solidFill>
+                <a:effectLst/>
+                <a:latin typeface="Google Sans Text"/>
+              </a:rPr>
+              <a:t>. </a:t>
+            </a:r>
+          </a:p>
+          <a:p>
+            <a:pPr marL="0" marR="0" lvl="0" indent="0" algn="l" defTabSz="914400" rtl="0" eaLnBrk="0" fontAlgn="base" latinLnBrk="0" hangingPunct="0">
+              <a:lnSpc>
+                <a:spcPct val="100000"/>
+              </a:lnSpc>
+              <a:spcBef>
+                <a:spcPct val="0"/>
+              </a:spcBef>
+              <a:spcAft>
+                <a:spcPct val="0"/>
+              </a:spcAft>
+              <a:buClrTx/>
+              <a:buSzTx/>
+              <a:buFontTx/>
+              <a:buNone/>
+              <a:tabLst/>
+            </a:pPr>
+            <a:r>
+              <a:rPr kumimoji="0" lang="de-DE" altLang="de-DE" sz="1200" b="1" i="0" u="none" strike="noStrike" cap="none" normalizeH="0" baseline="0" dirty="0">
+                <a:ln>
+                  <a:noFill/>
+                </a:ln>
+                <a:solidFill>
+                  <a:schemeClr val="tx1"/>
+                </a:solidFill>
+                <a:effectLst/>
+                <a:latin typeface="Google Sans Text"/>
+              </a:rPr>
+              <a:t>Additional Features </a:t>
+            </a:r>
+            <a:r>
+              <a:rPr kumimoji="0" lang="de-DE" altLang="de-DE" sz="1200" b="1" i="0" u="none" strike="noStrike" cap="none" normalizeH="0" baseline="0" dirty="0" err="1">
+                <a:ln>
+                  <a:noFill/>
+                </a:ln>
+                <a:solidFill>
+                  <a:schemeClr val="tx1"/>
+                </a:solidFill>
+                <a:effectLst/>
+                <a:latin typeface="Google Sans Text"/>
+              </a:rPr>
+              <a:t>for</a:t>
+            </a:r>
+            <a:r>
+              <a:rPr kumimoji="0" lang="de-DE" altLang="de-DE" sz="1200" b="1" i="0" u="none" strike="noStrike" cap="none" normalizeH="0" baseline="0" dirty="0">
+                <a:ln>
+                  <a:noFill/>
+                </a:ln>
+                <a:solidFill>
+                  <a:schemeClr val="tx1"/>
+                </a:solidFill>
+                <a:effectLst/>
+                <a:latin typeface="Google Sans Text"/>
+              </a:rPr>
+              <a:t> Analysis</a:t>
+            </a:r>
+            <a:endParaRPr kumimoji="0" lang="de-DE" altLang="de-DE" sz="1200" b="0" i="0" u="none" strike="noStrike" cap="none" normalizeH="0" baseline="0" dirty="0">
+              <a:ln>
+                <a:noFill/>
+              </a:ln>
+              <a:solidFill>
+                <a:schemeClr val="tx1"/>
+              </a:solidFill>
+              <a:effectLst/>
+              <a:latin typeface="Google Sans Text"/>
+            </a:endParaRPr>
+          </a:p>
+          <a:p>
+            <a:pPr marL="0" marR="0" lvl="0" indent="0" algn="l" defTabSz="914400" rtl="0" eaLnBrk="0" fontAlgn="base" latinLnBrk="0" hangingPunct="0">
+              <a:lnSpc>
+                <a:spcPct val="100000"/>
+              </a:lnSpc>
+              <a:spcBef>
+                <a:spcPct val="0"/>
+              </a:spcBef>
+              <a:spcAft>
+                <a:spcPct val="0"/>
+              </a:spcAft>
+              <a:buClrTx/>
+              <a:buSzTx/>
+              <a:buFontTx/>
+              <a:buChar char="•"/>
+              <a:tabLst/>
+            </a:pPr>
+            <a:r>
+              <a:rPr kumimoji="0" lang="de-DE" altLang="de-DE" sz="700" b="0" i="0" u="none" strike="noStrike" cap="none" normalizeH="0" baseline="0" dirty="0" err="1">
+                <a:ln>
+                  <a:noFill/>
+                </a:ln>
+                <a:solidFill>
+                  <a:schemeClr val="tx1"/>
+                </a:solidFill>
+                <a:effectLst/>
+                <a:latin typeface="Google Sans Text"/>
+              </a:rPr>
+              <a:t>duration</a:t>
+            </a:r>
+            <a:r>
+              <a:rPr kumimoji="0" lang="de-DE" altLang="de-DE" sz="500" b="0" i="0" u="none" strike="noStrike" cap="none" normalizeH="0" baseline="0" dirty="0">
+                <a:ln>
+                  <a:noFill/>
+                </a:ln>
+                <a:solidFill>
+                  <a:schemeClr val="tx1"/>
+                </a:solidFill>
+                <a:effectLst/>
+                <a:latin typeface="Google Sans Text"/>
+              </a:rPr>
+              <a:t>: </a:t>
+            </a:r>
+            <a:endParaRPr kumimoji="0" lang="de-DE" altLang="de-DE" sz="1200" b="0" i="0" u="none" strike="noStrike" cap="none" normalizeH="0" baseline="0" dirty="0">
+              <a:ln>
+                <a:noFill/>
+              </a:ln>
+              <a:solidFill>
+                <a:schemeClr val="tx1"/>
+              </a:solidFill>
+              <a:effectLst/>
+              <a:latin typeface="Google Sans Text"/>
+            </a:endParaRPr>
+          </a:p>
+          <a:p>
+            <a:pPr marL="457200" marR="0" lvl="1" indent="0" algn="l" defTabSz="914400" rtl="0" eaLnBrk="0" fontAlgn="base" latinLnBrk="0" hangingPunct="0">
+              <a:lnSpc>
+                <a:spcPct val="100000"/>
+              </a:lnSpc>
+              <a:spcBef>
+                <a:spcPct val="0"/>
+              </a:spcBef>
+              <a:spcAft>
+                <a:spcPct val="0"/>
+              </a:spcAft>
+              <a:buClrTx/>
+              <a:buSzTx/>
+              <a:buFontTx/>
+              <a:buChar char="•"/>
+              <a:tabLst/>
+            </a:pPr>
+            <a:r>
+              <a:rPr kumimoji="0" lang="de-DE" altLang="de-DE" sz="1200" b="0" i="0" u="none" strike="noStrike" cap="none" normalizeH="0" baseline="0" dirty="0" err="1">
+                <a:ln>
+                  <a:noFill/>
+                </a:ln>
+                <a:solidFill>
+                  <a:schemeClr val="tx1"/>
+                </a:solidFill>
+                <a:effectLst/>
+                <a:latin typeface="Google Sans Text"/>
+              </a:rPr>
+              <a:t>Length</a:t>
+            </a:r>
+            <a:r>
+              <a:rPr kumimoji="0" lang="de-DE" altLang="de-DE" sz="1200" b="0" i="0" u="none" strike="noStrike" cap="none" normalizeH="0" baseline="0" dirty="0">
+                <a:ln>
+                  <a:noFill/>
+                </a:ln>
+                <a:solidFill>
+                  <a:schemeClr val="tx1"/>
+                </a:solidFill>
+                <a:effectLst/>
+                <a:latin typeface="Google Sans Text"/>
+              </a:rPr>
+              <a:t> </a:t>
+            </a:r>
+            <a:r>
+              <a:rPr kumimoji="0" lang="de-DE" altLang="de-DE" sz="1200" b="0" i="0" u="none" strike="noStrike" cap="none" normalizeH="0" baseline="0" dirty="0" err="1">
+                <a:ln>
+                  <a:noFill/>
+                </a:ln>
+                <a:solidFill>
+                  <a:schemeClr val="tx1"/>
+                </a:solidFill>
+                <a:effectLst/>
+                <a:latin typeface="Google Sans Text"/>
+              </a:rPr>
+              <a:t>of</a:t>
+            </a:r>
+            <a:r>
+              <a:rPr kumimoji="0" lang="de-DE" altLang="de-DE" sz="1200" b="0" i="0" u="none" strike="noStrike" cap="none" normalizeH="0" baseline="0" dirty="0">
+                <a:ln>
+                  <a:noFill/>
+                </a:ln>
+                <a:solidFill>
+                  <a:schemeClr val="tx1"/>
+                </a:solidFill>
+                <a:effectLst/>
+                <a:latin typeface="Google Sans Text"/>
+              </a:rPr>
+              <a:t> </a:t>
+            </a:r>
+            <a:r>
+              <a:rPr kumimoji="0" lang="de-DE" altLang="de-DE" sz="1200" b="0" i="0" u="none" strike="noStrike" cap="none" normalizeH="0" baseline="0" dirty="0" err="1">
+                <a:ln>
+                  <a:noFill/>
+                </a:ln>
+                <a:solidFill>
+                  <a:schemeClr val="tx1"/>
+                </a:solidFill>
+                <a:effectLst/>
+                <a:latin typeface="Google Sans Text"/>
+              </a:rPr>
+              <a:t>the</a:t>
+            </a:r>
+            <a:r>
+              <a:rPr kumimoji="0" lang="de-DE" altLang="de-DE" sz="1200" b="0" i="0" u="none" strike="noStrike" cap="none" normalizeH="0" baseline="0" dirty="0">
+                <a:ln>
+                  <a:noFill/>
+                </a:ln>
+                <a:solidFill>
+                  <a:schemeClr val="tx1"/>
+                </a:solidFill>
+                <a:effectLst/>
+                <a:latin typeface="Google Sans Text"/>
+              </a:rPr>
+              <a:t> </a:t>
+            </a:r>
+            <a:r>
+              <a:rPr kumimoji="0" lang="de-DE" altLang="de-DE" sz="1200" b="0" i="0" u="none" strike="noStrike" cap="none" normalizeH="0" baseline="0" dirty="0" err="1">
+                <a:ln>
+                  <a:noFill/>
+                </a:ln>
+                <a:solidFill>
+                  <a:schemeClr val="tx1"/>
+                </a:solidFill>
+                <a:effectLst/>
+                <a:latin typeface="Google Sans Text"/>
+              </a:rPr>
+              <a:t>process</a:t>
+            </a:r>
+            <a:r>
+              <a:rPr kumimoji="0" lang="de-DE" altLang="de-DE" sz="1200" b="0" i="0" u="none" strike="noStrike" cap="none" normalizeH="0" baseline="0" dirty="0">
+                <a:ln>
+                  <a:noFill/>
+                </a:ln>
+                <a:solidFill>
+                  <a:schemeClr val="tx1"/>
+                </a:solidFill>
+                <a:effectLst/>
+                <a:latin typeface="Google Sans Text"/>
+              </a:rPr>
+              <a:t> </a:t>
+            </a:r>
+            <a:r>
+              <a:rPr kumimoji="0" lang="de-DE" altLang="de-DE" sz="1200" b="0" i="0" u="none" strike="noStrike" cap="none" normalizeH="0" baseline="0" dirty="0" err="1">
+                <a:ln>
+                  <a:noFill/>
+                </a:ln>
+                <a:solidFill>
+                  <a:schemeClr val="tx1"/>
+                </a:solidFill>
+                <a:effectLst/>
+                <a:latin typeface="Google Sans Text"/>
+              </a:rPr>
+              <a:t>step</a:t>
+            </a:r>
+            <a:r>
+              <a:rPr kumimoji="0" lang="de-DE" altLang="de-DE" sz="1200" b="0" i="0" u="none" strike="noStrike" cap="none" normalizeH="0" baseline="0" dirty="0">
+                <a:ln>
+                  <a:noFill/>
+                </a:ln>
+                <a:solidFill>
+                  <a:schemeClr val="tx1"/>
+                </a:solidFill>
+                <a:effectLst/>
+                <a:latin typeface="Google Sans Text"/>
+              </a:rPr>
+              <a:t> (End Time - Start Time). </a:t>
+            </a:r>
+          </a:p>
+          <a:p>
+            <a:pPr marL="457200" marR="0" lvl="1" indent="0" algn="l" defTabSz="914400" rtl="0" eaLnBrk="0" fontAlgn="base" latinLnBrk="0" hangingPunct="0">
+              <a:lnSpc>
+                <a:spcPct val="100000"/>
+              </a:lnSpc>
+              <a:spcBef>
+                <a:spcPct val="0"/>
+              </a:spcBef>
+              <a:spcAft>
+                <a:spcPct val="0"/>
+              </a:spcAft>
+              <a:buClrTx/>
+              <a:buSzTx/>
+              <a:buFontTx/>
+              <a:buChar char="•"/>
+              <a:tabLst/>
+            </a:pPr>
+            <a:r>
+              <a:rPr kumimoji="0" lang="de-DE" altLang="de-DE" sz="1200" b="0" i="0" u="none" strike="noStrike" cap="none" normalizeH="0" baseline="0" dirty="0" err="1">
+                <a:ln>
+                  <a:noFill/>
+                </a:ln>
+                <a:solidFill>
+                  <a:schemeClr val="tx1"/>
+                </a:solidFill>
+                <a:effectLst/>
+                <a:latin typeface="Google Sans Text"/>
+              </a:rPr>
+              <a:t>Crucial</a:t>
+            </a:r>
+            <a:r>
+              <a:rPr kumimoji="0" lang="de-DE" altLang="de-DE" sz="1200" b="0" i="0" u="none" strike="noStrike" cap="none" normalizeH="0" baseline="0" dirty="0">
+                <a:ln>
+                  <a:noFill/>
+                </a:ln>
+                <a:solidFill>
+                  <a:schemeClr val="tx1"/>
+                </a:solidFill>
+                <a:effectLst/>
+                <a:latin typeface="Google Sans Text"/>
+              </a:rPr>
+              <a:t> </a:t>
+            </a:r>
+            <a:r>
+              <a:rPr kumimoji="0" lang="de-DE" altLang="de-DE" sz="1200" b="0" i="0" u="none" strike="noStrike" cap="none" normalizeH="0" baseline="0" dirty="0" err="1">
+                <a:ln>
+                  <a:noFill/>
+                </a:ln>
+                <a:solidFill>
+                  <a:schemeClr val="tx1"/>
+                </a:solidFill>
+                <a:effectLst/>
+                <a:latin typeface="Google Sans Text"/>
+              </a:rPr>
+              <a:t>for</a:t>
+            </a:r>
+            <a:r>
+              <a:rPr kumimoji="0" lang="de-DE" altLang="de-DE" sz="1200" b="0" i="0" u="none" strike="noStrike" cap="none" normalizeH="0" baseline="0" dirty="0">
+                <a:ln>
+                  <a:noFill/>
+                </a:ln>
+                <a:solidFill>
+                  <a:schemeClr val="tx1"/>
+                </a:solidFill>
+                <a:effectLst/>
+                <a:latin typeface="Google Sans Text"/>
+              </a:rPr>
+              <a:t> </a:t>
+            </a:r>
+            <a:r>
+              <a:rPr kumimoji="0" lang="de-DE" altLang="de-DE" sz="1200" b="0" i="0" u="none" strike="noStrike" cap="none" normalizeH="0" baseline="0" dirty="0" err="1">
+                <a:ln>
+                  <a:noFill/>
+                </a:ln>
+                <a:solidFill>
+                  <a:schemeClr val="tx1"/>
+                </a:solidFill>
+                <a:effectLst/>
+                <a:latin typeface="Google Sans Text"/>
+              </a:rPr>
+              <a:t>understanding</a:t>
+            </a:r>
+            <a:r>
+              <a:rPr kumimoji="0" lang="de-DE" altLang="de-DE" sz="1200" b="0" i="0" u="none" strike="noStrike" cap="none" normalizeH="0" baseline="0" dirty="0">
+                <a:ln>
+                  <a:noFill/>
+                </a:ln>
+                <a:solidFill>
+                  <a:schemeClr val="tx1"/>
+                </a:solidFill>
+                <a:effectLst/>
+                <a:latin typeface="Google Sans Text"/>
+              </a:rPr>
+              <a:t> </a:t>
+            </a:r>
+            <a:r>
+              <a:rPr kumimoji="0" lang="de-DE" altLang="de-DE" sz="1200" b="0" i="0" u="none" strike="noStrike" cap="none" normalizeH="0" baseline="0" dirty="0" err="1">
+                <a:ln>
+                  <a:noFill/>
+                </a:ln>
+                <a:solidFill>
+                  <a:schemeClr val="tx1"/>
+                </a:solidFill>
+                <a:effectLst/>
+                <a:latin typeface="Google Sans Text"/>
+              </a:rPr>
+              <a:t>step</a:t>
+            </a:r>
+            <a:r>
+              <a:rPr kumimoji="0" lang="de-DE" altLang="de-DE" sz="1200" b="0" i="0" u="none" strike="noStrike" cap="none" normalizeH="0" baseline="0" dirty="0">
+                <a:ln>
+                  <a:noFill/>
+                </a:ln>
+                <a:solidFill>
+                  <a:schemeClr val="tx1"/>
+                </a:solidFill>
+                <a:effectLst/>
+                <a:latin typeface="Google Sans Text"/>
+              </a:rPr>
+              <a:t> time </a:t>
+            </a:r>
+            <a:r>
+              <a:rPr kumimoji="0" lang="de-DE" altLang="de-DE" sz="1200" b="0" i="0" u="none" strike="noStrike" cap="none" normalizeH="0" baseline="0" dirty="0" err="1">
+                <a:ln>
+                  <a:noFill/>
+                </a:ln>
+                <a:solidFill>
+                  <a:schemeClr val="tx1"/>
+                </a:solidFill>
+                <a:effectLst/>
+                <a:latin typeface="Google Sans Text"/>
+              </a:rPr>
+              <a:t>consumption</a:t>
+            </a:r>
+            <a:r>
+              <a:rPr kumimoji="0" lang="de-DE" altLang="de-DE" sz="1200" b="0" i="0" u="none" strike="noStrike" cap="none" normalizeH="0" baseline="0" dirty="0">
+                <a:ln>
+                  <a:noFill/>
+                </a:ln>
+                <a:solidFill>
+                  <a:schemeClr val="tx1"/>
+                </a:solidFill>
+                <a:effectLst/>
+                <a:latin typeface="Google Sans Text"/>
+              </a:rPr>
+              <a:t>. </a:t>
+            </a:r>
+          </a:p>
+          <a:p>
+            <a:pPr marL="0" marR="0" lvl="0" indent="0" algn="l" defTabSz="914400" rtl="0" eaLnBrk="0" fontAlgn="base" latinLnBrk="0" hangingPunct="0">
+              <a:lnSpc>
+                <a:spcPct val="100000"/>
+              </a:lnSpc>
+              <a:spcBef>
+                <a:spcPct val="0"/>
+              </a:spcBef>
+              <a:spcAft>
+                <a:spcPct val="0"/>
+              </a:spcAft>
+              <a:buClrTx/>
+              <a:buSzTx/>
+              <a:buFontTx/>
+              <a:buChar char="•"/>
+              <a:tabLst/>
+            </a:pPr>
+            <a:r>
+              <a:rPr kumimoji="0" lang="de-DE" altLang="de-DE" sz="700" b="0" i="0" u="none" strike="noStrike" cap="none" normalizeH="0" baseline="0" dirty="0" err="1">
+                <a:ln>
+                  <a:noFill/>
+                </a:ln>
+                <a:solidFill>
+                  <a:schemeClr val="tx1"/>
+                </a:solidFill>
+                <a:effectLst/>
+                <a:latin typeface="Google Sans Text"/>
+              </a:rPr>
+              <a:t>sequence_number</a:t>
+            </a:r>
+            <a:r>
+              <a:rPr kumimoji="0" lang="de-DE" altLang="de-DE" sz="500" b="0" i="0" u="none" strike="noStrike" cap="none" normalizeH="0" baseline="0" dirty="0">
+                <a:ln>
+                  <a:noFill/>
+                </a:ln>
+                <a:solidFill>
+                  <a:schemeClr val="tx1"/>
+                </a:solidFill>
+                <a:effectLst/>
+                <a:latin typeface="Google Sans Text"/>
+              </a:rPr>
+              <a:t>: </a:t>
+            </a:r>
+            <a:endParaRPr kumimoji="0" lang="de-DE" altLang="de-DE" sz="1200" b="0" i="0" u="none" strike="noStrike" cap="none" normalizeH="0" baseline="0" dirty="0">
+              <a:ln>
+                <a:noFill/>
+              </a:ln>
+              <a:solidFill>
+                <a:schemeClr val="tx1"/>
+              </a:solidFill>
+              <a:effectLst/>
+              <a:latin typeface="Google Sans Text"/>
+            </a:endParaRPr>
+          </a:p>
+          <a:p>
+            <a:pPr marL="457200" marR="0" lvl="1" indent="0" algn="l" defTabSz="914400" rtl="0" eaLnBrk="0" fontAlgn="base" latinLnBrk="0" hangingPunct="0">
+              <a:lnSpc>
+                <a:spcPct val="100000"/>
+              </a:lnSpc>
+              <a:spcBef>
+                <a:spcPct val="0"/>
+              </a:spcBef>
+              <a:spcAft>
+                <a:spcPct val="0"/>
+              </a:spcAft>
+              <a:buClrTx/>
+              <a:buSzTx/>
+              <a:buFontTx/>
+              <a:buChar char="•"/>
+              <a:tabLst/>
+            </a:pPr>
+            <a:r>
+              <a:rPr kumimoji="0" lang="de-DE" altLang="de-DE" sz="1200" b="0" i="0" u="none" strike="noStrike" cap="none" normalizeH="0" baseline="0" dirty="0">
+                <a:ln>
+                  <a:noFill/>
+                </a:ln>
+                <a:solidFill>
+                  <a:schemeClr val="tx1"/>
+                </a:solidFill>
+                <a:effectLst/>
+                <a:latin typeface="Google Sans Text"/>
+              </a:rPr>
+              <a:t>Order </a:t>
+            </a:r>
+            <a:r>
+              <a:rPr kumimoji="0" lang="de-DE" altLang="de-DE" sz="1200" b="0" i="0" u="none" strike="noStrike" cap="none" normalizeH="0" baseline="0" dirty="0" err="1">
+                <a:ln>
+                  <a:noFill/>
+                </a:ln>
+                <a:solidFill>
+                  <a:schemeClr val="tx1"/>
+                </a:solidFill>
+                <a:effectLst/>
+                <a:latin typeface="Google Sans Text"/>
+              </a:rPr>
+              <a:t>of</a:t>
+            </a:r>
+            <a:r>
+              <a:rPr kumimoji="0" lang="de-DE" altLang="de-DE" sz="1200" b="0" i="0" u="none" strike="noStrike" cap="none" normalizeH="0" baseline="0" dirty="0">
+                <a:ln>
+                  <a:noFill/>
+                </a:ln>
+                <a:solidFill>
+                  <a:schemeClr val="tx1"/>
+                </a:solidFill>
+                <a:effectLst/>
+                <a:latin typeface="Google Sans Text"/>
+              </a:rPr>
+              <a:t> </a:t>
+            </a:r>
+            <a:r>
+              <a:rPr kumimoji="0" lang="de-DE" altLang="de-DE" sz="1200" b="0" i="0" u="none" strike="noStrike" cap="none" normalizeH="0" baseline="0" dirty="0" err="1">
+                <a:ln>
+                  <a:noFill/>
+                </a:ln>
+                <a:solidFill>
+                  <a:schemeClr val="tx1"/>
+                </a:solidFill>
+                <a:effectLst/>
+                <a:latin typeface="Google Sans Text"/>
+              </a:rPr>
+              <a:t>steps</a:t>
+            </a:r>
+            <a:r>
+              <a:rPr kumimoji="0" lang="de-DE" altLang="de-DE" sz="1200" b="0" i="0" u="none" strike="noStrike" cap="none" normalizeH="0" baseline="0" dirty="0">
+                <a:ln>
+                  <a:noFill/>
+                </a:ln>
+                <a:solidFill>
+                  <a:schemeClr val="tx1"/>
+                </a:solidFill>
+                <a:effectLst/>
+                <a:latin typeface="Google Sans Text"/>
+              </a:rPr>
+              <a:t> </a:t>
+            </a:r>
+            <a:r>
+              <a:rPr kumimoji="0" lang="de-DE" altLang="de-DE" sz="1200" b="0" i="0" u="none" strike="noStrike" cap="none" normalizeH="0" baseline="0" dirty="0" err="1">
+                <a:ln>
+                  <a:noFill/>
+                </a:ln>
+                <a:solidFill>
+                  <a:schemeClr val="tx1"/>
+                </a:solidFill>
+                <a:effectLst/>
+                <a:latin typeface="Google Sans Text"/>
+              </a:rPr>
+              <a:t>within</a:t>
+            </a:r>
+            <a:r>
+              <a:rPr kumimoji="0" lang="de-DE" altLang="de-DE" sz="1200" b="0" i="0" u="none" strike="noStrike" cap="none" normalizeH="0" baseline="0" dirty="0">
+                <a:ln>
+                  <a:noFill/>
+                </a:ln>
+                <a:solidFill>
+                  <a:schemeClr val="tx1"/>
+                </a:solidFill>
+                <a:effectLst/>
+                <a:latin typeface="Google Sans Text"/>
+              </a:rPr>
+              <a:t> a </a:t>
+            </a:r>
+            <a:r>
+              <a:rPr kumimoji="0" lang="de-DE" altLang="de-DE" sz="1200" b="0" i="0" u="none" strike="noStrike" cap="none" normalizeH="0" baseline="0" dirty="0" err="1">
+                <a:ln>
+                  <a:noFill/>
+                </a:ln>
+                <a:solidFill>
+                  <a:schemeClr val="tx1"/>
+                </a:solidFill>
+                <a:effectLst/>
+                <a:latin typeface="Google Sans Text"/>
+              </a:rPr>
+              <a:t>specific</a:t>
+            </a:r>
+            <a:r>
+              <a:rPr kumimoji="0" lang="de-DE" altLang="de-DE" sz="1200" b="0" i="0" u="none" strike="noStrike" cap="none" normalizeH="0" baseline="0" dirty="0">
+                <a:ln>
+                  <a:noFill/>
+                </a:ln>
+                <a:solidFill>
+                  <a:schemeClr val="tx1"/>
+                </a:solidFill>
+                <a:effectLst/>
+                <a:latin typeface="Google Sans Text"/>
+              </a:rPr>
+              <a:t> </a:t>
+            </a:r>
+            <a:r>
+              <a:rPr kumimoji="0" lang="de-DE" altLang="de-DE" sz="1200" b="0" i="0" u="none" strike="noStrike" cap="none" normalizeH="0" baseline="0" dirty="0" err="1">
+                <a:ln>
+                  <a:noFill/>
+                </a:ln>
+                <a:solidFill>
+                  <a:schemeClr val="tx1"/>
+                </a:solidFill>
+                <a:effectLst/>
+                <a:latin typeface="Google Sans Text"/>
+              </a:rPr>
+              <a:t>order</a:t>
+            </a:r>
+            <a:r>
+              <a:rPr kumimoji="0" lang="de-DE" altLang="de-DE" sz="1200" b="0" i="0" u="none" strike="noStrike" cap="none" normalizeH="0" baseline="0" dirty="0">
+                <a:ln>
+                  <a:noFill/>
+                </a:ln>
+                <a:solidFill>
+                  <a:schemeClr val="tx1"/>
+                </a:solidFill>
+                <a:effectLst/>
+                <a:latin typeface="Google Sans Text"/>
+              </a:rPr>
+              <a:t> (</a:t>
+            </a:r>
+            <a:r>
+              <a:rPr kumimoji="0" lang="de-DE" altLang="de-DE" sz="1200" b="0" i="0" u="none" strike="noStrike" cap="none" normalizeH="0" baseline="0" dirty="0" err="1">
+                <a:ln>
+                  <a:noFill/>
+                </a:ln>
+                <a:solidFill>
+                  <a:schemeClr val="tx1"/>
+                </a:solidFill>
+                <a:effectLst/>
+                <a:latin typeface="Google Sans Text"/>
+              </a:rPr>
+              <a:t>enumerated</a:t>
+            </a:r>
+            <a:r>
+              <a:rPr kumimoji="0" lang="de-DE" altLang="de-DE" sz="1200" b="0" i="0" u="none" strike="noStrike" cap="none" normalizeH="0" baseline="0" dirty="0">
+                <a:ln>
+                  <a:noFill/>
+                </a:ln>
+                <a:solidFill>
+                  <a:schemeClr val="tx1"/>
+                </a:solidFill>
+                <a:effectLst/>
+                <a:latin typeface="Google Sans Text"/>
+              </a:rPr>
+              <a:t> </a:t>
+            </a:r>
+            <a:r>
+              <a:rPr kumimoji="0" lang="de-DE" altLang="de-DE" sz="1200" b="0" i="0" u="none" strike="noStrike" cap="none" normalizeH="0" baseline="0" dirty="0" err="1">
+                <a:ln>
+                  <a:noFill/>
+                </a:ln>
+                <a:solidFill>
+                  <a:schemeClr val="tx1"/>
+                </a:solidFill>
+                <a:effectLst/>
+                <a:latin typeface="Google Sans Text"/>
+              </a:rPr>
+              <a:t>by</a:t>
+            </a:r>
+            <a:r>
+              <a:rPr kumimoji="0" lang="de-DE" altLang="de-DE" sz="1200" b="0" i="0" u="none" strike="noStrike" cap="none" normalizeH="0" baseline="0" dirty="0">
+                <a:ln>
+                  <a:noFill/>
+                </a:ln>
+                <a:solidFill>
+                  <a:schemeClr val="tx1"/>
+                </a:solidFill>
+                <a:effectLst/>
+                <a:latin typeface="Google Sans Text"/>
+              </a:rPr>
+              <a:t> end time). </a:t>
+            </a:r>
+          </a:p>
+          <a:p>
+            <a:pPr marL="457200" marR="0" lvl="1" indent="0" algn="l" defTabSz="914400" rtl="0" eaLnBrk="0" fontAlgn="base" latinLnBrk="0" hangingPunct="0">
+              <a:lnSpc>
+                <a:spcPct val="100000"/>
+              </a:lnSpc>
+              <a:spcBef>
+                <a:spcPct val="0"/>
+              </a:spcBef>
+              <a:spcAft>
+                <a:spcPct val="0"/>
+              </a:spcAft>
+              <a:buClrTx/>
+              <a:buSzTx/>
+              <a:buFontTx/>
+              <a:buChar char="•"/>
+              <a:tabLst/>
+            </a:pPr>
+            <a:r>
+              <a:rPr kumimoji="0" lang="de-DE" altLang="de-DE" sz="1200" b="0" i="0" u="none" strike="noStrike" cap="none" normalizeH="0" baseline="0" dirty="0">
+                <a:ln>
+                  <a:noFill/>
+                </a:ln>
+                <a:solidFill>
+                  <a:schemeClr val="tx1"/>
+                </a:solidFill>
+                <a:effectLst/>
+                <a:latin typeface="Google Sans Text"/>
+              </a:rPr>
+              <a:t>Essential </a:t>
+            </a:r>
+            <a:r>
+              <a:rPr kumimoji="0" lang="de-DE" altLang="de-DE" sz="1200" b="0" i="0" u="none" strike="noStrike" cap="none" normalizeH="0" baseline="0" dirty="0" err="1">
+                <a:ln>
+                  <a:noFill/>
+                </a:ln>
+                <a:solidFill>
+                  <a:schemeClr val="tx1"/>
+                </a:solidFill>
+                <a:effectLst/>
+                <a:latin typeface="Google Sans Text"/>
+              </a:rPr>
+              <a:t>for</a:t>
+            </a:r>
+            <a:r>
+              <a:rPr kumimoji="0" lang="de-DE" altLang="de-DE" sz="1200" b="0" i="0" u="none" strike="noStrike" cap="none" normalizeH="0" baseline="0" dirty="0">
+                <a:ln>
+                  <a:noFill/>
+                </a:ln>
+                <a:solidFill>
+                  <a:schemeClr val="tx1"/>
+                </a:solidFill>
+                <a:effectLst/>
+                <a:latin typeface="Google Sans Text"/>
+              </a:rPr>
+              <a:t> </a:t>
+            </a:r>
+            <a:r>
+              <a:rPr kumimoji="0" lang="de-DE" altLang="de-DE" sz="1200" b="0" i="0" u="none" strike="noStrike" cap="none" normalizeH="0" baseline="0" dirty="0" err="1">
+                <a:ln>
+                  <a:noFill/>
+                </a:ln>
+                <a:solidFill>
+                  <a:schemeClr val="tx1"/>
+                </a:solidFill>
+                <a:effectLst/>
+                <a:latin typeface="Google Sans Text"/>
+              </a:rPr>
+              <a:t>understanding</a:t>
+            </a:r>
+            <a:r>
+              <a:rPr kumimoji="0" lang="de-DE" altLang="de-DE" sz="1200" b="0" i="0" u="none" strike="noStrike" cap="none" normalizeH="0" baseline="0" dirty="0">
+                <a:ln>
+                  <a:noFill/>
+                </a:ln>
+                <a:solidFill>
+                  <a:schemeClr val="tx1"/>
+                </a:solidFill>
+                <a:effectLst/>
+                <a:latin typeface="Google Sans Text"/>
+              </a:rPr>
+              <a:t> </a:t>
+            </a:r>
+            <a:r>
+              <a:rPr kumimoji="0" lang="de-DE" altLang="de-DE" sz="1200" b="0" i="0" u="none" strike="noStrike" cap="none" normalizeH="0" baseline="0" dirty="0" err="1">
+                <a:ln>
+                  <a:noFill/>
+                </a:ln>
+                <a:solidFill>
+                  <a:schemeClr val="tx1"/>
+                </a:solidFill>
+                <a:effectLst/>
+                <a:latin typeface="Google Sans Text"/>
+              </a:rPr>
+              <a:t>process</a:t>
+            </a:r>
+            <a:r>
+              <a:rPr kumimoji="0" lang="de-DE" altLang="de-DE" sz="1200" b="0" i="0" u="none" strike="noStrike" cap="none" normalizeH="0" baseline="0" dirty="0">
+                <a:ln>
+                  <a:noFill/>
+                </a:ln>
+                <a:solidFill>
+                  <a:schemeClr val="tx1"/>
+                </a:solidFill>
+                <a:effectLst/>
+                <a:latin typeface="Google Sans Text"/>
+              </a:rPr>
+              <a:t> </a:t>
+            </a:r>
+            <a:r>
+              <a:rPr kumimoji="0" lang="de-DE" altLang="de-DE" sz="1200" b="0" i="0" u="none" strike="noStrike" cap="none" normalizeH="0" baseline="0" dirty="0" err="1">
+                <a:ln>
+                  <a:noFill/>
+                </a:ln>
+                <a:solidFill>
+                  <a:schemeClr val="tx1"/>
+                </a:solidFill>
+                <a:effectLst/>
+                <a:latin typeface="Google Sans Text"/>
+              </a:rPr>
+              <a:t>flow</a:t>
+            </a:r>
+            <a:r>
+              <a:rPr kumimoji="0" lang="de-DE" altLang="de-DE" sz="1200" b="0" i="0" u="none" strike="noStrike" cap="none" normalizeH="0" baseline="0" dirty="0">
+                <a:ln>
+                  <a:noFill/>
+                </a:ln>
+                <a:solidFill>
+                  <a:schemeClr val="tx1"/>
+                </a:solidFill>
+                <a:effectLst/>
+                <a:latin typeface="Google Sans Text"/>
+              </a:rPr>
+              <a:t> and </a:t>
+            </a:r>
+            <a:r>
+              <a:rPr kumimoji="0" lang="de-DE" altLang="de-DE" sz="1200" b="0" i="0" u="none" strike="noStrike" cap="none" normalizeH="0" baseline="0" dirty="0" err="1">
+                <a:ln>
+                  <a:noFill/>
+                </a:ln>
+                <a:solidFill>
+                  <a:schemeClr val="tx1"/>
+                </a:solidFill>
+                <a:effectLst/>
+                <a:latin typeface="Google Sans Text"/>
+              </a:rPr>
+              <a:t>aiding</a:t>
+            </a:r>
+            <a:r>
+              <a:rPr kumimoji="0" lang="de-DE" altLang="de-DE" sz="1200" b="0" i="0" u="none" strike="noStrike" cap="none" normalizeH="0" baseline="0" dirty="0">
+                <a:ln>
+                  <a:noFill/>
+                </a:ln>
+                <a:solidFill>
+                  <a:schemeClr val="tx1"/>
+                </a:solidFill>
+                <a:effectLst/>
+                <a:latin typeface="Google Sans Text"/>
+              </a:rPr>
+              <a:t> ML </a:t>
+            </a:r>
+            <a:r>
+              <a:rPr kumimoji="0" lang="de-DE" altLang="de-DE" sz="1200" b="0" i="0" u="none" strike="noStrike" cap="none" normalizeH="0" baseline="0" dirty="0" err="1">
+                <a:ln>
+                  <a:noFill/>
+                </a:ln>
+                <a:solidFill>
+                  <a:schemeClr val="tx1"/>
+                </a:solidFill>
+                <a:effectLst/>
+                <a:latin typeface="Google Sans Text"/>
+              </a:rPr>
+              <a:t>model</a:t>
+            </a:r>
+            <a:r>
+              <a:rPr kumimoji="0" lang="de-DE" altLang="de-DE" sz="1200" b="0" i="0" u="none" strike="noStrike" cap="none" normalizeH="0" baseline="0" dirty="0">
+                <a:ln>
+                  <a:noFill/>
+                </a:ln>
+                <a:solidFill>
+                  <a:schemeClr val="tx1"/>
+                </a:solidFill>
+                <a:effectLst/>
+                <a:latin typeface="Google Sans Text"/>
+              </a:rPr>
+              <a:t> </a:t>
+            </a:r>
+            <a:r>
+              <a:rPr kumimoji="0" lang="de-DE" altLang="de-DE" sz="1200" b="0" i="0" u="none" strike="noStrike" cap="none" normalizeH="0" baseline="0" dirty="0" err="1">
+                <a:ln>
+                  <a:noFill/>
+                </a:ln>
+                <a:solidFill>
+                  <a:schemeClr val="tx1"/>
+                </a:solidFill>
+                <a:effectLst/>
+                <a:latin typeface="Google Sans Text"/>
+              </a:rPr>
+              <a:t>learning</a:t>
+            </a:r>
+            <a:r>
+              <a:rPr kumimoji="0" lang="de-DE" altLang="de-DE" sz="1200" b="0" i="0" u="none" strike="noStrike" cap="none" normalizeH="0" baseline="0" dirty="0">
+                <a:ln>
+                  <a:noFill/>
+                </a:ln>
+                <a:solidFill>
+                  <a:schemeClr val="tx1"/>
+                </a:solidFill>
+                <a:effectLst/>
+                <a:latin typeface="Google Sans Text"/>
+              </a:rPr>
+              <a:t> (e.g., </a:t>
+            </a:r>
+            <a:r>
+              <a:rPr kumimoji="0" lang="de-DE" altLang="de-DE" sz="1200" b="0" i="0" u="none" strike="noStrike" cap="none" normalizeH="0" baseline="0" dirty="0" err="1">
+                <a:ln>
+                  <a:noFill/>
+                </a:ln>
+                <a:solidFill>
+                  <a:schemeClr val="tx1"/>
+                </a:solidFill>
+                <a:effectLst/>
+                <a:latin typeface="Google Sans Text"/>
+              </a:rPr>
+              <a:t>Decision</a:t>
+            </a:r>
+            <a:r>
+              <a:rPr kumimoji="0" lang="de-DE" altLang="de-DE" sz="1200" b="0" i="0" u="none" strike="noStrike" cap="none" normalizeH="0" baseline="0" dirty="0">
+                <a:ln>
+                  <a:noFill/>
+                </a:ln>
+                <a:solidFill>
+                  <a:schemeClr val="tx1"/>
+                </a:solidFill>
+                <a:effectLst/>
+                <a:latin typeface="Google Sans Text"/>
+              </a:rPr>
+              <a:t> </a:t>
+            </a:r>
+            <a:r>
+              <a:rPr kumimoji="0" lang="de-DE" altLang="de-DE" sz="1200" b="0" i="0" u="none" strike="noStrike" cap="none" normalizeH="0" baseline="0" dirty="0" err="1">
+                <a:ln>
+                  <a:noFill/>
+                </a:ln>
+                <a:solidFill>
+                  <a:schemeClr val="tx1"/>
+                </a:solidFill>
+                <a:effectLst/>
+                <a:latin typeface="Google Sans Text"/>
+              </a:rPr>
+              <a:t>Tree</a:t>
+            </a:r>
+            <a:r>
+              <a:rPr kumimoji="0" lang="de-DE" altLang="de-DE" sz="1200" b="0" i="0" u="none" strike="noStrike" cap="none" normalizeH="0" baseline="0" dirty="0">
+                <a:ln>
+                  <a:noFill/>
+                </a:ln>
+                <a:solidFill>
+                  <a:schemeClr val="tx1"/>
+                </a:solidFill>
+                <a:effectLst/>
+                <a:latin typeface="Google Sans Text"/>
+              </a:rPr>
+              <a:t>). </a:t>
+            </a:r>
+          </a:p>
+          <a:p>
+            <a:pPr marL="0" marR="0" lvl="0" indent="0" algn="l" defTabSz="914400" rtl="0" eaLnBrk="0" fontAlgn="base" latinLnBrk="0" hangingPunct="0">
+              <a:lnSpc>
+                <a:spcPct val="100000"/>
+              </a:lnSpc>
+              <a:spcBef>
+                <a:spcPct val="0"/>
+              </a:spcBef>
+              <a:spcAft>
+                <a:spcPct val="0"/>
+              </a:spcAft>
+              <a:buClrTx/>
+              <a:buSzTx/>
+              <a:buFontTx/>
+              <a:buChar char="•"/>
+              <a:tabLst/>
+            </a:pPr>
+            <a:r>
+              <a:rPr kumimoji="0" lang="de-DE" altLang="de-DE" sz="700" b="0" i="0" u="none" strike="noStrike" cap="none" normalizeH="0" baseline="0" dirty="0" err="1">
+                <a:ln>
+                  <a:noFill/>
+                </a:ln>
+                <a:solidFill>
+                  <a:schemeClr val="tx1"/>
+                </a:solidFill>
+                <a:effectLst/>
+                <a:latin typeface="Google Sans Text"/>
+              </a:rPr>
+              <a:t>is_not_weekday</a:t>
+            </a:r>
+            <a:r>
+              <a:rPr kumimoji="0" lang="de-DE" altLang="de-DE" sz="500" b="0" i="0" u="none" strike="noStrike" cap="none" normalizeH="0" baseline="0" dirty="0">
+                <a:ln>
+                  <a:noFill/>
+                </a:ln>
+                <a:solidFill>
+                  <a:schemeClr val="tx1"/>
+                </a:solidFill>
+                <a:effectLst/>
+                <a:latin typeface="Google Sans Text"/>
+              </a:rPr>
+              <a:t>: </a:t>
+            </a:r>
+            <a:endParaRPr kumimoji="0" lang="de-DE" altLang="de-DE" sz="1200" b="0" i="0" u="none" strike="noStrike" cap="none" normalizeH="0" baseline="0" dirty="0">
+              <a:ln>
+                <a:noFill/>
+              </a:ln>
+              <a:solidFill>
+                <a:schemeClr val="tx1"/>
+              </a:solidFill>
+              <a:effectLst/>
+              <a:latin typeface="Google Sans Text"/>
+            </a:endParaRPr>
+          </a:p>
+          <a:p>
+            <a:pPr marL="457200" marR="0" lvl="1" indent="0" algn="l" defTabSz="914400" rtl="0" eaLnBrk="0" fontAlgn="base" latinLnBrk="0" hangingPunct="0">
+              <a:lnSpc>
+                <a:spcPct val="100000"/>
+              </a:lnSpc>
+              <a:spcBef>
+                <a:spcPct val="0"/>
+              </a:spcBef>
+              <a:spcAft>
+                <a:spcPct val="0"/>
+              </a:spcAft>
+              <a:buClrTx/>
+              <a:buSzTx/>
+              <a:buFontTx/>
+              <a:buChar char="•"/>
+              <a:tabLst/>
+            </a:pPr>
+            <a:r>
+              <a:rPr kumimoji="0" lang="de-DE" altLang="de-DE" sz="1200" b="0" i="0" u="none" strike="noStrike" cap="none" normalizeH="0" baseline="0" dirty="0">
+                <a:ln>
+                  <a:noFill/>
+                </a:ln>
+                <a:solidFill>
+                  <a:schemeClr val="tx1"/>
+                </a:solidFill>
+                <a:effectLst/>
+                <a:latin typeface="Google Sans Text"/>
+              </a:rPr>
+              <a:t>Binary </a:t>
+            </a:r>
+            <a:r>
+              <a:rPr kumimoji="0" lang="de-DE" altLang="de-DE" sz="1200" b="0" i="0" u="none" strike="noStrike" cap="none" normalizeH="0" baseline="0" dirty="0" err="1">
+                <a:ln>
+                  <a:noFill/>
+                </a:ln>
+                <a:solidFill>
+                  <a:schemeClr val="tx1"/>
+                </a:solidFill>
+                <a:effectLst/>
+                <a:latin typeface="Google Sans Text"/>
+              </a:rPr>
+              <a:t>flag</a:t>
+            </a:r>
+            <a:r>
+              <a:rPr kumimoji="0" lang="de-DE" altLang="de-DE" sz="1200" b="0" i="0" u="none" strike="noStrike" cap="none" normalizeH="0" baseline="0" dirty="0">
+                <a:ln>
+                  <a:noFill/>
+                </a:ln>
+                <a:solidFill>
+                  <a:schemeClr val="tx1"/>
+                </a:solidFill>
+                <a:effectLst/>
+                <a:latin typeface="Google Sans Text"/>
+              </a:rPr>
+              <a:t>: 1 = Weekend, 0 = </a:t>
+            </a:r>
+            <a:r>
+              <a:rPr kumimoji="0" lang="de-DE" altLang="de-DE" sz="1200" b="0" i="0" u="none" strike="noStrike" cap="none" normalizeH="0" baseline="0" dirty="0" err="1">
+                <a:ln>
+                  <a:noFill/>
+                </a:ln>
+                <a:solidFill>
+                  <a:schemeClr val="tx1"/>
+                </a:solidFill>
+                <a:effectLst/>
+                <a:latin typeface="Google Sans Text"/>
+              </a:rPr>
+              <a:t>Weekday</a:t>
+            </a:r>
+            <a:r>
+              <a:rPr kumimoji="0" lang="de-DE" altLang="de-DE" sz="1200" b="0" i="0" u="none" strike="noStrike" cap="none" normalizeH="0" baseline="0" dirty="0">
+                <a:ln>
+                  <a:noFill/>
+                </a:ln>
+                <a:solidFill>
+                  <a:schemeClr val="tx1"/>
+                </a:solidFill>
+                <a:effectLst/>
+                <a:latin typeface="Google Sans Text"/>
+              </a:rPr>
+              <a:t>. </a:t>
+            </a:r>
+          </a:p>
+          <a:p>
+            <a:pPr marL="457200" marR="0" lvl="1" indent="0" algn="l" defTabSz="914400" rtl="0" eaLnBrk="0" fontAlgn="base" latinLnBrk="0" hangingPunct="0">
+              <a:lnSpc>
+                <a:spcPct val="100000"/>
+              </a:lnSpc>
+              <a:spcBef>
+                <a:spcPct val="0"/>
+              </a:spcBef>
+              <a:spcAft>
+                <a:spcPct val="0"/>
+              </a:spcAft>
+              <a:buClrTx/>
+              <a:buSzTx/>
+              <a:buFontTx/>
+              <a:buChar char="•"/>
+              <a:tabLst/>
+            </a:pPr>
+            <a:r>
+              <a:rPr kumimoji="0" lang="de-DE" altLang="de-DE" sz="1200" b="0" i="0" u="none" strike="noStrike" cap="none" normalizeH="0" baseline="0" dirty="0" err="1">
+                <a:ln>
+                  <a:noFill/>
+                </a:ln>
+                <a:solidFill>
+                  <a:schemeClr val="tx1"/>
+                </a:solidFill>
+                <a:effectLst/>
+                <a:latin typeface="Google Sans Text"/>
+              </a:rPr>
+              <a:t>Identifies</a:t>
+            </a:r>
+            <a:r>
+              <a:rPr kumimoji="0" lang="de-DE" altLang="de-DE" sz="1200" b="0" i="0" u="none" strike="noStrike" cap="none" normalizeH="0" baseline="0" dirty="0">
+                <a:ln>
+                  <a:noFill/>
+                </a:ln>
+                <a:solidFill>
+                  <a:schemeClr val="tx1"/>
+                </a:solidFill>
+                <a:effectLst/>
+                <a:latin typeface="Google Sans Text"/>
+              </a:rPr>
+              <a:t> </a:t>
+            </a:r>
+            <a:r>
+              <a:rPr kumimoji="0" lang="de-DE" altLang="de-DE" sz="1200" b="0" i="0" u="none" strike="noStrike" cap="none" normalizeH="0" baseline="0" dirty="0" err="1">
+                <a:ln>
+                  <a:noFill/>
+                </a:ln>
+                <a:solidFill>
+                  <a:schemeClr val="tx1"/>
+                </a:solidFill>
+                <a:effectLst/>
+                <a:latin typeface="Google Sans Text"/>
+              </a:rPr>
+              <a:t>anomalous</a:t>
+            </a:r>
+            <a:r>
+              <a:rPr kumimoji="0" lang="de-DE" altLang="de-DE" sz="1200" b="0" i="0" u="none" strike="noStrike" cap="none" normalizeH="0" baseline="0" dirty="0">
+                <a:ln>
+                  <a:noFill/>
+                </a:ln>
+                <a:solidFill>
+                  <a:schemeClr val="tx1"/>
+                </a:solidFill>
+                <a:effectLst/>
+                <a:latin typeface="Google Sans Text"/>
+              </a:rPr>
+              <a:t> </a:t>
+            </a:r>
+            <a:r>
+              <a:rPr kumimoji="0" lang="de-DE" altLang="de-DE" sz="1200" b="0" i="0" u="none" strike="noStrike" cap="none" normalizeH="0" baseline="0" dirty="0" err="1">
+                <a:ln>
+                  <a:noFill/>
+                </a:ln>
+                <a:solidFill>
+                  <a:schemeClr val="tx1"/>
+                </a:solidFill>
+                <a:effectLst/>
+                <a:latin typeface="Google Sans Text"/>
+              </a:rPr>
+              <a:t>weekend</a:t>
+            </a:r>
+            <a:r>
+              <a:rPr kumimoji="0" lang="de-DE" altLang="de-DE" sz="1200" b="0" i="0" u="none" strike="noStrike" cap="none" normalizeH="0" baseline="0" dirty="0">
+                <a:ln>
+                  <a:noFill/>
+                </a:ln>
+                <a:solidFill>
+                  <a:schemeClr val="tx1"/>
+                </a:solidFill>
+                <a:effectLst/>
+                <a:latin typeface="Google Sans Text"/>
+              </a:rPr>
+              <a:t> </a:t>
+            </a:r>
+            <a:r>
+              <a:rPr kumimoji="0" lang="de-DE" altLang="de-DE" sz="1200" b="0" i="0" u="none" strike="noStrike" cap="none" normalizeH="0" baseline="0" dirty="0" err="1">
+                <a:ln>
+                  <a:noFill/>
+                </a:ln>
+                <a:solidFill>
+                  <a:schemeClr val="tx1"/>
+                </a:solidFill>
+                <a:effectLst/>
+                <a:latin typeface="Google Sans Text"/>
+              </a:rPr>
+              <a:t>activity</a:t>
+            </a:r>
+            <a:r>
+              <a:rPr kumimoji="0" lang="de-DE" altLang="de-DE" sz="1200" b="0" i="0" u="none" strike="noStrike" cap="none" normalizeH="0" baseline="0" dirty="0">
+                <a:ln>
+                  <a:noFill/>
+                </a:ln>
+                <a:solidFill>
+                  <a:schemeClr val="tx1"/>
+                </a:solidFill>
+                <a:effectLst/>
+                <a:latin typeface="Google Sans Text"/>
+              </a:rPr>
+              <a:t> (</a:t>
+            </a:r>
+            <a:r>
+              <a:rPr kumimoji="0" lang="de-DE" altLang="de-DE" sz="1200" b="0" i="0" u="none" strike="noStrike" cap="none" normalizeH="0" baseline="0" dirty="0" err="1">
+                <a:ln>
+                  <a:noFill/>
+                </a:ln>
+                <a:solidFill>
+                  <a:schemeClr val="tx1"/>
+                </a:solidFill>
+                <a:effectLst/>
+                <a:latin typeface="Google Sans Text"/>
+              </a:rPr>
+              <a:t>factory</a:t>
+            </a:r>
+            <a:r>
+              <a:rPr kumimoji="0" lang="de-DE" altLang="de-DE" sz="1200" b="0" i="0" u="none" strike="noStrike" cap="none" normalizeH="0" baseline="0" dirty="0">
+                <a:ln>
+                  <a:noFill/>
+                </a:ln>
+                <a:solidFill>
+                  <a:schemeClr val="tx1"/>
+                </a:solidFill>
+                <a:effectLst/>
+                <a:latin typeface="Google Sans Text"/>
+              </a:rPr>
+              <a:t> norm: </a:t>
+            </a:r>
+            <a:r>
+              <a:rPr kumimoji="0" lang="de-DE" altLang="de-DE" sz="1200" b="0" i="0" u="none" strike="noStrike" cap="none" normalizeH="0" baseline="0" dirty="0" err="1">
+                <a:ln>
+                  <a:noFill/>
+                </a:ln>
+                <a:solidFill>
+                  <a:schemeClr val="tx1"/>
+                </a:solidFill>
+                <a:effectLst/>
+                <a:latin typeface="Google Sans Text"/>
+              </a:rPr>
+              <a:t>no</a:t>
+            </a:r>
+            <a:r>
+              <a:rPr kumimoji="0" lang="de-DE" altLang="de-DE" sz="1200" b="0" i="0" u="none" strike="noStrike" cap="none" normalizeH="0" baseline="0" dirty="0">
+                <a:ln>
+                  <a:noFill/>
+                </a:ln>
+                <a:solidFill>
+                  <a:schemeClr val="tx1"/>
+                </a:solidFill>
+                <a:effectLst/>
+                <a:latin typeface="Google Sans Text"/>
+              </a:rPr>
+              <a:t> </a:t>
+            </a:r>
+            <a:r>
+              <a:rPr kumimoji="0" lang="de-DE" altLang="de-DE" sz="1200" b="0" i="0" u="none" strike="noStrike" cap="none" normalizeH="0" baseline="0" dirty="0" err="1">
+                <a:ln>
+                  <a:noFill/>
+                </a:ln>
+                <a:solidFill>
+                  <a:schemeClr val="tx1"/>
+                </a:solidFill>
+                <a:effectLst/>
+                <a:latin typeface="Google Sans Text"/>
+              </a:rPr>
+              <a:t>weekend</a:t>
+            </a:r>
+            <a:r>
+              <a:rPr kumimoji="0" lang="de-DE" altLang="de-DE" sz="1200" b="0" i="0" u="none" strike="noStrike" cap="none" normalizeH="0" baseline="0" dirty="0">
+                <a:ln>
+                  <a:noFill/>
+                </a:ln>
+                <a:solidFill>
+                  <a:schemeClr val="tx1"/>
+                </a:solidFill>
+                <a:effectLst/>
+                <a:latin typeface="Google Sans Text"/>
+              </a:rPr>
+              <a:t> </a:t>
+            </a:r>
+            <a:r>
+              <a:rPr kumimoji="0" lang="de-DE" altLang="de-DE" sz="1200" b="0" i="0" u="none" strike="noStrike" cap="none" normalizeH="0" baseline="0" dirty="0" err="1">
+                <a:ln>
+                  <a:noFill/>
+                </a:ln>
+                <a:solidFill>
+                  <a:schemeClr val="tx1"/>
+                </a:solidFill>
+                <a:effectLst/>
+                <a:latin typeface="Google Sans Text"/>
+              </a:rPr>
+              <a:t>work</a:t>
+            </a:r>
+            <a:r>
+              <a:rPr kumimoji="0" lang="de-DE" altLang="de-DE" sz="1200" b="0" i="0" u="none" strike="noStrike" cap="none" normalizeH="0" baseline="0" dirty="0">
+                <a:ln>
+                  <a:noFill/>
+                </a:ln>
+                <a:solidFill>
+                  <a:schemeClr val="tx1"/>
+                </a:solidFill>
+                <a:effectLst/>
+                <a:latin typeface="Google Sans Text"/>
+              </a:rPr>
+              <a:t>). </a:t>
+            </a:r>
+          </a:p>
+          <a:p>
+            <a:pPr marL="0" marR="0" lvl="0" indent="0" algn="l" defTabSz="914400" rtl="0" eaLnBrk="0" fontAlgn="base" latinLnBrk="0" hangingPunct="0">
+              <a:lnSpc>
+                <a:spcPct val="100000"/>
+              </a:lnSpc>
+              <a:spcBef>
+                <a:spcPct val="0"/>
+              </a:spcBef>
+              <a:spcAft>
+                <a:spcPct val="0"/>
+              </a:spcAft>
+              <a:buClrTx/>
+              <a:buSzTx/>
+              <a:buFontTx/>
+              <a:buChar char="•"/>
+              <a:tabLst/>
+            </a:pPr>
+            <a:r>
+              <a:rPr kumimoji="0" lang="de-DE" altLang="de-DE" sz="700" b="0" i="0" u="none" strike="noStrike" cap="none" normalizeH="0" baseline="0" dirty="0" err="1">
+                <a:ln>
+                  <a:noFill/>
+                </a:ln>
+                <a:solidFill>
+                  <a:schemeClr val="tx1"/>
+                </a:solidFill>
+                <a:effectLst/>
+                <a:latin typeface="Google Sans Text"/>
+              </a:rPr>
+              <a:t>is_break</a:t>
+            </a:r>
+            <a:r>
+              <a:rPr kumimoji="0" lang="de-DE" altLang="de-DE" sz="500" b="0" i="0" u="none" strike="noStrike" cap="none" normalizeH="0" baseline="0" dirty="0">
+                <a:ln>
+                  <a:noFill/>
+                </a:ln>
+                <a:solidFill>
+                  <a:schemeClr val="tx1"/>
+                </a:solidFill>
+                <a:effectLst/>
+                <a:latin typeface="Google Sans Text"/>
+              </a:rPr>
+              <a:t>: </a:t>
+            </a:r>
+            <a:endParaRPr kumimoji="0" lang="de-DE" altLang="de-DE" sz="1200" b="0" i="0" u="none" strike="noStrike" cap="none" normalizeH="0" baseline="0" dirty="0">
+              <a:ln>
+                <a:noFill/>
+              </a:ln>
+              <a:solidFill>
+                <a:schemeClr val="tx1"/>
+              </a:solidFill>
+              <a:effectLst/>
+              <a:latin typeface="Google Sans Text"/>
+            </a:endParaRPr>
+          </a:p>
+          <a:p>
+            <a:pPr marL="457200" marR="0" lvl="1" indent="0" algn="l" defTabSz="914400" rtl="0" eaLnBrk="0" fontAlgn="base" latinLnBrk="0" hangingPunct="0">
+              <a:lnSpc>
+                <a:spcPct val="100000"/>
+              </a:lnSpc>
+              <a:spcBef>
+                <a:spcPct val="0"/>
+              </a:spcBef>
+              <a:spcAft>
+                <a:spcPct val="0"/>
+              </a:spcAft>
+              <a:buClrTx/>
+              <a:buSzTx/>
+              <a:buFontTx/>
+              <a:buChar char="•"/>
+              <a:tabLst/>
+            </a:pPr>
+            <a:r>
+              <a:rPr kumimoji="0" lang="de-DE" altLang="de-DE" sz="1200" b="0" i="0" u="none" strike="noStrike" cap="none" normalizeH="0" baseline="0" dirty="0">
+                <a:ln>
+                  <a:noFill/>
+                </a:ln>
+                <a:solidFill>
+                  <a:schemeClr val="tx1"/>
+                </a:solidFill>
+                <a:effectLst/>
+                <a:latin typeface="Google Sans Text"/>
+              </a:rPr>
+              <a:t>Binary </a:t>
+            </a:r>
+            <a:r>
+              <a:rPr kumimoji="0" lang="de-DE" altLang="de-DE" sz="1200" b="0" i="0" u="none" strike="noStrike" cap="none" normalizeH="0" baseline="0" dirty="0" err="1">
+                <a:ln>
+                  <a:noFill/>
+                </a:ln>
+                <a:solidFill>
+                  <a:schemeClr val="tx1"/>
+                </a:solidFill>
+                <a:effectLst/>
+                <a:latin typeface="Google Sans Text"/>
+              </a:rPr>
+              <a:t>flag</a:t>
+            </a:r>
+            <a:r>
+              <a:rPr kumimoji="0" lang="de-DE" altLang="de-DE" sz="1200" b="0" i="0" u="none" strike="noStrike" cap="none" normalizeH="0" baseline="0" dirty="0">
+                <a:ln>
+                  <a:noFill/>
+                </a:ln>
+                <a:solidFill>
+                  <a:schemeClr val="tx1"/>
+                </a:solidFill>
+                <a:effectLst/>
+                <a:latin typeface="Google Sans Text"/>
+              </a:rPr>
+              <a:t>: 1 = </a:t>
+            </a:r>
+            <a:r>
+              <a:rPr kumimoji="0" lang="de-DE" altLang="de-DE" sz="1200" b="0" i="0" u="none" strike="noStrike" cap="none" normalizeH="0" baseline="0" dirty="0" err="1">
+                <a:ln>
+                  <a:noFill/>
+                </a:ln>
+                <a:solidFill>
+                  <a:schemeClr val="tx1"/>
+                </a:solidFill>
+                <a:effectLst/>
+                <a:latin typeface="Google Sans Text"/>
+              </a:rPr>
+              <a:t>During</a:t>
+            </a:r>
+            <a:r>
+              <a:rPr kumimoji="0" lang="de-DE" altLang="de-DE" sz="1200" b="0" i="0" u="none" strike="noStrike" cap="none" normalizeH="0" baseline="0" dirty="0">
+                <a:ln>
+                  <a:noFill/>
+                </a:ln>
+                <a:solidFill>
+                  <a:schemeClr val="tx1"/>
+                </a:solidFill>
+                <a:effectLst/>
+                <a:latin typeface="Google Sans Text"/>
+              </a:rPr>
+              <a:t> Break, 0 = Not </a:t>
+            </a:r>
+            <a:r>
+              <a:rPr kumimoji="0" lang="de-DE" altLang="de-DE" sz="1200" b="0" i="0" u="none" strike="noStrike" cap="none" normalizeH="0" baseline="0" dirty="0" err="1">
+                <a:ln>
+                  <a:noFill/>
+                </a:ln>
+                <a:solidFill>
+                  <a:schemeClr val="tx1"/>
+                </a:solidFill>
+                <a:effectLst/>
+                <a:latin typeface="Google Sans Text"/>
+              </a:rPr>
+              <a:t>During</a:t>
+            </a:r>
+            <a:r>
+              <a:rPr kumimoji="0" lang="de-DE" altLang="de-DE" sz="1200" b="0" i="0" u="none" strike="noStrike" cap="none" normalizeH="0" baseline="0" dirty="0">
+                <a:ln>
+                  <a:noFill/>
+                </a:ln>
+                <a:solidFill>
+                  <a:schemeClr val="tx1"/>
+                </a:solidFill>
+                <a:effectLst/>
+                <a:latin typeface="Google Sans Text"/>
+              </a:rPr>
+              <a:t> Break. </a:t>
+            </a:r>
+          </a:p>
+          <a:p>
+            <a:pPr marL="457200" marR="0" lvl="1" indent="0" algn="l" defTabSz="914400" rtl="0" eaLnBrk="0" fontAlgn="base" latinLnBrk="0" hangingPunct="0">
+              <a:lnSpc>
+                <a:spcPct val="100000"/>
+              </a:lnSpc>
+              <a:spcBef>
+                <a:spcPct val="0"/>
+              </a:spcBef>
+              <a:spcAft>
+                <a:spcPct val="0"/>
+              </a:spcAft>
+              <a:buClrTx/>
+              <a:buSzTx/>
+              <a:buFontTx/>
+              <a:buChar char="•"/>
+              <a:tabLst/>
+            </a:pPr>
+            <a:r>
+              <a:rPr kumimoji="0" lang="de-DE" altLang="de-DE" sz="1200" b="0" i="0" u="none" strike="noStrike" cap="none" normalizeH="0" baseline="0" dirty="0" err="1">
+                <a:ln>
+                  <a:noFill/>
+                </a:ln>
+                <a:solidFill>
+                  <a:schemeClr val="tx1"/>
+                </a:solidFill>
+                <a:effectLst/>
+                <a:latin typeface="Google Sans Text"/>
+              </a:rPr>
+              <a:t>Identifies</a:t>
+            </a:r>
+            <a:r>
+              <a:rPr kumimoji="0" lang="de-DE" altLang="de-DE" sz="1200" b="0" i="0" u="none" strike="noStrike" cap="none" normalizeH="0" baseline="0" dirty="0">
+                <a:ln>
+                  <a:noFill/>
+                </a:ln>
+                <a:solidFill>
+                  <a:schemeClr val="tx1"/>
+                </a:solidFill>
+                <a:effectLst/>
+                <a:latin typeface="Google Sans Text"/>
+              </a:rPr>
+              <a:t> </a:t>
+            </a:r>
+            <a:r>
+              <a:rPr kumimoji="0" lang="de-DE" altLang="de-DE" sz="1200" b="0" i="0" u="none" strike="noStrike" cap="none" normalizeH="0" baseline="0" dirty="0" err="1">
+                <a:ln>
+                  <a:noFill/>
+                </a:ln>
+                <a:solidFill>
+                  <a:schemeClr val="tx1"/>
+                </a:solidFill>
+                <a:effectLst/>
+                <a:latin typeface="Google Sans Text"/>
+              </a:rPr>
+              <a:t>anomalous</a:t>
+            </a:r>
+            <a:r>
+              <a:rPr kumimoji="0" lang="de-DE" altLang="de-DE" sz="1200" b="0" i="0" u="none" strike="noStrike" cap="none" normalizeH="0" baseline="0" dirty="0">
+                <a:ln>
+                  <a:noFill/>
+                </a:ln>
+                <a:solidFill>
+                  <a:schemeClr val="tx1"/>
+                </a:solidFill>
+                <a:effectLst/>
+                <a:latin typeface="Google Sans Text"/>
+              </a:rPr>
+              <a:t> break-time </a:t>
+            </a:r>
+            <a:r>
+              <a:rPr kumimoji="0" lang="de-DE" altLang="de-DE" sz="1200" b="0" i="0" u="none" strike="noStrike" cap="none" normalizeH="0" baseline="0" dirty="0" err="1">
+                <a:ln>
+                  <a:noFill/>
+                </a:ln>
+                <a:solidFill>
+                  <a:schemeClr val="tx1"/>
+                </a:solidFill>
+                <a:effectLst/>
+                <a:latin typeface="Google Sans Text"/>
+              </a:rPr>
+              <a:t>activity</a:t>
+            </a:r>
+            <a:r>
+              <a:rPr kumimoji="0" lang="de-DE" altLang="de-DE" sz="1200" b="0" i="0" u="none" strike="noStrike" cap="none" normalizeH="0" baseline="0" dirty="0">
+                <a:ln>
+                  <a:noFill/>
+                </a:ln>
+                <a:solidFill>
+                  <a:schemeClr val="tx1"/>
+                </a:solidFill>
+                <a:effectLst/>
+                <a:latin typeface="Google Sans Text"/>
+              </a:rPr>
+              <a:t> (</a:t>
+            </a:r>
+            <a:r>
+              <a:rPr kumimoji="0" lang="de-DE" altLang="de-DE" sz="1200" b="0" i="0" u="none" strike="noStrike" cap="none" normalizeH="0" baseline="0" dirty="0" err="1">
+                <a:ln>
+                  <a:noFill/>
+                </a:ln>
+                <a:solidFill>
+                  <a:schemeClr val="tx1"/>
+                </a:solidFill>
+                <a:effectLst/>
+                <a:latin typeface="Google Sans Text"/>
+              </a:rPr>
+              <a:t>factory</a:t>
+            </a:r>
+            <a:r>
+              <a:rPr kumimoji="0" lang="de-DE" altLang="de-DE" sz="1200" b="0" i="0" u="none" strike="noStrike" cap="none" normalizeH="0" baseline="0" dirty="0">
+                <a:ln>
+                  <a:noFill/>
+                </a:ln>
+                <a:solidFill>
+                  <a:schemeClr val="tx1"/>
+                </a:solidFill>
+                <a:effectLst/>
+                <a:latin typeface="Google Sans Text"/>
+              </a:rPr>
+              <a:t> norm: </a:t>
+            </a:r>
+            <a:r>
+              <a:rPr kumimoji="0" lang="de-DE" altLang="de-DE" sz="1200" b="0" i="0" u="none" strike="noStrike" cap="none" normalizeH="0" baseline="0" dirty="0" err="1">
+                <a:ln>
+                  <a:noFill/>
+                </a:ln>
+                <a:solidFill>
+                  <a:schemeClr val="tx1"/>
+                </a:solidFill>
+                <a:effectLst/>
+                <a:latin typeface="Google Sans Text"/>
+              </a:rPr>
+              <a:t>no</a:t>
+            </a:r>
+            <a:r>
+              <a:rPr kumimoji="0" lang="de-DE" altLang="de-DE" sz="1200" b="0" i="0" u="none" strike="noStrike" cap="none" normalizeH="0" baseline="0" dirty="0">
+                <a:ln>
+                  <a:noFill/>
+                </a:ln>
+                <a:solidFill>
+                  <a:schemeClr val="tx1"/>
+                </a:solidFill>
+                <a:effectLst/>
+                <a:latin typeface="Google Sans Text"/>
+              </a:rPr>
+              <a:t> </a:t>
+            </a:r>
+            <a:r>
+              <a:rPr kumimoji="0" lang="de-DE" altLang="de-DE" sz="1200" b="0" i="0" u="none" strike="noStrike" cap="none" normalizeH="0" baseline="0" dirty="0" err="1">
+                <a:ln>
+                  <a:noFill/>
+                </a:ln>
+                <a:solidFill>
+                  <a:schemeClr val="tx1"/>
+                </a:solidFill>
+                <a:effectLst/>
+                <a:latin typeface="Google Sans Text"/>
+              </a:rPr>
+              <a:t>work</a:t>
+            </a:r>
+            <a:r>
+              <a:rPr kumimoji="0" lang="de-DE" altLang="de-DE" sz="1200" b="0" i="0" u="none" strike="noStrike" cap="none" normalizeH="0" baseline="0" dirty="0">
+                <a:ln>
+                  <a:noFill/>
+                </a:ln>
+                <a:solidFill>
+                  <a:schemeClr val="tx1"/>
+                </a:solidFill>
+                <a:effectLst/>
+                <a:latin typeface="Google Sans Text"/>
+              </a:rPr>
+              <a:t> </a:t>
+            </a:r>
+            <a:r>
+              <a:rPr kumimoji="0" lang="de-DE" altLang="de-DE" sz="1200" b="0" i="0" u="none" strike="noStrike" cap="none" normalizeH="0" baseline="0" dirty="0" err="1">
+                <a:ln>
+                  <a:noFill/>
+                </a:ln>
+                <a:solidFill>
+                  <a:schemeClr val="tx1"/>
+                </a:solidFill>
+                <a:effectLst/>
+                <a:latin typeface="Google Sans Text"/>
+              </a:rPr>
+              <a:t>during</a:t>
+            </a:r>
+            <a:r>
+              <a:rPr kumimoji="0" lang="de-DE" altLang="de-DE" sz="1200" b="0" i="0" u="none" strike="noStrike" cap="none" normalizeH="0" baseline="0" dirty="0">
+                <a:ln>
+                  <a:noFill/>
+                </a:ln>
+                <a:solidFill>
+                  <a:schemeClr val="tx1"/>
+                </a:solidFill>
+                <a:effectLst/>
+                <a:latin typeface="Google Sans Text"/>
+              </a:rPr>
+              <a:t> </a:t>
+            </a:r>
+            <a:r>
+              <a:rPr kumimoji="0" lang="de-DE" altLang="de-DE" sz="1200" b="0" i="0" u="none" strike="noStrike" cap="none" normalizeH="0" baseline="0" dirty="0" err="1">
+                <a:ln>
+                  <a:noFill/>
+                </a:ln>
+                <a:solidFill>
+                  <a:schemeClr val="tx1"/>
+                </a:solidFill>
+                <a:effectLst/>
+                <a:latin typeface="Google Sans Text"/>
+              </a:rPr>
+              <a:t>breaks</a:t>
+            </a:r>
+            <a:r>
+              <a:rPr kumimoji="0" lang="de-DE" altLang="de-DE" sz="1200" b="0" i="0" u="none" strike="noStrike" cap="none" normalizeH="0" baseline="0" dirty="0">
+                <a:ln>
+                  <a:noFill/>
+                </a:ln>
+                <a:solidFill>
+                  <a:schemeClr val="tx1"/>
+                </a:solidFill>
+                <a:effectLst/>
+                <a:latin typeface="Google Sans Text"/>
+              </a:rPr>
+              <a:t>). </a:t>
+            </a:r>
+          </a:p>
+          <a:p>
+            <a:pPr marL="0" marR="0" lvl="0" indent="0" algn="l" defTabSz="914400" rtl="0" eaLnBrk="0" fontAlgn="base" latinLnBrk="0" hangingPunct="0">
+              <a:lnSpc>
+                <a:spcPct val="100000"/>
+              </a:lnSpc>
+              <a:spcBef>
+                <a:spcPct val="0"/>
+              </a:spcBef>
+              <a:spcAft>
+                <a:spcPct val="0"/>
+              </a:spcAft>
+              <a:buClrTx/>
+              <a:buSzTx/>
+              <a:buFontTx/>
+              <a:buChar char="•"/>
+              <a:tabLst/>
+            </a:pPr>
+            <a:r>
+              <a:rPr kumimoji="0" lang="de-DE" altLang="de-DE" sz="700" b="0" i="0" u="none" strike="noStrike" cap="none" normalizeH="0" baseline="0" dirty="0" err="1">
+                <a:ln>
+                  <a:noFill/>
+                </a:ln>
+                <a:solidFill>
+                  <a:schemeClr val="tx1"/>
+                </a:solidFill>
+                <a:effectLst/>
+                <a:latin typeface="Google Sans Text"/>
+              </a:rPr>
+              <a:t>hour_of_day</a:t>
+            </a:r>
+            <a:r>
+              <a:rPr kumimoji="0" lang="de-DE" altLang="de-DE" sz="500" b="0" i="0" u="none" strike="noStrike" cap="none" normalizeH="0" baseline="0" dirty="0">
+                <a:ln>
+                  <a:noFill/>
+                </a:ln>
+                <a:solidFill>
+                  <a:schemeClr val="tx1"/>
+                </a:solidFill>
+                <a:effectLst/>
+                <a:latin typeface="Google Sans Text"/>
+              </a:rPr>
+              <a:t>: </a:t>
+            </a:r>
+            <a:endParaRPr kumimoji="0" lang="de-DE" altLang="de-DE" sz="1200" b="0" i="0" u="none" strike="noStrike" cap="none" normalizeH="0" baseline="0" dirty="0">
+              <a:ln>
+                <a:noFill/>
+              </a:ln>
+              <a:solidFill>
+                <a:schemeClr val="tx1"/>
+              </a:solidFill>
+              <a:effectLst/>
+              <a:latin typeface="Google Sans Text"/>
+            </a:endParaRPr>
+          </a:p>
+          <a:p>
+            <a:pPr marL="457200" marR="0" lvl="1" indent="0" algn="l" defTabSz="914400" rtl="0" eaLnBrk="0" fontAlgn="base" latinLnBrk="0" hangingPunct="0">
+              <a:lnSpc>
+                <a:spcPct val="100000"/>
+              </a:lnSpc>
+              <a:spcBef>
+                <a:spcPct val="0"/>
+              </a:spcBef>
+              <a:spcAft>
+                <a:spcPct val="0"/>
+              </a:spcAft>
+              <a:buClrTx/>
+              <a:buSzTx/>
+              <a:buFontTx/>
+              <a:buChar char="•"/>
+              <a:tabLst/>
+            </a:pPr>
+            <a:r>
+              <a:rPr kumimoji="0" lang="de-DE" altLang="de-DE" sz="1200" b="0" i="0" u="none" strike="noStrike" cap="none" normalizeH="0" baseline="0" dirty="0">
+                <a:ln>
+                  <a:noFill/>
+                </a:ln>
+                <a:solidFill>
+                  <a:schemeClr val="tx1"/>
+                </a:solidFill>
+                <a:effectLst/>
+                <a:latin typeface="Google Sans Text"/>
+              </a:rPr>
+              <a:t>Hour </a:t>
+            </a:r>
+            <a:r>
+              <a:rPr kumimoji="0" lang="de-DE" altLang="de-DE" sz="1200" b="0" i="0" u="none" strike="noStrike" cap="none" normalizeH="0" baseline="0" dirty="0" err="1">
+                <a:ln>
+                  <a:noFill/>
+                </a:ln>
+                <a:solidFill>
+                  <a:schemeClr val="tx1"/>
+                </a:solidFill>
+                <a:effectLst/>
+                <a:latin typeface="Google Sans Text"/>
+              </a:rPr>
+              <a:t>of</a:t>
+            </a:r>
+            <a:r>
+              <a:rPr kumimoji="0" lang="de-DE" altLang="de-DE" sz="1200" b="0" i="0" u="none" strike="noStrike" cap="none" normalizeH="0" baseline="0" dirty="0">
+                <a:ln>
+                  <a:noFill/>
+                </a:ln>
+                <a:solidFill>
+                  <a:schemeClr val="tx1"/>
+                </a:solidFill>
+                <a:effectLst/>
+                <a:latin typeface="Google Sans Text"/>
+              </a:rPr>
+              <a:t> </a:t>
+            </a:r>
+            <a:r>
+              <a:rPr kumimoji="0" lang="de-DE" altLang="de-DE" sz="1200" b="0" i="0" u="none" strike="noStrike" cap="none" normalizeH="0" baseline="0" dirty="0" err="1">
+                <a:ln>
+                  <a:noFill/>
+                </a:ln>
+                <a:solidFill>
+                  <a:schemeClr val="tx1"/>
+                </a:solidFill>
+                <a:effectLst/>
+                <a:latin typeface="Google Sans Text"/>
+              </a:rPr>
+              <a:t>the</a:t>
+            </a:r>
+            <a:r>
+              <a:rPr kumimoji="0" lang="de-DE" altLang="de-DE" sz="1200" b="0" i="0" u="none" strike="noStrike" cap="none" normalizeH="0" baseline="0" dirty="0">
+                <a:ln>
+                  <a:noFill/>
+                </a:ln>
+                <a:solidFill>
+                  <a:schemeClr val="tx1"/>
+                </a:solidFill>
+                <a:effectLst/>
+                <a:latin typeface="Google Sans Text"/>
+              </a:rPr>
+              <a:t> </a:t>
+            </a:r>
+            <a:r>
+              <a:rPr kumimoji="0" lang="de-DE" altLang="de-DE" sz="1200" b="0" i="0" u="none" strike="noStrike" cap="none" normalizeH="0" baseline="0" dirty="0" err="1">
+                <a:ln>
+                  <a:noFill/>
+                </a:ln>
+                <a:solidFill>
+                  <a:schemeClr val="tx1"/>
+                </a:solidFill>
+                <a:effectLst/>
+                <a:latin typeface="Google Sans Text"/>
+              </a:rPr>
+              <a:t>day</a:t>
+            </a:r>
+            <a:r>
+              <a:rPr kumimoji="0" lang="de-DE" altLang="de-DE" sz="1200" b="0" i="0" u="none" strike="noStrike" cap="none" normalizeH="0" baseline="0" dirty="0">
+                <a:ln>
+                  <a:noFill/>
+                </a:ln>
+                <a:solidFill>
+                  <a:schemeClr val="tx1"/>
+                </a:solidFill>
+                <a:effectLst/>
+                <a:latin typeface="Google Sans Text"/>
+              </a:rPr>
+              <a:t> </a:t>
+            </a:r>
+            <a:r>
+              <a:rPr kumimoji="0" lang="de-DE" altLang="de-DE" sz="1200" b="0" i="0" u="none" strike="noStrike" cap="none" normalizeH="0" baseline="0" dirty="0" err="1">
+                <a:ln>
+                  <a:noFill/>
+                </a:ln>
+                <a:solidFill>
+                  <a:schemeClr val="tx1"/>
+                </a:solidFill>
+                <a:effectLst/>
+                <a:latin typeface="Google Sans Text"/>
+              </a:rPr>
+              <a:t>the</a:t>
+            </a:r>
+            <a:r>
+              <a:rPr kumimoji="0" lang="de-DE" altLang="de-DE" sz="1200" b="0" i="0" u="none" strike="noStrike" cap="none" normalizeH="0" baseline="0" dirty="0">
+                <a:ln>
+                  <a:noFill/>
+                </a:ln>
+                <a:solidFill>
+                  <a:schemeClr val="tx1"/>
+                </a:solidFill>
+                <a:effectLst/>
+                <a:latin typeface="Google Sans Text"/>
+              </a:rPr>
+              <a:t> </a:t>
+            </a:r>
+            <a:r>
+              <a:rPr kumimoji="0" lang="de-DE" altLang="de-DE" sz="1200" b="0" i="0" u="none" strike="noStrike" cap="none" normalizeH="0" baseline="0" dirty="0" err="1">
+                <a:ln>
+                  <a:noFill/>
+                </a:ln>
+                <a:solidFill>
+                  <a:schemeClr val="tx1"/>
+                </a:solidFill>
+                <a:effectLst/>
+                <a:latin typeface="Google Sans Text"/>
+              </a:rPr>
+              <a:t>process</a:t>
+            </a:r>
+            <a:r>
+              <a:rPr kumimoji="0" lang="de-DE" altLang="de-DE" sz="1200" b="0" i="0" u="none" strike="noStrike" cap="none" normalizeH="0" baseline="0" dirty="0">
+                <a:ln>
+                  <a:noFill/>
+                </a:ln>
+                <a:solidFill>
+                  <a:schemeClr val="tx1"/>
+                </a:solidFill>
+                <a:effectLst/>
+                <a:latin typeface="Google Sans Text"/>
+              </a:rPr>
+              <a:t> </a:t>
+            </a:r>
+            <a:r>
+              <a:rPr kumimoji="0" lang="de-DE" altLang="de-DE" sz="1200" b="0" i="0" u="none" strike="noStrike" cap="none" normalizeH="0" baseline="0" dirty="0" err="1">
+                <a:ln>
+                  <a:noFill/>
+                </a:ln>
+                <a:solidFill>
+                  <a:schemeClr val="tx1"/>
+                </a:solidFill>
+                <a:effectLst/>
+                <a:latin typeface="Google Sans Text"/>
+              </a:rPr>
+              <a:t>step</a:t>
+            </a:r>
+            <a:r>
+              <a:rPr kumimoji="0" lang="de-DE" altLang="de-DE" sz="1200" b="0" i="0" u="none" strike="noStrike" cap="none" normalizeH="0" baseline="0" dirty="0">
+                <a:ln>
+                  <a:noFill/>
+                </a:ln>
+                <a:solidFill>
+                  <a:schemeClr val="tx1"/>
+                </a:solidFill>
+                <a:effectLst/>
+                <a:latin typeface="Google Sans Text"/>
+              </a:rPr>
+              <a:t> </a:t>
+            </a:r>
+            <a:r>
+              <a:rPr kumimoji="0" lang="de-DE" altLang="de-DE" sz="1200" b="0" i="0" u="none" strike="noStrike" cap="none" normalizeH="0" baseline="0" dirty="0" err="1">
+                <a:ln>
+                  <a:noFill/>
+                </a:ln>
+                <a:solidFill>
+                  <a:schemeClr val="tx1"/>
+                </a:solidFill>
+                <a:effectLst/>
+                <a:latin typeface="Google Sans Text"/>
+              </a:rPr>
+              <a:t>started</a:t>
+            </a:r>
+            <a:r>
+              <a:rPr kumimoji="0" lang="de-DE" altLang="de-DE" sz="1200" b="0" i="0" u="none" strike="noStrike" cap="none" normalizeH="0" baseline="0" dirty="0">
+                <a:ln>
+                  <a:noFill/>
+                </a:ln>
+                <a:solidFill>
+                  <a:schemeClr val="tx1"/>
+                </a:solidFill>
+                <a:effectLst/>
+                <a:latin typeface="Google Sans Text"/>
+              </a:rPr>
+              <a:t>. </a:t>
+            </a:r>
+          </a:p>
+          <a:p>
+            <a:pPr marL="457200" marR="0" lvl="1" indent="0" algn="l" defTabSz="914400" rtl="0" eaLnBrk="0" fontAlgn="base" latinLnBrk="0" hangingPunct="0">
+              <a:lnSpc>
+                <a:spcPct val="100000"/>
+              </a:lnSpc>
+              <a:spcBef>
+                <a:spcPct val="0"/>
+              </a:spcBef>
+              <a:spcAft>
+                <a:spcPct val="0"/>
+              </a:spcAft>
+              <a:buClrTx/>
+              <a:buSzTx/>
+              <a:buFontTx/>
+              <a:buChar char="•"/>
+              <a:tabLst/>
+            </a:pPr>
+            <a:r>
+              <a:rPr kumimoji="0" lang="de-DE" altLang="de-DE" sz="1200" b="0" i="0" u="none" strike="noStrike" cap="none" normalizeH="0" baseline="0" dirty="0" err="1">
+                <a:ln>
+                  <a:noFill/>
+                </a:ln>
+                <a:solidFill>
+                  <a:schemeClr val="tx1"/>
+                </a:solidFill>
+                <a:effectLst/>
+                <a:latin typeface="Google Sans Text"/>
+              </a:rPr>
+              <a:t>Captures</a:t>
+            </a:r>
+            <a:r>
+              <a:rPr kumimoji="0" lang="de-DE" altLang="de-DE" sz="1200" b="0" i="0" u="none" strike="noStrike" cap="none" normalizeH="0" baseline="0" dirty="0">
+                <a:ln>
+                  <a:noFill/>
+                </a:ln>
+                <a:solidFill>
+                  <a:schemeClr val="tx1"/>
+                </a:solidFill>
+                <a:effectLst/>
+                <a:latin typeface="Google Sans Text"/>
+              </a:rPr>
+              <a:t> </a:t>
+            </a:r>
+            <a:r>
+              <a:rPr kumimoji="0" lang="de-DE" altLang="de-DE" sz="1200" b="0" i="0" u="none" strike="noStrike" cap="none" normalizeH="0" baseline="0" dirty="0" err="1">
+                <a:ln>
+                  <a:noFill/>
+                </a:ln>
+                <a:solidFill>
+                  <a:schemeClr val="tx1"/>
+                </a:solidFill>
+                <a:effectLst/>
+                <a:latin typeface="Google Sans Text"/>
+              </a:rPr>
+              <a:t>daily</a:t>
+            </a:r>
+            <a:r>
+              <a:rPr kumimoji="0" lang="de-DE" altLang="de-DE" sz="1200" b="0" i="0" u="none" strike="noStrike" cap="none" normalizeH="0" baseline="0" dirty="0">
+                <a:ln>
+                  <a:noFill/>
+                </a:ln>
+                <a:solidFill>
+                  <a:schemeClr val="tx1"/>
+                </a:solidFill>
+                <a:effectLst/>
+                <a:latin typeface="Google Sans Text"/>
+              </a:rPr>
+              <a:t> time-</a:t>
+            </a:r>
+            <a:r>
+              <a:rPr kumimoji="0" lang="de-DE" altLang="de-DE" sz="1200" b="0" i="0" u="none" strike="noStrike" cap="none" normalizeH="0" baseline="0" dirty="0" err="1">
+                <a:ln>
+                  <a:noFill/>
+                </a:ln>
+                <a:solidFill>
+                  <a:schemeClr val="tx1"/>
+                </a:solidFill>
+                <a:effectLst/>
+                <a:latin typeface="Google Sans Text"/>
+              </a:rPr>
+              <a:t>based</a:t>
+            </a:r>
+            <a:r>
+              <a:rPr kumimoji="0" lang="de-DE" altLang="de-DE" sz="1200" b="0" i="0" u="none" strike="noStrike" cap="none" normalizeH="0" baseline="0" dirty="0">
+                <a:ln>
+                  <a:noFill/>
+                </a:ln>
+                <a:solidFill>
+                  <a:schemeClr val="tx1"/>
+                </a:solidFill>
+                <a:effectLst/>
+                <a:latin typeface="Google Sans Text"/>
+              </a:rPr>
+              <a:t> </a:t>
+            </a:r>
+            <a:r>
+              <a:rPr kumimoji="0" lang="de-DE" altLang="de-DE" sz="1200" b="0" i="0" u="none" strike="noStrike" cap="none" normalizeH="0" baseline="0" dirty="0" err="1">
+                <a:ln>
+                  <a:noFill/>
+                </a:ln>
+                <a:solidFill>
+                  <a:schemeClr val="tx1"/>
+                </a:solidFill>
+                <a:effectLst/>
+                <a:latin typeface="Google Sans Text"/>
+              </a:rPr>
+              <a:t>patterns</a:t>
+            </a:r>
+            <a:r>
+              <a:rPr kumimoji="0" lang="de-DE" altLang="de-DE" sz="1200" b="0" i="0" u="none" strike="noStrike" cap="none" normalizeH="0" baseline="0" dirty="0">
+                <a:ln>
+                  <a:noFill/>
+                </a:ln>
+                <a:solidFill>
+                  <a:schemeClr val="tx1"/>
+                </a:solidFill>
+                <a:effectLst/>
+                <a:latin typeface="Google Sans Text"/>
+              </a:rPr>
+              <a:t>. </a:t>
+            </a:r>
+          </a:p>
+          <a:p>
+            <a:pPr marL="0" marR="0" lvl="0" indent="0" algn="l" defTabSz="914400" rtl="0" eaLnBrk="0" fontAlgn="base" latinLnBrk="0" hangingPunct="0">
+              <a:lnSpc>
+                <a:spcPct val="100000"/>
+              </a:lnSpc>
+              <a:spcBef>
+                <a:spcPct val="0"/>
+              </a:spcBef>
+              <a:spcAft>
+                <a:spcPct val="0"/>
+              </a:spcAft>
+              <a:buClrTx/>
+              <a:buSzTx/>
+              <a:buFontTx/>
+              <a:buChar char="•"/>
+              <a:tabLst/>
+            </a:pPr>
+            <a:r>
+              <a:rPr kumimoji="0" lang="de-DE" altLang="de-DE" sz="700" b="0" i="0" u="none" strike="noStrike" cap="none" normalizeH="0" baseline="0" dirty="0" err="1">
+                <a:ln>
+                  <a:noFill/>
+                </a:ln>
+                <a:solidFill>
+                  <a:schemeClr val="tx1"/>
+                </a:solidFill>
+                <a:effectLst/>
+                <a:latin typeface="Google Sans Text"/>
+              </a:rPr>
+              <a:t>day_of_week</a:t>
+            </a:r>
+            <a:r>
+              <a:rPr kumimoji="0" lang="de-DE" altLang="de-DE" sz="500" b="0" i="0" u="none" strike="noStrike" cap="none" normalizeH="0" baseline="0" dirty="0">
+                <a:ln>
+                  <a:noFill/>
+                </a:ln>
+                <a:solidFill>
+                  <a:schemeClr val="tx1"/>
+                </a:solidFill>
+                <a:effectLst/>
+                <a:latin typeface="Google Sans Text"/>
+              </a:rPr>
+              <a:t>: </a:t>
+            </a:r>
+            <a:endParaRPr kumimoji="0" lang="de-DE" altLang="de-DE" sz="1200" b="0" i="0" u="none" strike="noStrike" cap="none" normalizeH="0" baseline="0" dirty="0">
+              <a:ln>
+                <a:noFill/>
+              </a:ln>
+              <a:solidFill>
+                <a:schemeClr val="tx1"/>
+              </a:solidFill>
+              <a:effectLst/>
+              <a:latin typeface="Google Sans Text"/>
+            </a:endParaRPr>
+          </a:p>
+          <a:p>
+            <a:pPr marL="457200" marR="0" lvl="1" indent="0" algn="l" defTabSz="914400" rtl="0" eaLnBrk="0" fontAlgn="base" latinLnBrk="0" hangingPunct="0">
+              <a:lnSpc>
+                <a:spcPct val="100000"/>
+              </a:lnSpc>
+              <a:spcBef>
+                <a:spcPct val="0"/>
+              </a:spcBef>
+              <a:spcAft>
+                <a:spcPct val="0"/>
+              </a:spcAft>
+              <a:buClrTx/>
+              <a:buSzTx/>
+              <a:buFontTx/>
+              <a:buChar char="•"/>
+              <a:tabLst/>
+            </a:pPr>
+            <a:r>
+              <a:rPr kumimoji="0" lang="de-DE" altLang="de-DE" sz="1200" b="0" i="0" u="none" strike="noStrike" cap="none" normalizeH="0" baseline="0" dirty="0">
+                <a:ln>
+                  <a:noFill/>
+                </a:ln>
+                <a:solidFill>
+                  <a:schemeClr val="tx1"/>
+                </a:solidFill>
+                <a:effectLst/>
+                <a:latin typeface="Google Sans Text"/>
+              </a:rPr>
+              <a:t>Day </a:t>
+            </a:r>
+            <a:r>
+              <a:rPr kumimoji="0" lang="de-DE" altLang="de-DE" sz="1200" b="0" i="0" u="none" strike="noStrike" cap="none" normalizeH="0" baseline="0" dirty="0" err="1">
+                <a:ln>
+                  <a:noFill/>
+                </a:ln>
+                <a:solidFill>
+                  <a:schemeClr val="tx1"/>
+                </a:solidFill>
+                <a:effectLst/>
+                <a:latin typeface="Google Sans Text"/>
+              </a:rPr>
+              <a:t>of</a:t>
+            </a:r>
+            <a:r>
+              <a:rPr kumimoji="0" lang="de-DE" altLang="de-DE" sz="1200" b="0" i="0" u="none" strike="noStrike" cap="none" normalizeH="0" baseline="0" dirty="0">
+                <a:ln>
+                  <a:noFill/>
+                </a:ln>
+                <a:solidFill>
+                  <a:schemeClr val="tx1"/>
+                </a:solidFill>
+                <a:effectLst/>
+                <a:latin typeface="Google Sans Text"/>
+              </a:rPr>
+              <a:t> </a:t>
+            </a:r>
+            <a:r>
+              <a:rPr kumimoji="0" lang="de-DE" altLang="de-DE" sz="1200" b="0" i="0" u="none" strike="noStrike" cap="none" normalizeH="0" baseline="0" dirty="0" err="1">
+                <a:ln>
+                  <a:noFill/>
+                </a:ln>
+                <a:solidFill>
+                  <a:schemeClr val="tx1"/>
+                </a:solidFill>
+                <a:effectLst/>
+                <a:latin typeface="Google Sans Text"/>
+              </a:rPr>
+              <a:t>the</a:t>
+            </a:r>
+            <a:r>
+              <a:rPr kumimoji="0" lang="de-DE" altLang="de-DE" sz="1200" b="0" i="0" u="none" strike="noStrike" cap="none" normalizeH="0" baseline="0" dirty="0">
+                <a:ln>
+                  <a:noFill/>
+                </a:ln>
+                <a:solidFill>
+                  <a:schemeClr val="tx1"/>
+                </a:solidFill>
+                <a:effectLst/>
+                <a:latin typeface="Google Sans Text"/>
+              </a:rPr>
+              <a:t> </a:t>
+            </a:r>
+            <a:r>
+              <a:rPr kumimoji="0" lang="de-DE" altLang="de-DE" sz="1200" b="0" i="0" u="none" strike="noStrike" cap="none" normalizeH="0" baseline="0" dirty="0" err="1">
+                <a:ln>
+                  <a:noFill/>
+                </a:ln>
+                <a:solidFill>
+                  <a:schemeClr val="tx1"/>
+                </a:solidFill>
+                <a:effectLst/>
+                <a:latin typeface="Google Sans Text"/>
+              </a:rPr>
+              <a:t>week</a:t>
+            </a:r>
+            <a:r>
+              <a:rPr kumimoji="0" lang="de-DE" altLang="de-DE" sz="1200" b="0" i="0" u="none" strike="noStrike" cap="none" normalizeH="0" baseline="0" dirty="0">
+                <a:ln>
+                  <a:noFill/>
+                </a:ln>
+                <a:solidFill>
+                  <a:schemeClr val="tx1"/>
+                </a:solidFill>
+                <a:effectLst/>
+                <a:latin typeface="Google Sans Text"/>
+              </a:rPr>
+              <a:t> </a:t>
+            </a:r>
+            <a:r>
+              <a:rPr kumimoji="0" lang="de-DE" altLang="de-DE" sz="1200" b="0" i="0" u="none" strike="noStrike" cap="none" normalizeH="0" baseline="0" dirty="0" err="1">
+                <a:ln>
+                  <a:noFill/>
+                </a:ln>
+                <a:solidFill>
+                  <a:schemeClr val="tx1"/>
+                </a:solidFill>
+                <a:effectLst/>
+                <a:latin typeface="Google Sans Text"/>
+              </a:rPr>
+              <a:t>the</a:t>
+            </a:r>
+            <a:r>
+              <a:rPr kumimoji="0" lang="de-DE" altLang="de-DE" sz="1200" b="0" i="0" u="none" strike="noStrike" cap="none" normalizeH="0" baseline="0" dirty="0">
+                <a:ln>
+                  <a:noFill/>
+                </a:ln>
+                <a:solidFill>
+                  <a:schemeClr val="tx1"/>
+                </a:solidFill>
+                <a:effectLst/>
+                <a:latin typeface="Google Sans Text"/>
+              </a:rPr>
+              <a:t> </a:t>
+            </a:r>
+            <a:r>
+              <a:rPr kumimoji="0" lang="de-DE" altLang="de-DE" sz="1200" b="0" i="0" u="none" strike="noStrike" cap="none" normalizeH="0" baseline="0" dirty="0" err="1">
+                <a:ln>
+                  <a:noFill/>
+                </a:ln>
+                <a:solidFill>
+                  <a:schemeClr val="tx1"/>
+                </a:solidFill>
+                <a:effectLst/>
+                <a:latin typeface="Google Sans Text"/>
+              </a:rPr>
+              <a:t>process</a:t>
+            </a:r>
+            <a:r>
+              <a:rPr kumimoji="0" lang="de-DE" altLang="de-DE" sz="1200" b="0" i="0" u="none" strike="noStrike" cap="none" normalizeH="0" baseline="0" dirty="0">
+                <a:ln>
+                  <a:noFill/>
+                </a:ln>
+                <a:solidFill>
+                  <a:schemeClr val="tx1"/>
+                </a:solidFill>
+                <a:effectLst/>
+                <a:latin typeface="Google Sans Text"/>
+              </a:rPr>
+              <a:t> </a:t>
+            </a:r>
+            <a:r>
+              <a:rPr kumimoji="0" lang="de-DE" altLang="de-DE" sz="1200" b="0" i="0" u="none" strike="noStrike" cap="none" normalizeH="0" baseline="0" dirty="0" err="1">
+                <a:ln>
+                  <a:noFill/>
+                </a:ln>
+                <a:solidFill>
+                  <a:schemeClr val="tx1"/>
+                </a:solidFill>
+                <a:effectLst/>
+                <a:latin typeface="Google Sans Text"/>
+              </a:rPr>
+              <a:t>step</a:t>
+            </a:r>
+            <a:r>
+              <a:rPr kumimoji="0" lang="de-DE" altLang="de-DE" sz="1200" b="0" i="0" u="none" strike="noStrike" cap="none" normalizeH="0" baseline="0" dirty="0">
+                <a:ln>
+                  <a:noFill/>
+                </a:ln>
+                <a:solidFill>
+                  <a:schemeClr val="tx1"/>
+                </a:solidFill>
+                <a:effectLst/>
+                <a:latin typeface="Google Sans Text"/>
+              </a:rPr>
+              <a:t> </a:t>
+            </a:r>
+            <a:r>
+              <a:rPr kumimoji="0" lang="de-DE" altLang="de-DE" sz="1200" b="0" i="0" u="none" strike="noStrike" cap="none" normalizeH="0" baseline="0" dirty="0" err="1">
+                <a:ln>
+                  <a:noFill/>
+                </a:ln>
+                <a:solidFill>
+                  <a:schemeClr val="tx1"/>
+                </a:solidFill>
+                <a:effectLst/>
+                <a:latin typeface="Google Sans Text"/>
+              </a:rPr>
+              <a:t>started</a:t>
+            </a:r>
+            <a:r>
+              <a:rPr kumimoji="0" lang="de-DE" altLang="de-DE" sz="1200" b="0" i="0" u="none" strike="noStrike" cap="none" normalizeH="0" baseline="0" dirty="0">
+                <a:ln>
+                  <a:noFill/>
+                </a:ln>
+                <a:solidFill>
+                  <a:schemeClr val="tx1"/>
+                </a:solidFill>
+                <a:effectLst/>
+                <a:latin typeface="Google Sans Text"/>
+              </a:rPr>
+              <a:t>. </a:t>
+            </a:r>
+          </a:p>
+          <a:p>
+            <a:pPr marL="0" marR="0" lvl="0" indent="0" algn="l" defTabSz="914400" rtl="0" eaLnBrk="0" fontAlgn="base" latinLnBrk="0" hangingPunct="0">
+              <a:lnSpc>
+                <a:spcPct val="100000"/>
+              </a:lnSpc>
+              <a:spcBef>
+                <a:spcPct val="0"/>
+              </a:spcBef>
+              <a:spcAft>
+                <a:spcPct val="0"/>
+              </a:spcAft>
+              <a:buClrTx/>
+              <a:buSzTx/>
+              <a:buFontTx/>
+              <a:buChar char="•"/>
+              <a:tabLst/>
+            </a:pPr>
+            <a:r>
+              <a:rPr kumimoji="0" lang="de-DE" altLang="de-DE" sz="700" b="0" i="0" u="none" strike="noStrike" cap="none" normalizeH="0" baseline="0" dirty="0" err="1">
+                <a:ln>
+                  <a:noFill/>
+                </a:ln>
+                <a:solidFill>
+                  <a:schemeClr val="tx1"/>
+                </a:solidFill>
+                <a:effectLst/>
+                <a:latin typeface="Google Sans Text"/>
+              </a:rPr>
+              <a:t>day_of_week_sin</a:t>
+            </a:r>
+            <a:r>
+              <a:rPr kumimoji="0" lang="de-DE" altLang="de-DE" sz="500" b="0" i="0" u="none" strike="noStrike" cap="none" normalizeH="0" baseline="0" dirty="0">
+                <a:ln>
+                  <a:noFill/>
+                </a:ln>
+                <a:solidFill>
+                  <a:schemeClr val="tx1"/>
+                </a:solidFill>
+                <a:effectLst/>
+                <a:latin typeface="Google Sans Text"/>
+              </a:rPr>
+              <a:t> &amp; </a:t>
+            </a:r>
+            <a:r>
+              <a:rPr kumimoji="0" lang="de-DE" altLang="de-DE" sz="700" b="0" i="0" u="none" strike="noStrike" cap="none" normalizeH="0" baseline="0" dirty="0" err="1">
+                <a:ln>
+                  <a:noFill/>
+                </a:ln>
+                <a:solidFill>
+                  <a:schemeClr val="tx1"/>
+                </a:solidFill>
+                <a:effectLst/>
+                <a:latin typeface="Google Sans Text"/>
+              </a:rPr>
+              <a:t>day_of_week_cos</a:t>
+            </a:r>
+            <a:r>
+              <a:rPr kumimoji="0" lang="de-DE" altLang="de-DE" sz="500" b="0" i="0" u="none" strike="noStrike" cap="none" normalizeH="0" baseline="0" dirty="0">
+                <a:ln>
+                  <a:noFill/>
+                </a:ln>
+                <a:solidFill>
+                  <a:schemeClr val="tx1"/>
+                </a:solidFill>
+                <a:effectLst/>
+                <a:latin typeface="Google Sans Text"/>
+              </a:rPr>
+              <a:t>: </a:t>
+            </a:r>
+            <a:endParaRPr kumimoji="0" lang="de-DE" altLang="de-DE" sz="1200" b="0" i="0" u="none" strike="noStrike" cap="none" normalizeH="0" baseline="0" dirty="0">
+              <a:ln>
+                <a:noFill/>
+              </a:ln>
+              <a:solidFill>
+                <a:schemeClr val="tx1"/>
+              </a:solidFill>
+              <a:effectLst/>
+              <a:latin typeface="Google Sans Text"/>
+            </a:endParaRPr>
+          </a:p>
+          <a:p>
+            <a:pPr marL="457200" marR="0" lvl="1" indent="0" algn="l" defTabSz="914400" rtl="0" eaLnBrk="0" fontAlgn="base" latinLnBrk="0" hangingPunct="0">
+              <a:lnSpc>
+                <a:spcPct val="100000"/>
+              </a:lnSpc>
+              <a:spcBef>
+                <a:spcPct val="0"/>
+              </a:spcBef>
+              <a:spcAft>
+                <a:spcPct val="0"/>
+              </a:spcAft>
+              <a:buClrTx/>
+              <a:buSzTx/>
+              <a:buFontTx/>
+              <a:buChar char="•"/>
+              <a:tabLst/>
+            </a:pPr>
+            <a:r>
+              <a:rPr kumimoji="0" lang="de-DE" altLang="de-DE" sz="1200" b="0" i="0" u="none" strike="noStrike" cap="none" normalizeH="0" baseline="0" dirty="0" err="1">
+                <a:ln>
+                  <a:noFill/>
+                </a:ln>
+                <a:solidFill>
+                  <a:schemeClr val="tx1"/>
+                </a:solidFill>
+                <a:effectLst/>
+                <a:latin typeface="Google Sans Text"/>
+              </a:rPr>
+              <a:t>Periodic</a:t>
+            </a:r>
+            <a:r>
+              <a:rPr kumimoji="0" lang="de-DE" altLang="de-DE" sz="1200" b="0" i="0" u="none" strike="noStrike" cap="none" normalizeH="0" baseline="0" dirty="0">
+                <a:ln>
+                  <a:noFill/>
+                </a:ln>
+                <a:solidFill>
+                  <a:schemeClr val="tx1"/>
+                </a:solidFill>
+                <a:effectLst/>
+                <a:latin typeface="Google Sans Text"/>
+              </a:rPr>
+              <a:t> </a:t>
+            </a:r>
+            <a:r>
+              <a:rPr kumimoji="0" lang="de-DE" altLang="de-DE" sz="1200" b="0" i="0" u="none" strike="noStrike" cap="none" normalizeH="0" baseline="0" dirty="0" err="1">
+                <a:ln>
+                  <a:noFill/>
+                </a:ln>
+                <a:solidFill>
+                  <a:schemeClr val="tx1"/>
+                </a:solidFill>
+                <a:effectLst/>
+                <a:latin typeface="Google Sans Text"/>
+              </a:rPr>
+              <a:t>features</a:t>
+            </a:r>
+            <a:r>
+              <a:rPr kumimoji="0" lang="de-DE" altLang="de-DE" sz="1200" b="0" i="0" u="none" strike="noStrike" cap="none" normalizeH="0" baseline="0" dirty="0">
+                <a:ln>
+                  <a:noFill/>
+                </a:ln>
+                <a:solidFill>
+                  <a:schemeClr val="tx1"/>
+                </a:solidFill>
+                <a:effectLst/>
+                <a:latin typeface="Google Sans Text"/>
+              </a:rPr>
+              <a:t> (Sine/</a:t>
+            </a:r>
+            <a:r>
+              <a:rPr kumimoji="0" lang="de-DE" altLang="de-DE" sz="1200" b="0" i="0" u="none" strike="noStrike" cap="none" normalizeH="0" baseline="0" dirty="0" err="1">
+                <a:ln>
+                  <a:noFill/>
+                </a:ln>
+                <a:solidFill>
+                  <a:schemeClr val="tx1"/>
+                </a:solidFill>
+                <a:effectLst/>
+                <a:latin typeface="Google Sans Text"/>
+              </a:rPr>
+              <a:t>Cosine</a:t>
+            </a:r>
+            <a:r>
+              <a:rPr kumimoji="0" lang="de-DE" altLang="de-DE" sz="1200" b="0" i="0" u="none" strike="noStrike" cap="none" normalizeH="0" baseline="0" dirty="0">
+                <a:ln>
+                  <a:noFill/>
+                </a:ln>
+                <a:solidFill>
+                  <a:schemeClr val="tx1"/>
+                </a:solidFill>
+                <a:effectLst/>
+                <a:latin typeface="Google Sans Text"/>
+              </a:rPr>
+              <a:t> </a:t>
+            </a:r>
+            <a:r>
+              <a:rPr kumimoji="0" lang="de-DE" altLang="de-DE" sz="1200" b="0" i="0" u="none" strike="noStrike" cap="none" normalizeH="0" baseline="0" dirty="0" err="1">
+                <a:ln>
+                  <a:noFill/>
+                </a:ln>
+                <a:solidFill>
+                  <a:schemeClr val="tx1"/>
+                </a:solidFill>
+                <a:effectLst/>
+                <a:latin typeface="Google Sans Text"/>
+              </a:rPr>
+              <a:t>of</a:t>
+            </a:r>
+            <a:r>
+              <a:rPr kumimoji="0" lang="de-DE" altLang="de-DE" sz="1200" b="0" i="0" u="none" strike="noStrike" cap="none" normalizeH="0" baseline="0" dirty="0">
+                <a:ln>
+                  <a:noFill/>
+                </a:ln>
+                <a:solidFill>
+                  <a:schemeClr val="tx1"/>
+                </a:solidFill>
+                <a:effectLst/>
+                <a:latin typeface="Google Sans Text"/>
+              </a:rPr>
+              <a:t> </a:t>
+            </a:r>
+            <a:r>
+              <a:rPr kumimoji="0" lang="de-DE" altLang="de-DE" sz="1200" b="0" i="0" u="none" strike="noStrike" cap="none" normalizeH="0" baseline="0" dirty="0" err="1">
+                <a:ln>
+                  <a:noFill/>
+                </a:ln>
+                <a:solidFill>
+                  <a:schemeClr val="tx1"/>
+                </a:solidFill>
+                <a:effectLst/>
+                <a:latin typeface="Google Sans Text"/>
+              </a:rPr>
+              <a:t>day</a:t>
+            </a:r>
+            <a:r>
+              <a:rPr kumimoji="0" lang="de-DE" altLang="de-DE" sz="1200" b="0" i="0" u="none" strike="noStrike" cap="none" normalizeH="0" baseline="0" dirty="0">
+                <a:ln>
+                  <a:noFill/>
+                </a:ln>
+                <a:solidFill>
+                  <a:schemeClr val="tx1"/>
+                </a:solidFill>
+                <a:effectLst/>
+                <a:latin typeface="Google Sans Text"/>
+              </a:rPr>
+              <a:t>) </a:t>
+            </a:r>
+            <a:r>
+              <a:rPr kumimoji="0" lang="de-DE" altLang="de-DE" sz="1200" b="0" i="0" u="none" strike="noStrike" cap="none" normalizeH="0" baseline="0" dirty="0" err="1">
+                <a:ln>
+                  <a:noFill/>
+                </a:ln>
+                <a:solidFill>
+                  <a:schemeClr val="tx1"/>
+                </a:solidFill>
+                <a:effectLst/>
+                <a:latin typeface="Google Sans Text"/>
+              </a:rPr>
+              <a:t>to</a:t>
+            </a:r>
+            <a:r>
+              <a:rPr kumimoji="0" lang="de-DE" altLang="de-DE" sz="1200" b="0" i="0" u="none" strike="noStrike" cap="none" normalizeH="0" baseline="0" dirty="0">
+                <a:ln>
+                  <a:noFill/>
+                </a:ln>
+                <a:solidFill>
+                  <a:schemeClr val="tx1"/>
+                </a:solidFill>
+                <a:effectLst/>
+                <a:latin typeface="Google Sans Text"/>
+              </a:rPr>
+              <a:t> </a:t>
+            </a:r>
+            <a:r>
+              <a:rPr kumimoji="0" lang="de-DE" altLang="de-DE" sz="1200" b="0" i="0" u="none" strike="noStrike" cap="none" normalizeH="0" baseline="0" dirty="0" err="1">
+                <a:ln>
+                  <a:noFill/>
+                </a:ln>
+                <a:solidFill>
+                  <a:schemeClr val="tx1"/>
+                </a:solidFill>
+                <a:effectLst/>
+                <a:latin typeface="Google Sans Text"/>
+              </a:rPr>
+              <a:t>model</a:t>
+            </a:r>
+            <a:r>
+              <a:rPr kumimoji="0" lang="de-DE" altLang="de-DE" sz="1200" b="0" i="0" u="none" strike="noStrike" cap="none" normalizeH="0" baseline="0" dirty="0">
+                <a:ln>
+                  <a:noFill/>
+                </a:ln>
+                <a:solidFill>
+                  <a:schemeClr val="tx1"/>
+                </a:solidFill>
+                <a:effectLst/>
+                <a:latin typeface="Google Sans Text"/>
+              </a:rPr>
+              <a:t> </a:t>
+            </a:r>
+            <a:r>
+              <a:rPr kumimoji="0" lang="de-DE" altLang="de-DE" sz="1200" b="0" i="0" u="none" strike="noStrike" cap="none" normalizeH="0" baseline="0" dirty="0" err="1">
+                <a:ln>
+                  <a:noFill/>
+                </a:ln>
+                <a:solidFill>
+                  <a:schemeClr val="tx1"/>
+                </a:solidFill>
+                <a:effectLst/>
+                <a:latin typeface="Google Sans Text"/>
+              </a:rPr>
+              <a:t>weekly</a:t>
+            </a:r>
+            <a:r>
+              <a:rPr kumimoji="0" lang="de-DE" altLang="de-DE" sz="1200" b="0" i="0" u="none" strike="noStrike" cap="none" normalizeH="0" baseline="0" dirty="0">
+                <a:ln>
+                  <a:noFill/>
+                </a:ln>
+                <a:solidFill>
+                  <a:schemeClr val="tx1"/>
+                </a:solidFill>
+                <a:effectLst/>
+                <a:latin typeface="Google Sans Text"/>
+              </a:rPr>
+              <a:t> </a:t>
+            </a:r>
+            <a:r>
+              <a:rPr kumimoji="0" lang="de-DE" altLang="de-DE" sz="1200" b="0" i="0" u="none" strike="noStrike" cap="none" normalizeH="0" baseline="0" dirty="0" err="1">
+                <a:ln>
+                  <a:noFill/>
+                </a:ln>
+                <a:solidFill>
+                  <a:schemeClr val="tx1"/>
+                </a:solidFill>
+                <a:effectLst/>
+                <a:latin typeface="Google Sans Text"/>
+              </a:rPr>
+              <a:t>patterns</a:t>
+            </a:r>
+            <a:r>
+              <a:rPr kumimoji="0" lang="de-DE" altLang="de-DE" sz="1200" b="0" i="0" u="none" strike="noStrike" cap="none" normalizeH="0" baseline="0" dirty="0">
+                <a:ln>
+                  <a:noFill/>
+                </a:ln>
+                <a:solidFill>
+                  <a:schemeClr val="tx1"/>
+                </a:solidFill>
+                <a:effectLst/>
+                <a:latin typeface="Google Sans Text"/>
+              </a:rPr>
+              <a:t>. </a:t>
+            </a:r>
+          </a:p>
+          <a:p>
+            <a:pPr marL="0" marR="0" lvl="0" indent="0" algn="l" defTabSz="914400" rtl="0" eaLnBrk="0" fontAlgn="base" latinLnBrk="0" hangingPunct="0">
+              <a:lnSpc>
+                <a:spcPct val="100000"/>
+              </a:lnSpc>
+              <a:spcBef>
+                <a:spcPct val="0"/>
+              </a:spcBef>
+              <a:spcAft>
+                <a:spcPct val="0"/>
+              </a:spcAft>
+              <a:buClrTx/>
+              <a:buSzTx/>
+              <a:buFontTx/>
+              <a:buChar char="•"/>
+              <a:tabLst/>
+            </a:pPr>
+            <a:r>
+              <a:rPr kumimoji="0" lang="de-DE" altLang="de-DE" sz="700" b="0" i="0" u="none" strike="noStrike" cap="none" normalizeH="0" baseline="0" dirty="0" err="1">
+                <a:ln>
+                  <a:noFill/>
+                </a:ln>
+                <a:solidFill>
+                  <a:schemeClr val="tx1"/>
+                </a:solidFill>
+                <a:effectLst/>
+                <a:latin typeface="Google Sans Text"/>
+              </a:rPr>
+              <a:t>hour_of_day_sin</a:t>
+            </a:r>
+            <a:r>
+              <a:rPr kumimoji="0" lang="de-DE" altLang="de-DE" sz="500" b="0" i="0" u="none" strike="noStrike" cap="none" normalizeH="0" baseline="0" dirty="0">
+                <a:ln>
+                  <a:noFill/>
+                </a:ln>
+                <a:solidFill>
+                  <a:schemeClr val="tx1"/>
+                </a:solidFill>
+                <a:effectLst/>
+                <a:latin typeface="Google Sans Text"/>
+              </a:rPr>
+              <a:t> &amp; </a:t>
+            </a:r>
+            <a:r>
+              <a:rPr kumimoji="0" lang="de-DE" altLang="de-DE" sz="700" b="0" i="0" u="none" strike="noStrike" cap="none" normalizeH="0" baseline="0" dirty="0" err="1">
+                <a:ln>
+                  <a:noFill/>
+                </a:ln>
+                <a:solidFill>
+                  <a:schemeClr val="tx1"/>
+                </a:solidFill>
+                <a:effectLst/>
+                <a:latin typeface="Google Sans Text"/>
+              </a:rPr>
+              <a:t>hour_of_day_cos</a:t>
+            </a:r>
+            <a:r>
+              <a:rPr kumimoji="0" lang="de-DE" altLang="de-DE" sz="500" b="0" i="0" u="none" strike="noStrike" cap="none" normalizeH="0" baseline="0" dirty="0">
+                <a:ln>
+                  <a:noFill/>
+                </a:ln>
+                <a:solidFill>
+                  <a:schemeClr val="tx1"/>
+                </a:solidFill>
+                <a:effectLst/>
+                <a:latin typeface="Google Sans Text"/>
+              </a:rPr>
+              <a:t>: </a:t>
+            </a:r>
+            <a:endParaRPr kumimoji="0" lang="de-DE" altLang="de-DE" sz="1200" b="0" i="0" u="none" strike="noStrike" cap="none" normalizeH="0" baseline="0" dirty="0">
+              <a:ln>
+                <a:noFill/>
+              </a:ln>
+              <a:solidFill>
+                <a:schemeClr val="tx1"/>
+              </a:solidFill>
+              <a:effectLst/>
+              <a:latin typeface="Google Sans Text"/>
+            </a:endParaRPr>
+          </a:p>
+          <a:p>
+            <a:pPr marL="457200" marR="0" lvl="1" indent="0" algn="l" defTabSz="914400" rtl="0" eaLnBrk="0" fontAlgn="base" latinLnBrk="0" hangingPunct="0">
+              <a:lnSpc>
+                <a:spcPct val="100000"/>
+              </a:lnSpc>
+              <a:spcBef>
+                <a:spcPct val="0"/>
+              </a:spcBef>
+              <a:spcAft>
+                <a:spcPct val="0"/>
+              </a:spcAft>
+              <a:buClrTx/>
+              <a:buSzTx/>
+              <a:buFontTx/>
+              <a:buChar char="•"/>
+              <a:tabLst/>
+            </a:pPr>
+            <a:r>
+              <a:rPr kumimoji="0" lang="de-DE" altLang="de-DE" sz="1200" b="0" i="0" u="none" strike="noStrike" cap="none" normalizeH="0" baseline="0" dirty="0" err="1">
+                <a:ln>
+                  <a:noFill/>
+                </a:ln>
+                <a:solidFill>
+                  <a:schemeClr val="tx1"/>
+                </a:solidFill>
+                <a:effectLst/>
+                <a:latin typeface="Google Sans Text"/>
+              </a:rPr>
+              <a:t>Periodic</a:t>
+            </a:r>
+            <a:r>
+              <a:rPr kumimoji="0" lang="de-DE" altLang="de-DE" sz="1200" b="0" i="0" u="none" strike="noStrike" cap="none" normalizeH="0" baseline="0" dirty="0">
+                <a:ln>
+                  <a:noFill/>
+                </a:ln>
+                <a:solidFill>
+                  <a:schemeClr val="tx1"/>
+                </a:solidFill>
+                <a:effectLst/>
+                <a:latin typeface="Google Sans Text"/>
+              </a:rPr>
+              <a:t> </a:t>
+            </a:r>
+            <a:r>
+              <a:rPr kumimoji="0" lang="de-DE" altLang="de-DE" sz="1200" b="0" i="0" u="none" strike="noStrike" cap="none" normalizeH="0" baseline="0" dirty="0" err="1">
+                <a:ln>
+                  <a:noFill/>
+                </a:ln>
+                <a:solidFill>
+                  <a:schemeClr val="tx1"/>
+                </a:solidFill>
+                <a:effectLst/>
+                <a:latin typeface="Google Sans Text"/>
+              </a:rPr>
+              <a:t>features</a:t>
+            </a:r>
+            <a:r>
+              <a:rPr kumimoji="0" lang="de-DE" altLang="de-DE" sz="1200" b="0" i="0" u="none" strike="noStrike" cap="none" normalizeH="0" baseline="0" dirty="0">
+                <a:ln>
+                  <a:noFill/>
+                </a:ln>
+                <a:solidFill>
+                  <a:schemeClr val="tx1"/>
+                </a:solidFill>
+                <a:effectLst/>
+                <a:latin typeface="Google Sans Text"/>
+              </a:rPr>
+              <a:t> (Sine/</a:t>
+            </a:r>
+            <a:r>
+              <a:rPr kumimoji="0" lang="de-DE" altLang="de-DE" sz="1200" b="0" i="0" u="none" strike="noStrike" cap="none" normalizeH="0" baseline="0" dirty="0" err="1">
+                <a:ln>
+                  <a:noFill/>
+                </a:ln>
+                <a:solidFill>
+                  <a:schemeClr val="tx1"/>
+                </a:solidFill>
+                <a:effectLst/>
+                <a:latin typeface="Google Sans Text"/>
+              </a:rPr>
+              <a:t>Cosine</a:t>
+            </a:r>
+            <a:r>
+              <a:rPr kumimoji="0" lang="de-DE" altLang="de-DE" sz="1200" b="0" i="0" u="none" strike="noStrike" cap="none" normalizeH="0" baseline="0" dirty="0">
+                <a:ln>
+                  <a:noFill/>
+                </a:ln>
+                <a:solidFill>
+                  <a:schemeClr val="tx1"/>
+                </a:solidFill>
+                <a:effectLst/>
+                <a:latin typeface="Google Sans Text"/>
+              </a:rPr>
+              <a:t> </a:t>
+            </a:r>
+            <a:r>
+              <a:rPr kumimoji="0" lang="de-DE" altLang="de-DE" sz="1200" b="0" i="0" u="none" strike="noStrike" cap="none" normalizeH="0" baseline="0" dirty="0" err="1">
+                <a:ln>
+                  <a:noFill/>
+                </a:ln>
+                <a:solidFill>
+                  <a:schemeClr val="tx1"/>
+                </a:solidFill>
+                <a:effectLst/>
+                <a:latin typeface="Google Sans Text"/>
+              </a:rPr>
+              <a:t>of</a:t>
+            </a:r>
+            <a:r>
+              <a:rPr kumimoji="0" lang="de-DE" altLang="de-DE" sz="1200" b="0" i="0" u="none" strike="noStrike" cap="none" normalizeH="0" baseline="0" dirty="0">
+                <a:ln>
+                  <a:noFill/>
+                </a:ln>
+                <a:solidFill>
+                  <a:schemeClr val="tx1"/>
+                </a:solidFill>
+                <a:effectLst/>
+                <a:latin typeface="Google Sans Text"/>
+              </a:rPr>
+              <a:t> </a:t>
+            </a:r>
+            <a:r>
+              <a:rPr kumimoji="0" lang="de-DE" altLang="de-DE" sz="1200" b="0" i="0" u="none" strike="noStrike" cap="none" normalizeH="0" baseline="0" dirty="0" err="1">
+                <a:ln>
+                  <a:noFill/>
+                </a:ln>
+                <a:solidFill>
+                  <a:schemeClr val="tx1"/>
+                </a:solidFill>
+                <a:effectLst/>
+                <a:latin typeface="Google Sans Text"/>
+              </a:rPr>
+              <a:t>hour</a:t>
+            </a:r>
+            <a:r>
+              <a:rPr kumimoji="0" lang="de-DE" altLang="de-DE" sz="1200" b="0" i="0" u="none" strike="noStrike" cap="none" normalizeH="0" baseline="0" dirty="0">
+                <a:ln>
+                  <a:noFill/>
+                </a:ln>
+                <a:solidFill>
+                  <a:schemeClr val="tx1"/>
+                </a:solidFill>
+                <a:effectLst/>
+                <a:latin typeface="Google Sans Text"/>
+              </a:rPr>
+              <a:t>) </a:t>
+            </a:r>
+            <a:r>
+              <a:rPr kumimoji="0" lang="de-DE" altLang="de-DE" sz="1200" b="0" i="0" u="none" strike="noStrike" cap="none" normalizeH="0" baseline="0" dirty="0" err="1">
+                <a:ln>
+                  <a:noFill/>
+                </a:ln>
+                <a:solidFill>
+                  <a:schemeClr val="tx1"/>
+                </a:solidFill>
+                <a:effectLst/>
+                <a:latin typeface="Google Sans Text"/>
+              </a:rPr>
+              <a:t>to</a:t>
+            </a:r>
+            <a:r>
+              <a:rPr kumimoji="0" lang="de-DE" altLang="de-DE" sz="1200" b="0" i="0" u="none" strike="noStrike" cap="none" normalizeH="0" baseline="0" dirty="0">
+                <a:ln>
+                  <a:noFill/>
+                </a:ln>
+                <a:solidFill>
+                  <a:schemeClr val="tx1"/>
+                </a:solidFill>
+                <a:effectLst/>
+                <a:latin typeface="Google Sans Text"/>
+              </a:rPr>
+              <a:t> </a:t>
+            </a:r>
+            <a:r>
+              <a:rPr kumimoji="0" lang="de-DE" altLang="de-DE" sz="1200" b="0" i="0" u="none" strike="noStrike" cap="none" normalizeH="0" baseline="0" dirty="0" err="1">
+                <a:ln>
+                  <a:noFill/>
+                </a:ln>
+                <a:solidFill>
+                  <a:schemeClr val="tx1"/>
+                </a:solidFill>
+                <a:effectLst/>
+                <a:latin typeface="Google Sans Text"/>
+              </a:rPr>
+              <a:t>model</a:t>
+            </a:r>
+            <a:r>
+              <a:rPr kumimoji="0" lang="de-DE" altLang="de-DE" sz="1200" b="0" i="0" u="none" strike="noStrike" cap="none" normalizeH="0" baseline="0" dirty="0">
+                <a:ln>
+                  <a:noFill/>
+                </a:ln>
+                <a:solidFill>
+                  <a:schemeClr val="tx1"/>
+                </a:solidFill>
+                <a:effectLst/>
+                <a:latin typeface="Google Sans Text"/>
+              </a:rPr>
+              <a:t> </a:t>
+            </a:r>
+            <a:r>
+              <a:rPr kumimoji="0" lang="de-DE" altLang="de-DE" sz="1200" b="0" i="0" u="none" strike="noStrike" cap="none" normalizeH="0" baseline="0" dirty="0" err="1">
+                <a:ln>
+                  <a:noFill/>
+                </a:ln>
+                <a:solidFill>
+                  <a:schemeClr val="tx1"/>
+                </a:solidFill>
+                <a:effectLst/>
+                <a:latin typeface="Google Sans Text"/>
+              </a:rPr>
+              <a:t>daily</a:t>
+            </a:r>
+            <a:r>
+              <a:rPr kumimoji="0" lang="de-DE" altLang="de-DE" sz="1200" b="0" i="0" u="none" strike="noStrike" cap="none" normalizeH="0" baseline="0" dirty="0">
+                <a:ln>
+                  <a:noFill/>
+                </a:ln>
+                <a:solidFill>
+                  <a:schemeClr val="tx1"/>
+                </a:solidFill>
+                <a:effectLst/>
+                <a:latin typeface="Google Sans Text"/>
+              </a:rPr>
+              <a:t> </a:t>
+            </a:r>
+            <a:r>
+              <a:rPr kumimoji="0" lang="de-DE" altLang="de-DE" sz="1200" b="0" i="0" u="none" strike="noStrike" cap="none" normalizeH="0" baseline="0" dirty="0" err="1">
+                <a:ln>
+                  <a:noFill/>
+                </a:ln>
+                <a:solidFill>
+                  <a:schemeClr val="tx1"/>
+                </a:solidFill>
+                <a:effectLst/>
+                <a:latin typeface="Google Sans Text"/>
+              </a:rPr>
+              <a:t>patterns</a:t>
+            </a:r>
+            <a:r>
+              <a:rPr kumimoji="0" lang="de-DE" altLang="de-DE" sz="1200" b="0" i="0" u="none" strike="noStrike" cap="none" normalizeH="0" baseline="0" dirty="0">
+                <a:ln>
+                  <a:noFill/>
+                </a:ln>
+                <a:solidFill>
+                  <a:schemeClr val="tx1"/>
+                </a:solidFill>
+                <a:effectLst/>
+                <a:latin typeface="Google Sans Text"/>
+              </a:rPr>
+              <a:t>. </a:t>
+            </a:r>
+          </a:p>
+          <a:p>
+            <a:pPr marL="0" marR="0" lvl="0" indent="0" algn="l" defTabSz="914400" rtl="0" eaLnBrk="0" fontAlgn="base" latinLnBrk="0" hangingPunct="0">
+              <a:lnSpc>
+                <a:spcPct val="100000"/>
+              </a:lnSpc>
+              <a:spcBef>
+                <a:spcPct val="0"/>
+              </a:spcBef>
+              <a:spcAft>
+                <a:spcPct val="0"/>
+              </a:spcAft>
+              <a:buClrTx/>
+              <a:buSzTx/>
+              <a:buFontTx/>
+              <a:buNone/>
+              <a:tabLst/>
+            </a:pPr>
+            <a:endParaRPr kumimoji="0" lang="de-DE" altLang="de-DE" sz="1200" b="0" i="0" u="none" strike="noStrike" cap="none" normalizeH="0" baseline="0" dirty="0">
+              <a:ln>
+                <a:noFill/>
+              </a:ln>
+              <a:solidFill>
+                <a:schemeClr val="tx1"/>
+              </a:solidFill>
+              <a:effectLst/>
+              <a:latin typeface="Arial" panose="020B0604020202020204" pitchFamily="34" charset="0"/>
+            </a:endParaRPr>
           </a:p>
         </p:txBody>
       </p:sp>
     </p:spTree>
     <p:extLst>
       <p:ext uri="{BB962C8B-B14F-4D97-AF65-F5344CB8AC3E}">
-        <p14:creationId xmlns:p14="http://schemas.microsoft.com/office/powerpoint/2010/main" val="3474840712"/>
+        <p14:creationId xmlns:p14="http://schemas.microsoft.com/office/powerpoint/2010/main" val="2846421250"/>
       </p:ext>
     </p:extLst>
   </p:cSld>

--- a/Zusammenfassung Master Thesis.pptx
+++ b/Zusammenfassung Master Thesis.pptx
@@ -6,18 +6,19 @@
   </p:sldMasterIdLst>
   <p:sldIdLst>
     <p:sldId id="256" r:id="rId2"/>
-    <p:sldId id="257" r:id="rId3"/>
-    <p:sldId id="258" r:id="rId4"/>
-    <p:sldId id="259" r:id="rId5"/>
-    <p:sldId id="260" r:id="rId6"/>
-    <p:sldId id="261" r:id="rId7"/>
-    <p:sldId id="262" r:id="rId8"/>
-    <p:sldId id="263" r:id="rId9"/>
-    <p:sldId id="264" r:id="rId10"/>
-    <p:sldId id="266" r:id="rId11"/>
-    <p:sldId id="265" r:id="rId12"/>
-    <p:sldId id="267" r:id="rId13"/>
-    <p:sldId id="268" r:id="rId14"/>
+    <p:sldId id="258" r:id="rId3"/>
+    <p:sldId id="259" r:id="rId4"/>
+    <p:sldId id="260" r:id="rId5"/>
+    <p:sldId id="262" r:id="rId6"/>
+    <p:sldId id="263" r:id="rId7"/>
+    <p:sldId id="264" r:id="rId8"/>
+    <p:sldId id="266" r:id="rId9"/>
+    <p:sldId id="265" r:id="rId10"/>
+    <p:sldId id="267" r:id="rId11"/>
+    <p:sldId id="268" r:id="rId12"/>
+    <p:sldId id="269" r:id="rId13"/>
+    <p:sldId id="270" r:id="rId14"/>
+    <p:sldId id="261" r:id="rId15"/>
   </p:sldIdLst>
   <p:sldSz cx="12192000" cy="6858000"/>
   <p:notesSz cx="6858000" cy="9144000"/>
@@ -116,6 +117,11 @@
       </a:defRPr>
     </a:lvl9pPr>
   </p:defaultTextStyle>
+  <p:extLst>
+    <p:ext uri="{EFAFB233-063F-42B5-8137-9DF3F51BA10A}">
+      <p15:sldGuideLst xmlns:p15="http://schemas.microsoft.com/office/powerpoint/2012/main"/>
+    </p:ext>
+  </p:extLst>
 </p:presentation>
 </file>
 
@@ -266,7 +272,7 @@
           <a:p>
             <a:fld id="{194A8157-88D4-4147-BBC0-E7903179BFDF}" type="datetimeFigureOut">
               <a:rPr lang="de-DE" smtClean="0"/>
-              <a:t>15.04.2025</a:t>
+              <a:t>16.04.2025</a:t>
             </a:fld>
             <a:endParaRPr lang="de-DE"/>
           </a:p>
@@ -464,7 +470,7 @@
           <a:p>
             <a:fld id="{194A8157-88D4-4147-BBC0-E7903179BFDF}" type="datetimeFigureOut">
               <a:rPr lang="de-DE" smtClean="0"/>
-              <a:t>15.04.2025</a:t>
+              <a:t>16.04.2025</a:t>
             </a:fld>
             <a:endParaRPr lang="de-DE"/>
           </a:p>
@@ -672,7 +678,7 @@
           <a:p>
             <a:fld id="{194A8157-88D4-4147-BBC0-E7903179BFDF}" type="datetimeFigureOut">
               <a:rPr lang="de-DE" smtClean="0"/>
-              <a:t>15.04.2025</a:t>
+              <a:t>16.04.2025</a:t>
             </a:fld>
             <a:endParaRPr lang="de-DE"/>
           </a:p>
@@ -870,7 +876,7 @@
           <a:p>
             <a:fld id="{194A8157-88D4-4147-BBC0-E7903179BFDF}" type="datetimeFigureOut">
               <a:rPr lang="de-DE" smtClean="0"/>
-              <a:t>15.04.2025</a:t>
+              <a:t>16.04.2025</a:t>
             </a:fld>
             <a:endParaRPr lang="de-DE"/>
           </a:p>
@@ -1145,7 +1151,7 @@
           <a:p>
             <a:fld id="{194A8157-88D4-4147-BBC0-E7903179BFDF}" type="datetimeFigureOut">
               <a:rPr lang="de-DE" smtClean="0"/>
-              <a:t>15.04.2025</a:t>
+              <a:t>16.04.2025</a:t>
             </a:fld>
             <a:endParaRPr lang="de-DE"/>
           </a:p>
@@ -1410,7 +1416,7 @@
           <a:p>
             <a:fld id="{194A8157-88D4-4147-BBC0-E7903179BFDF}" type="datetimeFigureOut">
               <a:rPr lang="de-DE" smtClean="0"/>
-              <a:t>15.04.2025</a:t>
+              <a:t>16.04.2025</a:t>
             </a:fld>
             <a:endParaRPr lang="de-DE"/>
           </a:p>
@@ -1822,7 +1828,7 @@
           <a:p>
             <a:fld id="{194A8157-88D4-4147-BBC0-E7903179BFDF}" type="datetimeFigureOut">
               <a:rPr lang="de-DE" smtClean="0"/>
-              <a:t>15.04.2025</a:t>
+              <a:t>16.04.2025</a:t>
             </a:fld>
             <a:endParaRPr lang="de-DE"/>
           </a:p>
@@ -1963,7 +1969,7 @@
           <a:p>
             <a:fld id="{194A8157-88D4-4147-BBC0-E7903179BFDF}" type="datetimeFigureOut">
               <a:rPr lang="de-DE" smtClean="0"/>
-              <a:t>15.04.2025</a:t>
+              <a:t>16.04.2025</a:t>
             </a:fld>
             <a:endParaRPr lang="de-DE"/>
           </a:p>
@@ -2076,7 +2082,7 @@
           <a:p>
             <a:fld id="{194A8157-88D4-4147-BBC0-E7903179BFDF}" type="datetimeFigureOut">
               <a:rPr lang="de-DE" smtClean="0"/>
-              <a:t>15.04.2025</a:t>
+              <a:t>16.04.2025</a:t>
             </a:fld>
             <a:endParaRPr lang="de-DE"/>
           </a:p>
@@ -2387,7 +2393,7 @@
           <a:p>
             <a:fld id="{194A8157-88D4-4147-BBC0-E7903179BFDF}" type="datetimeFigureOut">
               <a:rPr lang="de-DE" smtClean="0"/>
-              <a:t>15.04.2025</a:t>
+              <a:t>16.04.2025</a:t>
             </a:fld>
             <a:endParaRPr lang="de-DE"/>
           </a:p>
@@ -2675,7 +2681,7 @@
           <a:p>
             <a:fld id="{194A8157-88D4-4147-BBC0-E7903179BFDF}" type="datetimeFigureOut">
               <a:rPr lang="de-DE" smtClean="0"/>
-              <a:t>15.04.2025</a:t>
+              <a:t>16.04.2025</a:t>
             </a:fld>
             <a:endParaRPr lang="de-DE"/>
           </a:p>
@@ -2916,7 +2922,7 @@
           <a:p>
             <a:fld id="{194A8157-88D4-4147-BBC0-E7903179BFDF}" type="datetimeFigureOut">
               <a:rPr lang="de-DE" smtClean="0"/>
-              <a:t>15.04.2025</a:t>
+              <a:t>16.04.2025</a:t>
             </a:fld>
             <a:endParaRPr lang="de-DE"/>
           </a:p>
@@ -3421,6 +3427,1656 @@
           <p:cNvPr id="2" name="Titel 1">
             <a:extLst>
               <a:ext uri="{FF2B5EF4-FFF2-40B4-BE49-F238E27FC236}">
+                <a16:creationId xmlns:a16="http://schemas.microsoft.com/office/drawing/2014/main" id="{1430A56F-3632-CB84-EB7B-AA3539AAB52A}"/>
+              </a:ext>
+            </a:extLst>
+          </p:cNvPr>
+          <p:cNvSpPr>
+            <a:spLocks noGrp="1"/>
+          </p:cNvSpPr>
+          <p:nvPr>
+            <p:ph type="title"/>
+          </p:nvPr>
+        </p:nvSpPr>
+        <p:spPr/>
+        <p:txBody>
+          <a:bodyPr/>
+          <a:lstStyle/>
+          <a:p>
+            <a:r>
+              <a:rPr lang="en-US" dirty="0"/>
+              <a:t>Interpretation: Framework Successfully Identifies Inaccuracies</a:t>
+            </a:r>
+            <a:endParaRPr lang="de-DE" dirty="0"/>
+          </a:p>
+        </p:txBody>
+      </p:sp>
+      <p:sp>
+        <p:nvSpPr>
+          <p:cNvPr id="3" name="Inhaltsplatzhalter 2">
+            <a:extLst>
+              <a:ext uri="{FF2B5EF4-FFF2-40B4-BE49-F238E27FC236}">
+                <a16:creationId xmlns:a16="http://schemas.microsoft.com/office/drawing/2014/main" id="{677A9C98-365F-D9C7-12B8-0309244B3F7B}"/>
+              </a:ext>
+            </a:extLst>
+          </p:cNvPr>
+          <p:cNvSpPr>
+            <a:spLocks noGrp="1"/>
+          </p:cNvSpPr>
+          <p:nvPr>
+            <p:ph idx="1"/>
+          </p:nvPr>
+        </p:nvSpPr>
+        <p:spPr/>
+        <p:txBody>
+          <a:bodyPr/>
+          <a:lstStyle/>
+          <a:p>
+            <a:r>
+              <a:rPr lang="en-US" dirty="0"/>
+              <a:t>Both ML models consistently and statistically significantly distinguished between real and simulated data across all tested SBDT components.  </a:t>
+            </a:r>
+          </a:p>
+          <a:p>
+            <a:r>
+              <a:rPr lang="en-US" b="1" dirty="0"/>
+              <a:t>Conclusion (Based on Reversed Interpretation):</a:t>
+            </a:r>
+            <a:r>
+              <a:rPr lang="en-US" dirty="0"/>
+              <a:t> The </a:t>
+            </a:r>
+            <a:r>
+              <a:rPr lang="en-US" i="1" dirty="0"/>
+              <a:t>current configuration</a:t>
+            </a:r>
+            <a:r>
+              <a:rPr lang="en-US" dirty="0"/>
+              <a:t> of the </a:t>
+            </a:r>
+            <a:r>
+              <a:rPr lang="en-US" dirty="0" err="1"/>
+              <a:t>OFacT</a:t>
+            </a:r>
+            <a:r>
+              <a:rPr lang="en-US" dirty="0"/>
+              <a:t> SBDT exhibited </a:t>
+            </a:r>
+            <a:r>
+              <a:rPr lang="en-US" i="1" dirty="0"/>
+              <a:t>detectable inaccuracies</a:t>
+            </a:r>
+            <a:r>
+              <a:rPr lang="en-US" dirty="0"/>
+              <a:t> compared to the real IoT Factory data for aspects like time model, resource usage, process flow etc.   </a:t>
+            </a:r>
+          </a:p>
+          <a:p>
+            <a:r>
+              <a:rPr lang="en-US" b="1" dirty="0"/>
+              <a:t>Value:</a:t>
+            </a:r>
+            <a:r>
+              <a:rPr lang="en-US" dirty="0"/>
+              <a:t> The framework worked as intended – it successfully shows </a:t>
+            </a:r>
+            <a:r>
+              <a:rPr lang="en-US" i="1" dirty="0"/>
+              <a:t>where</a:t>
+            </a:r>
+            <a:r>
+              <a:rPr lang="en-US" dirty="0"/>
+              <a:t> the SBDT's fidelity was lacking, providing targeted feedback for improvement.   </a:t>
+            </a:r>
+            <a:endParaRPr lang="de-DE" dirty="0"/>
+          </a:p>
+        </p:txBody>
+      </p:sp>
+    </p:spTree>
+    <p:extLst>
+      <p:ext uri="{BB962C8B-B14F-4D97-AF65-F5344CB8AC3E}">
+        <p14:creationId xmlns:p14="http://schemas.microsoft.com/office/powerpoint/2010/main" val="3348005303"/>
+      </p:ext>
+    </p:extLst>
+  </p:cSld>
+  <p:clrMapOvr>
+    <a:masterClrMapping/>
+  </p:clrMapOvr>
+</p:sld>
+</file>
+
+<file path=ppt/slides/slide11.xml><?xml version="1.0" encoding="utf-8"?>
+<p:sld xmlns:a="http://schemas.openxmlformats.org/drawingml/2006/main" xmlns:r="http://schemas.openxmlformats.org/officeDocument/2006/relationships" xmlns:p="http://schemas.openxmlformats.org/presentationml/2006/main">
+  <p:cSld>
+    <p:spTree>
+      <p:nvGrpSpPr>
+        <p:cNvPr id="1" name=""/>
+        <p:cNvGrpSpPr/>
+        <p:nvPr/>
+      </p:nvGrpSpPr>
+      <p:grpSpPr>
+        <a:xfrm>
+          <a:off x="0" y="0"/>
+          <a:ext cx="0" cy="0"/>
+          <a:chOff x="0" y="0"/>
+          <a:chExt cx="0" cy="0"/>
+        </a:xfrm>
+      </p:grpSpPr>
+      <p:sp>
+        <p:nvSpPr>
+          <p:cNvPr id="2" name="Titel 1">
+            <a:extLst>
+              <a:ext uri="{FF2B5EF4-FFF2-40B4-BE49-F238E27FC236}">
+                <a16:creationId xmlns:a16="http://schemas.microsoft.com/office/drawing/2014/main" id="{48C34D49-A81C-0BDB-6263-88E287F25459}"/>
+              </a:ext>
+            </a:extLst>
+          </p:cNvPr>
+          <p:cNvSpPr>
+            <a:spLocks noGrp="1"/>
+          </p:cNvSpPr>
+          <p:nvPr>
+            <p:ph type="title"/>
+          </p:nvPr>
+        </p:nvSpPr>
+        <p:spPr/>
+        <p:txBody>
+          <a:bodyPr/>
+          <a:lstStyle/>
+          <a:p>
+            <a:r>
+              <a:rPr lang="de-DE" dirty="0"/>
+              <a:t>Weitere Ansätze siehe Email</a:t>
+            </a:r>
+          </a:p>
+        </p:txBody>
+      </p:sp>
+      <p:sp>
+        <p:nvSpPr>
+          <p:cNvPr id="3" name="Inhaltsplatzhalter 2">
+            <a:extLst>
+              <a:ext uri="{FF2B5EF4-FFF2-40B4-BE49-F238E27FC236}">
+                <a16:creationId xmlns:a16="http://schemas.microsoft.com/office/drawing/2014/main" id="{E0F17EAA-AECA-5B62-7603-67011A52F6C1}"/>
+              </a:ext>
+            </a:extLst>
+          </p:cNvPr>
+          <p:cNvSpPr>
+            <a:spLocks noGrp="1"/>
+          </p:cNvSpPr>
+          <p:nvPr>
+            <p:ph idx="1"/>
+          </p:nvPr>
+        </p:nvSpPr>
+        <p:spPr/>
+        <p:txBody>
+          <a:bodyPr/>
+          <a:lstStyle/>
+          <a:p>
+            <a:r>
+              <a:rPr lang="de-DE" dirty="0" err="1"/>
+              <a:t>Contribution</a:t>
+            </a:r>
+            <a:r>
+              <a:rPr lang="de-DE" dirty="0"/>
+              <a:t> und Impact: </a:t>
+            </a:r>
+            <a:r>
+              <a:rPr lang="en-US" dirty="0"/>
+              <a:t>A scalable, objective, statistically-grounded method for validating SBDTs component-wise.   </a:t>
+            </a:r>
+          </a:p>
+          <a:p>
+            <a:r>
+              <a:rPr lang="en-US" dirty="0"/>
+              <a:t>Limits: Single Case Study, Focus on Validation, High efforts for data pipeline, Twin </a:t>
+            </a:r>
+            <a:r>
+              <a:rPr lang="en-US" dirty="0" err="1"/>
+              <a:t>createion</a:t>
+            </a:r>
+            <a:r>
+              <a:rPr lang="en-US" dirty="0"/>
+              <a:t>, UQ only </a:t>
+            </a:r>
+            <a:r>
+              <a:rPr lang="en-US"/>
+              <a:t>with p-values =&gt; Choose MCD or BNN</a:t>
+            </a:r>
+            <a:endParaRPr lang="de-DE" dirty="0"/>
+          </a:p>
+        </p:txBody>
+      </p:sp>
+    </p:spTree>
+    <p:extLst>
+      <p:ext uri="{BB962C8B-B14F-4D97-AF65-F5344CB8AC3E}">
+        <p14:creationId xmlns:p14="http://schemas.microsoft.com/office/powerpoint/2010/main" val="3474840712"/>
+      </p:ext>
+    </p:extLst>
+  </p:cSld>
+  <p:clrMapOvr>
+    <a:masterClrMapping/>
+  </p:clrMapOvr>
+</p:sld>
+</file>
+
+<file path=ppt/slides/slide12.xml><?xml version="1.0" encoding="utf-8"?>
+<p:sld xmlns:a="http://schemas.openxmlformats.org/drawingml/2006/main" xmlns:r="http://schemas.openxmlformats.org/officeDocument/2006/relationships" xmlns:p="http://schemas.openxmlformats.org/presentationml/2006/main">
+  <p:cSld>
+    <p:spTree>
+      <p:nvGrpSpPr>
+        <p:cNvPr id="1" name=""/>
+        <p:cNvGrpSpPr/>
+        <p:nvPr/>
+      </p:nvGrpSpPr>
+      <p:grpSpPr>
+        <a:xfrm>
+          <a:off x="0" y="0"/>
+          <a:ext cx="0" cy="0"/>
+          <a:chOff x="0" y="0"/>
+          <a:chExt cx="0" cy="0"/>
+        </a:xfrm>
+      </p:grpSpPr>
+      <p:sp>
+        <p:nvSpPr>
+          <p:cNvPr id="2" name="Titel 1">
+            <a:extLst>
+              <a:ext uri="{FF2B5EF4-FFF2-40B4-BE49-F238E27FC236}">
+                <a16:creationId xmlns:a16="http://schemas.microsoft.com/office/drawing/2014/main" id="{DADD74F3-463A-3178-C956-3BA6827FF84E}"/>
+              </a:ext>
+            </a:extLst>
+          </p:cNvPr>
+          <p:cNvSpPr>
+            <a:spLocks noGrp="1"/>
+          </p:cNvSpPr>
+          <p:nvPr>
+            <p:ph type="title"/>
+          </p:nvPr>
+        </p:nvSpPr>
+        <p:spPr>
+          <a:xfrm>
+            <a:off x="838200" y="681037"/>
+            <a:ext cx="10515600" cy="1009651"/>
+          </a:xfrm>
+        </p:spPr>
+        <p:txBody>
+          <a:bodyPr/>
+          <a:lstStyle/>
+          <a:p>
+            <a:r>
+              <a:rPr lang="de-DE" dirty="0"/>
+              <a:t>Features Gesamtübersicht</a:t>
+            </a:r>
+          </a:p>
+        </p:txBody>
+      </p:sp>
+      <p:sp>
+        <p:nvSpPr>
+          <p:cNvPr id="3" name="Inhaltsplatzhalter 2">
+            <a:extLst>
+              <a:ext uri="{FF2B5EF4-FFF2-40B4-BE49-F238E27FC236}">
+                <a16:creationId xmlns:a16="http://schemas.microsoft.com/office/drawing/2014/main" id="{2B8AF17E-BB30-FB47-E0BC-9DF8ED6BC198}"/>
+              </a:ext>
+            </a:extLst>
+          </p:cNvPr>
+          <p:cNvSpPr>
+            <a:spLocks noGrp="1"/>
+          </p:cNvSpPr>
+          <p:nvPr>
+            <p:ph idx="1"/>
+          </p:nvPr>
+        </p:nvSpPr>
+        <p:spPr/>
+        <p:txBody>
+          <a:bodyPr/>
+          <a:lstStyle/>
+          <a:p>
+            <a:endParaRPr lang="de-DE" dirty="0"/>
+          </a:p>
+        </p:txBody>
+      </p:sp>
+    </p:spTree>
+    <p:extLst>
+      <p:ext uri="{BB962C8B-B14F-4D97-AF65-F5344CB8AC3E}">
+        <p14:creationId xmlns:p14="http://schemas.microsoft.com/office/powerpoint/2010/main" val="1086038002"/>
+      </p:ext>
+    </p:extLst>
+  </p:cSld>
+  <p:clrMapOvr>
+    <a:masterClrMapping/>
+  </p:clrMapOvr>
+</p:sld>
+</file>
+
+<file path=ppt/slides/slide13.xml><?xml version="1.0" encoding="utf-8"?>
+<p:sld xmlns:a="http://schemas.openxmlformats.org/drawingml/2006/main" xmlns:r="http://schemas.openxmlformats.org/officeDocument/2006/relationships" xmlns:p="http://schemas.openxmlformats.org/presentationml/2006/main">
+  <p:cSld>
+    <p:spTree>
+      <p:nvGrpSpPr>
+        <p:cNvPr id="1" name=""/>
+        <p:cNvGrpSpPr/>
+        <p:nvPr/>
+      </p:nvGrpSpPr>
+      <p:grpSpPr>
+        <a:xfrm>
+          <a:off x="0" y="0"/>
+          <a:ext cx="0" cy="0"/>
+          <a:chOff x="0" y="0"/>
+          <a:chExt cx="0" cy="0"/>
+        </a:xfrm>
+      </p:grpSpPr>
+      <p:sp>
+        <p:nvSpPr>
+          <p:cNvPr id="2" name="Titel 1">
+            <a:extLst>
+              <a:ext uri="{FF2B5EF4-FFF2-40B4-BE49-F238E27FC236}">
+                <a16:creationId xmlns:a16="http://schemas.microsoft.com/office/drawing/2014/main" id="{641FA886-BC49-DE4E-7A2B-4870468BF6C0}"/>
+              </a:ext>
+            </a:extLst>
+          </p:cNvPr>
+          <p:cNvSpPr>
+            <a:spLocks noGrp="1"/>
+          </p:cNvSpPr>
+          <p:nvPr>
+            <p:ph type="title"/>
+          </p:nvPr>
+        </p:nvSpPr>
+        <p:spPr/>
+        <p:txBody>
+          <a:bodyPr/>
+          <a:lstStyle/>
+          <a:p>
+            <a:r>
+              <a:rPr lang="de-DE" dirty="0"/>
+              <a:t>OCEL Format</a:t>
+            </a:r>
+          </a:p>
+        </p:txBody>
+      </p:sp>
+      <p:sp>
+        <p:nvSpPr>
+          <p:cNvPr id="3" name="Inhaltsplatzhalter 2">
+            <a:extLst>
+              <a:ext uri="{FF2B5EF4-FFF2-40B4-BE49-F238E27FC236}">
+                <a16:creationId xmlns:a16="http://schemas.microsoft.com/office/drawing/2014/main" id="{E21E8392-BFE7-FF6A-E10F-85DE7BD2F206}"/>
+              </a:ext>
+            </a:extLst>
+          </p:cNvPr>
+          <p:cNvSpPr>
+            <a:spLocks noGrp="1"/>
+          </p:cNvSpPr>
+          <p:nvPr>
+            <p:ph idx="1"/>
+          </p:nvPr>
+        </p:nvSpPr>
+        <p:spPr/>
+        <p:txBody>
+          <a:bodyPr/>
+          <a:lstStyle/>
+          <a:p>
+            <a:endParaRPr lang="de-DE"/>
+          </a:p>
+        </p:txBody>
+      </p:sp>
+    </p:spTree>
+    <p:extLst>
+      <p:ext uri="{BB962C8B-B14F-4D97-AF65-F5344CB8AC3E}">
+        <p14:creationId xmlns:p14="http://schemas.microsoft.com/office/powerpoint/2010/main" val="2635128543"/>
+      </p:ext>
+    </p:extLst>
+  </p:cSld>
+  <p:clrMapOvr>
+    <a:masterClrMapping/>
+  </p:clrMapOvr>
+</p:sld>
+</file>
+
+<file path=ppt/slides/slide14.xml><?xml version="1.0" encoding="utf-8"?>
+<p:sld xmlns:a="http://schemas.openxmlformats.org/drawingml/2006/main" xmlns:r="http://schemas.openxmlformats.org/officeDocument/2006/relationships" xmlns:p="http://schemas.openxmlformats.org/presentationml/2006/main">
+  <p:cSld>
+    <p:bg>
+      <p:bgPr>
+        <a:solidFill>
+          <a:schemeClr val="bg1"/>
+        </a:solidFill>
+        <a:effectLst/>
+      </p:bgPr>
+    </p:bg>
+    <p:spTree>
+      <p:nvGrpSpPr>
+        <p:cNvPr id="1" name=""/>
+        <p:cNvGrpSpPr/>
+        <p:nvPr/>
+      </p:nvGrpSpPr>
+      <p:grpSpPr>
+        <a:xfrm>
+          <a:off x="0" y="0"/>
+          <a:ext cx="0" cy="0"/>
+          <a:chOff x="0" y="0"/>
+          <a:chExt cx="0" cy="0"/>
+        </a:xfrm>
+      </p:grpSpPr>
+      <p:sp>
+        <p:nvSpPr>
+          <p:cNvPr id="10" name="Down Arrow 7">
+            <a:extLst>
+              <a:ext uri="{FF2B5EF4-FFF2-40B4-BE49-F238E27FC236}">
+                <a16:creationId xmlns:a16="http://schemas.microsoft.com/office/drawing/2014/main" id="{D4771268-CB57-404A-9271-370EB28F6090}"/>
+              </a:ext>
+              <a:ext uri="{C183D7F6-B498-43B3-948B-1728B52AA6E4}">
+                <adec:decorative xmlns:adec="http://schemas.microsoft.com/office/drawing/2017/decorative" val="1"/>
+              </a:ext>
+            </a:extLst>
+          </p:cNvPr>
+          <p:cNvSpPr>
+            <a:spLocks noGrp="1" noRot="1" noChangeAspect="1" noMove="1" noResize="1" noEditPoints="1" noAdjustHandles="1" noChangeArrowheads="1" noChangeShapeType="1" noTextEdit="1"/>
+          </p:cNvSpPr>
+          <p:nvPr>
+            <p:extLst>
+              <p:ext uri="{386F3935-93C4-4BCD-93E2-E3B085C9AB24}">
+                <p16:designElem xmlns:p16="http://schemas.microsoft.com/office/powerpoint/2015/main" val="1"/>
+              </p:ext>
+            </p:extLst>
+          </p:nvPr>
+        </p:nvSpPr>
+        <p:spPr>
+          <a:xfrm rot="16200000">
+            <a:off x="800100" y="1491343"/>
+            <a:ext cx="3333749" cy="3499103"/>
+          </a:xfrm>
+          <a:prstGeom prst="downArrow">
+            <a:avLst>
+              <a:gd name="adj1" fmla="val 100000"/>
+              <a:gd name="adj2" fmla="val 15788"/>
+            </a:avLst>
+          </a:prstGeom>
+          <a:solidFill>
+            <a:srgbClr val="404040"/>
+          </a:solidFill>
+          <a:ln w="53975">
+            <a:noFill/>
+          </a:ln>
+        </p:spPr>
+        <p:style>
+          <a:lnRef idx="2">
+            <a:schemeClr val="accent1">
+              <a:shade val="50000"/>
+            </a:schemeClr>
+          </a:lnRef>
+          <a:fillRef idx="1">
+            <a:schemeClr val="accent1"/>
+          </a:fillRef>
+          <a:effectRef idx="0">
+            <a:schemeClr val="accent1"/>
+          </a:effectRef>
+          <a:fontRef idx="minor">
+            <a:schemeClr val="lt1"/>
+          </a:fontRef>
+        </p:style>
+        <p:txBody>
+          <a:bodyPr rtlCol="0" anchor="ctr"/>
+          <a:lstStyle/>
+          <a:p>
+            <a:pPr algn="ctr"/>
+            <a:endParaRPr lang="en-US"/>
+          </a:p>
+        </p:txBody>
+      </p:sp>
+      <p:sp>
+        <p:nvSpPr>
+          <p:cNvPr id="2" name="Titel 1">
+            <a:extLst>
+              <a:ext uri="{FF2B5EF4-FFF2-40B4-BE49-F238E27FC236}">
+                <a16:creationId xmlns:a16="http://schemas.microsoft.com/office/drawing/2014/main" id="{FFA7F141-B2F0-8242-A281-631533A0B9B7}"/>
+              </a:ext>
+            </a:extLst>
+          </p:cNvPr>
+          <p:cNvSpPr>
+            <a:spLocks noGrp="1"/>
+          </p:cNvSpPr>
+          <p:nvPr>
+            <p:ph type="title"/>
+          </p:nvPr>
+        </p:nvSpPr>
+        <p:spPr>
+          <a:xfrm>
+            <a:off x="1028700" y="1967266"/>
+            <a:ext cx="2628900" cy="2547257"/>
+          </a:xfrm>
+          <a:noFill/>
+        </p:spPr>
+        <p:txBody>
+          <a:bodyPr vert="horz" lIns="91440" tIns="45720" rIns="91440" bIns="45720" rtlCol="0" anchor="ctr">
+            <a:normAutofit/>
+          </a:bodyPr>
+          <a:lstStyle/>
+          <a:p>
+            <a:pPr algn="ctr"/>
+            <a:r>
+              <a:rPr lang="en-US" sz="3600" kern="1200">
+                <a:solidFill>
+                  <a:srgbClr val="FFFFFF"/>
+                </a:solidFill>
+                <a:latin typeface="+mj-lt"/>
+                <a:ea typeface="+mj-ea"/>
+                <a:cs typeface="+mj-cs"/>
+              </a:rPr>
+              <a:t>Automated Framework</a:t>
+            </a:r>
+          </a:p>
+        </p:txBody>
+      </p:sp>
+      <p:pic>
+        <p:nvPicPr>
+          <p:cNvPr id="5" name="Inhaltsplatzhalter 4">
+            <a:extLst>
+              <a:ext uri="{FF2B5EF4-FFF2-40B4-BE49-F238E27FC236}">
+                <a16:creationId xmlns:a16="http://schemas.microsoft.com/office/drawing/2014/main" id="{8AF6DAE8-FFD5-32E5-0CFF-5EEDB76F0CA5}"/>
+              </a:ext>
+            </a:extLst>
+          </p:cNvPr>
+          <p:cNvPicPr>
+            <a:picLocks noGrp="1" noChangeAspect="1"/>
+          </p:cNvPicPr>
+          <p:nvPr>
+            <p:ph idx="1"/>
+          </p:nvPr>
+        </p:nvPicPr>
+        <p:blipFill>
+          <a:blip r:embed="rId2"/>
+          <a:stretch>
+            <a:fillRect/>
+          </a:stretch>
+        </p:blipFill>
+        <p:spPr>
+          <a:xfrm>
+            <a:off x="5599085" y="643466"/>
+            <a:ext cx="5137162" cy="5568739"/>
+          </a:xfrm>
+          <a:prstGeom prst="rect">
+            <a:avLst/>
+          </a:prstGeom>
+        </p:spPr>
+      </p:pic>
+    </p:spTree>
+    <p:extLst>
+      <p:ext uri="{BB962C8B-B14F-4D97-AF65-F5344CB8AC3E}">
+        <p14:creationId xmlns:p14="http://schemas.microsoft.com/office/powerpoint/2010/main" val="358237075"/>
+      </p:ext>
+    </p:extLst>
+  </p:cSld>
+  <p:clrMapOvr>
+    <a:masterClrMapping/>
+  </p:clrMapOvr>
+</p:sld>
+</file>
+
+<file path=ppt/slides/slide2.xml><?xml version="1.0" encoding="utf-8"?>
+<p:sld xmlns:a="http://schemas.openxmlformats.org/drawingml/2006/main" xmlns:r="http://schemas.openxmlformats.org/officeDocument/2006/relationships" xmlns:p="http://schemas.openxmlformats.org/presentationml/2006/main">
+  <p:cSld>
+    <p:spTree>
+      <p:nvGrpSpPr>
+        <p:cNvPr id="1" name=""/>
+        <p:cNvGrpSpPr/>
+        <p:nvPr/>
+      </p:nvGrpSpPr>
+      <p:grpSpPr>
+        <a:xfrm>
+          <a:off x="0" y="0"/>
+          <a:ext cx="0" cy="0"/>
+          <a:chOff x="0" y="0"/>
+          <a:chExt cx="0" cy="0"/>
+        </a:xfrm>
+      </p:grpSpPr>
+      <p:sp>
+        <p:nvSpPr>
+          <p:cNvPr id="2" name="Titel 1">
+            <a:extLst>
+              <a:ext uri="{FF2B5EF4-FFF2-40B4-BE49-F238E27FC236}">
+                <a16:creationId xmlns:a16="http://schemas.microsoft.com/office/drawing/2014/main" id="{9AC680B0-ECD9-F9F2-F1C2-71885D88EBF1}"/>
+              </a:ext>
+            </a:extLst>
+          </p:cNvPr>
+          <p:cNvSpPr>
+            <a:spLocks noGrp="1"/>
+          </p:cNvSpPr>
+          <p:nvPr>
+            <p:ph type="title"/>
+          </p:nvPr>
+        </p:nvSpPr>
+        <p:spPr/>
+        <p:txBody>
+          <a:bodyPr>
+            <a:normAutofit/>
+          </a:bodyPr>
+          <a:lstStyle/>
+          <a:p>
+            <a:r>
+              <a:rPr lang="de-DE" dirty="0"/>
+              <a:t>Challenge</a:t>
+            </a:r>
+          </a:p>
+        </p:txBody>
+      </p:sp>
+      <p:sp>
+        <p:nvSpPr>
+          <p:cNvPr id="3" name="Inhaltsplatzhalter 2">
+            <a:extLst>
+              <a:ext uri="{FF2B5EF4-FFF2-40B4-BE49-F238E27FC236}">
+                <a16:creationId xmlns:a16="http://schemas.microsoft.com/office/drawing/2014/main" id="{45BC7051-2C74-F459-03A1-96F9B2A688C4}"/>
+              </a:ext>
+            </a:extLst>
+          </p:cNvPr>
+          <p:cNvSpPr>
+            <a:spLocks noGrp="1"/>
+          </p:cNvSpPr>
+          <p:nvPr>
+            <p:ph idx="1"/>
+          </p:nvPr>
+        </p:nvSpPr>
+        <p:spPr/>
+        <p:txBody>
+          <a:bodyPr/>
+          <a:lstStyle/>
+          <a:p>
+            <a:r>
+              <a:rPr lang="en-US" dirty="0"/>
+              <a:t>Digital Twins (DTs) are key for Industry 4.0, enabling monitoring and optimization.   </a:t>
+            </a:r>
+          </a:p>
+          <a:p>
+            <a:r>
+              <a:rPr lang="en-US" dirty="0"/>
+              <a:t>Simulation-Based DTs (SBDTs) are crucial for complex systems like Discrete Material Flow Systems (DMFS).   </a:t>
+            </a:r>
+          </a:p>
+          <a:p>
+            <a:r>
+              <a:rPr lang="en-US" dirty="0"/>
+              <a:t>Trend towards </a:t>
+            </a:r>
+            <a:r>
+              <a:rPr lang="en-US" i="1" dirty="0"/>
+              <a:t>automatically generating</a:t>
+            </a:r>
+            <a:r>
+              <a:rPr lang="en-US" dirty="0"/>
+              <a:t> SBDTs from data to reduce effort.   </a:t>
+            </a:r>
+          </a:p>
+          <a:p>
+            <a:r>
+              <a:rPr lang="en-US" b="1" dirty="0"/>
+              <a:t>The Challenge:</a:t>
+            </a:r>
+            <a:r>
+              <a:rPr lang="en-US" dirty="0"/>
+              <a:t> How can we ensure these automatically generated SBDTs are accurate and trustworthy? Manual validation undermines the automation benefits.   </a:t>
+            </a:r>
+            <a:endParaRPr lang="de-DE" dirty="0"/>
+          </a:p>
+        </p:txBody>
+      </p:sp>
+    </p:spTree>
+    <p:extLst>
+      <p:ext uri="{BB962C8B-B14F-4D97-AF65-F5344CB8AC3E}">
+        <p14:creationId xmlns:p14="http://schemas.microsoft.com/office/powerpoint/2010/main" val="2182324238"/>
+      </p:ext>
+    </p:extLst>
+  </p:cSld>
+  <p:clrMapOvr>
+    <a:masterClrMapping/>
+  </p:clrMapOvr>
+</p:sld>
+</file>
+
+<file path=ppt/slides/slide3.xml><?xml version="1.0" encoding="utf-8"?>
+<p:sld xmlns:a="http://schemas.openxmlformats.org/drawingml/2006/main" xmlns:r="http://schemas.openxmlformats.org/officeDocument/2006/relationships" xmlns:p="http://schemas.openxmlformats.org/presentationml/2006/main">
+  <p:cSld>
+    <p:spTree>
+      <p:nvGrpSpPr>
+        <p:cNvPr id="1" name=""/>
+        <p:cNvGrpSpPr/>
+        <p:nvPr/>
+      </p:nvGrpSpPr>
+      <p:grpSpPr>
+        <a:xfrm>
+          <a:off x="0" y="0"/>
+          <a:ext cx="0" cy="0"/>
+          <a:chOff x="0" y="0"/>
+          <a:chExt cx="0" cy="0"/>
+        </a:xfrm>
+      </p:grpSpPr>
+      <p:sp>
+        <p:nvSpPr>
+          <p:cNvPr id="2" name="Titel 1">
+            <a:extLst>
+              <a:ext uri="{FF2B5EF4-FFF2-40B4-BE49-F238E27FC236}">
+                <a16:creationId xmlns:a16="http://schemas.microsoft.com/office/drawing/2014/main" id="{4A73278E-D919-9372-B739-5D7DCD4B132C}"/>
+              </a:ext>
+            </a:extLst>
+          </p:cNvPr>
+          <p:cNvSpPr>
+            <a:spLocks noGrp="1"/>
+          </p:cNvSpPr>
+          <p:nvPr>
+            <p:ph type="title"/>
+          </p:nvPr>
+        </p:nvSpPr>
+        <p:spPr/>
+        <p:txBody>
+          <a:bodyPr/>
+          <a:lstStyle/>
+          <a:p>
+            <a:r>
+              <a:rPr lang="de-DE" dirty="0"/>
+              <a:t>Problem Statement &amp; </a:t>
+            </a:r>
+            <a:r>
+              <a:rPr lang="de-DE" dirty="0" err="1"/>
+              <a:t>Objective</a:t>
+            </a:r>
+            <a:endParaRPr lang="de-DE" dirty="0"/>
+          </a:p>
+        </p:txBody>
+      </p:sp>
+      <p:sp>
+        <p:nvSpPr>
+          <p:cNvPr id="3" name="Inhaltsplatzhalter 2">
+            <a:extLst>
+              <a:ext uri="{FF2B5EF4-FFF2-40B4-BE49-F238E27FC236}">
+                <a16:creationId xmlns:a16="http://schemas.microsoft.com/office/drawing/2014/main" id="{E03E8216-4ACE-0821-3A70-E221CA2A4A7A}"/>
+              </a:ext>
+            </a:extLst>
+          </p:cNvPr>
+          <p:cNvSpPr>
+            <a:spLocks noGrp="1"/>
+          </p:cNvSpPr>
+          <p:nvPr>
+            <p:ph idx="1"/>
+          </p:nvPr>
+        </p:nvSpPr>
+        <p:spPr/>
+        <p:txBody>
+          <a:bodyPr>
+            <a:normAutofit fontScale="92500" lnSpcReduction="10000"/>
+          </a:bodyPr>
+          <a:lstStyle/>
+          <a:p>
+            <a:r>
+              <a:rPr lang="en-US" b="1" dirty="0"/>
+              <a:t>Problem:</a:t>
+            </a:r>
+            <a:r>
+              <a:rPr lang="en-US" dirty="0"/>
+              <a:t> Manual Verification, Validation, and Uncertainty Quantification (VVUQ) of automatically generated SBDTs is inefficient, costly, and hinders scalability. Lack of standardized methods creates a trust deficit.   </a:t>
+            </a:r>
+          </a:p>
+          <a:p>
+            <a:r>
+              <a:rPr lang="en-US" b="1" dirty="0"/>
+              <a:t>Objective:</a:t>
+            </a:r>
+            <a:r>
+              <a:rPr lang="en-US" dirty="0"/>
+              <a:t> Develop and evaluate a data-driven framework for </a:t>
+            </a:r>
+            <a:r>
+              <a:rPr lang="en-US" i="1" dirty="0"/>
+              <a:t>automated</a:t>
+            </a:r>
+            <a:r>
+              <a:rPr lang="en-US" dirty="0"/>
+              <a:t> VVUQ of automatically generated SBDTs, focusing on DMFS. </a:t>
+            </a:r>
+          </a:p>
+          <a:p>
+            <a:r>
+              <a:rPr lang="de-DE" b="1" dirty="0"/>
+              <a:t>Research Questions:</a:t>
+            </a:r>
+            <a:r>
+              <a:rPr lang="de-DE" dirty="0"/>
+              <a:t> RQ1: </a:t>
+            </a:r>
+            <a:r>
+              <a:rPr lang="de-DE" dirty="0" err="1"/>
+              <a:t>Efficient</a:t>
+            </a:r>
+            <a:r>
+              <a:rPr lang="de-DE" dirty="0"/>
+              <a:t> </a:t>
+            </a:r>
+            <a:r>
+              <a:rPr lang="de-DE" dirty="0" err="1"/>
+              <a:t>implementation</a:t>
+            </a:r>
+            <a:r>
+              <a:rPr lang="de-DE" dirty="0"/>
+              <a:t> </a:t>
+            </a:r>
+            <a:r>
+              <a:rPr lang="de-DE" dirty="0" err="1"/>
+              <a:t>of</a:t>
+            </a:r>
+            <a:r>
+              <a:rPr lang="de-DE" dirty="0"/>
+              <a:t> </a:t>
+            </a:r>
+            <a:r>
+              <a:rPr lang="de-DE" dirty="0" err="1"/>
+              <a:t>automated</a:t>
+            </a:r>
+            <a:r>
+              <a:rPr lang="de-DE" dirty="0"/>
+              <a:t> VVUQ?   </a:t>
+            </a:r>
+          </a:p>
+          <a:p>
+            <a:r>
+              <a:rPr lang="en-US" dirty="0"/>
+              <a:t>RQ2: Best data-driven approaches for discrepancy detection?   </a:t>
+            </a:r>
+            <a:endParaRPr lang="de-DE" dirty="0"/>
+          </a:p>
+          <a:p>
+            <a:r>
+              <a:rPr lang="de-DE" dirty="0"/>
+              <a:t>RQ3: </a:t>
+            </a:r>
+            <a:r>
+              <a:rPr lang="de-DE" dirty="0" err="1"/>
+              <a:t>Improvement</a:t>
+            </a:r>
+            <a:r>
+              <a:rPr lang="de-DE" dirty="0"/>
+              <a:t> </a:t>
+            </a:r>
+            <a:r>
+              <a:rPr lang="de-DE" dirty="0" err="1"/>
+              <a:t>over</a:t>
+            </a:r>
+            <a:r>
+              <a:rPr lang="de-DE" dirty="0"/>
+              <a:t> traditional </a:t>
+            </a:r>
+            <a:r>
+              <a:rPr lang="de-DE" dirty="0" err="1"/>
+              <a:t>methods</a:t>
+            </a:r>
+            <a:r>
+              <a:rPr lang="de-DE" dirty="0"/>
+              <a:t>?   </a:t>
+            </a:r>
+          </a:p>
+          <a:p>
+            <a:endParaRPr lang="de-DE" dirty="0"/>
+          </a:p>
+        </p:txBody>
+      </p:sp>
+    </p:spTree>
+    <p:extLst>
+      <p:ext uri="{BB962C8B-B14F-4D97-AF65-F5344CB8AC3E}">
+        <p14:creationId xmlns:p14="http://schemas.microsoft.com/office/powerpoint/2010/main" val="1334795452"/>
+      </p:ext>
+    </p:extLst>
+  </p:cSld>
+  <p:clrMapOvr>
+    <a:masterClrMapping/>
+  </p:clrMapOvr>
+</p:sld>
+</file>
+
+<file path=ppt/slides/slide4.xml><?xml version="1.0" encoding="utf-8"?>
+<p:sld xmlns:a="http://schemas.openxmlformats.org/drawingml/2006/main" xmlns:r="http://schemas.openxmlformats.org/officeDocument/2006/relationships" xmlns:p="http://schemas.openxmlformats.org/presentationml/2006/main">
+  <p:cSld>
+    <p:spTree>
+      <p:nvGrpSpPr>
+        <p:cNvPr id="1" name=""/>
+        <p:cNvGrpSpPr/>
+        <p:nvPr/>
+      </p:nvGrpSpPr>
+      <p:grpSpPr>
+        <a:xfrm>
+          <a:off x="0" y="0"/>
+          <a:ext cx="0" cy="0"/>
+          <a:chOff x="0" y="0"/>
+          <a:chExt cx="0" cy="0"/>
+        </a:xfrm>
+      </p:grpSpPr>
+      <p:sp>
+        <p:nvSpPr>
+          <p:cNvPr id="2" name="Titel 1">
+            <a:extLst>
+              <a:ext uri="{FF2B5EF4-FFF2-40B4-BE49-F238E27FC236}">
+                <a16:creationId xmlns:a16="http://schemas.microsoft.com/office/drawing/2014/main" id="{4ACD9CF3-0591-B6CE-AD5A-35D807E83FF6}"/>
+              </a:ext>
+            </a:extLst>
+          </p:cNvPr>
+          <p:cNvSpPr>
+            <a:spLocks noGrp="1"/>
+          </p:cNvSpPr>
+          <p:nvPr>
+            <p:ph type="title"/>
+          </p:nvPr>
+        </p:nvSpPr>
+        <p:spPr/>
+        <p:txBody>
+          <a:bodyPr/>
+          <a:lstStyle/>
+          <a:p>
+            <a:r>
+              <a:rPr lang="de-DE" dirty="0"/>
+              <a:t>Traditional VVUQ </a:t>
+            </a:r>
+            <a:r>
+              <a:rPr lang="de-DE" dirty="0" err="1"/>
+              <a:t>is</a:t>
+            </a:r>
+            <a:r>
+              <a:rPr lang="de-DE" dirty="0"/>
+              <a:t> </a:t>
+            </a:r>
+            <a:r>
+              <a:rPr lang="de-DE" dirty="0" err="1"/>
+              <a:t>bad</a:t>
+            </a:r>
+            <a:r>
+              <a:rPr lang="de-DE" dirty="0"/>
+              <a:t>!</a:t>
+            </a:r>
+          </a:p>
+        </p:txBody>
+      </p:sp>
+      <p:sp>
+        <p:nvSpPr>
+          <p:cNvPr id="3" name="Inhaltsplatzhalter 2">
+            <a:extLst>
+              <a:ext uri="{FF2B5EF4-FFF2-40B4-BE49-F238E27FC236}">
+                <a16:creationId xmlns:a16="http://schemas.microsoft.com/office/drawing/2014/main" id="{28425B29-E8F7-71B0-815F-5F9F632923B4}"/>
+              </a:ext>
+            </a:extLst>
+          </p:cNvPr>
+          <p:cNvSpPr>
+            <a:spLocks noGrp="1"/>
+          </p:cNvSpPr>
+          <p:nvPr>
+            <p:ph idx="1"/>
+          </p:nvPr>
+        </p:nvSpPr>
+        <p:spPr/>
+        <p:txBody>
+          <a:bodyPr/>
+          <a:lstStyle/>
+          <a:p>
+            <a:r>
+              <a:rPr lang="en-US" b="1" dirty="0"/>
+              <a:t>Manual Effort:</a:t>
+            </a:r>
+            <a:r>
+              <a:rPr lang="en-US" dirty="0"/>
+              <a:t> Highly labor-intensive, requires domain experts.   </a:t>
+            </a:r>
+          </a:p>
+          <a:p>
+            <a:r>
+              <a:rPr lang="en-US" b="1" dirty="0"/>
+              <a:t>Scalability Issues:</a:t>
+            </a:r>
+            <a:r>
+              <a:rPr lang="en-US" dirty="0"/>
+              <a:t> Difficult to apply continuously or frequently, especially with evolving SBDTs.   </a:t>
+            </a:r>
+          </a:p>
+          <a:p>
+            <a:r>
+              <a:rPr lang="en-US" b="1" dirty="0"/>
+              <a:t>Subjectivity:</a:t>
+            </a:r>
+            <a:r>
+              <a:rPr lang="en-US" dirty="0"/>
+              <a:t> Expert reviews can be subjective.</a:t>
+            </a:r>
+          </a:p>
+          <a:p>
+            <a:r>
+              <a:rPr lang="en-US" b="1" dirty="0"/>
+              <a:t>Inefficiency:</a:t>
+            </a:r>
+            <a:r>
+              <a:rPr lang="en-US" dirty="0"/>
+              <a:t> Undermines the cost/time benefits promised by automated SBDT generation.      </a:t>
+            </a:r>
+            <a:endParaRPr lang="de-DE" dirty="0"/>
+          </a:p>
+        </p:txBody>
+      </p:sp>
+    </p:spTree>
+    <p:extLst>
+      <p:ext uri="{BB962C8B-B14F-4D97-AF65-F5344CB8AC3E}">
+        <p14:creationId xmlns:p14="http://schemas.microsoft.com/office/powerpoint/2010/main" val="1937011134"/>
+      </p:ext>
+    </p:extLst>
+  </p:cSld>
+  <p:clrMapOvr>
+    <a:masterClrMapping/>
+  </p:clrMapOvr>
+</p:sld>
+</file>
+
+<file path=ppt/slides/slide5.xml><?xml version="1.0" encoding="utf-8"?>
+<p:sld xmlns:a="http://schemas.openxmlformats.org/drawingml/2006/main" xmlns:r="http://schemas.openxmlformats.org/officeDocument/2006/relationships" xmlns:p="http://schemas.openxmlformats.org/presentationml/2006/main">
+  <p:cSld>
+    <p:spTree>
+      <p:nvGrpSpPr>
+        <p:cNvPr id="1" name=""/>
+        <p:cNvGrpSpPr/>
+        <p:nvPr/>
+      </p:nvGrpSpPr>
+      <p:grpSpPr>
+        <a:xfrm>
+          <a:off x="0" y="0"/>
+          <a:ext cx="0" cy="0"/>
+          <a:chOff x="0" y="0"/>
+          <a:chExt cx="0" cy="0"/>
+        </a:xfrm>
+      </p:grpSpPr>
+      <p:sp>
+        <p:nvSpPr>
+          <p:cNvPr id="2" name="Titel 1">
+            <a:extLst>
+              <a:ext uri="{FF2B5EF4-FFF2-40B4-BE49-F238E27FC236}">
+                <a16:creationId xmlns:a16="http://schemas.microsoft.com/office/drawing/2014/main" id="{301EDC8B-10EA-95F1-D2FE-EBA9C3F01B5C}"/>
+              </a:ext>
+            </a:extLst>
+          </p:cNvPr>
+          <p:cNvSpPr>
+            <a:spLocks noGrp="1"/>
+          </p:cNvSpPr>
+          <p:nvPr>
+            <p:ph type="title"/>
+          </p:nvPr>
+        </p:nvSpPr>
+        <p:spPr/>
+        <p:txBody>
+          <a:bodyPr/>
+          <a:lstStyle/>
+          <a:p>
+            <a:r>
+              <a:rPr lang="de-DE" dirty="0"/>
+              <a:t>ML-</a:t>
+            </a:r>
+            <a:r>
+              <a:rPr lang="de-DE" dirty="0" err="1"/>
+              <a:t>based</a:t>
+            </a:r>
+            <a:r>
+              <a:rPr lang="de-DE" dirty="0"/>
+              <a:t>!</a:t>
+            </a:r>
+          </a:p>
+        </p:txBody>
+      </p:sp>
+      <p:sp>
+        <p:nvSpPr>
+          <p:cNvPr id="3" name="Inhaltsplatzhalter 2">
+            <a:extLst>
+              <a:ext uri="{FF2B5EF4-FFF2-40B4-BE49-F238E27FC236}">
+                <a16:creationId xmlns:a16="http://schemas.microsoft.com/office/drawing/2014/main" id="{B036B0A0-C32A-F730-F756-7F6FBAC25BAD}"/>
+              </a:ext>
+            </a:extLst>
+          </p:cNvPr>
+          <p:cNvSpPr>
+            <a:spLocks noGrp="1"/>
+          </p:cNvSpPr>
+          <p:nvPr>
+            <p:ph idx="1"/>
+          </p:nvPr>
+        </p:nvSpPr>
+        <p:spPr/>
+        <p:txBody>
+          <a:bodyPr/>
+          <a:lstStyle/>
+          <a:p>
+            <a:r>
+              <a:rPr lang="en-US" b="1" dirty="0"/>
+              <a:t>Idea:</a:t>
+            </a:r>
+            <a:r>
+              <a:rPr lang="en-US" dirty="0"/>
+              <a:t> Treat validation as a supervised classification problem (not as unsupervised see Dos Santos 2024)</a:t>
+            </a:r>
+          </a:p>
+          <a:p>
+            <a:r>
+              <a:rPr lang="en-US" b="1" dirty="0"/>
+              <a:t>Input Data:</a:t>
+            </a:r>
+            <a:r>
+              <a:rPr lang="en-US" dirty="0"/>
+              <a:t> Process execution data from </a:t>
+            </a:r>
+            <a:r>
+              <a:rPr lang="en-US" i="1" dirty="0"/>
+              <a:t>Real System</a:t>
+            </a:r>
+            <a:r>
+              <a:rPr lang="en-US" dirty="0"/>
+              <a:t> and </a:t>
+            </a:r>
+            <a:r>
+              <a:rPr lang="en-US" i="1" dirty="0"/>
+              <a:t>Simulated SBDT</a:t>
+            </a:r>
+            <a:r>
+              <a:rPr lang="en-US" dirty="0"/>
+              <a:t>, formatted as Object-Centric Event Logs (OCEL).   </a:t>
+            </a:r>
+          </a:p>
+          <a:p>
+            <a:r>
+              <a:rPr lang="en-US" b="1" dirty="0"/>
+              <a:t>Labels:</a:t>
+            </a:r>
+            <a:r>
+              <a:rPr lang="en-US" dirty="0"/>
+              <a:t> Assign different labels (e.g., Real = 1, Simulated = 0).   </a:t>
+            </a:r>
+          </a:p>
+          <a:p>
+            <a:r>
+              <a:rPr lang="en-US" b="1" dirty="0"/>
+              <a:t>Classifier:</a:t>
+            </a:r>
+            <a:r>
+              <a:rPr lang="en-US" dirty="0"/>
+              <a:t> Train an ML model (e.g., </a:t>
+            </a:r>
+            <a:r>
+              <a:rPr lang="en-US" dirty="0" err="1"/>
+              <a:t>BiLSTM</a:t>
+            </a:r>
+            <a:r>
+              <a:rPr lang="en-US" dirty="0"/>
+              <a:t>) to distinguish between the two data sources based on feature subsets representing SBDT components (time, resources, process flow etc.).   </a:t>
+            </a:r>
+            <a:endParaRPr lang="de-DE" dirty="0"/>
+          </a:p>
+        </p:txBody>
+      </p:sp>
+    </p:spTree>
+    <p:extLst>
+      <p:ext uri="{BB962C8B-B14F-4D97-AF65-F5344CB8AC3E}">
+        <p14:creationId xmlns:p14="http://schemas.microsoft.com/office/powerpoint/2010/main" val="700152102"/>
+      </p:ext>
+    </p:extLst>
+  </p:cSld>
+  <p:clrMapOvr>
+    <a:masterClrMapping/>
+  </p:clrMapOvr>
+</p:sld>
+</file>
+
+<file path=ppt/slides/slide6.xml><?xml version="1.0" encoding="utf-8"?>
+<p:sld xmlns:a="http://schemas.openxmlformats.org/drawingml/2006/main" xmlns:r="http://schemas.openxmlformats.org/officeDocument/2006/relationships" xmlns:p="http://schemas.openxmlformats.org/presentationml/2006/main">
+  <p:cSld>
+    <p:spTree>
+      <p:nvGrpSpPr>
+        <p:cNvPr id="1" name=""/>
+        <p:cNvGrpSpPr/>
+        <p:nvPr/>
+      </p:nvGrpSpPr>
+      <p:grpSpPr>
+        <a:xfrm>
+          <a:off x="0" y="0"/>
+          <a:ext cx="0" cy="0"/>
+          <a:chOff x="0" y="0"/>
+          <a:chExt cx="0" cy="0"/>
+        </a:xfrm>
+      </p:grpSpPr>
+      <p:sp>
+        <p:nvSpPr>
+          <p:cNvPr id="2" name="Titel 1">
+            <a:extLst>
+              <a:ext uri="{FF2B5EF4-FFF2-40B4-BE49-F238E27FC236}">
+                <a16:creationId xmlns:a16="http://schemas.microsoft.com/office/drawing/2014/main" id="{9B3BE0D1-4DE0-4BA8-F75F-9AF89E8FE40F}"/>
+              </a:ext>
+            </a:extLst>
+          </p:cNvPr>
+          <p:cNvSpPr>
+            <a:spLocks noGrp="1"/>
+          </p:cNvSpPr>
+          <p:nvPr>
+            <p:ph type="title"/>
+          </p:nvPr>
+        </p:nvSpPr>
+        <p:spPr/>
+        <p:txBody>
+          <a:bodyPr/>
+          <a:lstStyle/>
+          <a:p>
+            <a:r>
+              <a:rPr lang="en-US" dirty="0"/>
+              <a:t>The Reversed Interpretation: Performance NOT-EQ Fidelity</a:t>
+            </a:r>
+            <a:endParaRPr lang="de-DE" dirty="0"/>
+          </a:p>
+        </p:txBody>
+      </p:sp>
+      <p:sp>
+        <p:nvSpPr>
+          <p:cNvPr id="3" name="Inhaltsplatzhalter 2">
+            <a:extLst>
+              <a:ext uri="{FF2B5EF4-FFF2-40B4-BE49-F238E27FC236}">
+                <a16:creationId xmlns:a16="http://schemas.microsoft.com/office/drawing/2014/main" id="{F63ECD09-079C-A340-B90D-347CAC001ADD}"/>
+              </a:ext>
+            </a:extLst>
+          </p:cNvPr>
+          <p:cNvSpPr>
+            <a:spLocks noGrp="1"/>
+          </p:cNvSpPr>
+          <p:nvPr>
+            <p:ph idx="1"/>
+          </p:nvPr>
+        </p:nvSpPr>
+        <p:spPr/>
+        <p:txBody>
+          <a:bodyPr>
+            <a:normAutofit fontScale="92500"/>
+          </a:bodyPr>
+          <a:lstStyle/>
+          <a:p>
+            <a:r>
+              <a:rPr lang="en-US" b="1" dirty="0"/>
+              <a:t>Traditional ML Goal:</a:t>
+            </a:r>
+            <a:r>
+              <a:rPr lang="en-US" dirty="0"/>
+              <a:t> High accuracy/AUC = Good model performance.</a:t>
+            </a:r>
+          </a:p>
+          <a:p>
+            <a:r>
+              <a:rPr lang="en-US" b="1" dirty="0"/>
+              <a:t>Our Validation Goal:</a:t>
+            </a:r>
+            <a:r>
+              <a:rPr lang="en-US" dirty="0"/>
+              <a:t> Assess SBDT fidelity.</a:t>
+            </a:r>
+          </a:p>
+          <a:p>
+            <a:r>
+              <a:rPr lang="de-DE" b="1" dirty="0"/>
+              <a:t>The Key Insight:</a:t>
+            </a:r>
+            <a:r>
+              <a:rPr lang="de-DE" dirty="0"/>
+              <a:t> </a:t>
+            </a:r>
+            <a:endParaRPr lang="en-US" dirty="0"/>
+          </a:p>
+          <a:p>
+            <a:pPr lvl="1"/>
+            <a:r>
+              <a:rPr lang="en-US" b="1" dirty="0"/>
+              <a:t>IF Classifier performs POORLY (AUC ≈ 0.5):</a:t>
+            </a:r>
+            <a:r>
+              <a:rPr lang="en-US" dirty="0"/>
+              <a:t> It </a:t>
+            </a:r>
+            <a:r>
+              <a:rPr lang="en-US" i="1" dirty="0"/>
+              <a:t>cannot</a:t>
+            </a:r>
+            <a:r>
+              <a:rPr lang="en-US" dirty="0"/>
+              <a:t> distinguish real vs. simulated data. =&gt; </a:t>
+            </a:r>
+            <a:r>
+              <a:rPr lang="en-US" b="1" dirty="0"/>
+              <a:t>HIGH SBDT Fidelity</a:t>
+            </a:r>
+            <a:r>
+              <a:rPr lang="en-US" dirty="0"/>
+              <a:t> (The twin successfully mimics reality for those features).</a:t>
+            </a:r>
+          </a:p>
+          <a:p>
+            <a:pPr lvl="1"/>
+            <a:r>
+              <a:rPr lang="en-US" b="1" dirty="0"/>
+              <a:t>IF Classifier performs WELL (AUC &gt;&gt; 0.5):</a:t>
+            </a:r>
+            <a:r>
+              <a:rPr lang="en-US" dirty="0"/>
+              <a:t> It </a:t>
+            </a:r>
+            <a:r>
+              <a:rPr lang="en-US" i="1" dirty="0"/>
+              <a:t>can easily</a:t>
+            </a:r>
+            <a:r>
+              <a:rPr lang="en-US" dirty="0"/>
+              <a:t> distinguish real vs. simulated data. =&gt; </a:t>
+            </a:r>
+            <a:r>
+              <a:rPr lang="en-US" b="1" dirty="0"/>
+              <a:t>LOW SBDT Fidelity</a:t>
+            </a:r>
+            <a:r>
+              <a:rPr lang="en-US" dirty="0"/>
+              <a:t> (The twin failed to replicate real-world complexity/patterns).</a:t>
+            </a:r>
+          </a:p>
+          <a:p>
+            <a:r>
+              <a:rPr lang="en-US" dirty="0"/>
+              <a:t>High classifier performance signals </a:t>
+            </a:r>
+            <a:r>
+              <a:rPr lang="en-US" i="1" dirty="0"/>
+              <a:t>detectable discrepancies</a:t>
+            </a:r>
+            <a:r>
+              <a:rPr lang="en-US" dirty="0"/>
+              <a:t> in the SBDT component being tested.   </a:t>
+            </a:r>
+            <a:endParaRPr lang="de-DE" dirty="0"/>
+          </a:p>
+        </p:txBody>
+      </p:sp>
+    </p:spTree>
+    <p:extLst>
+      <p:ext uri="{BB962C8B-B14F-4D97-AF65-F5344CB8AC3E}">
+        <p14:creationId xmlns:p14="http://schemas.microsoft.com/office/powerpoint/2010/main" val="4110433974"/>
+      </p:ext>
+    </p:extLst>
+  </p:cSld>
+  <p:clrMapOvr>
+    <a:masterClrMapping/>
+  </p:clrMapOvr>
+</p:sld>
+</file>
+
+<file path=ppt/slides/slide7.xml><?xml version="1.0" encoding="utf-8"?>
+<p:sld xmlns:a="http://schemas.openxmlformats.org/drawingml/2006/main" xmlns:r="http://schemas.openxmlformats.org/officeDocument/2006/relationships" xmlns:p="http://schemas.openxmlformats.org/presentationml/2006/main">
+  <p:cSld>
+    <p:spTree>
+      <p:nvGrpSpPr>
+        <p:cNvPr id="1" name=""/>
+        <p:cNvGrpSpPr/>
+        <p:nvPr/>
+      </p:nvGrpSpPr>
+      <p:grpSpPr>
+        <a:xfrm>
+          <a:off x="0" y="0"/>
+          <a:ext cx="0" cy="0"/>
+          <a:chOff x="0" y="0"/>
+          <a:chExt cx="0" cy="0"/>
+        </a:xfrm>
+      </p:grpSpPr>
+      <p:sp>
+        <p:nvSpPr>
+          <p:cNvPr id="2" name="Titel 1">
+            <a:extLst>
+              <a:ext uri="{FF2B5EF4-FFF2-40B4-BE49-F238E27FC236}">
+                <a16:creationId xmlns:a16="http://schemas.microsoft.com/office/drawing/2014/main" id="{A9D1C239-6A30-2AFD-F73B-612AF79DD1E2}"/>
+              </a:ext>
+            </a:extLst>
+          </p:cNvPr>
+          <p:cNvSpPr>
+            <a:spLocks noGrp="1"/>
+          </p:cNvSpPr>
+          <p:nvPr>
+            <p:ph type="title"/>
+          </p:nvPr>
+        </p:nvSpPr>
+        <p:spPr/>
+        <p:txBody>
+          <a:bodyPr/>
+          <a:lstStyle/>
+          <a:p>
+            <a:r>
+              <a:rPr lang="de-DE" dirty="0"/>
+              <a:t>Multi Ensemble Approach!</a:t>
+            </a:r>
+          </a:p>
+        </p:txBody>
+      </p:sp>
+      <p:sp>
+        <p:nvSpPr>
+          <p:cNvPr id="3" name="Inhaltsplatzhalter 2">
+            <a:extLst>
+              <a:ext uri="{FF2B5EF4-FFF2-40B4-BE49-F238E27FC236}">
+                <a16:creationId xmlns:a16="http://schemas.microsoft.com/office/drawing/2014/main" id="{DDD2FB59-F018-A540-98AE-A8D4A534029B}"/>
+              </a:ext>
+            </a:extLst>
+          </p:cNvPr>
+          <p:cNvSpPr>
+            <a:spLocks noGrp="1"/>
+          </p:cNvSpPr>
+          <p:nvPr>
+            <p:ph idx="1"/>
+          </p:nvPr>
+        </p:nvSpPr>
+        <p:spPr/>
+        <p:txBody>
+          <a:bodyPr>
+            <a:normAutofit fontScale="85000" lnSpcReduction="10000"/>
+          </a:bodyPr>
+          <a:lstStyle/>
+          <a:p>
+            <a:r>
+              <a:rPr lang="de-DE" b="1" dirty="0"/>
+              <a:t>Models </a:t>
+            </a:r>
+            <a:r>
+              <a:rPr lang="de-DE" b="1" dirty="0" err="1"/>
+              <a:t>Used</a:t>
+            </a:r>
+            <a:r>
+              <a:rPr lang="de-DE" b="1" dirty="0"/>
+              <a:t>:</a:t>
+            </a:r>
+            <a:r>
+              <a:rPr lang="de-DE" dirty="0"/>
+              <a:t> </a:t>
+            </a:r>
+          </a:p>
+          <a:p>
+            <a:pPr lvl="1"/>
+            <a:r>
+              <a:rPr lang="en-US" dirty="0"/>
+              <a:t>Whitebox Baseline: Decision Tree (</a:t>
+            </a:r>
+            <a:r>
+              <a:rPr lang="en-US" dirty="0" err="1"/>
+              <a:t>DTree</a:t>
+            </a:r>
+            <a:r>
+              <a:rPr lang="en-US" dirty="0"/>
+              <a:t>) - Interpretable.   </a:t>
+            </a:r>
+            <a:endParaRPr lang="de-DE" dirty="0"/>
+          </a:p>
+          <a:p>
+            <a:pPr lvl="1"/>
+            <a:r>
+              <a:rPr lang="de-DE" dirty="0"/>
+              <a:t>Blackbox: </a:t>
+            </a:r>
+            <a:r>
+              <a:rPr lang="de-DE" dirty="0" err="1"/>
+              <a:t>ResNet</a:t>
+            </a:r>
+            <a:r>
+              <a:rPr lang="de-DE" dirty="0"/>
+              <a:t>-</a:t>
+            </a:r>
+            <a:r>
+              <a:rPr lang="de-DE" dirty="0" err="1"/>
+              <a:t>BiLSTM</a:t>
+            </a:r>
+            <a:r>
+              <a:rPr lang="de-DE" dirty="0"/>
+              <a:t>-Attention - </a:t>
+            </a:r>
+            <a:r>
+              <a:rPr lang="de-DE" dirty="0" err="1"/>
+              <a:t>Captures</a:t>
+            </a:r>
+            <a:r>
+              <a:rPr lang="de-DE" dirty="0"/>
+              <a:t> </a:t>
+            </a:r>
+            <a:r>
+              <a:rPr lang="de-DE" dirty="0" err="1"/>
+              <a:t>sequential</a:t>
+            </a:r>
+            <a:r>
+              <a:rPr lang="de-DE" dirty="0"/>
+              <a:t> </a:t>
+            </a:r>
+            <a:r>
+              <a:rPr lang="de-DE" dirty="0" err="1"/>
+              <a:t>patterns</a:t>
+            </a:r>
+            <a:r>
+              <a:rPr lang="de-DE" dirty="0"/>
+              <a:t>.   </a:t>
+            </a:r>
+          </a:p>
+          <a:p>
+            <a:r>
+              <a:rPr lang="en-US" b="1" dirty="0"/>
+              <a:t>Statistical Significance:</a:t>
+            </a:r>
+            <a:r>
+              <a:rPr lang="en-US" dirty="0"/>
+              <a:t> How confident are we that the classifier isn't just guessing? </a:t>
+            </a:r>
+            <a:endParaRPr lang="de-DE" dirty="0"/>
+          </a:p>
+          <a:p>
+            <a:r>
+              <a:rPr lang="de-DE" b="1" dirty="0"/>
+              <a:t>Permutation </a:t>
+            </a:r>
+            <a:r>
+              <a:rPr lang="de-DE" b="1" dirty="0" err="1"/>
+              <a:t>Testing</a:t>
+            </a:r>
+            <a:r>
+              <a:rPr lang="de-DE" b="1" dirty="0"/>
+              <a:t>:</a:t>
+            </a:r>
+            <a:r>
+              <a:rPr lang="de-DE" dirty="0"/>
+              <a:t> </a:t>
+            </a:r>
+          </a:p>
+          <a:p>
+            <a:pPr lvl="1"/>
+            <a:r>
+              <a:rPr lang="en-US" dirty="0"/>
+              <a:t>Shuffle labels randomly many times (simulating "no difference") =&gt; H0</a:t>
+            </a:r>
+            <a:endParaRPr lang="de-DE" dirty="0"/>
+          </a:p>
+          <a:p>
+            <a:pPr lvl="1"/>
+            <a:r>
+              <a:rPr lang="en-US" dirty="0"/>
+              <a:t>Calculate classifier performance (AUC) on shuffled data to get a "null distribution".</a:t>
+            </a:r>
+            <a:endParaRPr lang="de-DE" dirty="0"/>
+          </a:p>
+          <a:p>
+            <a:pPr lvl="1"/>
+            <a:r>
+              <a:rPr lang="en-US" dirty="0"/>
+              <a:t>Compare observed AUC to null distribution =&gt; p-value.</a:t>
+            </a:r>
+            <a:endParaRPr lang="de-DE" dirty="0"/>
+          </a:p>
+          <a:p>
+            <a:pPr lvl="1"/>
+            <a:r>
+              <a:rPr lang="en-US" b="1" dirty="0"/>
+              <a:t>Low p-value (&lt; α):</a:t>
+            </a:r>
+            <a:r>
+              <a:rPr lang="en-US" dirty="0"/>
+              <a:t> Observed AUC is unlikely random =&gt; </a:t>
+            </a:r>
+            <a:r>
+              <a:rPr lang="en-US" i="1" dirty="0"/>
+              <a:t>Statistically Significant Difference Found</a:t>
+            </a:r>
+            <a:r>
+              <a:rPr lang="en-US" dirty="0"/>
+              <a:t>.</a:t>
+            </a:r>
+          </a:p>
+          <a:p>
+            <a:pPr lvl="1"/>
+            <a:r>
+              <a:rPr lang="en-US" dirty="0"/>
+              <a:t>Repeat multiple runs =&gt; </a:t>
+            </a:r>
+            <a:r>
+              <a:rPr lang="en-US" b="1" dirty="0"/>
+              <a:t>Rejection Rate (RR):</a:t>
+            </a:r>
+            <a:r>
+              <a:rPr lang="en-US" dirty="0"/>
+              <a:t> How consistently is the difference found?   </a:t>
+            </a:r>
+          </a:p>
+          <a:p>
+            <a:r>
+              <a:rPr lang="en-US" dirty="0"/>
+              <a:t>Applied on IoT Factory Data! </a:t>
+            </a:r>
+            <a:endParaRPr lang="de-DE" dirty="0"/>
+          </a:p>
+        </p:txBody>
+      </p:sp>
+    </p:spTree>
+    <p:extLst>
+      <p:ext uri="{BB962C8B-B14F-4D97-AF65-F5344CB8AC3E}">
+        <p14:creationId xmlns:p14="http://schemas.microsoft.com/office/powerpoint/2010/main" val="817878492"/>
+      </p:ext>
+    </p:extLst>
+  </p:cSld>
+  <p:clrMapOvr>
+    <a:masterClrMapping/>
+  </p:clrMapOvr>
+</p:sld>
+</file>
+
+<file path=ppt/slides/slide8.xml><?xml version="1.0" encoding="utf-8"?>
+<p:sld xmlns:a="http://schemas.openxmlformats.org/drawingml/2006/main" xmlns:r="http://schemas.openxmlformats.org/officeDocument/2006/relationships" xmlns:p="http://schemas.openxmlformats.org/presentationml/2006/main">
+  <p:cSld>
+    <p:spTree>
+      <p:nvGrpSpPr>
+        <p:cNvPr id="1" name=""/>
+        <p:cNvGrpSpPr/>
+        <p:nvPr/>
+      </p:nvGrpSpPr>
+      <p:grpSpPr>
+        <a:xfrm>
+          <a:off x="0" y="0"/>
+          <a:ext cx="0" cy="0"/>
+          <a:chOff x="0" y="0"/>
+          <a:chExt cx="0" cy="0"/>
+        </a:xfrm>
+      </p:grpSpPr>
+      <p:sp>
+        <p:nvSpPr>
+          <p:cNvPr id="2" name="Titel 1">
+            <a:extLst>
+              <a:ext uri="{FF2B5EF4-FFF2-40B4-BE49-F238E27FC236}">
                 <a16:creationId xmlns:a16="http://schemas.microsoft.com/office/drawing/2014/main" id="{A87501A7-08AB-B4E9-C25B-54E2E5109615}"/>
               </a:ext>
             </a:extLst>
@@ -5139,7 +6795,7 @@
 </p:sld>
 </file>
 
-<file path=ppt/slides/slide11.xml><?xml version="1.0" encoding="utf-8"?>
+<file path=ppt/slides/slide9.xml><?xml version="1.0" encoding="utf-8"?>
 <p:sld xmlns:a="http://schemas.openxmlformats.org/drawingml/2006/main" xmlns:r="http://schemas.openxmlformats.org/officeDocument/2006/relationships" xmlns:p="http://schemas.openxmlformats.org/presentationml/2006/main">
   <p:cSld>
     <p:bg>
@@ -5645,2976 +7301,6 @@
     <p:extLst>
       <p:ext uri="{BB962C8B-B14F-4D97-AF65-F5344CB8AC3E}">
         <p14:creationId xmlns:p14="http://schemas.microsoft.com/office/powerpoint/2010/main" val="891690713"/>
-      </p:ext>
-    </p:extLst>
-  </p:cSld>
-  <p:clrMapOvr>
-    <a:masterClrMapping/>
-  </p:clrMapOvr>
-</p:sld>
-</file>
-
-<file path=ppt/slides/slide12.xml><?xml version="1.0" encoding="utf-8"?>
-<p:sld xmlns:a="http://schemas.openxmlformats.org/drawingml/2006/main" xmlns:r="http://schemas.openxmlformats.org/officeDocument/2006/relationships" xmlns:p="http://schemas.openxmlformats.org/presentationml/2006/main">
-  <p:cSld>
-    <p:spTree>
-      <p:nvGrpSpPr>
-        <p:cNvPr id="1" name=""/>
-        <p:cNvGrpSpPr/>
-        <p:nvPr/>
-      </p:nvGrpSpPr>
-      <p:grpSpPr>
-        <a:xfrm>
-          <a:off x="0" y="0"/>
-          <a:ext cx="0" cy="0"/>
-          <a:chOff x="0" y="0"/>
-          <a:chExt cx="0" cy="0"/>
-        </a:xfrm>
-      </p:grpSpPr>
-      <p:sp>
-        <p:nvSpPr>
-          <p:cNvPr id="2" name="Titel 1">
-            <a:extLst>
-              <a:ext uri="{FF2B5EF4-FFF2-40B4-BE49-F238E27FC236}">
-                <a16:creationId xmlns:a16="http://schemas.microsoft.com/office/drawing/2014/main" id="{1430A56F-3632-CB84-EB7B-AA3539AAB52A}"/>
-              </a:ext>
-            </a:extLst>
-          </p:cNvPr>
-          <p:cNvSpPr>
-            <a:spLocks noGrp="1"/>
-          </p:cNvSpPr>
-          <p:nvPr>
-            <p:ph type="title"/>
-          </p:nvPr>
-        </p:nvSpPr>
-        <p:spPr/>
-        <p:txBody>
-          <a:bodyPr/>
-          <a:lstStyle/>
-          <a:p>
-            <a:r>
-              <a:rPr lang="en-US" dirty="0"/>
-              <a:t>Interpretation: Framework Successfully Identifies Inaccuracies</a:t>
-            </a:r>
-            <a:endParaRPr lang="de-DE" dirty="0"/>
-          </a:p>
-        </p:txBody>
-      </p:sp>
-      <p:sp>
-        <p:nvSpPr>
-          <p:cNvPr id="3" name="Inhaltsplatzhalter 2">
-            <a:extLst>
-              <a:ext uri="{FF2B5EF4-FFF2-40B4-BE49-F238E27FC236}">
-                <a16:creationId xmlns:a16="http://schemas.microsoft.com/office/drawing/2014/main" id="{677A9C98-365F-D9C7-12B8-0309244B3F7B}"/>
-              </a:ext>
-            </a:extLst>
-          </p:cNvPr>
-          <p:cNvSpPr>
-            <a:spLocks noGrp="1"/>
-          </p:cNvSpPr>
-          <p:nvPr>
-            <p:ph idx="1"/>
-          </p:nvPr>
-        </p:nvSpPr>
-        <p:spPr/>
-        <p:txBody>
-          <a:bodyPr/>
-          <a:lstStyle/>
-          <a:p>
-            <a:r>
-              <a:rPr lang="en-US" dirty="0"/>
-              <a:t>Both ML models consistently and statistically significantly distinguished between real and simulated data across all tested SBDT components.  </a:t>
-            </a:r>
-          </a:p>
-          <a:p>
-            <a:r>
-              <a:rPr lang="en-US" b="1" dirty="0"/>
-              <a:t>Conclusion (Based on Reversed Interpretation):</a:t>
-            </a:r>
-            <a:r>
-              <a:rPr lang="en-US" dirty="0"/>
-              <a:t> The </a:t>
-            </a:r>
-            <a:r>
-              <a:rPr lang="en-US" i="1" dirty="0"/>
-              <a:t>current configuration</a:t>
-            </a:r>
-            <a:r>
-              <a:rPr lang="en-US" dirty="0"/>
-              <a:t> of the </a:t>
-            </a:r>
-            <a:r>
-              <a:rPr lang="en-US" dirty="0" err="1"/>
-              <a:t>OFacT</a:t>
-            </a:r>
-            <a:r>
-              <a:rPr lang="en-US" dirty="0"/>
-              <a:t> SBDT exhibited </a:t>
-            </a:r>
-            <a:r>
-              <a:rPr lang="en-US" i="1" dirty="0"/>
-              <a:t>detectable inaccuracies</a:t>
-            </a:r>
-            <a:r>
-              <a:rPr lang="en-US" dirty="0"/>
-              <a:t> compared to the real IoT Factory data for aspects like time model, resource usage, process flow etc.   </a:t>
-            </a:r>
-          </a:p>
-          <a:p>
-            <a:r>
-              <a:rPr lang="en-US" b="1" dirty="0"/>
-              <a:t>Value:</a:t>
-            </a:r>
-            <a:r>
-              <a:rPr lang="en-US" dirty="0"/>
-              <a:t> The framework worked as intended – it successfully shows </a:t>
-            </a:r>
-            <a:r>
-              <a:rPr lang="en-US" i="1" dirty="0"/>
-              <a:t>where</a:t>
-            </a:r>
-            <a:r>
-              <a:rPr lang="en-US" dirty="0"/>
-              <a:t> the SBDT's fidelity was lacking, providing targeted feedback for improvement.   </a:t>
-            </a:r>
-            <a:endParaRPr lang="de-DE" dirty="0"/>
-          </a:p>
-        </p:txBody>
-      </p:sp>
-    </p:spTree>
-    <p:extLst>
-      <p:ext uri="{BB962C8B-B14F-4D97-AF65-F5344CB8AC3E}">
-        <p14:creationId xmlns:p14="http://schemas.microsoft.com/office/powerpoint/2010/main" val="3348005303"/>
-      </p:ext>
-    </p:extLst>
-  </p:cSld>
-  <p:clrMapOvr>
-    <a:masterClrMapping/>
-  </p:clrMapOvr>
-</p:sld>
-</file>
-
-<file path=ppt/slides/slide13.xml><?xml version="1.0" encoding="utf-8"?>
-<p:sld xmlns:a="http://schemas.openxmlformats.org/drawingml/2006/main" xmlns:r="http://schemas.openxmlformats.org/officeDocument/2006/relationships" xmlns:p="http://schemas.openxmlformats.org/presentationml/2006/main">
-  <p:cSld>
-    <p:spTree>
-      <p:nvGrpSpPr>
-        <p:cNvPr id="1" name=""/>
-        <p:cNvGrpSpPr/>
-        <p:nvPr/>
-      </p:nvGrpSpPr>
-      <p:grpSpPr>
-        <a:xfrm>
-          <a:off x="0" y="0"/>
-          <a:ext cx="0" cy="0"/>
-          <a:chOff x="0" y="0"/>
-          <a:chExt cx="0" cy="0"/>
-        </a:xfrm>
-      </p:grpSpPr>
-      <p:sp>
-        <p:nvSpPr>
-          <p:cNvPr id="2" name="Titel 1">
-            <a:extLst>
-              <a:ext uri="{FF2B5EF4-FFF2-40B4-BE49-F238E27FC236}">
-                <a16:creationId xmlns:a16="http://schemas.microsoft.com/office/drawing/2014/main" id="{48C34D49-A81C-0BDB-6263-88E287F25459}"/>
-              </a:ext>
-            </a:extLst>
-          </p:cNvPr>
-          <p:cNvSpPr>
-            <a:spLocks noGrp="1"/>
-          </p:cNvSpPr>
-          <p:nvPr>
-            <p:ph type="title"/>
-          </p:nvPr>
-        </p:nvSpPr>
-        <p:spPr/>
-        <p:txBody>
-          <a:bodyPr/>
-          <a:lstStyle/>
-          <a:p>
-            <a:r>
-              <a:rPr lang="de-DE" dirty="0"/>
-              <a:t>Weitere Ansätze siehe Email</a:t>
-            </a:r>
-          </a:p>
-        </p:txBody>
-      </p:sp>
-      <p:sp>
-        <p:nvSpPr>
-          <p:cNvPr id="3" name="Inhaltsplatzhalter 2">
-            <a:extLst>
-              <a:ext uri="{FF2B5EF4-FFF2-40B4-BE49-F238E27FC236}">
-                <a16:creationId xmlns:a16="http://schemas.microsoft.com/office/drawing/2014/main" id="{E0F17EAA-AECA-5B62-7603-67011A52F6C1}"/>
-              </a:ext>
-            </a:extLst>
-          </p:cNvPr>
-          <p:cNvSpPr>
-            <a:spLocks noGrp="1"/>
-          </p:cNvSpPr>
-          <p:nvPr>
-            <p:ph idx="1"/>
-          </p:nvPr>
-        </p:nvSpPr>
-        <p:spPr/>
-        <p:txBody>
-          <a:bodyPr/>
-          <a:lstStyle/>
-          <a:p>
-            <a:r>
-              <a:rPr lang="de-DE" dirty="0" err="1"/>
-              <a:t>Contribution</a:t>
-            </a:r>
-            <a:r>
-              <a:rPr lang="de-DE" dirty="0"/>
-              <a:t> und Impact: </a:t>
-            </a:r>
-            <a:r>
-              <a:rPr lang="en-US" dirty="0"/>
-              <a:t>A scalable, objective, statistically-grounded method for validating SBDTs component-wise.   </a:t>
-            </a:r>
-          </a:p>
-          <a:p>
-            <a:r>
-              <a:rPr lang="en-US" dirty="0"/>
-              <a:t>Limits: Single Case Study, Focus on Validation, High efforts for data pipeline, Twin </a:t>
-            </a:r>
-            <a:r>
-              <a:rPr lang="en-US" dirty="0" err="1"/>
-              <a:t>createion</a:t>
-            </a:r>
-            <a:r>
-              <a:rPr lang="en-US" dirty="0"/>
-              <a:t>, UQ only </a:t>
-            </a:r>
-            <a:r>
-              <a:rPr lang="en-US"/>
-              <a:t>with p-values =&gt; Choose MCD or BNN</a:t>
-            </a:r>
-            <a:endParaRPr lang="de-DE" dirty="0"/>
-          </a:p>
-        </p:txBody>
-      </p:sp>
-    </p:spTree>
-    <p:extLst>
-      <p:ext uri="{BB962C8B-B14F-4D97-AF65-F5344CB8AC3E}">
-        <p14:creationId xmlns:p14="http://schemas.microsoft.com/office/powerpoint/2010/main" val="3474840712"/>
-      </p:ext>
-    </p:extLst>
-  </p:cSld>
-  <p:clrMapOvr>
-    <a:masterClrMapping/>
-  </p:clrMapOvr>
-</p:sld>
-</file>
-
-<file path=ppt/slides/slide2.xml><?xml version="1.0" encoding="utf-8"?>
-<p:sld xmlns:a="http://schemas.openxmlformats.org/drawingml/2006/main" xmlns:r="http://schemas.openxmlformats.org/officeDocument/2006/relationships" xmlns:p="http://schemas.openxmlformats.org/presentationml/2006/main">
-  <p:cSld>
-    <p:spTree>
-      <p:nvGrpSpPr>
-        <p:cNvPr id="1" name=""/>
-        <p:cNvGrpSpPr/>
-        <p:nvPr/>
-      </p:nvGrpSpPr>
-      <p:grpSpPr>
-        <a:xfrm>
-          <a:off x="0" y="0"/>
-          <a:ext cx="0" cy="0"/>
-          <a:chOff x="0" y="0"/>
-          <a:chExt cx="0" cy="0"/>
-        </a:xfrm>
-      </p:grpSpPr>
-      <p:sp>
-        <p:nvSpPr>
-          <p:cNvPr id="2" name="Titel 1">
-            <a:extLst>
-              <a:ext uri="{FF2B5EF4-FFF2-40B4-BE49-F238E27FC236}">
-                <a16:creationId xmlns:a16="http://schemas.microsoft.com/office/drawing/2014/main" id="{CA2ACE17-FDF9-6695-231E-B11157DEE122}"/>
-              </a:ext>
-            </a:extLst>
-          </p:cNvPr>
-          <p:cNvSpPr>
-            <a:spLocks noGrp="1"/>
-          </p:cNvSpPr>
-          <p:nvPr>
-            <p:ph type="title"/>
-          </p:nvPr>
-        </p:nvSpPr>
-        <p:spPr/>
-        <p:txBody>
-          <a:bodyPr/>
-          <a:lstStyle/>
-          <a:p>
-            <a:r>
-              <a:rPr lang="de-DE" dirty="0"/>
-              <a:t>Gliederung</a:t>
-            </a:r>
-          </a:p>
-        </p:txBody>
-      </p:sp>
-      <p:sp>
-        <p:nvSpPr>
-          <p:cNvPr id="6" name="Rectangle 3">
-            <a:extLst>
-              <a:ext uri="{FF2B5EF4-FFF2-40B4-BE49-F238E27FC236}">
-                <a16:creationId xmlns:a16="http://schemas.microsoft.com/office/drawing/2014/main" id="{BF24A4D2-2989-A592-3180-CDB28665013F}"/>
-              </a:ext>
-            </a:extLst>
-          </p:cNvPr>
-          <p:cNvSpPr>
-            <a:spLocks noChangeArrowheads="1"/>
-          </p:cNvSpPr>
-          <p:nvPr/>
-        </p:nvSpPr>
-        <p:spPr bwMode="auto">
-          <a:xfrm>
-            <a:off x="924128" y="1403350"/>
-            <a:ext cx="4693016" cy="4847481"/>
-          </a:xfrm>
-          <a:prstGeom prst="rect">
-            <a:avLst/>
-          </a:prstGeom>
-          <a:noFill/>
-          <a:ln>
-            <a:noFill/>
-          </a:ln>
-          <a:effectLst/>
-          <a:extLst>
-            <a:ext uri="{909E8E84-426E-40DD-AFC4-6F175D3DCCD1}">
-              <a14:hiddenFill xmlns:a14="http://schemas.microsoft.com/office/drawing/2010/main">
-                <a:solidFill>
-                  <a:schemeClr val="accent1"/>
-                </a:solidFill>
-              </a14:hiddenFill>
-            </a:ext>
-            <a:ext uri="{91240B29-F687-4F45-9708-019B960494DF}">
-              <a14:hiddenLine xmlns:a14="http://schemas.microsoft.com/office/drawing/2010/main" w="9525">
-                <a:solidFill>
-                  <a:schemeClr val="tx1"/>
-                </a:solidFill>
-                <a:miter lim="800000"/>
-                <a:headEnd/>
-                <a:tailEnd/>
-              </a14:hiddenLine>
-            </a:ext>
-            <a:ext uri="{AF507438-7753-43E0-B8FC-AC1667EBCBE1}">
-              <a14:hiddenEffects xmlns:a14="http://schemas.microsoft.com/office/drawing/2010/main">
-                <a:effectLst>
-                  <a:outerShdw dist="35921" dir="2700000" algn="ctr" rotWithShape="0">
-                    <a:schemeClr val="bg2"/>
-                  </a:outerShdw>
-                </a:effectLst>
-              </a14:hiddenEffects>
-            </a:ext>
-          </a:extLst>
-        </p:spPr>
-        <p:txBody>
-          <a:bodyPr vert="horz" wrap="none" lIns="91440" tIns="0" rIns="91440" bIns="45720" numCol="1" anchor="ctr" anchorCtr="0" compatLnSpc="1">
-            <a:prstTxWarp prst="textNoShape">
-              <a:avLst/>
-            </a:prstTxWarp>
-            <a:spAutoFit/>
-          </a:bodyPr>
-          <a:lstStyle/>
-          <a:p>
-            <a:pPr marL="0" marR="0" lvl="0" indent="0" algn="l" defTabSz="914400" rtl="0" eaLnBrk="0" fontAlgn="base" latinLnBrk="0" hangingPunct="0">
-              <a:lnSpc>
-                <a:spcPct val="100000"/>
-              </a:lnSpc>
-              <a:spcBef>
-                <a:spcPct val="0"/>
-              </a:spcBef>
-              <a:spcAft>
-                <a:spcPct val="0"/>
-              </a:spcAft>
-              <a:buClrTx/>
-              <a:buSzTx/>
-              <a:buFontTx/>
-              <a:buNone/>
-              <a:tabLst/>
-            </a:pPr>
-            <a:endParaRPr kumimoji="0" lang="de-DE" altLang="de-DE" sz="1200" b="1" i="0" u="none" strike="noStrike" cap="none" normalizeH="0" baseline="0" dirty="0">
-              <a:ln>
-                <a:noFill/>
-              </a:ln>
-              <a:solidFill>
-                <a:schemeClr val="tx1"/>
-              </a:solidFill>
-              <a:effectLst/>
-              <a:latin typeface="Google Sans Text"/>
-            </a:endParaRPr>
-          </a:p>
-          <a:p>
-            <a:pPr marL="0" marR="0" lvl="0" indent="0" algn="l" defTabSz="914400" rtl="0" eaLnBrk="0" fontAlgn="base" latinLnBrk="0" hangingPunct="0">
-              <a:lnSpc>
-                <a:spcPct val="100000"/>
-              </a:lnSpc>
-              <a:spcBef>
-                <a:spcPct val="0"/>
-              </a:spcBef>
-              <a:spcAft>
-                <a:spcPct val="0"/>
-              </a:spcAft>
-              <a:buClrTx/>
-              <a:buSzTx/>
-              <a:buFontTx/>
-              <a:buAutoNum type="arabicPeriod"/>
-              <a:tabLst/>
-            </a:pPr>
-            <a:r>
-              <a:rPr kumimoji="0" lang="de-DE" altLang="de-DE" sz="1200" b="1" i="0" u="none" strike="noStrike" cap="none" normalizeH="0" baseline="0" dirty="0" err="1">
-                <a:ln>
-                  <a:noFill/>
-                </a:ln>
-                <a:solidFill>
-                  <a:schemeClr val="tx1"/>
-                </a:solidFill>
-                <a:effectLst/>
-                <a:latin typeface="Google Sans Text"/>
-              </a:rPr>
-              <a:t>Introduction</a:t>
-            </a:r>
-            <a:r>
-              <a:rPr kumimoji="0" lang="de-DE" altLang="de-DE" sz="1200" b="0" i="0" u="none" strike="noStrike" cap="none" normalizeH="0" baseline="0" dirty="0">
-                <a:ln>
-                  <a:noFill/>
-                </a:ln>
-                <a:solidFill>
-                  <a:schemeClr val="tx1"/>
-                </a:solidFill>
-                <a:effectLst/>
-                <a:latin typeface="Google Sans Text"/>
-              </a:rPr>
-              <a:t> </a:t>
-            </a:r>
-          </a:p>
-          <a:p>
-            <a:pPr marL="457200" marR="0" lvl="1" indent="0" algn="l" defTabSz="914400" rtl="0" eaLnBrk="0" fontAlgn="base" latinLnBrk="0" hangingPunct="0">
-              <a:lnSpc>
-                <a:spcPct val="100000"/>
-              </a:lnSpc>
-              <a:spcBef>
-                <a:spcPct val="0"/>
-              </a:spcBef>
-              <a:spcAft>
-                <a:spcPct val="0"/>
-              </a:spcAft>
-              <a:buClrTx/>
-              <a:buSzTx/>
-              <a:buFontTx/>
-              <a:buChar char="•"/>
-              <a:tabLst/>
-            </a:pPr>
-            <a:r>
-              <a:rPr kumimoji="0" lang="de-DE" altLang="de-DE" sz="1200" b="0" i="0" u="none" strike="noStrike" cap="none" normalizeH="0" baseline="0" dirty="0">
-                <a:ln>
-                  <a:noFill/>
-                </a:ln>
-                <a:solidFill>
-                  <a:schemeClr val="tx1"/>
-                </a:solidFill>
-                <a:effectLst/>
-                <a:latin typeface="Google Sans Text"/>
-              </a:rPr>
-              <a:t>Initial Situation &amp; Problem </a:t>
-            </a:r>
-          </a:p>
-          <a:p>
-            <a:pPr marL="457200" marR="0" lvl="1" indent="0" algn="l" defTabSz="914400" rtl="0" eaLnBrk="0" fontAlgn="base" latinLnBrk="0" hangingPunct="0">
-              <a:lnSpc>
-                <a:spcPct val="100000"/>
-              </a:lnSpc>
-              <a:spcBef>
-                <a:spcPct val="0"/>
-              </a:spcBef>
-              <a:spcAft>
-                <a:spcPct val="0"/>
-              </a:spcAft>
-              <a:buClrTx/>
-              <a:buSzTx/>
-              <a:buFontTx/>
-              <a:buChar char="•"/>
-              <a:tabLst/>
-            </a:pPr>
-            <a:r>
-              <a:rPr kumimoji="0" lang="de-DE" altLang="de-DE" sz="1200" b="0" i="0" u="none" strike="noStrike" cap="none" normalizeH="0" baseline="0" dirty="0" err="1">
-                <a:ln>
-                  <a:noFill/>
-                </a:ln>
-                <a:solidFill>
-                  <a:schemeClr val="tx1"/>
-                </a:solidFill>
-                <a:effectLst/>
-                <a:latin typeface="Google Sans Text"/>
-              </a:rPr>
-              <a:t>Objective</a:t>
-            </a:r>
-            <a:r>
-              <a:rPr kumimoji="0" lang="de-DE" altLang="de-DE" sz="1200" b="0" i="0" u="none" strike="noStrike" cap="none" normalizeH="0" baseline="0" dirty="0">
-                <a:ln>
-                  <a:noFill/>
-                </a:ln>
-                <a:solidFill>
-                  <a:schemeClr val="tx1"/>
-                </a:solidFill>
-                <a:effectLst/>
-                <a:latin typeface="Google Sans Text"/>
-              </a:rPr>
-              <a:t> &amp; Research Questions </a:t>
-            </a:r>
-          </a:p>
-          <a:p>
-            <a:pPr marL="457200" marR="0" lvl="1" indent="0" algn="l" defTabSz="914400" rtl="0" eaLnBrk="0" fontAlgn="base" latinLnBrk="0" hangingPunct="0">
-              <a:lnSpc>
-                <a:spcPct val="100000"/>
-              </a:lnSpc>
-              <a:spcBef>
-                <a:spcPct val="0"/>
-              </a:spcBef>
-              <a:spcAft>
-                <a:spcPct val="0"/>
-              </a:spcAft>
-              <a:buClrTx/>
-              <a:buSzTx/>
-              <a:buFontTx/>
-              <a:buChar char="•"/>
-              <a:tabLst/>
-            </a:pPr>
-            <a:r>
-              <a:rPr kumimoji="0" lang="de-DE" altLang="de-DE" sz="1200" b="0" i="0" u="none" strike="noStrike" cap="none" normalizeH="0" baseline="0" dirty="0" err="1">
-                <a:ln>
-                  <a:noFill/>
-                </a:ln>
-                <a:solidFill>
-                  <a:schemeClr val="tx1"/>
-                </a:solidFill>
-                <a:effectLst/>
-                <a:latin typeface="Google Sans Text"/>
-              </a:rPr>
-              <a:t>Methodology</a:t>
-            </a:r>
-            <a:r>
-              <a:rPr kumimoji="0" lang="de-DE" altLang="de-DE" sz="1200" b="0" i="0" u="none" strike="noStrike" cap="none" normalizeH="0" baseline="0" dirty="0">
-                <a:ln>
-                  <a:noFill/>
-                </a:ln>
-                <a:solidFill>
-                  <a:schemeClr val="tx1"/>
-                </a:solidFill>
-                <a:effectLst/>
-                <a:latin typeface="Google Sans Text"/>
-              </a:rPr>
-              <a:t> </a:t>
-            </a:r>
-            <a:r>
-              <a:rPr kumimoji="0" lang="de-DE" altLang="de-DE" sz="1200" b="0" i="0" u="none" strike="noStrike" cap="none" normalizeH="0" baseline="0" dirty="0" err="1">
-                <a:ln>
-                  <a:noFill/>
-                </a:ln>
-                <a:solidFill>
-                  <a:schemeClr val="tx1"/>
-                </a:solidFill>
-                <a:effectLst/>
-                <a:latin typeface="Google Sans Text"/>
-              </a:rPr>
-              <a:t>Overview</a:t>
-            </a:r>
-            <a:r>
-              <a:rPr kumimoji="0" lang="de-DE" altLang="de-DE" sz="1200" b="0" i="0" u="none" strike="noStrike" cap="none" normalizeH="0" baseline="0" dirty="0">
-                <a:ln>
-                  <a:noFill/>
-                </a:ln>
-                <a:solidFill>
-                  <a:schemeClr val="tx1"/>
-                </a:solidFill>
-                <a:effectLst/>
-                <a:latin typeface="Google Sans Text"/>
-              </a:rPr>
-              <a:t> </a:t>
-            </a:r>
-          </a:p>
-          <a:p>
-            <a:pPr marL="0" marR="0" lvl="0" indent="0" algn="l" defTabSz="914400" rtl="0" eaLnBrk="0" fontAlgn="base" latinLnBrk="0" hangingPunct="0">
-              <a:lnSpc>
-                <a:spcPct val="100000"/>
-              </a:lnSpc>
-              <a:spcBef>
-                <a:spcPct val="0"/>
-              </a:spcBef>
-              <a:spcAft>
-                <a:spcPct val="0"/>
-              </a:spcAft>
-              <a:buClrTx/>
-              <a:buSzTx/>
-              <a:buFontTx/>
-              <a:buAutoNum type="arabicPeriod" startAt="2"/>
-              <a:tabLst/>
-            </a:pPr>
-            <a:r>
-              <a:rPr kumimoji="0" lang="de-DE" altLang="de-DE" sz="1200" b="1" i="0" u="none" strike="noStrike" cap="none" normalizeH="0" baseline="0" dirty="0" err="1">
-                <a:ln>
-                  <a:noFill/>
-                </a:ln>
-                <a:solidFill>
-                  <a:schemeClr val="tx1"/>
-                </a:solidFill>
-                <a:effectLst/>
-                <a:latin typeface="Google Sans Text"/>
-              </a:rPr>
-              <a:t>Theoretical</a:t>
-            </a:r>
-            <a:r>
-              <a:rPr kumimoji="0" lang="de-DE" altLang="de-DE" sz="1200" b="1" i="0" u="none" strike="noStrike" cap="none" normalizeH="0" baseline="0" dirty="0">
-                <a:ln>
-                  <a:noFill/>
-                </a:ln>
-                <a:solidFill>
-                  <a:schemeClr val="tx1"/>
-                </a:solidFill>
-                <a:effectLst/>
-                <a:latin typeface="Google Sans Text"/>
-              </a:rPr>
-              <a:t> </a:t>
-            </a:r>
-            <a:r>
-              <a:rPr kumimoji="0" lang="de-DE" altLang="de-DE" sz="1200" b="1" i="0" u="none" strike="noStrike" cap="none" normalizeH="0" baseline="0" dirty="0" err="1">
-                <a:ln>
-                  <a:noFill/>
-                </a:ln>
-                <a:solidFill>
-                  <a:schemeClr val="tx1"/>
-                </a:solidFill>
-                <a:effectLst/>
-                <a:latin typeface="Google Sans Text"/>
-              </a:rPr>
-              <a:t>Foundation</a:t>
-            </a:r>
-            <a:r>
-              <a:rPr kumimoji="0" lang="de-DE" altLang="de-DE" sz="1200" b="0" i="0" u="none" strike="noStrike" cap="none" normalizeH="0" baseline="0" dirty="0">
-                <a:ln>
-                  <a:noFill/>
-                </a:ln>
-                <a:solidFill>
-                  <a:schemeClr val="tx1"/>
-                </a:solidFill>
-                <a:effectLst/>
-                <a:latin typeface="Google Sans Text"/>
-              </a:rPr>
-              <a:t> </a:t>
-            </a:r>
-          </a:p>
-          <a:p>
-            <a:pPr marL="457200" marR="0" lvl="1" indent="0" algn="l" defTabSz="914400" rtl="0" eaLnBrk="0" fontAlgn="base" latinLnBrk="0" hangingPunct="0">
-              <a:lnSpc>
-                <a:spcPct val="100000"/>
-              </a:lnSpc>
-              <a:spcBef>
-                <a:spcPct val="0"/>
-              </a:spcBef>
-              <a:spcAft>
-                <a:spcPct val="0"/>
-              </a:spcAft>
-              <a:buClrTx/>
-              <a:buSzTx/>
-              <a:buFontTx/>
-              <a:buChar char="•"/>
-              <a:tabLst/>
-            </a:pPr>
-            <a:r>
-              <a:rPr kumimoji="0" lang="de-DE" altLang="de-DE" sz="1200" b="0" i="0" u="none" strike="noStrike" cap="none" normalizeH="0" baseline="0" dirty="0" err="1">
-                <a:ln>
-                  <a:noFill/>
-                </a:ln>
-                <a:solidFill>
-                  <a:schemeClr val="tx1"/>
-                </a:solidFill>
-                <a:effectLst/>
-                <a:latin typeface="Google Sans Text"/>
-              </a:rPr>
-              <a:t>Discrete</a:t>
-            </a:r>
-            <a:r>
-              <a:rPr kumimoji="0" lang="de-DE" altLang="de-DE" sz="1200" b="0" i="0" u="none" strike="noStrike" cap="none" normalizeH="0" baseline="0" dirty="0">
-                <a:ln>
-                  <a:noFill/>
-                </a:ln>
-                <a:solidFill>
-                  <a:schemeClr val="tx1"/>
-                </a:solidFill>
-                <a:effectLst/>
-                <a:latin typeface="Google Sans Text"/>
-              </a:rPr>
-              <a:t> Material Flow Systems &amp; SBDTs </a:t>
-            </a:r>
-          </a:p>
-          <a:p>
-            <a:pPr marL="457200" marR="0" lvl="1" indent="0" algn="l" defTabSz="914400" rtl="0" eaLnBrk="0" fontAlgn="base" latinLnBrk="0" hangingPunct="0">
-              <a:lnSpc>
-                <a:spcPct val="100000"/>
-              </a:lnSpc>
-              <a:spcBef>
-                <a:spcPct val="0"/>
-              </a:spcBef>
-              <a:spcAft>
-                <a:spcPct val="0"/>
-              </a:spcAft>
-              <a:buClrTx/>
-              <a:buSzTx/>
-              <a:buFontTx/>
-              <a:buChar char="•"/>
-              <a:tabLst/>
-            </a:pPr>
-            <a:r>
-              <a:rPr kumimoji="0" lang="de-DE" altLang="de-DE" sz="1200" b="0" i="0" u="none" strike="noStrike" cap="none" normalizeH="0" baseline="0" dirty="0">
-                <a:ln>
-                  <a:noFill/>
-                </a:ln>
-                <a:solidFill>
-                  <a:schemeClr val="tx1"/>
-                </a:solidFill>
-                <a:effectLst/>
-                <a:latin typeface="Google Sans Text"/>
-              </a:rPr>
-              <a:t>Process Mining &amp; Event Logs (OCEL) </a:t>
-            </a:r>
-          </a:p>
-          <a:p>
-            <a:pPr marL="457200" marR="0" lvl="1" indent="0" algn="l" defTabSz="914400" rtl="0" eaLnBrk="0" fontAlgn="base" latinLnBrk="0" hangingPunct="0">
-              <a:lnSpc>
-                <a:spcPct val="100000"/>
-              </a:lnSpc>
-              <a:spcBef>
-                <a:spcPct val="0"/>
-              </a:spcBef>
-              <a:spcAft>
-                <a:spcPct val="0"/>
-              </a:spcAft>
-              <a:buClrTx/>
-              <a:buSzTx/>
-              <a:buFontTx/>
-              <a:buChar char="•"/>
-              <a:tabLst/>
-            </a:pPr>
-            <a:r>
-              <a:rPr kumimoji="0" lang="de-DE" altLang="de-DE" sz="1200" b="0" i="0" u="none" strike="noStrike" cap="none" normalizeH="0" baseline="0" dirty="0">
-                <a:ln>
-                  <a:noFill/>
-                </a:ln>
-                <a:solidFill>
-                  <a:schemeClr val="tx1"/>
-                </a:solidFill>
-                <a:effectLst/>
-                <a:latin typeface="Google Sans Text"/>
-              </a:rPr>
-              <a:t>VVUQ </a:t>
-            </a:r>
-            <a:r>
-              <a:rPr kumimoji="0" lang="de-DE" altLang="de-DE" sz="1200" b="0" i="0" u="none" strike="noStrike" cap="none" normalizeH="0" baseline="0" dirty="0" err="1">
-                <a:ln>
-                  <a:noFill/>
-                </a:ln>
-                <a:solidFill>
-                  <a:schemeClr val="tx1"/>
-                </a:solidFill>
-                <a:effectLst/>
-                <a:latin typeface="Google Sans Text"/>
-              </a:rPr>
-              <a:t>Concepts</a:t>
-            </a:r>
-            <a:r>
-              <a:rPr kumimoji="0" lang="de-DE" altLang="de-DE" sz="1200" b="0" i="0" u="none" strike="noStrike" cap="none" normalizeH="0" baseline="0" dirty="0">
-                <a:ln>
-                  <a:noFill/>
-                </a:ln>
-                <a:solidFill>
-                  <a:schemeClr val="tx1"/>
-                </a:solidFill>
-                <a:effectLst/>
-                <a:latin typeface="Google Sans Text"/>
-              </a:rPr>
-              <a:t> &amp; Challenges </a:t>
-            </a:r>
-          </a:p>
-          <a:p>
-            <a:pPr marL="457200" marR="0" lvl="1" indent="0" algn="l" defTabSz="914400" rtl="0" eaLnBrk="0" fontAlgn="base" latinLnBrk="0" hangingPunct="0">
-              <a:lnSpc>
-                <a:spcPct val="100000"/>
-              </a:lnSpc>
-              <a:spcBef>
-                <a:spcPct val="0"/>
-              </a:spcBef>
-              <a:spcAft>
-                <a:spcPct val="0"/>
-              </a:spcAft>
-              <a:buClrTx/>
-              <a:buSzTx/>
-              <a:buFontTx/>
-              <a:buChar char="•"/>
-              <a:tabLst/>
-            </a:pPr>
-            <a:r>
-              <a:rPr kumimoji="0" lang="de-DE" altLang="de-DE" sz="1200" b="0" i="0" u="none" strike="noStrike" cap="none" normalizeH="0" baseline="0" dirty="0">
-                <a:ln>
-                  <a:noFill/>
-                </a:ln>
-                <a:solidFill>
-                  <a:schemeClr val="tx1"/>
-                </a:solidFill>
-                <a:effectLst/>
-                <a:latin typeface="Google Sans Text"/>
-              </a:rPr>
-              <a:t>ML-</a:t>
-            </a:r>
-            <a:r>
-              <a:rPr kumimoji="0" lang="de-DE" altLang="de-DE" sz="1200" b="0" i="0" u="none" strike="noStrike" cap="none" normalizeH="0" baseline="0" dirty="0" err="1">
-                <a:ln>
-                  <a:noFill/>
-                </a:ln>
-                <a:solidFill>
-                  <a:schemeClr val="tx1"/>
-                </a:solidFill>
-                <a:effectLst/>
-                <a:latin typeface="Google Sans Text"/>
-              </a:rPr>
-              <a:t>Based</a:t>
-            </a:r>
-            <a:r>
-              <a:rPr kumimoji="0" lang="de-DE" altLang="de-DE" sz="1200" b="0" i="0" u="none" strike="noStrike" cap="none" normalizeH="0" baseline="0" dirty="0">
-                <a:ln>
-                  <a:noFill/>
-                </a:ln>
-                <a:solidFill>
-                  <a:schemeClr val="tx1"/>
-                </a:solidFill>
-                <a:effectLst/>
-                <a:latin typeface="Google Sans Text"/>
-              </a:rPr>
-              <a:t> </a:t>
-            </a:r>
-            <a:r>
-              <a:rPr kumimoji="0" lang="de-DE" altLang="de-DE" sz="1200" b="0" i="0" u="none" strike="noStrike" cap="none" normalizeH="0" baseline="0" dirty="0" err="1">
-                <a:ln>
-                  <a:noFill/>
-                </a:ln>
-                <a:solidFill>
-                  <a:schemeClr val="tx1"/>
-                </a:solidFill>
-                <a:effectLst/>
-                <a:latin typeface="Google Sans Text"/>
-              </a:rPr>
-              <a:t>Approaches</a:t>
-            </a:r>
-            <a:r>
-              <a:rPr kumimoji="0" lang="de-DE" altLang="de-DE" sz="1200" b="0" i="0" u="none" strike="noStrike" cap="none" normalizeH="0" baseline="0" dirty="0">
-                <a:ln>
-                  <a:noFill/>
-                </a:ln>
-                <a:solidFill>
-                  <a:schemeClr val="tx1"/>
-                </a:solidFill>
-                <a:effectLst/>
-                <a:latin typeface="Google Sans Text"/>
-              </a:rPr>
-              <a:t> </a:t>
-            </a:r>
-            <a:r>
-              <a:rPr kumimoji="0" lang="de-DE" altLang="de-DE" sz="1200" b="0" i="0" u="none" strike="noStrike" cap="none" normalizeH="0" baseline="0" dirty="0" err="1">
-                <a:ln>
-                  <a:noFill/>
-                </a:ln>
-                <a:solidFill>
-                  <a:schemeClr val="tx1"/>
-                </a:solidFill>
-                <a:effectLst/>
-                <a:latin typeface="Google Sans Text"/>
-              </a:rPr>
-              <a:t>for</a:t>
-            </a:r>
-            <a:r>
-              <a:rPr kumimoji="0" lang="de-DE" altLang="de-DE" sz="1200" b="0" i="0" u="none" strike="noStrike" cap="none" normalizeH="0" baseline="0" dirty="0">
-                <a:ln>
-                  <a:noFill/>
-                </a:ln>
-                <a:solidFill>
-                  <a:schemeClr val="tx1"/>
-                </a:solidFill>
-                <a:effectLst/>
-                <a:latin typeface="Google Sans Text"/>
-              </a:rPr>
-              <a:t> VVUQ </a:t>
-            </a:r>
-          </a:p>
-          <a:p>
-            <a:pPr marL="0" marR="0" lvl="0" indent="0" algn="l" defTabSz="914400" rtl="0" eaLnBrk="0" fontAlgn="base" latinLnBrk="0" hangingPunct="0">
-              <a:lnSpc>
-                <a:spcPct val="100000"/>
-              </a:lnSpc>
-              <a:spcBef>
-                <a:spcPct val="0"/>
-              </a:spcBef>
-              <a:spcAft>
-                <a:spcPct val="0"/>
-              </a:spcAft>
-              <a:buClrTx/>
-              <a:buSzTx/>
-              <a:buFontTx/>
-              <a:buAutoNum type="arabicPeriod" startAt="3"/>
-              <a:tabLst/>
-            </a:pPr>
-            <a:r>
-              <a:rPr kumimoji="0" lang="de-DE" altLang="de-DE" sz="1200" b="1" i="0" u="none" strike="noStrike" cap="none" normalizeH="0" baseline="0" dirty="0" err="1">
-                <a:ln>
-                  <a:noFill/>
-                </a:ln>
-                <a:solidFill>
-                  <a:schemeClr val="tx1"/>
-                </a:solidFill>
-                <a:effectLst/>
-                <a:latin typeface="Google Sans Text"/>
-              </a:rPr>
-              <a:t>Methodology</a:t>
-            </a:r>
-            <a:r>
-              <a:rPr kumimoji="0" lang="de-DE" altLang="de-DE" sz="1200" b="0" i="0" u="none" strike="noStrike" cap="none" normalizeH="0" baseline="0" dirty="0">
-                <a:ln>
-                  <a:noFill/>
-                </a:ln>
-                <a:solidFill>
-                  <a:schemeClr val="tx1"/>
-                </a:solidFill>
-                <a:effectLst/>
-                <a:latin typeface="Google Sans Text"/>
-              </a:rPr>
-              <a:t> </a:t>
-            </a:r>
-          </a:p>
-          <a:p>
-            <a:pPr marL="457200" marR="0" lvl="1" indent="0" algn="l" defTabSz="914400" rtl="0" eaLnBrk="0" fontAlgn="base" latinLnBrk="0" hangingPunct="0">
-              <a:lnSpc>
-                <a:spcPct val="100000"/>
-              </a:lnSpc>
-              <a:spcBef>
-                <a:spcPct val="0"/>
-              </a:spcBef>
-              <a:spcAft>
-                <a:spcPct val="0"/>
-              </a:spcAft>
-              <a:buClrTx/>
-              <a:buSzTx/>
-              <a:buFontTx/>
-              <a:buChar char="•"/>
-              <a:tabLst/>
-            </a:pPr>
-            <a:r>
-              <a:rPr kumimoji="0" lang="de-DE" altLang="de-DE" sz="1200" b="0" i="0" u="none" strike="noStrike" cap="none" normalizeH="0" baseline="0" dirty="0" err="1">
-                <a:ln>
-                  <a:noFill/>
-                </a:ln>
-                <a:solidFill>
-                  <a:schemeClr val="tx1"/>
-                </a:solidFill>
-                <a:effectLst/>
-                <a:latin typeface="Google Sans Text"/>
-              </a:rPr>
-              <a:t>Automated</a:t>
-            </a:r>
-            <a:r>
-              <a:rPr kumimoji="0" lang="de-DE" altLang="de-DE" sz="1200" b="0" i="0" u="none" strike="noStrike" cap="none" normalizeH="0" baseline="0" dirty="0">
-                <a:ln>
-                  <a:noFill/>
-                </a:ln>
-                <a:solidFill>
-                  <a:schemeClr val="tx1"/>
-                </a:solidFill>
-                <a:effectLst/>
-                <a:latin typeface="Google Sans Text"/>
-              </a:rPr>
-              <a:t> VVUQ Framework Design </a:t>
-            </a:r>
-          </a:p>
-          <a:p>
-            <a:pPr marL="457200" marR="0" lvl="1" indent="0" algn="l" defTabSz="914400" rtl="0" eaLnBrk="0" fontAlgn="base" latinLnBrk="0" hangingPunct="0">
-              <a:lnSpc>
-                <a:spcPct val="100000"/>
-              </a:lnSpc>
-              <a:spcBef>
-                <a:spcPct val="0"/>
-              </a:spcBef>
-              <a:spcAft>
-                <a:spcPct val="0"/>
-              </a:spcAft>
-              <a:buClrTx/>
-              <a:buSzTx/>
-              <a:buFontTx/>
-              <a:buChar char="•"/>
-              <a:tabLst/>
-            </a:pPr>
-            <a:r>
-              <a:rPr kumimoji="0" lang="de-DE" altLang="de-DE" sz="1200" b="0" i="0" u="none" strike="noStrike" cap="none" normalizeH="0" baseline="0" dirty="0">
-                <a:ln>
-                  <a:noFill/>
-                </a:ln>
-                <a:solidFill>
-                  <a:schemeClr val="tx1"/>
-                </a:solidFill>
-                <a:effectLst/>
-                <a:latin typeface="Google Sans Text"/>
-              </a:rPr>
-              <a:t>Permutation </a:t>
-            </a:r>
-            <a:r>
-              <a:rPr kumimoji="0" lang="de-DE" altLang="de-DE" sz="1200" b="0" i="0" u="none" strike="noStrike" cap="none" normalizeH="0" baseline="0" dirty="0" err="1">
-                <a:ln>
-                  <a:noFill/>
-                </a:ln>
-                <a:solidFill>
-                  <a:schemeClr val="tx1"/>
-                </a:solidFill>
-                <a:effectLst/>
-                <a:latin typeface="Google Sans Text"/>
-              </a:rPr>
-              <a:t>Testing</a:t>
-            </a:r>
-            <a:r>
-              <a:rPr kumimoji="0" lang="de-DE" altLang="de-DE" sz="1200" b="0" i="0" u="none" strike="noStrike" cap="none" normalizeH="0" baseline="0" dirty="0">
-                <a:ln>
-                  <a:noFill/>
-                </a:ln>
-                <a:solidFill>
-                  <a:schemeClr val="tx1"/>
-                </a:solidFill>
-                <a:effectLst/>
-                <a:latin typeface="Google Sans Text"/>
-              </a:rPr>
-              <a:t> </a:t>
-            </a:r>
-            <a:r>
-              <a:rPr kumimoji="0" lang="de-DE" altLang="de-DE" sz="1200" b="0" i="0" u="none" strike="noStrike" cap="none" normalizeH="0" baseline="0" dirty="0" err="1">
-                <a:ln>
-                  <a:noFill/>
-                </a:ln>
-                <a:solidFill>
-                  <a:schemeClr val="tx1"/>
-                </a:solidFill>
-                <a:effectLst/>
-                <a:latin typeface="Google Sans Text"/>
-              </a:rPr>
-              <a:t>for</a:t>
-            </a:r>
-            <a:r>
-              <a:rPr kumimoji="0" lang="de-DE" altLang="de-DE" sz="1200" b="0" i="0" u="none" strike="noStrike" cap="none" normalizeH="0" baseline="0" dirty="0">
-                <a:ln>
-                  <a:noFill/>
-                </a:ln>
-                <a:solidFill>
-                  <a:schemeClr val="tx1"/>
-                </a:solidFill>
-                <a:effectLst/>
-                <a:latin typeface="Google Sans Text"/>
-              </a:rPr>
-              <a:t> </a:t>
-            </a:r>
-            <a:r>
-              <a:rPr kumimoji="0" lang="de-DE" altLang="de-DE" sz="1200" b="0" i="0" u="none" strike="noStrike" cap="none" normalizeH="0" baseline="0" dirty="0" err="1">
-                <a:ln>
-                  <a:noFill/>
-                </a:ln>
-                <a:solidFill>
-                  <a:schemeClr val="tx1"/>
-                </a:solidFill>
-                <a:effectLst/>
-                <a:latin typeface="Google Sans Text"/>
-              </a:rPr>
-              <a:t>Significance</a:t>
-            </a:r>
-            <a:r>
-              <a:rPr kumimoji="0" lang="de-DE" altLang="de-DE" sz="1200" b="0" i="0" u="none" strike="noStrike" cap="none" normalizeH="0" baseline="0" dirty="0">
-                <a:ln>
-                  <a:noFill/>
-                </a:ln>
-                <a:solidFill>
-                  <a:schemeClr val="tx1"/>
-                </a:solidFill>
-                <a:effectLst/>
-                <a:latin typeface="Google Sans Text"/>
-              </a:rPr>
-              <a:t> </a:t>
-            </a:r>
-          </a:p>
-          <a:p>
-            <a:pPr marL="0" marR="0" lvl="0" indent="0" algn="l" defTabSz="914400" rtl="0" eaLnBrk="0" fontAlgn="base" latinLnBrk="0" hangingPunct="0">
-              <a:lnSpc>
-                <a:spcPct val="100000"/>
-              </a:lnSpc>
-              <a:spcBef>
-                <a:spcPct val="0"/>
-              </a:spcBef>
-              <a:spcAft>
-                <a:spcPct val="0"/>
-              </a:spcAft>
-              <a:buClrTx/>
-              <a:buSzTx/>
-              <a:buFontTx/>
-              <a:buAutoNum type="arabicPeriod" startAt="4"/>
-              <a:tabLst/>
-            </a:pPr>
-            <a:r>
-              <a:rPr kumimoji="0" lang="de-DE" altLang="de-DE" sz="1200" b="1" i="0" u="none" strike="noStrike" cap="none" normalizeH="0" baseline="0" dirty="0">
-                <a:ln>
-                  <a:noFill/>
-                </a:ln>
-                <a:solidFill>
-                  <a:schemeClr val="tx1"/>
-                </a:solidFill>
-                <a:effectLst/>
-                <a:latin typeface="Google Sans Text"/>
-              </a:rPr>
-              <a:t>Implementation</a:t>
-            </a:r>
-            <a:r>
-              <a:rPr kumimoji="0" lang="de-DE" altLang="de-DE" sz="1200" b="0" i="0" u="none" strike="noStrike" cap="none" normalizeH="0" baseline="0" dirty="0">
-                <a:ln>
-                  <a:noFill/>
-                </a:ln>
-                <a:solidFill>
-                  <a:schemeClr val="tx1"/>
-                </a:solidFill>
-                <a:effectLst/>
-                <a:latin typeface="Google Sans Text"/>
-              </a:rPr>
-              <a:t> </a:t>
-            </a:r>
-          </a:p>
-          <a:p>
-            <a:pPr marL="457200" marR="0" lvl="1" indent="0" algn="l" defTabSz="914400" rtl="0" eaLnBrk="0" fontAlgn="base" latinLnBrk="0" hangingPunct="0">
-              <a:lnSpc>
-                <a:spcPct val="100000"/>
-              </a:lnSpc>
-              <a:spcBef>
-                <a:spcPct val="0"/>
-              </a:spcBef>
-              <a:spcAft>
-                <a:spcPct val="0"/>
-              </a:spcAft>
-              <a:buClrTx/>
-              <a:buSzTx/>
-              <a:buFontTx/>
-              <a:buChar char="•"/>
-              <a:tabLst/>
-            </a:pPr>
-            <a:r>
-              <a:rPr kumimoji="0" lang="de-DE" altLang="de-DE" sz="1200" b="0" i="0" u="none" strike="noStrike" cap="none" normalizeH="0" baseline="0" dirty="0">
-                <a:ln>
-                  <a:noFill/>
-                </a:ln>
-                <a:solidFill>
-                  <a:schemeClr val="tx1"/>
-                </a:solidFill>
-                <a:effectLst/>
-                <a:latin typeface="Google Sans Text"/>
-              </a:rPr>
-              <a:t>Architecture &amp; Setup (OCEL Format) </a:t>
-            </a:r>
-          </a:p>
-          <a:p>
-            <a:pPr marL="457200" marR="0" lvl="1" indent="0" algn="l" defTabSz="914400" rtl="0" eaLnBrk="0" fontAlgn="base" latinLnBrk="0" hangingPunct="0">
-              <a:lnSpc>
-                <a:spcPct val="100000"/>
-              </a:lnSpc>
-              <a:spcBef>
-                <a:spcPct val="0"/>
-              </a:spcBef>
-              <a:spcAft>
-                <a:spcPct val="0"/>
-              </a:spcAft>
-              <a:buClrTx/>
-              <a:buSzTx/>
-              <a:buFontTx/>
-              <a:buChar char="•"/>
-              <a:tabLst/>
-            </a:pPr>
-            <a:r>
-              <a:rPr kumimoji="0" lang="de-DE" altLang="de-DE" sz="1200" b="0" i="0" u="none" strike="noStrike" cap="none" normalizeH="0" baseline="0" dirty="0">
-                <a:ln>
-                  <a:noFill/>
-                </a:ln>
-                <a:solidFill>
-                  <a:schemeClr val="tx1"/>
-                </a:solidFill>
-                <a:effectLst/>
-                <a:latin typeface="Google Sans Text"/>
-              </a:rPr>
-              <a:t>Model Implementation (Whitebox &amp; Blackbox: </a:t>
-            </a:r>
-            <a:r>
-              <a:rPr kumimoji="0" lang="de-DE" altLang="de-DE" sz="1200" b="0" i="0" u="none" strike="noStrike" cap="none" normalizeH="0" baseline="0" dirty="0" err="1">
-                <a:ln>
-                  <a:noFill/>
-                </a:ln>
-                <a:solidFill>
-                  <a:schemeClr val="tx1"/>
-                </a:solidFill>
-                <a:effectLst/>
-                <a:latin typeface="Google Sans Text"/>
-              </a:rPr>
-              <a:t>ResNet-BiLSTM</a:t>
-            </a:r>
-            <a:r>
-              <a:rPr kumimoji="0" lang="de-DE" altLang="de-DE" sz="1200" b="0" i="0" u="none" strike="noStrike" cap="none" normalizeH="0" baseline="0" dirty="0">
-                <a:ln>
-                  <a:noFill/>
-                </a:ln>
-                <a:solidFill>
-                  <a:schemeClr val="tx1"/>
-                </a:solidFill>
-                <a:effectLst/>
-                <a:latin typeface="Google Sans Text"/>
-              </a:rPr>
-              <a:t>) </a:t>
-            </a:r>
-          </a:p>
-          <a:p>
-            <a:pPr marL="0" marR="0" lvl="0" indent="0" algn="l" defTabSz="914400" rtl="0" eaLnBrk="0" fontAlgn="base" latinLnBrk="0" hangingPunct="0">
-              <a:lnSpc>
-                <a:spcPct val="100000"/>
-              </a:lnSpc>
-              <a:spcBef>
-                <a:spcPct val="0"/>
-              </a:spcBef>
-              <a:spcAft>
-                <a:spcPct val="0"/>
-              </a:spcAft>
-              <a:buClrTx/>
-              <a:buSzTx/>
-              <a:buFontTx/>
-              <a:buAutoNum type="arabicPeriod" startAt="5"/>
-              <a:tabLst/>
-            </a:pPr>
-            <a:r>
-              <a:rPr kumimoji="0" lang="de-DE" altLang="de-DE" sz="1200" b="1" i="0" u="none" strike="noStrike" cap="none" normalizeH="0" baseline="0" dirty="0" err="1">
-                <a:ln>
-                  <a:noFill/>
-                </a:ln>
-                <a:solidFill>
-                  <a:schemeClr val="tx1"/>
-                </a:solidFill>
-                <a:effectLst/>
-                <a:latin typeface="Google Sans Text"/>
-              </a:rPr>
-              <a:t>Empirical</a:t>
-            </a:r>
-            <a:r>
-              <a:rPr kumimoji="0" lang="de-DE" altLang="de-DE" sz="1200" b="1" i="0" u="none" strike="noStrike" cap="none" normalizeH="0" baseline="0" dirty="0">
-                <a:ln>
-                  <a:noFill/>
-                </a:ln>
-                <a:solidFill>
-                  <a:schemeClr val="tx1"/>
-                </a:solidFill>
-                <a:effectLst/>
-                <a:latin typeface="Google Sans Text"/>
-              </a:rPr>
-              <a:t> Validation</a:t>
-            </a:r>
-            <a:r>
-              <a:rPr kumimoji="0" lang="de-DE" altLang="de-DE" sz="1200" b="0" i="0" u="none" strike="noStrike" cap="none" normalizeH="0" baseline="0" dirty="0">
-                <a:ln>
-                  <a:noFill/>
-                </a:ln>
-                <a:solidFill>
-                  <a:schemeClr val="tx1"/>
-                </a:solidFill>
-                <a:effectLst/>
-                <a:latin typeface="Google Sans Text"/>
-              </a:rPr>
-              <a:t> </a:t>
-            </a:r>
-          </a:p>
-          <a:p>
-            <a:pPr marL="457200" marR="0" lvl="1" indent="0" algn="l" defTabSz="914400" rtl="0" eaLnBrk="0" fontAlgn="base" latinLnBrk="0" hangingPunct="0">
-              <a:lnSpc>
-                <a:spcPct val="100000"/>
-              </a:lnSpc>
-              <a:spcBef>
-                <a:spcPct val="0"/>
-              </a:spcBef>
-              <a:spcAft>
-                <a:spcPct val="0"/>
-              </a:spcAft>
-              <a:buClrTx/>
-              <a:buSzTx/>
-              <a:buFontTx/>
-              <a:buChar char="•"/>
-              <a:tabLst/>
-            </a:pPr>
-            <a:r>
-              <a:rPr kumimoji="0" lang="de-DE" altLang="de-DE" sz="1200" b="0" i="0" u="none" strike="noStrike" cap="none" normalizeH="0" baseline="0" dirty="0">
-                <a:ln>
-                  <a:noFill/>
-                </a:ln>
-                <a:solidFill>
-                  <a:schemeClr val="tx1"/>
-                </a:solidFill>
-                <a:effectLst/>
-                <a:latin typeface="Google Sans Text"/>
-              </a:rPr>
-              <a:t>Case Study: IoT Factory &amp; </a:t>
-            </a:r>
-            <a:r>
-              <a:rPr kumimoji="0" lang="de-DE" altLang="de-DE" sz="1200" b="0" i="0" u="none" strike="noStrike" cap="none" normalizeH="0" baseline="0" dirty="0" err="1">
-                <a:ln>
-                  <a:noFill/>
-                </a:ln>
-                <a:solidFill>
-                  <a:schemeClr val="tx1"/>
-                </a:solidFill>
-                <a:effectLst/>
-                <a:latin typeface="Google Sans Text"/>
-              </a:rPr>
-              <a:t>OFacT</a:t>
-            </a:r>
-            <a:r>
-              <a:rPr kumimoji="0" lang="de-DE" altLang="de-DE" sz="1200" b="0" i="0" u="none" strike="noStrike" cap="none" normalizeH="0" baseline="0" dirty="0">
-                <a:ln>
-                  <a:noFill/>
-                </a:ln>
-                <a:solidFill>
-                  <a:schemeClr val="tx1"/>
-                </a:solidFill>
-                <a:effectLst/>
-                <a:latin typeface="Google Sans Text"/>
-              </a:rPr>
-              <a:t> SBDT </a:t>
-            </a:r>
-          </a:p>
-          <a:p>
-            <a:pPr marL="457200" marR="0" lvl="1" indent="0" algn="l" defTabSz="914400" rtl="0" eaLnBrk="0" fontAlgn="base" latinLnBrk="0" hangingPunct="0">
-              <a:lnSpc>
-                <a:spcPct val="100000"/>
-              </a:lnSpc>
-              <a:spcBef>
-                <a:spcPct val="0"/>
-              </a:spcBef>
-              <a:spcAft>
-                <a:spcPct val="0"/>
-              </a:spcAft>
-              <a:buClrTx/>
-              <a:buSzTx/>
-              <a:buFontTx/>
-              <a:buChar char="•"/>
-              <a:tabLst/>
-            </a:pPr>
-            <a:r>
-              <a:rPr kumimoji="0" lang="de-DE" altLang="de-DE" sz="1200" b="0" i="0" u="none" strike="noStrike" cap="none" normalizeH="0" baseline="0" dirty="0">
-                <a:ln>
-                  <a:noFill/>
-                </a:ln>
-                <a:solidFill>
-                  <a:schemeClr val="tx1"/>
-                </a:solidFill>
-                <a:effectLst/>
-                <a:latin typeface="Google Sans Text"/>
-              </a:rPr>
-              <a:t>Validation Setup &amp; </a:t>
-            </a:r>
-            <a:r>
-              <a:rPr kumimoji="0" lang="de-DE" altLang="de-DE" sz="1200" b="0" i="0" u="none" strike="noStrike" cap="none" normalizeH="0" baseline="0" dirty="0" err="1">
-                <a:ln>
-                  <a:noFill/>
-                </a:ln>
-                <a:solidFill>
-                  <a:schemeClr val="tx1"/>
-                </a:solidFill>
-                <a:effectLst/>
-                <a:latin typeface="Google Sans Text"/>
-              </a:rPr>
-              <a:t>Results</a:t>
-            </a:r>
-            <a:r>
-              <a:rPr kumimoji="0" lang="de-DE" altLang="de-DE" sz="1200" b="0" i="0" u="none" strike="noStrike" cap="none" normalizeH="0" baseline="0" dirty="0">
-                <a:ln>
-                  <a:noFill/>
-                </a:ln>
-                <a:solidFill>
-                  <a:schemeClr val="tx1"/>
-                </a:solidFill>
-                <a:effectLst/>
-                <a:latin typeface="Google Sans Text"/>
-              </a:rPr>
-              <a:t> </a:t>
-            </a:r>
-          </a:p>
-          <a:p>
-            <a:pPr marL="0" marR="0" lvl="0" indent="0" algn="l" defTabSz="914400" rtl="0" eaLnBrk="0" fontAlgn="base" latinLnBrk="0" hangingPunct="0">
-              <a:lnSpc>
-                <a:spcPct val="100000"/>
-              </a:lnSpc>
-              <a:spcBef>
-                <a:spcPct val="0"/>
-              </a:spcBef>
-              <a:spcAft>
-                <a:spcPct val="0"/>
-              </a:spcAft>
-              <a:buClrTx/>
-              <a:buSzTx/>
-              <a:buFontTx/>
-              <a:buAutoNum type="arabicPeriod" startAt="6"/>
-              <a:tabLst/>
-            </a:pPr>
-            <a:r>
-              <a:rPr kumimoji="0" lang="de-DE" altLang="de-DE" sz="1200" b="1" i="0" u="none" strike="noStrike" cap="none" normalizeH="0" baseline="0" dirty="0" err="1">
-                <a:ln>
-                  <a:noFill/>
-                </a:ln>
-                <a:solidFill>
-                  <a:schemeClr val="tx1"/>
-                </a:solidFill>
-                <a:effectLst/>
-                <a:latin typeface="Google Sans Text"/>
-              </a:rPr>
-              <a:t>Discussion</a:t>
-            </a:r>
-            <a:r>
-              <a:rPr kumimoji="0" lang="de-DE" altLang="de-DE" sz="1200" b="0" i="0" u="none" strike="noStrike" cap="none" normalizeH="0" baseline="0" dirty="0">
-                <a:ln>
-                  <a:noFill/>
-                </a:ln>
-                <a:solidFill>
-                  <a:schemeClr val="tx1"/>
-                </a:solidFill>
-                <a:effectLst/>
-                <a:latin typeface="Google Sans Text"/>
-              </a:rPr>
-              <a:t> </a:t>
-            </a:r>
-          </a:p>
-          <a:p>
-            <a:pPr marL="457200" marR="0" lvl="1" indent="0" algn="l" defTabSz="914400" rtl="0" eaLnBrk="0" fontAlgn="base" latinLnBrk="0" hangingPunct="0">
-              <a:lnSpc>
-                <a:spcPct val="100000"/>
-              </a:lnSpc>
-              <a:spcBef>
-                <a:spcPct val="0"/>
-              </a:spcBef>
-              <a:spcAft>
-                <a:spcPct val="0"/>
-              </a:spcAft>
-              <a:buClrTx/>
-              <a:buSzTx/>
-              <a:buFontTx/>
-              <a:buChar char="•"/>
-              <a:tabLst/>
-            </a:pPr>
-            <a:r>
-              <a:rPr kumimoji="0" lang="de-DE" altLang="de-DE" sz="1200" b="0" i="0" u="none" strike="noStrike" cap="none" normalizeH="0" baseline="0" dirty="0" err="1">
-                <a:ln>
-                  <a:noFill/>
-                </a:ln>
-                <a:solidFill>
-                  <a:schemeClr val="tx1"/>
-                </a:solidFill>
-                <a:effectLst/>
-                <a:latin typeface="Google Sans Text"/>
-              </a:rPr>
-              <a:t>Comparison</a:t>
-            </a:r>
-            <a:r>
-              <a:rPr kumimoji="0" lang="de-DE" altLang="de-DE" sz="1200" b="0" i="0" u="none" strike="noStrike" cap="none" normalizeH="0" baseline="0" dirty="0">
-                <a:ln>
-                  <a:noFill/>
-                </a:ln>
-                <a:solidFill>
-                  <a:schemeClr val="tx1"/>
-                </a:solidFill>
-                <a:effectLst/>
-                <a:latin typeface="Google Sans Text"/>
-              </a:rPr>
-              <a:t> </a:t>
-            </a:r>
-            <a:r>
-              <a:rPr kumimoji="0" lang="de-DE" altLang="de-DE" sz="1200" b="0" i="0" u="none" strike="noStrike" cap="none" normalizeH="0" baseline="0" dirty="0" err="1">
-                <a:ln>
-                  <a:noFill/>
-                </a:ln>
-                <a:solidFill>
-                  <a:schemeClr val="tx1"/>
-                </a:solidFill>
-                <a:effectLst/>
-                <a:latin typeface="Google Sans Text"/>
-              </a:rPr>
-              <a:t>to</a:t>
-            </a:r>
-            <a:r>
-              <a:rPr kumimoji="0" lang="de-DE" altLang="de-DE" sz="1200" b="0" i="0" u="none" strike="noStrike" cap="none" normalizeH="0" baseline="0" dirty="0">
-                <a:ln>
-                  <a:noFill/>
-                </a:ln>
-                <a:solidFill>
-                  <a:schemeClr val="tx1"/>
-                </a:solidFill>
-                <a:effectLst/>
-                <a:latin typeface="Google Sans Text"/>
-              </a:rPr>
-              <a:t> Traditional Methods </a:t>
-            </a:r>
-          </a:p>
-          <a:p>
-            <a:pPr marL="457200" marR="0" lvl="1" indent="0" algn="l" defTabSz="914400" rtl="0" eaLnBrk="0" fontAlgn="base" latinLnBrk="0" hangingPunct="0">
-              <a:lnSpc>
-                <a:spcPct val="100000"/>
-              </a:lnSpc>
-              <a:spcBef>
-                <a:spcPct val="0"/>
-              </a:spcBef>
-              <a:spcAft>
-                <a:spcPct val="0"/>
-              </a:spcAft>
-              <a:buClrTx/>
-              <a:buSzTx/>
-              <a:buFontTx/>
-              <a:buChar char="•"/>
-              <a:tabLst/>
-            </a:pPr>
-            <a:r>
-              <a:rPr kumimoji="0" lang="de-DE" altLang="de-DE" sz="1200" b="0" i="0" u="none" strike="noStrike" cap="none" normalizeH="0" baseline="0" dirty="0" err="1">
-                <a:ln>
-                  <a:noFill/>
-                </a:ln>
-                <a:solidFill>
-                  <a:schemeClr val="tx1"/>
-                </a:solidFill>
-                <a:effectLst/>
-                <a:latin typeface="Google Sans Text"/>
-              </a:rPr>
-              <a:t>Context</a:t>
-            </a:r>
-            <a:r>
-              <a:rPr kumimoji="0" lang="de-DE" altLang="de-DE" sz="1200" b="0" i="0" u="none" strike="noStrike" cap="none" normalizeH="0" baseline="0" dirty="0">
-                <a:ln>
-                  <a:noFill/>
-                </a:ln>
-                <a:solidFill>
-                  <a:schemeClr val="tx1"/>
-                </a:solidFill>
-                <a:effectLst/>
-                <a:latin typeface="Google Sans Text"/>
-              </a:rPr>
-              <a:t> </a:t>
-            </a:r>
-            <a:r>
-              <a:rPr kumimoji="0" lang="de-DE" altLang="de-DE" sz="1200" b="0" i="0" u="none" strike="noStrike" cap="none" normalizeH="0" baseline="0" dirty="0" err="1">
-                <a:ln>
-                  <a:noFill/>
-                </a:ln>
-                <a:solidFill>
-                  <a:schemeClr val="tx1"/>
-                </a:solidFill>
-                <a:effectLst/>
-                <a:latin typeface="Google Sans Text"/>
-              </a:rPr>
-              <a:t>of</a:t>
-            </a:r>
-            <a:r>
-              <a:rPr kumimoji="0" lang="de-DE" altLang="de-DE" sz="1200" b="0" i="0" u="none" strike="noStrike" cap="none" normalizeH="0" baseline="0" dirty="0">
-                <a:ln>
-                  <a:noFill/>
-                </a:ln>
-                <a:solidFill>
-                  <a:schemeClr val="tx1"/>
-                </a:solidFill>
-                <a:effectLst/>
-                <a:latin typeface="Google Sans Text"/>
-              </a:rPr>
-              <a:t> Research Questions </a:t>
-            </a:r>
-          </a:p>
-          <a:p>
-            <a:pPr marL="457200" marR="0" lvl="1" indent="0" algn="l" defTabSz="914400" rtl="0" eaLnBrk="0" fontAlgn="base" latinLnBrk="0" hangingPunct="0">
-              <a:lnSpc>
-                <a:spcPct val="100000"/>
-              </a:lnSpc>
-              <a:spcBef>
-                <a:spcPct val="0"/>
-              </a:spcBef>
-              <a:spcAft>
-                <a:spcPct val="0"/>
-              </a:spcAft>
-              <a:buClrTx/>
-              <a:buSzTx/>
-              <a:buFontTx/>
-              <a:buChar char="•"/>
-              <a:tabLst/>
-            </a:pPr>
-            <a:r>
-              <a:rPr kumimoji="0" lang="de-DE" altLang="de-DE" sz="1200" b="0" i="0" u="none" strike="noStrike" cap="none" normalizeH="0" baseline="0" dirty="0" err="1">
-                <a:ln>
-                  <a:noFill/>
-                </a:ln>
-                <a:solidFill>
-                  <a:schemeClr val="tx1"/>
-                </a:solidFill>
-                <a:effectLst/>
-                <a:latin typeface="Google Sans Text"/>
-              </a:rPr>
-              <a:t>Implications</a:t>
-            </a:r>
-            <a:r>
-              <a:rPr kumimoji="0" lang="de-DE" altLang="de-DE" sz="1200" b="0" i="0" u="none" strike="noStrike" cap="none" normalizeH="0" baseline="0" dirty="0">
-                <a:ln>
-                  <a:noFill/>
-                </a:ln>
-                <a:solidFill>
-                  <a:schemeClr val="tx1"/>
-                </a:solidFill>
-                <a:effectLst/>
-                <a:latin typeface="Google Sans Text"/>
-              </a:rPr>
-              <a:t> &amp; </a:t>
-            </a:r>
-            <a:r>
-              <a:rPr kumimoji="0" lang="de-DE" altLang="de-DE" sz="1200" b="0" i="0" u="none" strike="noStrike" cap="none" normalizeH="0" baseline="0" dirty="0" err="1">
-                <a:ln>
-                  <a:noFill/>
-                </a:ln>
-                <a:solidFill>
-                  <a:schemeClr val="tx1"/>
-                </a:solidFill>
-                <a:effectLst/>
-                <a:latin typeface="Google Sans Text"/>
-              </a:rPr>
-              <a:t>Limitations</a:t>
-            </a:r>
-            <a:r>
-              <a:rPr kumimoji="0" lang="de-DE" altLang="de-DE" sz="1200" b="0" i="0" u="none" strike="noStrike" cap="none" normalizeH="0" baseline="0" dirty="0">
-                <a:ln>
-                  <a:noFill/>
-                </a:ln>
-                <a:solidFill>
-                  <a:schemeClr val="tx1"/>
-                </a:solidFill>
-                <a:effectLst/>
-                <a:latin typeface="Google Sans Text"/>
-              </a:rPr>
-              <a:t> </a:t>
-            </a:r>
-          </a:p>
-          <a:p>
-            <a:pPr marL="0" marR="0" lvl="0" indent="0" algn="l" defTabSz="914400" rtl="0" eaLnBrk="0" fontAlgn="base" latinLnBrk="0" hangingPunct="0">
-              <a:lnSpc>
-                <a:spcPct val="100000"/>
-              </a:lnSpc>
-              <a:spcBef>
-                <a:spcPct val="0"/>
-              </a:spcBef>
-              <a:spcAft>
-                <a:spcPct val="0"/>
-              </a:spcAft>
-              <a:buClrTx/>
-              <a:buSzTx/>
-              <a:buFontTx/>
-              <a:buAutoNum type="arabicPeriod" startAt="7"/>
-              <a:tabLst/>
-            </a:pPr>
-            <a:r>
-              <a:rPr kumimoji="0" lang="de-DE" altLang="de-DE" sz="1200" b="1" i="0" u="none" strike="noStrike" cap="none" normalizeH="0" baseline="0" dirty="0" err="1">
-                <a:ln>
-                  <a:noFill/>
-                </a:ln>
-                <a:solidFill>
-                  <a:schemeClr val="tx1"/>
-                </a:solidFill>
-                <a:effectLst/>
-                <a:latin typeface="Google Sans Text"/>
-              </a:rPr>
-              <a:t>Conclusion</a:t>
-            </a:r>
-            <a:r>
-              <a:rPr kumimoji="0" lang="de-DE" altLang="de-DE" sz="1200" b="1" i="0" u="none" strike="noStrike" cap="none" normalizeH="0" baseline="0" dirty="0">
-                <a:ln>
-                  <a:noFill/>
-                </a:ln>
-                <a:solidFill>
-                  <a:schemeClr val="tx1"/>
-                </a:solidFill>
-                <a:effectLst/>
-                <a:latin typeface="Google Sans Text"/>
-              </a:rPr>
-              <a:t> &amp; Future Work</a:t>
-            </a:r>
-            <a:r>
-              <a:rPr kumimoji="0" lang="de-DE" altLang="de-DE" sz="1200" b="0" i="0" u="none" strike="noStrike" cap="none" normalizeH="0" baseline="0" dirty="0">
-                <a:ln>
-                  <a:noFill/>
-                </a:ln>
-                <a:solidFill>
-                  <a:schemeClr val="tx1"/>
-                </a:solidFill>
-                <a:effectLst/>
-                <a:latin typeface="Google Sans Text"/>
-              </a:rPr>
-              <a:t> </a:t>
-            </a:r>
-          </a:p>
-          <a:p>
-            <a:pPr marL="0" marR="0" lvl="0" indent="0" algn="l" defTabSz="914400" rtl="0" eaLnBrk="0" fontAlgn="base" latinLnBrk="0" hangingPunct="0">
-              <a:lnSpc>
-                <a:spcPct val="100000"/>
-              </a:lnSpc>
-              <a:spcBef>
-                <a:spcPct val="0"/>
-              </a:spcBef>
-              <a:spcAft>
-                <a:spcPct val="0"/>
-              </a:spcAft>
-              <a:buClrTx/>
-              <a:buSzTx/>
-              <a:buFontTx/>
-              <a:buNone/>
-              <a:tabLst/>
-            </a:pPr>
-            <a:endParaRPr kumimoji="0" lang="de-DE" altLang="de-DE" sz="1200" b="0" i="0" u="none" strike="noStrike" cap="none" normalizeH="0" baseline="0" dirty="0">
-              <a:ln>
-                <a:noFill/>
-              </a:ln>
-              <a:solidFill>
-                <a:schemeClr val="tx1"/>
-              </a:solidFill>
-              <a:effectLst/>
-              <a:latin typeface="Arial" panose="020B0604020202020204" pitchFamily="34" charset="0"/>
-            </a:endParaRPr>
-          </a:p>
-        </p:txBody>
-      </p:sp>
-    </p:spTree>
-    <p:extLst>
-      <p:ext uri="{BB962C8B-B14F-4D97-AF65-F5344CB8AC3E}">
-        <p14:creationId xmlns:p14="http://schemas.microsoft.com/office/powerpoint/2010/main" val="2261945774"/>
-      </p:ext>
-    </p:extLst>
-  </p:cSld>
-  <p:clrMapOvr>
-    <a:masterClrMapping/>
-  </p:clrMapOvr>
-</p:sld>
-</file>
-
-<file path=ppt/slides/slide3.xml><?xml version="1.0" encoding="utf-8"?>
-<p:sld xmlns:a="http://schemas.openxmlformats.org/drawingml/2006/main" xmlns:r="http://schemas.openxmlformats.org/officeDocument/2006/relationships" xmlns:p="http://schemas.openxmlformats.org/presentationml/2006/main">
-  <p:cSld>
-    <p:spTree>
-      <p:nvGrpSpPr>
-        <p:cNvPr id="1" name=""/>
-        <p:cNvGrpSpPr/>
-        <p:nvPr/>
-      </p:nvGrpSpPr>
-      <p:grpSpPr>
-        <a:xfrm>
-          <a:off x="0" y="0"/>
-          <a:ext cx="0" cy="0"/>
-          <a:chOff x="0" y="0"/>
-          <a:chExt cx="0" cy="0"/>
-        </a:xfrm>
-      </p:grpSpPr>
-      <p:sp>
-        <p:nvSpPr>
-          <p:cNvPr id="2" name="Titel 1">
-            <a:extLst>
-              <a:ext uri="{FF2B5EF4-FFF2-40B4-BE49-F238E27FC236}">
-                <a16:creationId xmlns:a16="http://schemas.microsoft.com/office/drawing/2014/main" id="{9AC680B0-ECD9-F9F2-F1C2-71885D88EBF1}"/>
-              </a:ext>
-            </a:extLst>
-          </p:cNvPr>
-          <p:cNvSpPr>
-            <a:spLocks noGrp="1"/>
-          </p:cNvSpPr>
-          <p:nvPr>
-            <p:ph type="title"/>
-          </p:nvPr>
-        </p:nvSpPr>
-        <p:spPr/>
-        <p:txBody>
-          <a:bodyPr>
-            <a:normAutofit/>
-          </a:bodyPr>
-          <a:lstStyle/>
-          <a:p>
-            <a:r>
-              <a:rPr lang="de-DE" dirty="0"/>
-              <a:t>Challenge</a:t>
-            </a:r>
-          </a:p>
-        </p:txBody>
-      </p:sp>
-      <p:sp>
-        <p:nvSpPr>
-          <p:cNvPr id="3" name="Inhaltsplatzhalter 2">
-            <a:extLst>
-              <a:ext uri="{FF2B5EF4-FFF2-40B4-BE49-F238E27FC236}">
-                <a16:creationId xmlns:a16="http://schemas.microsoft.com/office/drawing/2014/main" id="{45BC7051-2C74-F459-03A1-96F9B2A688C4}"/>
-              </a:ext>
-            </a:extLst>
-          </p:cNvPr>
-          <p:cNvSpPr>
-            <a:spLocks noGrp="1"/>
-          </p:cNvSpPr>
-          <p:nvPr>
-            <p:ph idx="1"/>
-          </p:nvPr>
-        </p:nvSpPr>
-        <p:spPr/>
-        <p:txBody>
-          <a:bodyPr/>
-          <a:lstStyle/>
-          <a:p>
-            <a:r>
-              <a:rPr lang="en-US" dirty="0"/>
-              <a:t>Digital Twins (DTs) are key for Industry 4.0, enabling monitoring and optimization.   </a:t>
-            </a:r>
-          </a:p>
-          <a:p>
-            <a:r>
-              <a:rPr lang="en-US" dirty="0"/>
-              <a:t>Simulation-Based DTs (SBDTs) are crucial for complex systems like Discrete Material Flow Systems (DMFS).   </a:t>
-            </a:r>
-          </a:p>
-          <a:p>
-            <a:r>
-              <a:rPr lang="en-US" dirty="0"/>
-              <a:t>Trend towards </a:t>
-            </a:r>
-            <a:r>
-              <a:rPr lang="en-US" i="1" dirty="0"/>
-              <a:t>automatically generating</a:t>
-            </a:r>
-            <a:r>
-              <a:rPr lang="en-US" dirty="0"/>
-              <a:t> SBDTs from data to reduce effort.   </a:t>
-            </a:r>
-          </a:p>
-          <a:p>
-            <a:r>
-              <a:rPr lang="en-US" b="1" dirty="0"/>
-              <a:t>The Challenge:</a:t>
-            </a:r>
-            <a:r>
-              <a:rPr lang="en-US" dirty="0"/>
-              <a:t> How can we ensure these automatically generated SBDTs are accurate and trustworthy? Manual validation undermines the automation benefits.   </a:t>
-            </a:r>
-            <a:endParaRPr lang="de-DE" dirty="0"/>
-          </a:p>
-        </p:txBody>
-      </p:sp>
-    </p:spTree>
-    <p:extLst>
-      <p:ext uri="{BB962C8B-B14F-4D97-AF65-F5344CB8AC3E}">
-        <p14:creationId xmlns:p14="http://schemas.microsoft.com/office/powerpoint/2010/main" val="2182324238"/>
-      </p:ext>
-    </p:extLst>
-  </p:cSld>
-  <p:clrMapOvr>
-    <a:masterClrMapping/>
-  </p:clrMapOvr>
-</p:sld>
-</file>
-
-<file path=ppt/slides/slide4.xml><?xml version="1.0" encoding="utf-8"?>
-<p:sld xmlns:a="http://schemas.openxmlformats.org/drawingml/2006/main" xmlns:r="http://schemas.openxmlformats.org/officeDocument/2006/relationships" xmlns:p="http://schemas.openxmlformats.org/presentationml/2006/main">
-  <p:cSld>
-    <p:spTree>
-      <p:nvGrpSpPr>
-        <p:cNvPr id="1" name=""/>
-        <p:cNvGrpSpPr/>
-        <p:nvPr/>
-      </p:nvGrpSpPr>
-      <p:grpSpPr>
-        <a:xfrm>
-          <a:off x="0" y="0"/>
-          <a:ext cx="0" cy="0"/>
-          <a:chOff x="0" y="0"/>
-          <a:chExt cx="0" cy="0"/>
-        </a:xfrm>
-      </p:grpSpPr>
-      <p:sp>
-        <p:nvSpPr>
-          <p:cNvPr id="2" name="Titel 1">
-            <a:extLst>
-              <a:ext uri="{FF2B5EF4-FFF2-40B4-BE49-F238E27FC236}">
-                <a16:creationId xmlns:a16="http://schemas.microsoft.com/office/drawing/2014/main" id="{4A73278E-D919-9372-B739-5D7DCD4B132C}"/>
-              </a:ext>
-            </a:extLst>
-          </p:cNvPr>
-          <p:cNvSpPr>
-            <a:spLocks noGrp="1"/>
-          </p:cNvSpPr>
-          <p:nvPr>
-            <p:ph type="title"/>
-          </p:nvPr>
-        </p:nvSpPr>
-        <p:spPr/>
-        <p:txBody>
-          <a:bodyPr/>
-          <a:lstStyle/>
-          <a:p>
-            <a:r>
-              <a:rPr lang="de-DE" dirty="0"/>
-              <a:t>Problem Statement &amp; </a:t>
-            </a:r>
-            <a:r>
-              <a:rPr lang="de-DE" dirty="0" err="1"/>
-              <a:t>Objective</a:t>
-            </a:r>
-            <a:endParaRPr lang="de-DE" dirty="0"/>
-          </a:p>
-        </p:txBody>
-      </p:sp>
-      <p:sp>
-        <p:nvSpPr>
-          <p:cNvPr id="3" name="Inhaltsplatzhalter 2">
-            <a:extLst>
-              <a:ext uri="{FF2B5EF4-FFF2-40B4-BE49-F238E27FC236}">
-                <a16:creationId xmlns:a16="http://schemas.microsoft.com/office/drawing/2014/main" id="{E03E8216-4ACE-0821-3A70-E221CA2A4A7A}"/>
-              </a:ext>
-            </a:extLst>
-          </p:cNvPr>
-          <p:cNvSpPr>
-            <a:spLocks noGrp="1"/>
-          </p:cNvSpPr>
-          <p:nvPr>
-            <p:ph idx="1"/>
-          </p:nvPr>
-        </p:nvSpPr>
-        <p:spPr/>
-        <p:txBody>
-          <a:bodyPr>
-            <a:normAutofit fontScale="92500" lnSpcReduction="10000"/>
-          </a:bodyPr>
-          <a:lstStyle/>
-          <a:p>
-            <a:r>
-              <a:rPr lang="en-US" b="1" dirty="0"/>
-              <a:t>Problem:</a:t>
-            </a:r>
-            <a:r>
-              <a:rPr lang="en-US" dirty="0"/>
-              <a:t> Manual Verification, Validation, and Uncertainty Quantification (VVUQ) of automatically generated SBDTs is inefficient, costly, and hinders scalability. Lack of standardized methods creates a trust deficit.   </a:t>
-            </a:r>
-          </a:p>
-          <a:p>
-            <a:r>
-              <a:rPr lang="en-US" b="1" dirty="0"/>
-              <a:t>Objective:</a:t>
-            </a:r>
-            <a:r>
-              <a:rPr lang="en-US" dirty="0"/>
-              <a:t> Develop and evaluate a data-driven framework for </a:t>
-            </a:r>
-            <a:r>
-              <a:rPr lang="en-US" i="1" dirty="0"/>
-              <a:t>automated</a:t>
-            </a:r>
-            <a:r>
-              <a:rPr lang="en-US" dirty="0"/>
-              <a:t> VVUQ of automatically generated SBDTs, focusing on DMFS. </a:t>
-            </a:r>
-          </a:p>
-          <a:p>
-            <a:r>
-              <a:rPr lang="de-DE" b="1" dirty="0"/>
-              <a:t>Research Questions:</a:t>
-            </a:r>
-            <a:r>
-              <a:rPr lang="de-DE" dirty="0"/>
-              <a:t> RQ1: </a:t>
-            </a:r>
-            <a:r>
-              <a:rPr lang="de-DE" dirty="0" err="1"/>
-              <a:t>Efficient</a:t>
-            </a:r>
-            <a:r>
-              <a:rPr lang="de-DE" dirty="0"/>
-              <a:t> </a:t>
-            </a:r>
-            <a:r>
-              <a:rPr lang="de-DE" dirty="0" err="1"/>
-              <a:t>implementation</a:t>
-            </a:r>
-            <a:r>
-              <a:rPr lang="de-DE" dirty="0"/>
-              <a:t> </a:t>
-            </a:r>
-            <a:r>
-              <a:rPr lang="de-DE" dirty="0" err="1"/>
-              <a:t>of</a:t>
-            </a:r>
-            <a:r>
-              <a:rPr lang="de-DE" dirty="0"/>
-              <a:t> </a:t>
-            </a:r>
-            <a:r>
-              <a:rPr lang="de-DE" dirty="0" err="1"/>
-              <a:t>automated</a:t>
-            </a:r>
-            <a:r>
-              <a:rPr lang="de-DE" dirty="0"/>
-              <a:t> VVUQ?   </a:t>
-            </a:r>
-          </a:p>
-          <a:p>
-            <a:r>
-              <a:rPr lang="en-US" dirty="0"/>
-              <a:t>RQ2: Best data-driven approaches for discrepancy detection?   </a:t>
-            </a:r>
-            <a:endParaRPr lang="de-DE" dirty="0"/>
-          </a:p>
-          <a:p>
-            <a:r>
-              <a:rPr lang="de-DE" dirty="0"/>
-              <a:t>RQ3: </a:t>
-            </a:r>
-            <a:r>
-              <a:rPr lang="de-DE" dirty="0" err="1"/>
-              <a:t>Improvement</a:t>
-            </a:r>
-            <a:r>
-              <a:rPr lang="de-DE" dirty="0"/>
-              <a:t> </a:t>
-            </a:r>
-            <a:r>
-              <a:rPr lang="de-DE" dirty="0" err="1"/>
-              <a:t>over</a:t>
-            </a:r>
-            <a:r>
-              <a:rPr lang="de-DE" dirty="0"/>
-              <a:t> traditional </a:t>
-            </a:r>
-            <a:r>
-              <a:rPr lang="de-DE" dirty="0" err="1"/>
-              <a:t>methods</a:t>
-            </a:r>
-            <a:r>
-              <a:rPr lang="de-DE" dirty="0"/>
-              <a:t>?   </a:t>
-            </a:r>
-          </a:p>
-          <a:p>
-            <a:endParaRPr lang="de-DE" dirty="0"/>
-          </a:p>
-        </p:txBody>
-      </p:sp>
-    </p:spTree>
-    <p:extLst>
-      <p:ext uri="{BB962C8B-B14F-4D97-AF65-F5344CB8AC3E}">
-        <p14:creationId xmlns:p14="http://schemas.microsoft.com/office/powerpoint/2010/main" val="1334795452"/>
-      </p:ext>
-    </p:extLst>
-  </p:cSld>
-  <p:clrMapOvr>
-    <a:masterClrMapping/>
-  </p:clrMapOvr>
-</p:sld>
-</file>
-
-<file path=ppt/slides/slide5.xml><?xml version="1.0" encoding="utf-8"?>
-<p:sld xmlns:a="http://schemas.openxmlformats.org/drawingml/2006/main" xmlns:r="http://schemas.openxmlformats.org/officeDocument/2006/relationships" xmlns:p="http://schemas.openxmlformats.org/presentationml/2006/main">
-  <p:cSld>
-    <p:spTree>
-      <p:nvGrpSpPr>
-        <p:cNvPr id="1" name=""/>
-        <p:cNvGrpSpPr/>
-        <p:nvPr/>
-      </p:nvGrpSpPr>
-      <p:grpSpPr>
-        <a:xfrm>
-          <a:off x="0" y="0"/>
-          <a:ext cx="0" cy="0"/>
-          <a:chOff x="0" y="0"/>
-          <a:chExt cx="0" cy="0"/>
-        </a:xfrm>
-      </p:grpSpPr>
-      <p:sp>
-        <p:nvSpPr>
-          <p:cNvPr id="2" name="Titel 1">
-            <a:extLst>
-              <a:ext uri="{FF2B5EF4-FFF2-40B4-BE49-F238E27FC236}">
-                <a16:creationId xmlns:a16="http://schemas.microsoft.com/office/drawing/2014/main" id="{4ACD9CF3-0591-B6CE-AD5A-35D807E83FF6}"/>
-              </a:ext>
-            </a:extLst>
-          </p:cNvPr>
-          <p:cNvSpPr>
-            <a:spLocks noGrp="1"/>
-          </p:cNvSpPr>
-          <p:nvPr>
-            <p:ph type="title"/>
-          </p:nvPr>
-        </p:nvSpPr>
-        <p:spPr/>
-        <p:txBody>
-          <a:bodyPr/>
-          <a:lstStyle/>
-          <a:p>
-            <a:r>
-              <a:rPr lang="de-DE" dirty="0"/>
-              <a:t>Traditional VVUQ </a:t>
-            </a:r>
-            <a:r>
-              <a:rPr lang="de-DE" dirty="0" err="1"/>
-              <a:t>is</a:t>
-            </a:r>
-            <a:r>
-              <a:rPr lang="de-DE" dirty="0"/>
-              <a:t> </a:t>
-            </a:r>
-            <a:r>
-              <a:rPr lang="de-DE" dirty="0" err="1"/>
-              <a:t>bad</a:t>
-            </a:r>
-            <a:r>
-              <a:rPr lang="de-DE" dirty="0"/>
-              <a:t>!</a:t>
-            </a:r>
-          </a:p>
-        </p:txBody>
-      </p:sp>
-      <p:sp>
-        <p:nvSpPr>
-          <p:cNvPr id="3" name="Inhaltsplatzhalter 2">
-            <a:extLst>
-              <a:ext uri="{FF2B5EF4-FFF2-40B4-BE49-F238E27FC236}">
-                <a16:creationId xmlns:a16="http://schemas.microsoft.com/office/drawing/2014/main" id="{28425B29-E8F7-71B0-815F-5F9F632923B4}"/>
-              </a:ext>
-            </a:extLst>
-          </p:cNvPr>
-          <p:cNvSpPr>
-            <a:spLocks noGrp="1"/>
-          </p:cNvSpPr>
-          <p:nvPr>
-            <p:ph idx="1"/>
-          </p:nvPr>
-        </p:nvSpPr>
-        <p:spPr/>
-        <p:txBody>
-          <a:bodyPr/>
-          <a:lstStyle/>
-          <a:p>
-            <a:r>
-              <a:rPr lang="en-US" b="1" dirty="0"/>
-              <a:t>Manual Effort:</a:t>
-            </a:r>
-            <a:r>
-              <a:rPr lang="en-US" dirty="0"/>
-              <a:t> Highly labor-intensive, requires domain experts.   </a:t>
-            </a:r>
-          </a:p>
-          <a:p>
-            <a:r>
-              <a:rPr lang="en-US" b="1" dirty="0"/>
-              <a:t>Scalability Issues:</a:t>
-            </a:r>
-            <a:r>
-              <a:rPr lang="en-US" dirty="0"/>
-              <a:t> Difficult to apply continuously or frequently, especially with evolving SBDTs.   </a:t>
-            </a:r>
-          </a:p>
-          <a:p>
-            <a:r>
-              <a:rPr lang="en-US" b="1" dirty="0"/>
-              <a:t>Subjectivity:</a:t>
-            </a:r>
-            <a:r>
-              <a:rPr lang="en-US" dirty="0"/>
-              <a:t> Expert reviews can be subjective.</a:t>
-            </a:r>
-          </a:p>
-          <a:p>
-            <a:r>
-              <a:rPr lang="en-US" b="1" dirty="0"/>
-              <a:t>Inefficiency:</a:t>
-            </a:r>
-            <a:r>
-              <a:rPr lang="en-US" dirty="0"/>
-              <a:t> Undermines the cost/time benefits promised by automated SBDT generation.      </a:t>
-            </a:r>
-            <a:endParaRPr lang="de-DE" dirty="0"/>
-          </a:p>
-        </p:txBody>
-      </p:sp>
-    </p:spTree>
-    <p:extLst>
-      <p:ext uri="{BB962C8B-B14F-4D97-AF65-F5344CB8AC3E}">
-        <p14:creationId xmlns:p14="http://schemas.microsoft.com/office/powerpoint/2010/main" val="1937011134"/>
-      </p:ext>
-    </p:extLst>
-  </p:cSld>
-  <p:clrMapOvr>
-    <a:masterClrMapping/>
-  </p:clrMapOvr>
-</p:sld>
-</file>
-
-<file path=ppt/slides/slide6.xml><?xml version="1.0" encoding="utf-8"?>
-<p:sld xmlns:a="http://schemas.openxmlformats.org/drawingml/2006/main" xmlns:r="http://schemas.openxmlformats.org/officeDocument/2006/relationships" xmlns:p="http://schemas.openxmlformats.org/presentationml/2006/main">
-  <p:cSld>
-    <p:bg>
-      <p:bgPr>
-        <a:solidFill>
-          <a:schemeClr val="bg1"/>
-        </a:solidFill>
-        <a:effectLst/>
-      </p:bgPr>
-    </p:bg>
-    <p:spTree>
-      <p:nvGrpSpPr>
-        <p:cNvPr id="1" name=""/>
-        <p:cNvGrpSpPr/>
-        <p:nvPr/>
-      </p:nvGrpSpPr>
-      <p:grpSpPr>
-        <a:xfrm>
-          <a:off x="0" y="0"/>
-          <a:ext cx="0" cy="0"/>
-          <a:chOff x="0" y="0"/>
-          <a:chExt cx="0" cy="0"/>
-        </a:xfrm>
-      </p:grpSpPr>
-      <p:sp>
-        <p:nvSpPr>
-          <p:cNvPr id="10" name="Down Arrow 7">
-            <a:extLst>
-              <a:ext uri="{FF2B5EF4-FFF2-40B4-BE49-F238E27FC236}">
-                <a16:creationId xmlns:a16="http://schemas.microsoft.com/office/drawing/2014/main" id="{D4771268-CB57-404A-9271-370EB28F6090}"/>
-              </a:ext>
-              <a:ext uri="{C183D7F6-B498-43B3-948B-1728B52AA6E4}">
-                <adec:decorative xmlns:adec="http://schemas.microsoft.com/office/drawing/2017/decorative" val="1"/>
-              </a:ext>
-            </a:extLst>
-          </p:cNvPr>
-          <p:cNvSpPr>
-            <a:spLocks noGrp="1" noRot="1" noChangeAspect="1" noMove="1" noResize="1" noEditPoints="1" noAdjustHandles="1" noChangeArrowheads="1" noChangeShapeType="1" noTextEdit="1"/>
-          </p:cNvSpPr>
-          <p:nvPr>
-            <p:extLst>
-              <p:ext uri="{386F3935-93C4-4BCD-93E2-E3B085C9AB24}">
-                <p16:designElem xmlns:p16="http://schemas.microsoft.com/office/powerpoint/2015/main" val="1"/>
-              </p:ext>
-            </p:extLst>
-          </p:nvPr>
-        </p:nvSpPr>
-        <p:spPr>
-          <a:xfrm rot="16200000">
-            <a:off x="800100" y="1491343"/>
-            <a:ext cx="3333749" cy="3499103"/>
-          </a:xfrm>
-          <a:prstGeom prst="downArrow">
-            <a:avLst>
-              <a:gd name="adj1" fmla="val 100000"/>
-              <a:gd name="adj2" fmla="val 15788"/>
-            </a:avLst>
-          </a:prstGeom>
-          <a:solidFill>
-            <a:srgbClr val="404040"/>
-          </a:solidFill>
-          <a:ln w="53975">
-            <a:noFill/>
-          </a:ln>
-        </p:spPr>
-        <p:style>
-          <a:lnRef idx="2">
-            <a:schemeClr val="accent1">
-              <a:shade val="50000"/>
-            </a:schemeClr>
-          </a:lnRef>
-          <a:fillRef idx="1">
-            <a:schemeClr val="accent1"/>
-          </a:fillRef>
-          <a:effectRef idx="0">
-            <a:schemeClr val="accent1"/>
-          </a:effectRef>
-          <a:fontRef idx="minor">
-            <a:schemeClr val="lt1"/>
-          </a:fontRef>
-        </p:style>
-        <p:txBody>
-          <a:bodyPr rtlCol="0" anchor="ctr"/>
-          <a:lstStyle/>
-          <a:p>
-            <a:pPr algn="ctr"/>
-            <a:endParaRPr lang="en-US"/>
-          </a:p>
-        </p:txBody>
-      </p:sp>
-      <p:sp>
-        <p:nvSpPr>
-          <p:cNvPr id="2" name="Titel 1">
-            <a:extLst>
-              <a:ext uri="{FF2B5EF4-FFF2-40B4-BE49-F238E27FC236}">
-                <a16:creationId xmlns:a16="http://schemas.microsoft.com/office/drawing/2014/main" id="{FFA7F141-B2F0-8242-A281-631533A0B9B7}"/>
-              </a:ext>
-            </a:extLst>
-          </p:cNvPr>
-          <p:cNvSpPr>
-            <a:spLocks noGrp="1"/>
-          </p:cNvSpPr>
-          <p:nvPr>
-            <p:ph type="title"/>
-          </p:nvPr>
-        </p:nvSpPr>
-        <p:spPr>
-          <a:xfrm>
-            <a:off x="1028700" y="1967266"/>
-            <a:ext cx="2628900" cy="2547257"/>
-          </a:xfrm>
-          <a:noFill/>
-        </p:spPr>
-        <p:txBody>
-          <a:bodyPr vert="horz" lIns="91440" tIns="45720" rIns="91440" bIns="45720" rtlCol="0" anchor="ctr">
-            <a:normAutofit/>
-          </a:bodyPr>
-          <a:lstStyle/>
-          <a:p>
-            <a:pPr algn="ctr"/>
-            <a:r>
-              <a:rPr lang="en-US" sz="3600" kern="1200">
-                <a:solidFill>
-                  <a:srgbClr val="FFFFFF"/>
-                </a:solidFill>
-                <a:latin typeface="+mj-lt"/>
-                <a:ea typeface="+mj-ea"/>
-                <a:cs typeface="+mj-cs"/>
-              </a:rPr>
-              <a:t>Automated Framework</a:t>
-            </a:r>
-          </a:p>
-        </p:txBody>
-      </p:sp>
-      <p:pic>
-        <p:nvPicPr>
-          <p:cNvPr id="5" name="Inhaltsplatzhalter 4">
-            <a:extLst>
-              <a:ext uri="{FF2B5EF4-FFF2-40B4-BE49-F238E27FC236}">
-                <a16:creationId xmlns:a16="http://schemas.microsoft.com/office/drawing/2014/main" id="{8AF6DAE8-FFD5-32E5-0CFF-5EEDB76F0CA5}"/>
-              </a:ext>
-            </a:extLst>
-          </p:cNvPr>
-          <p:cNvPicPr>
-            <a:picLocks noGrp="1" noChangeAspect="1"/>
-          </p:cNvPicPr>
-          <p:nvPr>
-            <p:ph idx="1"/>
-          </p:nvPr>
-        </p:nvPicPr>
-        <p:blipFill>
-          <a:blip r:embed="rId2"/>
-          <a:stretch>
-            <a:fillRect/>
-          </a:stretch>
-        </p:blipFill>
-        <p:spPr>
-          <a:xfrm>
-            <a:off x="5599085" y="643466"/>
-            <a:ext cx="5137162" cy="5568739"/>
-          </a:xfrm>
-          <a:prstGeom prst="rect">
-            <a:avLst/>
-          </a:prstGeom>
-        </p:spPr>
-      </p:pic>
-    </p:spTree>
-    <p:extLst>
-      <p:ext uri="{BB962C8B-B14F-4D97-AF65-F5344CB8AC3E}">
-        <p14:creationId xmlns:p14="http://schemas.microsoft.com/office/powerpoint/2010/main" val="358237075"/>
-      </p:ext>
-    </p:extLst>
-  </p:cSld>
-  <p:clrMapOvr>
-    <a:masterClrMapping/>
-  </p:clrMapOvr>
-</p:sld>
-</file>
-
-<file path=ppt/slides/slide7.xml><?xml version="1.0" encoding="utf-8"?>
-<p:sld xmlns:a="http://schemas.openxmlformats.org/drawingml/2006/main" xmlns:r="http://schemas.openxmlformats.org/officeDocument/2006/relationships" xmlns:p="http://schemas.openxmlformats.org/presentationml/2006/main">
-  <p:cSld>
-    <p:spTree>
-      <p:nvGrpSpPr>
-        <p:cNvPr id="1" name=""/>
-        <p:cNvGrpSpPr/>
-        <p:nvPr/>
-      </p:nvGrpSpPr>
-      <p:grpSpPr>
-        <a:xfrm>
-          <a:off x="0" y="0"/>
-          <a:ext cx="0" cy="0"/>
-          <a:chOff x="0" y="0"/>
-          <a:chExt cx="0" cy="0"/>
-        </a:xfrm>
-      </p:grpSpPr>
-      <p:sp>
-        <p:nvSpPr>
-          <p:cNvPr id="2" name="Titel 1">
-            <a:extLst>
-              <a:ext uri="{FF2B5EF4-FFF2-40B4-BE49-F238E27FC236}">
-                <a16:creationId xmlns:a16="http://schemas.microsoft.com/office/drawing/2014/main" id="{301EDC8B-10EA-95F1-D2FE-EBA9C3F01B5C}"/>
-              </a:ext>
-            </a:extLst>
-          </p:cNvPr>
-          <p:cNvSpPr>
-            <a:spLocks noGrp="1"/>
-          </p:cNvSpPr>
-          <p:nvPr>
-            <p:ph type="title"/>
-          </p:nvPr>
-        </p:nvSpPr>
-        <p:spPr/>
-        <p:txBody>
-          <a:bodyPr/>
-          <a:lstStyle/>
-          <a:p>
-            <a:r>
-              <a:rPr lang="de-DE" dirty="0"/>
-              <a:t>ML-</a:t>
-            </a:r>
-            <a:r>
-              <a:rPr lang="de-DE" dirty="0" err="1"/>
-              <a:t>based</a:t>
-            </a:r>
-            <a:r>
-              <a:rPr lang="de-DE" dirty="0"/>
-              <a:t>!</a:t>
-            </a:r>
-          </a:p>
-        </p:txBody>
-      </p:sp>
-      <p:sp>
-        <p:nvSpPr>
-          <p:cNvPr id="3" name="Inhaltsplatzhalter 2">
-            <a:extLst>
-              <a:ext uri="{FF2B5EF4-FFF2-40B4-BE49-F238E27FC236}">
-                <a16:creationId xmlns:a16="http://schemas.microsoft.com/office/drawing/2014/main" id="{B036B0A0-C32A-F730-F756-7F6FBAC25BAD}"/>
-              </a:ext>
-            </a:extLst>
-          </p:cNvPr>
-          <p:cNvSpPr>
-            <a:spLocks noGrp="1"/>
-          </p:cNvSpPr>
-          <p:nvPr>
-            <p:ph idx="1"/>
-          </p:nvPr>
-        </p:nvSpPr>
-        <p:spPr/>
-        <p:txBody>
-          <a:bodyPr/>
-          <a:lstStyle/>
-          <a:p>
-            <a:r>
-              <a:rPr lang="en-US" b="1" dirty="0"/>
-              <a:t>Idea:</a:t>
-            </a:r>
-            <a:r>
-              <a:rPr lang="en-US" dirty="0"/>
-              <a:t> Treat validation as a supervised classification problem (not as unsupervised see Dos Santos 2024)</a:t>
-            </a:r>
-          </a:p>
-          <a:p>
-            <a:r>
-              <a:rPr lang="en-US" b="1" dirty="0"/>
-              <a:t>Input Data:</a:t>
-            </a:r>
-            <a:r>
-              <a:rPr lang="en-US" dirty="0"/>
-              <a:t> Process execution data from </a:t>
-            </a:r>
-            <a:r>
-              <a:rPr lang="en-US" i="1" dirty="0"/>
-              <a:t>Real System</a:t>
-            </a:r>
-            <a:r>
-              <a:rPr lang="en-US" dirty="0"/>
-              <a:t> and </a:t>
-            </a:r>
-            <a:r>
-              <a:rPr lang="en-US" i="1" dirty="0"/>
-              <a:t>Simulated SBDT</a:t>
-            </a:r>
-            <a:r>
-              <a:rPr lang="en-US" dirty="0"/>
-              <a:t>, formatted as Object-Centric Event Logs (OCEL).   </a:t>
-            </a:r>
-          </a:p>
-          <a:p>
-            <a:r>
-              <a:rPr lang="en-US" b="1" dirty="0"/>
-              <a:t>Labels:</a:t>
-            </a:r>
-            <a:r>
-              <a:rPr lang="en-US" dirty="0"/>
-              <a:t> Assign different labels (e.g., Real = 1, Simulated = 0).   </a:t>
-            </a:r>
-          </a:p>
-          <a:p>
-            <a:r>
-              <a:rPr lang="en-US" b="1" dirty="0"/>
-              <a:t>Classifier:</a:t>
-            </a:r>
-            <a:r>
-              <a:rPr lang="en-US" dirty="0"/>
-              <a:t> Train an ML model (e.g., </a:t>
-            </a:r>
-            <a:r>
-              <a:rPr lang="en-US" dirty="0" err="1"/>
-              <a:t>BiLSTM</a:t>
-            </a:r>
-            <a:r>
-              <a:rPr lang="en-US" dirty="0"/>
-              <a:t>) to distinguish between the two data sources based on feature subsets representing SBDT components (time, resources, process flow etc.).   </a:t>
-            </a:r>
-            <a:endParaRPr lang="de-DE" dirty="0"/>
-          </a:p>
-        </p:txBody>
-      </p:sp>
-    </p:spTree>
-    <p:extLst>
-      <p:ext uri="{BB962C8B-B14F-4D97-AF65-F5344CB8AC3E}">
-        <p14:creationId xmlns:p14="http://schemas.microsoft.com/office/powerpoint/2010/main" val="700152102"/>
-      </p:ext>
-    </p:extLst>
-  </p:cSld>
-  <p:clrMapOvr>
-    <a:masterClrMapping/>
-  </p:clrMapOvr>
-</p:sld>
-</file>
-
-<file path=ppt/slides/slide8.xml><?xml version="1.0" encoding="utf-8"?>
-<p:sld xmlns:a="http://schemas.openxmlformats.org/drawingml/2006/main" xmlns:r="http://schemas.openxmlformats.org/officeDocument/2006/relationships" xmlns:p="http://schemas.openxmlformats.org/presentationml/2006/main">
-  <p:cSld>
-    <p:spTree>
-      <p:nvGrpSpPr>
-        <p:cNvPr id="1" name=""/>
-        <p:cNvGrpSpPr/>
-        <p:nvPr/>
-      </p:nvGrpSpPr>
-      <p:grpSpPr>
-        <a:xfrm>
-          <a:off x="0" y="0"/>
-          <a:ext cx="0" cy="0"/>
-          <a:chOff x="0" y="0"/>
-          <a:chExt cx="0" cy="0"/>
-        </a:xfrm>
-      </p:grpSpPr>
-      <p:sp>
-        <p:nvSpPr>
-          <p:cNvPr id="2" name="Titel 1">
-            <a:extLst>
-              <a:ext uri="{FF2B5EF4-FFF2-40B4-BE49-F238E27FC236}">
-                <a16:creationId xmlns:a16="http://schemas.microsoft.com/office/drawing/2014/main" id="{9B3BE0D1-4DE0-4BA8-F75F-9AF89E8FE40F}"/>
-              </a:ext>
-            </a:extLst>
-          </p:cNvPr>
-          <p:cNvSpPr>
-            <a:spLocks noGrp="1"/>
-          </p:cNvSpPr>
-          <p:nvPr>
-            <p:ph type="title"/>
-          </p:nvPr>
-        </p:nvSpPr>
-        <p:spPr/>
-        <p:txBody>
-          <a:bodyPr/>
-          <a:lstStyle/>
-          <a:p>
-            <a:r>
-              <a:rPr lang="en-US" dirty="0"/>
-              <a:t>The Reversed Interpretation: Performance NOT-EQ Fidelity</a:t>
-            </a:r>
-            <a:endParaRPr lang="de-DE" dirty="0"/>
-          </a:p>
-        </p:txBody>
-      </p:sp>
-      <p:sp>
-        <p:nvSpPr>
-          <p:cNvPr id="3" name="Inhaltsplatzhalter 2">
-            <a:extLst>
-              <a:ext uri="{FF2B5EF4-FFF2-40B4-BE49-F238E27FC236}">
-                <a16:creationId xmlns:a16="http://schemas.microsoft.com/office/drawing/2014/main" id="{F63ECD09-079C-A340-B90D-347CAC001ADD}"/>
-              </a:ext>
-            </a:extLst>
-          </p:cNvPr>
-          <p:cNvSpPr>
-            <a:spLocks noGrp="1"/>
-          </p:cNvSpPr>
-          <p:nvPr>
-            <p:ph idx="1"/>
-          </p:nvPr>
-        </p:nvSpPr>
-        <p:spPr/>
-        <p:txBody>
-          <a:bodyPr>
-            <a:normAutofit fontScale="92500"/>
-          </a:bodyPr>
-          <a:lstStyle/>
-          <a:p>
-            <a:r>
-              <a:rPr lang="en-US" b="1" dirty="0"/>
-              <a:t>Traditional ML Goal:</a:t>
-            </a:r>
-            <a:r>
-              <a:rPr lang="en-US" dirty="0"/>
-              <a:t> High accuracy/AUC = Good model performance.</a:t>
-            </a:r>
-          </a:p>
-          <a:p>
-            <a:r>
-              <a:rPr lang="en-US" b="1" dirty="0"/>
-              <a:t>Our Validation Goal:</a:t>
-            </a:r>
-            <a:r>
-              <a:rPr lang="en-US" dirty="0"/>
-              <a:t> Assess SBDT fidelity.</a:t>
-            </a:r>
-          </a:p>
-          <a:p>
-            <a:r>
-              <a:rPr lang="de-DE" b="1" dirty="0"/>
-              <a:t>The Key Insight:</a:t>
-            </a:r>
-            <a:r>
-              <a:rPr lang="de-DE" dirty="0"/>
-              <a:t> </a:t>
-            </a:r>
-            <a:endParaRPr lang="en-US" dirty="0"/>
-          </a:p>
-          <a:p>
-            <a:pPr lvl="1"/>
-            <a:r>
-              <a:rPr lang="en-US" b="1" dirty="0"/>
-              <a:t>IF Classifier performs POORLY (AUC ≈ 0.5):</a:t>
-            </a:r>
-            <a:r>
-              <a:rPr lang="en-US" dirty="0"/>
-              <a:t> It </a:t>
-            </a:r>
-            <a:r>
-              <a:rPr lang="en-US" i="1" dirty="0"/>
-              <a:t>cannot</a:t>
-            </a:r>
-            <a:r>
-              <a:rPr lang="en-US" dirty="0"/>
-              <a:t> distinguish real vs. simulated data. =&gt; </a:t>
-            </a:r>
-            <a:r>
-              <a:rPr lang="en-US" b="1" dirty="0"/>
-              <a:t>HIGH SBDT Fidelity</a:t>
-            </a:r>
-            <a:r>
-              <a:rPr lang="en-US" dirty="0"/>
-              <a:t> (The twin successfully mimics reality for those features).</a:t>
-            </a:r>
-          </a:p>
-          <a:p>
-            <a:pPr lvl="1"/>
-            <a:r>
-              <a:rPr lang="en-US" b="1" dirty="0"/>
-              <a:t>IF Classifier performs WELL (AUC &gt;&gt; 0.5):</a:t>
-            </a:r>
-            <a:r>
-              <a:rPr lang="en-US" dirty="0"/>
-              <a:t> It </a:t>
-            </a:r>
-            <a:r>
-              <a:rPr lang="en-US" i="1" dirty="0"/>
-              <a:t>can easily</a:t>
-            </a:r>
-            <a:r>
-              <a:rPr lang="en-US" dirty="0"/>
-              <a:t> distinguish real vs. simulated data. =&gt; </a:t>
-            </a:r>
-            <a:r>
-              <a:rPr lang="en-US" b="1" dirty="0"/>
-              <a:t>LOW SBDT Fidelity</a:t>
-            </a:r>
-            <a:r>
-              <a:rPr lang="en-US" dirty="0"/>
-              <a:t> (The twin failed to replicate real-world complexity/patterns).</a:t>
-            </a:r>
-          </a:p>
-          <a:p>
-            <a:r>
-              <a:rPr lang="en-US" dirty="0"/>
-              <a:t>High classifier performance signals </a:t>
-            </a:r>
-            <a:r>
-              <a:rPr lang="en-US" i="1" dirty="0"/>
-              <a:t>detectable discrepancies</a:t>
-            </a:r>
-            <a:r>
-              <a:rPr lang="en-US" dirty="0"/>
-              <a:t> in the SBDT component being tested.   </a:t>
-            </a:r>
-            <a:endParaRPr lang="de-DE" dirty="0"/>
-          </a:p>
-        </p:txBody>
-      </p:sp>
-    </p:spTree>
-    <p:extLst>
-      <p:ext uri="{BB962C8B-B14F-4D97-AF65-F5344CB8AC3E}">
-        <p14:creationId xmlns:p14="http://schemas.microsoft.com/office/powerpoint/2010/main" val="4110433974"/>
-      </p:ext>
-    </p:extLst>
-  </p:cSld>
-  <p:clrMapOvr>
-    <a:masterClrMapping/>
-  </p:clrMapOvr>
-</p:sld>
-</file>
-
-<file path=ppt/slides/slide9.xml><?xml version="1.0" encoding="utf-8"?>
-<p:sld xmlns:a="http://schemas.openxmlformats.org/drawingml/2006/main" xmlns:r="http://schemas.openxmlformats.org/officeDocument/2006/relationships" xmlns:p="http://schemas.openxmlformats.org/presentationml/2006/main">
-  <p:cSld>
-    <p:spTree>
-      <p:nvGrpSpPr>
-        <p:cNvPr id="1" name=""/>
-        <p:cNvGrpSpPr/>
-        <p:nvPr/>
-      </p:nvGrpSpPr>
-      <p:grpSpPr>
-        <a:xfrm>
-          <a:off x="0" y="0"/>
-          <a:ext cx="0" cy="0"/>
-          <a:chOff x="0" y="0"/>
-          <a:chExt cx="0" cy="0"/>
-        </a:xfrm>
-      </p:grpSpPr>
-      <p:sp>
-        <p:nvSpPr>
-          <p:cNvPr id="2" name="Titel 1">
-            <a:extLst>
-              <a:ext uri="{FF2B5EF4-FFF2-40B4-BE49-F238E27FC236}">
-                <a16:creationId xmlns:a16="http://schemas.microsoft.com/office/drawing/2014/main" id="{A9D1C239-6A30-2AFD-F73B-612AF79DD1E2}"/>
-              </a:ext>
-            </a:extLst>
-          </p:cNvPr>
-          <p:cNvSpPr>
-            <a:spLocks noGrp="1"/>
-          </p:cNvSpPr>
-          <p:nvPr>
-            <p:ph type="title"/>
-          </p:nvPr>
-        </p:nvSpPr>
-        <p:spPr/>
-        <p:txBody>
-          <a:bodyPr/>
-          <a:lstStyle/>
-          <a:p>
-            <a:r>
-              <a:rPr lang="de-DE" dirty="0"/>
-              <a:t>Multi Ensemble Approach!</a:t>
-            </a:r>
-          </a:p>
-        </p:txBody>
-      </p:sp>
-      <p:sp>
-        <p:nvSpPr>
-          <p:cNvPr id="3" name="Inhaltsplatzhalter 2">
-            <a:extLst>
-              <a:ext uri="{FF2B5EF4-FFF2-40B4-BE49-F238E27FC236}">
-                <a16:creationId xmlns:a16="http://schemas.microsoft.com/office/drawing/2014/main" id="{DDD2FB59-F018-A540-98AE-A8D4A534029B}"/>
-              </a:ext>
-            </a:extLst>
-          </p:cNvPr>
-          <p:cNvSpPr>
-            <a:spLocks noGrp="1"/>
-          </p:cNvSpPr>
-          <p:nvPr>
-            <p:ph idx="1"/>
-          </p:nvPr>
-        </p:nvSpPr>
-        <p:spPr/>
-        <p:txBody>
-          <a:bodyPr>
-            <a:normAutofit fontScale="85000" lnSpcReduction="10000"/>
-          </a:bodyPr>
-          <a:lstStyle/>
-          <a:p>
-            <a:r>
-              <a:rPr lang="de-DE" b="1" dirty="0"/>
-              <a:t>Models </a:t>
-            </a:r>
-            <a:r>
-              <a:rPr lang="de-DE" b="1" dirty="0" err="1"/>
-              <a:t>Used</a:t>
-            </a:r>
-            <a:r>
-              <a:rPr lang="de-DE" b="1" dirty="0"/>
-              <a:t>:</a:t>
-            </a:r>
-            <a:r>
-              <a:rPr lang="de-DE" dirty="0"/>
-              <a:t> </a:t>
-            </a:r>
-          </a:p>
-          <a:p>
-            <a:pPr lvl="1"/>
-            <a:r>
-              <a:rPr lang="en-US" dirty="0"/>
-              <a:t>Whitebox Baseline: Decision Tree (</a:t>
-            </a:r>
-            <a:r>
-              <a:rPr lang="en-US" dirty="0" err="1"/>
-              <a:t>DTree</a:t>
-            </a:r>
-            <a:r>
-              <a:rPr lang="en-US" dirty="0"/>
-              <a:t>) - Interpretable.   </a:t>
-            </a:r>
-            <a:endParaRPr lang="de-DE" dirty="0"/>
-          </a:p>
-          <a:p>
-            <a:pPr lvl="1"/>
-            <a:r>
-              <a:rPr lang="de-DE" dirty="0"/>
-              <a:t>Blackbox: </a:t>
-            </a:r>
-            <a:r>
-              <a:rPr lang="de-DE" dirty="0" err="1"/>
-              <a:t>ResNet</a:t>
-            </a:r>
-            <a:r>
-              <a:rPr lang="de-DE" dirty="0"/>
-              <a:t>-</a:t>
-            </a:r>
-            <a:r>
-              <a:rPr lang="de-DE" dirty="0" err="1"/>
-              <a:t>BiLSTM</a:t>
-            </a:r>
-            <a:r>
-              <a:rPr lang="de-DE" dirty="0"/>
-              <a:t>-Attention - </a:t>
-            </a:r>
-            <a:r>
-              <a:rPr lang="de-DE" dirty="0" err="1"/>
-              <a:t>Captures</a:t>
-            </a:r>
-            <a:r>
-              <a:rPr lang="de-DE" dirty="0"/>
-              <a:t> </a:t>
-            </a:r>
-            <a:r>
-              <a:rPr lang="de-DE" dirty="0" err="1"/>
-              <a:t>sequential</a:t>
-            </a:r>
-            <a:r>
-              <a:rPr lang="de-DE" dirty="0"/>
-              <a:t> </a:t>
-            </a:r>
-            <a:r>
-              <a:rPr lang="de-DE" dirty="0" err="1"/>
-              <a:t>patterns</a:t>
-            </a:r>
-            <a:r>
-              <a:rPr lang="de-DE" dirty="0"/>
-              <a:t>.   </a:t>
-            </a:r>
-          </a:p>
-          <a:p>
-            <a:r>
-              <a:rPr lang="en-US" b="1" dirty="0"/>
-              <a:t>Statistical Significance:</a:t>
-            </a:r>
-            <a:r>
-              <a:rPr lang="en-US" dirty="0"/>
-              <a:t> How confident are we that the classifier isn't just guessing? </a:t>
-            </a:r>
-            <a:endParaRPr lang="de-DE" dirty="0"/>
-          </a:p>
-          <a:p>
-            <a:r>
-              <a:rPr lang="de-DE" b="1" dirty="0"/>
-              <a:t>Permutation </a:t>
-            </a:r>
-            <a:r>
-              <a:rPr lang="de-DE" b="1" dirty="0" err="1"/>
-              <a:t>Testing</a:t>
-            </a:r>
-            <a:r>
-              <a:rPr lang="de-DE" b="1" dirty="0"/>
-              <a:t>:</a:t>
-            </a:r>
-            <a:r>
-              <a:rPr lang="de-DE" dirty="0"/>
-              <a:t> </a:t>
-            </a:r>
-          </a:p>
-          <a:p>
-            <a:pPr lvl="1"/>
-            <a:r>
-              <a:rPr lang="en-US" dirty="0"/>
-              <a:t>Shuffle labels randomly many times (simulating "no difference").</a:t>
-            </a:r>
-            <a:endParaRPr lang="de-DE" dirty="0"/>
-          </a:p>
-          <a:p>
-            <a:pPr lvl="1"/>
-            <a:r>
-              <a:rPr lang="en-US" dirty="0"/>
-              <a:t>Calculate classifier performance (AUC) on shuffled data to get a "null distribution".</a:t>
-            </a:r>
-            <a:endParaRPr lang="de-DE" dirty="0"/>
-          </a:p>
-          <a:p>
-            <a:pPr lvl="1"/>
-            <a:r>
-              <a:rPr lang="en-US" dirty="0"/>
-              <a:t>Compare observed AUC to null distribution =&gt; p-value.</a:t>
-            </a:r>
-            <a:endParaRPr lang="de-DE" dirty="0"/>
-          </a:p>
-          <a:p>
-            <a:pPr lvl="1"/>
-            <a:r>
-              <a:rPr lang="en-US" b="1" dirty="0"/>
-              <a:t>Low p-value (&lt; α):</a:t>
-            </a:r>
-            <a:r>
-              <a:rPr lang="en-US" dirty="0"/>
-              <a:t> Observed AUC is unlikely due to chance =&gt; </a:t>
-            </a:r>
-            <a:r>
-              <a:rPr lang="en-US" i="1" dirty="0"/>
-              <a:t>Statistically Significant Difference Found</a:t>
-            </a:r>
-            <a:r>
-              <a:rPr lang="en-US" dirty="0"/>
-              <a:t>.</a:t>
-            </a:r>
-          </a:p>
-          <a:p>
-            <a:pPr lvl="1"/>
-            <a:r>
-              <a:rPr lang="en-US" dirty="0"/>
-              <a:t>Repeat multiple runs =&gt; </a:t>
-            </a:r>
-            <a:r>
-              <a:rPr lang="en-US" b="1" dirty="0"/>
-              <a:t>Rejection Rate (RR):</a:t>
-            </a:r>
-            <a:r>
-              <a:rPr lang="en-US" dirty="0"/>
-              <a:t> How consistently is the difference found?   </a:t>
-            </a:r>
-          </a:p>
-          <a:p>
-            <a:r>
-              <a:rPr lang="en-US" dirty="0"/>
-              <a:t>Applied on IoT Factory Data! </a:t>
-            </a:r>
-            <a:endParaRPr lang="de-DE" dirty="0"/>
-          </a:p>
-        </p:txBody>
-      </p:sp>
-    </p:spTree>
-    <p:extLst>
-      <p:ext uri="{BB962C8B-B14F-4D97-AF65-F5344CB8AC3E}">
-        <p14:creationId xmlns:p14="http://schemas.microsoft.com/office/powerpoint/2010/main" val="817878492"/>
       </p:ext>
     </p:extLst>
   </p:cSld>
